--- a/Revature_PPT_Template (1).pptx
+++ b/Revature_PPT_Template (1).pptx
@@ -5,7 +5,7 @@
     <p:sldMasterId id="2147483661" r:id="rId1"/>
   </p:sldMasterIdLst>
   <p:notesMasterIdLst>
-    <p:notesMasterId r:id="rId15"/>
+    <p:notesMasterId r:id="rId13"/>
   </p:notesMasterIdLst>
   <p:sldIdLst>
     <p:sldId id="256" r:id="rId2"/>
@@ -13,14 +13,12 @@
     <p:sldId id="258" r:id="rId4"/>
     <p:sldId id="259" r:id="rId5"/>
     <p:sldId id="260" r:id="rId6"/>
-    <p:sldId id="261" r:id="rId7"/>
-    <p:sldId id="262" r:id="rId8"/>
-    <p:sldId id="263" r:id="rId9"/>
-    <p:sldId id="264" r:id="rId10"/>
-    <p:sldId id="265" r:id="rId11"/>
-    <p:sldId id="266" r:id="rId12"/>
-    <p:sldId id="267" r:id="rId13"/>
-    <p:sldId id="268" r:id="rId14"/>
+    <p:sldId id="263" r:id="rId7"/>
+    <p:sldId id="264" r:id="rId8"/>
+    <p:sldId id="265" r:id="rId9"/>
+    <p:sldId id="266" r:id="rId10"/>
+    <p:sldId id="267" r:id="rId11"/>
+    <p:sldId id="268" r:id="rId12"/>
   </p:sldIdLst>
   <p:sldSz cx="9144000" cy="6858000" type="screen4x3"/>
   <p:notesSz cx="7010400" cy="9296400"/>
@@ -261,59 +259,235 @@
 </p:presentation>
 </file>
 
+<file path=ppt/revisionInfo.xml><?xml version="1.0" encoding="utf-8"?>
+<p1510:revInfo xmlns:a="http://schemas.openxmlformats.org/drawingml/2006/main" xmlns:r="http://schemas.openxmlformats.org/officeDocument/2006/relationships" xmlns:p1510="http://schemas.microsoft.com/office/powerpoint/2015/10/main">
+  <p1510:revLst>
+    <p1510:client id="{639DFE65-9852-4226-8505-0AB60F7BF2AF}" v="1" dt="2022-11-03T21:05:18.284"/>
+  </p1510:revLst>
+</p1510:revInfo>
+</file>
+
 <file path=ppt/changesInfos/changesInfo1.xml><?xml version="1.0" encoding="utf-8"?>
 <pc:chgInfo xmlns:a="http://schemas.openxmlformats.org/drawingml/2006/main" xmlns:r="http://schemas.openxmlformats.org/officeDocument/2006/relationships" xmlns:ac="http://schemas.microsoft.com/office/drawing/2013/main/command" xmlns:pc="http://schemas.microsoft.com/office/powerpoint/2013/main/command">
   <pc:docChgLst>
     <pc:chgData name="Josiah Schmidt" userId="fb95630c82ccdcef" providerId="LiveId" clId="{639DFE65-9852-4226-8505-0AB60F7BF2AF}"/>
-    <pc:docChg chg="custSel modSld">
-      <pc:chgData name="Josiah Schmidt" userId="fb95630c82ccdcef" providerId="LiveId" clId="{639DFE65-9852-4226-8505-0AB60F7BF2AF}" dt="2022-11-03T04:18:01.503" v="75" actId="14100"/>
+    <pc:docChg chg="undo custSel delSld modSld">
+      <pc:chgData name="Josiah Schmidt" userId="fb95630c82ccdcef" providerId="LiveId" clId="{639DFE65-9852-4226-8505-0AB60F7BF2AF}" dt="2022-11-03T21:19:51.318" v="727" actId="20577"/>
       <pc:docMkLst>
         <pc:docMk/>
       </pc:docMkLst>
-      <pc:sldChg chg="addSp modSp mod">
-        <pc:chgData name="Josiah Schmidt" userId="fb95630c82ccdcef" providerId="LiveId" clId="{639DFE65-9852-4226-8505-0AB60F7BF2AF}" dt="2022-11-03T04:18:01.503" v="75" actId="14100"/>
+      <pc:sldChg chg="modSp mod">
+        <pc:chgData name="Josiah Schmidt" userId="fb95630c82ccdcef" providerId="LiveId" clId="{639DFE65-9852-4226-8505-0AB60F7BF2AF}" dt="2022-11-03T20:16:07.002" v="118" actId="20577"/>
+        <pc:sldMkLst>
+          <pc:docMk/>
+          <pc:sldMk cId="0" sldId="257"/>
+        </pc:sldMkLst>
+        <pc:spChg chg="mod">
+          <ac:chgData name="Josiah Schmidt" userId="fb95630c82ccdcef" providerId="LiveId" clId="{639DFE65-9852-4226-8505-0AB60F7BF2AF}" dt="2022-11-03T20:16:07.002" v="118" actId="20577"/>
+          <ac:spMkLst>
+            <pc:docMk/>
+            <pc:sldMk cId="0" sldId="257"/>
+            <ac:spMk id="219" creationId="{00000000-0000-0000-0000-000000000000}"/>
+          </ac:spMkLst>
+        </pc:spChg>
+      </pc:sldChg>
+      <pc:sldChg chg="addSp delSp modSp mod">
+        <pc:chgData name="Josiah Schmidt" userId="fb95630c82ccdcef" providerId="LiveId" clId="{639DFE65-9852-4226-8505-0AB60F7BF2AF}" dt="2022-11-03T21:01:38.334" v="218" actId="14100"/>
+        <pc:sldMkLst>
+          <pc:docMk/>
+          <pc:sldMk cId="826342459" sldId="258"/>
+        </pc:sldMkLst>
+        <pc:spChg chg="mod">
+          <ac:chgData name="Josiah Schmidt" userId="fb95630c82ccdcef" providerId="LiveId" clId="{639DFE65-9852-4226-8505-0AB60F7BF2AF}" dt="2022-11-03T21:01:22.200" v="213" actId="1076"/>
+          <ac:spMkLst>
+            <pc:docMk/>
+            <pc:sldMk cId="826342459" sldId="258"/>
+            <ac:spMk id="3" creationId="{6C387814-35F4-F978-AE23-B74ACF8969FA}"/>
+          </ac:spMkLst>
+        </pc:spChg>
+        <pc:picChg chg="add del mod">
+          <ac:chgData name="Josiah Schmidt" userId="fb95630c82ccdcef" providerId="LiveId" clId="{639DFE65-9852-4226-8505-0AB60F7BF2AF}" dt="2022-11-03T20:47:37.368" v="207" actId="478"/>
+          <ac:picMkLst>
+            <pc:docMk/>
+            <pc:sldMk cId="826342459" sldId="258"/>
+            <ac:picMk id="6" creationId="{CEE48EF0-D4EF-2AFB-98CC-3BA881033DEC}"/>
+          </ac:picMkLst>
+        </pc:picChg>
+        <pc:picChg chg="add mod">
+          <ac:chgData name="Josiah Schmidt" userId="fb95630c82ccdcef" providerId="LiveId" clId="{639DFE65-9852-4226-8505-0AB60F7BF2AF}" dt="2022-11-03T21:01:38.334" v="218" actId="14100"/>
+          <ac:picMkLst>
+            <pc:docMk/>
+            <pc:sldMk cId="826342459" sldId="258"/>
+            <ac:picMk id="8" creationId="{1573FF5E-6F36-90CA-5B6F-AB0477BB5E1E}"/>
+          </ac:picMkLst>
+        </pc:picChg>
+      </pc:sldChg>
+      <pc:sldChg chg="modSp mod">
+        <pc:chgData name="Josiah Schmidt" userId="fb95630c82ccdcef" providerId="LiveId" clId="{639DFE65-9852-4226-8505-0AB60F7BF2AF}" dt="2022-11-03T21:03:21.736" v="329" actId="20577"/>
+        <pc:sldMkLst>
+          <pc:docMk/>
+          <pc:sldMk cId="2306952780" sldId="259"/>
+        </pc:sldMkLst>
+        <pc:spChg chg="mod">
+          <ac:chgData name="Josiah Schmidt" userId="fb95630c82ccdcef" providerId="LiveId" clId="{639DFE65-9852-4226-8505-0AB60F7BF2AF}" dt="2022-11-03T21:03:21.736" v="329" actId="20577"/>
+          <ac:spMkLst>
+            <pc:docMk/>
+            <pc:sldMk cId="2306952780" sldId="259"/>
+            <ac:spMk id="3" creationId="{449847E9-953D-A98B-1317-2D47BDDB8B45}"/>
+          </ac:spMkLst>
+        </pc:spChg>
+      </pc:sldChg>
+      <pc:sldChg chg="addSp delSp modSp mod">
+        <pc:chgData name="Josiah Schmidt" userId="fb95630c82ccdcef" providerId="LiveId" clId="{639DFE65-9852-4226-8505-0AB60F7BF2AF}" dt="2022-11-03T21:07:17.886" v="392" actId="1076"/>
+        <pc:sldMkLst>
+          <pc:docMk/>
+          <pc:sldMk cId="303297163" sldId="260"/>
+        </pc:sldMkLst>
+        <pc:spChg chg="add del mod">
+          <ac:chgData name="Josiah Schmidt" userId="fb95630c82ccdcef" providerId="LiveId" clId="{639DFE65-9852-4226-8505-0AB60F7BF2AF}" dt="2022-11-03T21:06:52.917" v="384" actId="478"/>
+          <ac:spMkLst>
+            <pc:docMk/>
+            <pc:sldMk cId="303297163" sldId="260"/>
+            <ac:spMk id="3" creationId="{1E03FF6E-DF6E-F53C-3BF1-E6F022145186}"/>
+          </ac:spMkLst>
+        </pc:spChg>
+        <pc:spChg chg="add del mod">
+          <ac:chgData name="Josiah Schmidt" userId="fb95630c82ccdcef" providerId="LiveId" clId="{639DFE65-9852-4226-8505-0AB60F7BF2AF}" dt="2022-11-03T21:07:09.184" v="389" actId="478"/>
+          <ac:spMkLst>
+            <pc:docMk/>
+            <pc:sldMk cId="303297163" sldId="260"/>
+            <ac:spMk id="6" creationId="{30D9B8AA-87C8-55B8-108B-A3D5AF06F802}"/>
+          </ac:spMkLst>
+        </pc:spChg>
+        <pc:spChg chg="mod">
+          <ac:chgData name="Josiah Schmidt" userId="fb95630c82ccdcef" providerId="LiveId" clId="{639DFE65-9852-4226-8505-0AB60F7BF2AF}" dt="2022-11-03T21:07:13.498" v="390" actId="1076"/>
+          <ac:spMkLst>
+            <pc:docMk/>
+            <pc:sldMk cId="303297163" sldId="260"/>
+            <ac:spMk id="19" creationId="{F37FD9DD-F712-9726-C906-6F3F2C02ADFE}"/>
+          </ac:spMkLst>
+        </pc:spChg>
+        <pc:spChg chg="add del">
+          <ac:chgData name="Josiah Schmidt" userId="fb95630c82ccdcef" providerId="LiveId" clId="{639DFE65-9852-4226-8505-0AB60F7BF2AF}" dt="2022-11-03T21:04:18.058" v="331" actId="478"/>
+          <ac:spMkLst>
+            <pc:docMk/>
+            <pc:sldMk cId="303297163" sldId="260"/>
+            <ac:spMk id="20" creationId="{3DD4E056-C544-B21D-C262-D4D1A4EB62F4}"/>
+          </ac:spMkLst>
+        </pc:spChg>
+        <pc:spChg chg="mod">
+          <ac:chgData name="Josiah Schmidt" userId="fb95630c82ccdcef" providerId="LiveId" clId="{639DFE65-9852-4226-8505-0AB60F7BF2AF}" dt="2022-11-03T21:07:16.456" v="391" actId="1076"/>
+          <ac:spMkLst>
+            <pc:docMk/>
+            <pc:sldMk cId="303297163" sldId="260"/>
+            <ac:spMk id="21" creationId="{D51688CC-4A24-0E63-51FF-695D9DB0BE10}"/>
+          </ac:spMkLst>
+        </pc:spChg>
+        <pc:spChg chg="mod">
+          <ac:chgData name="Josiah Schmidt" userId="fb95630c82ccdcef" providerId="LiveId" clId="{639DFE65-9852-4226-8505-0AB60F7BF2AF}" dt="2022-11-03T21:07:17.886" v="392" actId="1076"/>
+          <ac:spMkLst>
+            <pc:docMk/>
+            <pc:sldMk cId="303297163" sldId="260"/>
+            <ac:spMk id="29" creationId="{55397B43-DDB9-C448-EC47-B3B408908230}"/>
+          </ac:spMkLst>
+        </pc:spChg>
+      </pc:sldChg>
+      <pc:sldChg chg="modSp del mod">
+        <pc:chgData name="Josiah Schmidt" userId="fb95630c82ccdcef" providerId="LiveId" clId="{639DFE65-9852-4226-8505-0AB60F7BF2AF}" dt="2022-11-03T21:13:31.367" v="398" actId="2696"/>
+        <pc:sldMkLst>
+          <pc:docMk/>
+          <pc:sldMk cId="2139697948" sldId="261"/>
+        </pc:sldMkLst>
+        <pc:spChg chg="mod">
+          <ac:chgData name="Josiah Schmidt" userId="fb95630c82ccdcef" providerId="LiveId" clId="{639DFE65-9852-4226-8505-0AB60F7BF2AF}" dt="2022-11-03T21:09:01.859" v="397" actId="20577"/>
+          <ac:spMkLst>
+            <pc:docMk/>
+            <pc:sldMk cId="2139697948" sldId="261"/>
+            <ac:spMk id="3" creationId="{4B3117D6-7B8F-65E9-3A23-11DE3D54D422}"/>
+          </ac:spMkLst>
+        </pc:spChg>
+      </pc:sldChg>
+      <pc:sldChg chg="del">
+        <pc:chgData name="Josiah Schmidt" userId="fb95630c82ccdcef" providerId="LiveId" clId="{639DFE65-9852-4226-8505-0AB60F7BF2AF}" dt="2022-11-03T21:14:43.694" v="466" actId="2696"/>
+        <pc:sldMkLst>
+          <pc:docMk/>
+          <pc:sldMk cId="96408489" sldId="262"/>
+        </pc:sldMkLst>
+      </pc:sldChg>
+      <pc:sldChg chg="modSp mod">
+        <pc:chgData name="Josiah Schmidt" userId="fb95630c82ccdcef" providerId="LiveId" clId="{639DFE65-9852-4226-8505-0AB60F7BF2AF}" dt="2022-11-03T21:19:22.770" v="698" actId="20577"/>
+        <pc:sldMkLst>
+          <pc:docMk/>
+          <pc:sldMk cId="2289803242" sldId="263"/>
+        </pc:sldMkLst>
+        <pc:spChg chg="mod">
+          <ac:chgData name="Josiah Schmidt" userId="fb95630c82ccdcef" providerId="LiveId" clId="{639DFE65-9852-4226-8505-0AB60F7BF2AF}" dt="2022-11-03T21:19:22.770" v="698" actId="20577"/>
+          <ac:spMkLst>
+            <pc:docMk/>
+            <pc:sldMk cId="2289803242" sldId="263"/>
+            <ac:spMk id="3" creationId="{27495E40-445D-93BC-73B4-1E0EC3929322}"/>
+          </ac:spMkLst>
+        </pc:spChg>
+      </pc:sldChg>
+      <pc:sldChg chg="addSp delSp modSp mod">
+        <pc:chgData name="Josiah Schmidt" userId="fb95630c82ccdcef" providerId="LiveId" clId="{639DFE65-9852-4226-8505-0AB60F7BF2AF}" dt="2022-11-03T21:19:51.318" v="727" actId="20577"/>
         <pc:sldMkLst>
           <pc:docMk/>
           <pc:sldMk cId="3374668984" sldId="264"/>
         </pc:sldMkLst>
         <pc:spChg chg="mod">
-          <ac:chgData name="Josiah Schmidt" userId="fb95630c82ccdcef" providerId="LiveId" clId="{639DFE65-9852-4226-8505-0AB60F7BF2AF}" dt="2022-11-03T04:16:20.124" v="66" actId="20577"/>
+          <ac:chgData name="Josiah Schmidt" userId="fb95630c82ccdcef" providerId="LiveId" clId="{639DFE65-9852-4226-8505-0AB60F7BF2AF}" dt="2022-11-03T21:19:51.318" v="727" actId="20577"/>
           <ac:spMkLst>
             <pc:docMk/>
             <pc:sldMk cId="3374668984" sldId="264"/>
             <ac:spMk id="3" creationId="{A0C5341D-F501-151C-41B8-4EE905EAB673}"/>
           </ac:spMkLst>
         </pc:spChg>
-        <pc:spChg chg="add mod">
-          <ac:chgData name="Josiah Schmidt" userId="fb95630c82ccdcef" providerId="LiveId" clId="{639DFE65-9852-4226-8505-0AB60F7BF2AF}" dt="2022-11-03T04:17:15.191" v="68" actId="1076"/>
+        <pc:spChg chg="add del mod">
+          <ac:chgData name="Josiah Schmidt" userId="fb95630c82ccdcef" providerId="LiveId" clId="{639DFE65-9852-4226-8505-0AB60F7BF2AF}" dt="2022-11-03T21:19:37.211" v="699" actId="478"/>
           <ac:spMkLst>
             <pc:docMk/>
             <pc:sldMk cId="3374668984" sldId="264"/>
             <ac:spMk id="5" creationId="{1E2EBFD5-3A1C-16F9-6EF3-8ED9F1A56B6A}"/>
           </ac:spMkLst>
         </pc:spChg>
-        <pc:spChg chg="add">
-          <ac:chgData name="Josiah Schmidt" userId="fb95630c82ccdcef" providerId="LiveId" clId="{639DFE65-9852-4226-8505-0AB60F7BF2AF}" dt="2022-11-03T04:17:24.810" v="69" actId="11529"/>
+        <pc:spChg chg="add del">
+          <ac:chgData name="Josiah Schmidt" userId="fb95630c82ccdcef" providerId="LiveId" clId="{639DFE65-9852-4226-8505-0AB60F7BF2AF}" dt="2022-11-03T21:19:38.260" v="700" actId="478"/>
           <ac:spMkLst>
             <pc:docMk/>
             <pc:sldMk cId="3374668984" sldId="264"/>
             <ac:spMk id="6" creationId="{E1E41608-46DC-13A5-E0FC-CF0C419BD2DD}"/>
           </ac:spMkLst>
         </pc:spChg>
-        <pc:spChg chg="add mod">
-          <ac:chgData name="Josiah Schmidt" userId="fb95630c82ccdcef" providerId="LiveId" clId="{639DFE65-9852-4226-8505-0AB60F7BF2AF}" dt="2022-11-03T04:18:01.503" v="75" actId="14100"/>
+        <pc:spChg chg="add del mod">
+          <ac:chgData name="Josiah Schmidt" userId="fb95630c82ccdcef" providerId="LiveId" clId="{639DFE65-9852-4226-8505-0AB60F7BF2AF}" dt="2022-11-03T21:19:38.960" v="701" actId="478"/>
           <ac:spMkLst>
             <pc:docMk/>
             <pc:sldMk cId="3374668984" sldId="264"/>
             <ac:spMk id="7" creationId="{E936AF6E-1256-DA84-0352-720BBD7FB15A}"/>
           </ac:spMkLst>
         </pc:spChg>
-        <pc:spChg chg="add mod">
-          <ac:chgData name="Josiah Schmidt" userId="fb95630c82ccdcef" providerId="LiveId" clId="{639DFE65-9852-4226-8505-0AB60F7BF2AF}" dt="2022-11-03T04:17:54.987" v="73" actId="14100"/>
+        <pc:spChg chg="add del mod">
+          <ac:chgData name="Josiah Schmidt" userId="fb95630c82ccdcef" providerId="LiveId" clId="{639DFE65-9852-4226-8505-0AB60F7BF2AF}" dt="2022-11-03T21:19:39.417" v="702" actId="478"/>
           <ac:spMkLst>
             <pc:docMk/>
             <pc:sldMk cId="3374668984" sldId="264"/>
             <ac:spMk id="8" creationId="{ECAA6C42-6363-4473-44B2-C519F1B858BF}"/>
+          </ac:spMkLst>
+        </pc:spChg>
+      </pc:sldChg>
+      <pc:sldChg chg="modSp mod">
+        <pc:chgData name="Josiah Schmidt" userId="fb95630c82ccdcef" providerId="LiveId" clId="{639DFE65-9852-4226-8505-0AB60F7BF2AF}" dt="2022-11-03T21:14:34.910" v="465" actId="20577"/>
+        <pc:sldMkLst>
+          <pc:docMk/>
+          <pc:sldMk cId="1832876262" sldId="267"/>
+        </pc:sldMkLst>
+        <pc:spChg chg="mod">
+          <ac:chgData name="Josiah Schmidt" userId="fb95630c82ccdcef" providerId="LiveId" clId="{639DFE65-9852-4226-8505-0AB60F7BF2AF}" dt="2022-11-03T21:14:34.910" v="465" actId="20577"/>
+          <ac:spMkLst>
+            <pc:docMk/>
+            <pc:sldMk cId="1832876262" sldId="267"/>
+            <ac:spMk id="3" creationId="{6A05C9A5-A25E-E2D7-EF9C-7C85C76E6B51}"/>
           </ac:spMkLst>
         </pc:spChg>
       </pc:sldChg>
@@ -27880,248 +28054,6 @@
           <p:cNvPr id="2" name="Title 1">
             <a:extLst>
               <a:ext uri="{FF2B5EF4-FFF2-40B4-BE49-F238E27FC236}">
-                <a16:creationId xmlns:a16="http://schemas.microsoft.com/office/drawing/2014/main" id="{FBB9F9F5-9908-3A9D-1B55-10E5E652BE1D}"/>
-              </a:ext>
-            </a:extLst>
-          </p:cNvPr>
-          <p:cNvSpPr>
-            <a:spLocks noGrp="1"/>
-          </p:cNvSpPr>
-          <p:nvPr>
-            <p:ph type="title"/>
-          </p:nvPr>
-        </p:nvSpPr>
-        <p:spPr/>
-        <p:txBody>
-          <a:bodyPr/>
-          <a:lstStyle/>
-          <a:p>
-            <a:r>
-              <a:rPr lang="en-US" dirty="0"/>
-              <a:t>Implemented Features</a:t>
-            </a:r>
-          </a:p>
-        </p:txBody>
-      </p:sp>
-      <p:sp>
-        <p:nvSpPr>
-          <p:cNvPr id="3" name="Text Placeholder 2">
-            <a:extLst>
-              <a:ext uri="{FF2B5EF4-FFF2-40B4-BE49-F238E27FC236}">
-                <a16:creationId xmlns:a16="http://schemas.microsoft.com/office/drawing/2014/main" id="{61FCE26D-7AAC-336C-370C-4A259EB21804}"/>
-              </a:ext>
-            </a:extLst>
-          </p:cNvPr>
-          <p:cNvSpPr>
-            <a:spLocks noGrp="1"/>
-          </p:cNvSpPr>
-          <p:nvPr>
-            <p:ph type="body" idx="1"/>
-          </p:nvPr>
-        </p:nvSpPr>
-        <p:spPr/>
-        <p:txBody>
-          <a:bodyPr/>
-          <a:lstStyle/>
-          <a:p>
-            <a:endParaRPr lang="en-US"/>
-          </a:p>
-        </p:txBody>
-      </p:sp>
-      <p:sp>
-        <p:nvSpPr>
-          <p:cNvPr id="4" name="Slide Number Placeholder 3">
-            <a:extLst>
-              <a:ext uri="{FF2B5EF4-FFF2-40B4-BE49-F238E27FC236}">
-                <a16:creationId xmlns:a16="http://schemas.microsoft.com/office/drawing/2014/main" id="{D6EB6420-0C49-20FC-C196-14504FC9B0EF}"/>
-              </a:ext>
-            </a:extLst>
-          </p:cNvPr>
-          <p:cNvSpPr>
-            <a:spLocks noGrp="1"/>
-          </p:cNvSpPr>
-          <p:nvPr>
-            <p:ph type="sldNum" idx="12"/>
-          </p:nvPr>
-        </p:nvSpPr>
-        <p:spPr/>
-        <p:txBody>
-          <a:bodyPr/>
-          <a:lstStyle/>
-          <a:p>
-            <a:pPr marL="0" lvl="0" indent="0" algn="r" rtl="0">
-              <a:spcBef>
-                <a:spcPts val="0"/>
-              </a:spcBef>
-              <a:spcAft>
-                <a:spcPts val="0"/>
-              </a:spcAft>
-              <a:buNone/>
-            </a:pPr>
-            <a:fld id="{00000000-1234-1234-1234-123412341234}" type="slidenum">
-              <a:rPr lang="en-US" smtClean="0"/>
-              <a:t>9</a:t>
-            </a:fld>
-            <a:endParaRPr lang="en-US"/>
-          </a:p>
-        </p:txBody>
-      </p:sp>
-    </p:spTree>
-    <p:extLst>
-      <p:ext uri="{BB962C8B-B14F-4D97-AF65-F5344CB8AC3E}">
-        <p14:creationId xmlns:p14="http://schemas.microsoft.com/office/powerpoint/2010/main" val="2854186743"/>
-      </p:ext>
-    </p:extLst>
-  </p:cSld>
-  <p:clrMapOvr>
-    <a:masterClrMapping/>
-  </p:clrMapOvr>
-</p:sld>
-</file>
-
-<file path=ppt/slides/slide11.xml><?xml version="1.0" encoding="utf-8"?>
-<p:sld xmlns:a="http://schemas.openxmlformats.org/drawingml/2006/main" xmlns:r="http://schemas.openxmlformats.org/officeDocument/2006/relationships" xmlns:p="http://schemas.openxmlformats.org/presentationml/2006/main">
-  <p:cSld>
-    <p:spTree>
-      <p:nvGrpSpPr>
-        <p:cNvPr id="1" name=""/>
-        <p:cNvGrpSpPr/>
-        <p:nvPr/>
-      </p:nvGrpSpPr>
-      <p:grpSpPr>
-        <a:xfrm>
-          <a:off x="0" y="0"/>
-          <a:ext cx="0" cy="0"/>
-          <a:chOff x="0" y="0"/>
-          <a:chExt cx="0" cy="0"/>
-        </a:xfrm>
-      </p:grpSpPr>
-      <p:sp>
-        <p:nvSpPr>
-          <p:cNvPr id="2" name="Title 1">
-            <a:extLst>
-              <a:ext uri="{FF2B5EF4-FFF2-40B4-BE49-F238E27FC236}">
-                <a16:creationId xmlns:a16="http://schemas.microsoft.com/office/drawing/2014/main" id="{A0374644-0D97-2E4A-F68C-4219ED0E61ED}"/>
-              </a:ext>
-            </a:extLst>
-          </p:cNvPr>
-          <p:cNvSpPr>
-            <a:spLocks noGrp="1"/>
-          </p:cNvSpPr>
-          <p:nvPr>
-            <p:ph type="title"/>
-          </p:nvPr>
-        </p:nvSpPr>
-        <p:spPr/>
-        <p:txBody>
-          <a:bodyPr/>
-          <a:lstStyle/>
-          <a:p>
-            <a:r>
-              <a:rPr lang="en-US" dirty="0"/>
-              <a:t>Issues and Defects</a:t>
-            </a:r>
-          </a:p>
-        </p:txBody>
-      </p:sp>
-      <p:sp>
-        <p:nvSpPr>
-          <p:cNvPr id="3" name="Text Placeholder 2">
-            <a:extLst>
-              <a:ext uri="{FF2B5EF4-FFF2-40B4-BE49-F238E27FC236}">
-                <a16:creationId xmlns:a16="http://schemas.microsoft.com/office/drawing/2014/main" id="{2271EFBC-914E-3FEF-55B1-055FBB4D5342}"/>
-              </a:ext>
-            </a:extLst>
-          </p:cNvPr>
-          <p:cNvSpPr>
-            <a:spLocks noGrp="1"/>
-          </p:cNvSpPr>
-          <p:nvPr>
-            <p:ph type="body" idx="1"/>
-          </p:nvPr>
-        </p:nvSpPr>
-        <p:spPr/>
-        <p:txBody>
-          <a:bodyPr/>
-          <a:lstStyle/>
-          <a:p>
-            <a:endParaRPr lang="en-US" dirty="0"/>
-          </a:p>
-        </p:txBody>
-      </p:sp>
-      <p:sp>
-        <p:nvSpPr>
-          <p:cNvPr id="4" name="Slide Number Placeholder 3">
-            <a:extLst>
-              <a:ext uri="{FF2B5EF4-FFF2-40B4-BE49-F238E27FC236}">
-                <a16:creationId xmlns:a16="http://schemas.microsoft.com/office/drawing/2014/main" id="{C206E1DD-971E-9533-F37C-BE091DC610F7}"/>
-              </a:ext>
-            </a:extLst>
-          </p:cNvPr>
-          <p:cNvSpPr>
-            <a:spLocks noGrp="1"/>
-          </p:cNvSpPr>
-          <p:nvPr>
-            <p:ph type="sldNum" idx="12"/>
-          </p:nvPr>
-        </p:nvSpPr>
-        <p:spPr/>
-        <p:txBody>
-          <a:bodyPr/>
-          <a:lstStyle/>
-          <a:p>
-            <a:pPr marL="0" lvl="0" indent="0" algn="r" rtl="0">
-              <a:spcBef>
-                <a:spcPts val="0"/>
-              </a:spcBef>
-              <a:spcAft>
-                <a:spcPts val="0"/>
-              </a:spcAft>
-              <a:buNone/>
-            </a:pPr>
-            <a:fld id="{00000000-1234-1234-1234-123412341234}" type="slidenum">
-              <a:rPr lang="en-US" smtClean="0"/>
-              <a:t>10</a:t>
-            </a:fld>
-            <a:endParaRPr lang="en-US"/>
-          </a:p>
-        </p:txBody>
-      </p:sp>
-    </p:spTree>
-    <p:extLst>
-      <p:ext uri="{BB962C8B-B14F-4D97-AF65-F5344CB8AC3E}">
-        <p14:creationId xmlns:p14="http://schemas.microsoft.com/office/powerpoint/2010/main" val="4083052351"/>
-      </p:ext>
-    </p:extLst>
-  </p:cSld>
-  <p:clrMapOvr>
-    <a:masterClrMapping/>
-  </p:clrMapOvr>
-</p:sld>
-</file>
-
-<file path=ppt/slides/slide12.xml><?xml version="1.0" encoding="utf-8"?>
-<p:sld xmlns:a="http://schemas.openxmlformats.org/drawingml/2006/main" xmlns:r="http://schemas.openxmlformats.org/officeDocument/2006/relationships" xmlns:p="http://schemas.openxmlformats.org/presentationml/2006/main">
-  <p:cSld>
-    <p:spTree>
-      <p:nvGrpSpPr>
-        <p:cNvPr id="1" name=""/>
-        <p:cNvGrpSpPr/>
-        <p:nvPr/>
-      </p:nvGrpSpPr>
-      <p:grpSpPr>
-        <a:xfrm>
-          <a:off x="0" y="0"/>
-          <a:ext cx="0" cy="0"/>
-          <a:chOff x="0" y="0"/>
-          <a:chExt cx="0" cy="0"/>
-        </a:xfrm>
-      </p:grpSpPr>
-      <p:sp>
-        <p:nvSpPr>
-          <p:cNvPr id="2" name="Title 1">
-            <a:extLst>
-              <a:ext uri="{FF2B5EF4-FFF2-40B4-BE49-F238E27FC236}">
                 <a16:creationId xmlns:a16="http://schemas.microsoft.com/office/drawing/2014/main" id="{930BC800-2052-869D-A945-F3258C49AA8B}"/>
               </a:ext>
             </a:extLst>
@@ -28166,7 +28098,16 @@
           <a:bodyPr/>
           <a:lstStyle/>
           <a:p>
-            <a:endParaRPr lang="en-US"/>
+            <a:r>
+              <a:rPr lang="en-US" dirty="0"/>
+              <a:t>Unit Testing</a:t>
+            </a:r>
+          </a:p>
+          <a:p>
+            <a:r>
+              <a:rPr lang="en-US" dirty="0"/>
+              <a:t>Pipeline Build Statistics</a:t>
+            </a:r>
           </a:p>
         </p:txBody>
       </p:sp>
@@ -28202,7 +28143,7 @@
             </a:pPr>
             <a:fld id="{00000000-1234-1234-1234-123412341234}" type="slidenum">
               <a:rPr lang="en-US" smtClean="0"/>
-              <a:t>11</a:t>
+              <a:t>9</a:t>
             </a:fld>
             <a:endParaRPr lang="en-US"/>
           </a:p>
@@ -28221,7 +28162,7 @@
 </p:sld>
 </file>
 
-<file path=ppt/slides/slide13.xml><?xml version="1.0" encoding="utf-8"?>
+<file path=ppt/slides/slide11.xml><?xml version="1.0" encoding="utf-8"?>
 <p:sld xmlns:a="http://schemas.openxmlformats.org/drawingml/2006/main" xmlns:r="http://schemas.openxmlformats.org/officeDocument/2006/relationships" xmlns:p="http://schemas.openxmlformats.org/presentationml/2006/main">
   <p:cSld>
     <p:spTree>
@@ -28323,7 +28264,7 @@
             </a:pPr>
             <a:fld id="{00000000-1234-1234-1234-123412341234}" type="slidenum">
               <a:rPr lang="en-US" smtClean="0"/>
-              <a:t>12</a:t>
+              <a:t>10</a:t>
             </a:fld>
             <a:endParaRPr lang="en-US"/>
           </a:p>
@@ -28438,7 +28379,7 @@
         <p:spPr>
           <a:xfrm>
             <a:off x="380010" y="1481446"/>
-            <a:ext cx="8383980" cy="2802687"/>
+            <a:ext cx="8383980" cy="3108139"/>
           </a:xfrm>
           <a:prstGeom prst="rect">
             <a:avLst/>
@@ -28511,7 +28452,7 @@
             </a:pPr>
             <a:r>
               <a:rPr lang="en-US" dirty="0"/>
-              <a:t>TSX</a:t>
+              <a:t>TypeScript</a:t>
             </a:r>
           </a:p>
           <a:p>
@@ -28540,10 +28481,9 @@
               </a:spcBef>
             </a:pPr>
             <a:r>
-              <a:rPr lang="en-US" dirty="0" err="1"/>
-              <a:t>PostgrSQL</a:t>
+              <a:rPr lang="en-US" dirty="0"/>
+              <a:t>PostgreSQL</a:t>
             </a:r>
-            <a:endParaRPr lang="en-US" dirty="0"/>
           </a:p>
           <a:p>
             <a:pPr marL="635000" indent="-457200">
@@ -28656,6 +28596,26 @@
               <a:spcBef>
                 <a:spcPts val="0"/>
               </a:spcBef>
+            </a:pPr>
+            <a:r>
+              <a:rPr lang="en-US" sz="2800" b="0" i="0" u="none" strike="noStrike" cap="none" dirty="0">
+                <a:solidFill>
+                  <a:schemeClr val="dk2"/>
+                </a:solidFill>
+                <a:latin typeface="Arial"/>
+                <a:ea typeface="Arial"/>
+                <a:cs typeface="Arial"/>
+                <a:sym typeface="Arial"/>
+              </a:rPr>
+              <a:t>JavaScript</a:t>
+            </a:r>
+          </a:p>
+          <a:p>
+            <a:pPr marL="177800" indent="0">
+              <a:spcBef>
+                <a:spcPts val="0"/>
+              </a:spcBef>
+              <a:buNone/>
             </a:pPr>
             <a:endParaRPr sz="2800" b="0" i="0" u="none" strike="noStrike" cap="none" dirty="0">
               <a:solidFill>
@@ -28801,7 +28761,12 @@
             <p:ph type="body" idx="1"/>
           </p:nvPr>
         </p:nvSpPr>
-        <p:spPr/>
+        <p:spPr>
+          <a:xfrm>
+            <a:off x="380010" y="1542992"/>
+            <a:ext cx="8383980" cy="4525963"/>
+          </a:xfrm>
+        </p:spPr>
         <p:txBody>
           <a:bodyPr/>
           <a:lstStyle/>
@@ -28851,6 +28816,36 @@
           </a:p>
         </p:txBody>
       </p:sp>
+      <p:pic>
+        <p:nvPicPr>
+          <p:cNvPr id="8" name="Picture 7">
+            <a:extLst>
+              <a:ext uri="{FF2B5EF4-FFF2-40B4-BE49-F238E27FC236}">
+                <a16:creationId xmlns:a16="http://schemas.microsoft.com/office/drawing/2014/main" id="{1573FF5E-6F36-90CA-5B6F-AB0477BB5E1E}"/>
+              </a:ext>
+            </a:extLst>
+          </p:cNvPr>
+          <p:cNvPicPr>
+            <a:picLocks noChangeAspect="1"/>
+          </p:cNvPicPr>
+          <p:nvPr/>
+        </p:nvPicPr>
+        <p:blipFill>
+          <a:blip r:embed="rId2"/>
+          <a:stretch>
+            <a:fillRect/>
+          </a:stretch>
+        </p:blipFill>
+        <p:spPr>
+          <a:xfrm>
+            <a:off x="203049" y="1542992"/>
+            <a:ext cx="8781379" cy="4525963"/>
+          </a:xfrm>
+          <a:prstGeom prst="rect">
+            <a:avLst/>
+          </a:prstGeom>
+        </p:spPr>
+      </p:pic>
     </p:spTree>
     <p:extLst>
       <p:ext uri="{BB962C8B-B14F-4D97-AF65-F5344CB8AC3E}">
@@ -28932,19 +28927,38 @@
           <a:p>
             <a:r>
               <a:rPr lang="en-US" dirty="0"/>
-              <a:t>Frontend</a:t>
+              <a:t>David: </a:t>
+            </a:r>
+            <a:r>
+              <a:rPr lang="en-US" dirty="0" err="1"/>
+              <a:t>GitFlow</a:t>
+            </a:r>
+            <a:r>
+              <a:rPr lang="en-US" dirty="0"/>
+              <a:t>, Frontend</a:t>
             </a:r>
           </a:p>
           <a:p>
             <a:r>
               <a:rPr lang="en-US" dirty="0"/>
-              <a:t>Backend</a:t>
+              <a:t>Yasin: </a:t>
+            </a:r>
+            <a:r>
+              <a:rPr lang="en-US" dirty="0" err="1"/>
+              <a:t>Fullstack</a:t>
+            </a:r>
+            <a:endParaRPr lang="en-US" dirty="0"/>
+          </a:p>
+          <a:p>
+            <a:r>
+              <a:rPr lang="en-US" dirty="0"/>
+              <a:t>Josiah: Backend</a:t>
             </a:r>
           </a:p>
           <a:p>
             <a:r>
               <a:rPr lang="en-US" dirty="0"/>
-              <a:t>Mediator</a:t>
+              <a:t>Robel: Team Leader</a:t>
             </a:r>
           </a:p>
         </p:txBody>
@@ -29311,8 +29325,8 @@
         </p:nvSpPr>
         <p:spPr>
           <a:xfrm>
-            <a:off x="1549400" y="2740684"/>
-            <a:ext cx="5587993" cy="465665"/>
+            <a:off x="3077309" y="3589982"/>
+            <a:ext cx="2637692" cy="465665"/>
           </a:xfrm>
           <a:prstGeom prst="roundRect">
             <a:avLst/>
@@ -29355,7 +29369,7 @@
             <a:pPr algn="ctr"/>
             <a:r>
               <a:rPr lang="en-US" dirty="0"/>
-              <a:t>API Gateway</a:t>
+              <a:t>Controller</a:t>
             </a:r>
           </a:p>
         </p:txBody>
@@ -29435,7 +29449,7 @@
         </p:nvSpPr>
         <p:spPr>
           <a:xfrm>
-            <a:off x="3191932" y="3729563"/>
+            <a:off x="3175000" y="4479551"/>
             <a:ext cx="2252134" cy="355145"/>
           </a:xfrm>
           <a:prstGeom prst="rect">
@@ -29611,7 +29625,7 @@
         </p:nvSpPr>
         <p:spPr>
           <a:xfrm>
-            <a:off x="3200400" y="4708382"/>
+            <a:off x="3200400" y="4976106"/>
             <a:ext cx="2328333" cy="355145"/>
           </a:xfrm>
           <a:prstGeom prst="round2SameRect">
@@ -29849,248 +29863,6 @@
           <p:cNvPr id="2" name="Title 1">
             <a:extLst>
               <a:ext uri="{FF2B5EF4-FFF2-40B4-BE49-F238E27FC236}">
-                <a16:creationId xmlns:a16="http://schemas.microsoft.com/office/drawing/2014/main" id="{073A8AC9-6C7B-6DE7-22D1-A9967C00F479}"/>
-              </a:ext>
-            </a:extLst>
-          </p:cNvPr>
-          <p:cNvSpPr>
-            <a:spLocks noGrp="1"/>
-          </p:cNvSpPr>
-          <p:nvPr>
-            <p:ph type="title"/>
-          </p:nvPr>
-        </p:nvSpPr>
-        <p:spPr/>
-        <p:txBody>
-          <a:bodyPr/>
-          <a:lstStyle/>
-          <a:p>
-            <a:r>
-              <a:rPr lang="en-US" dirty="0"/>
-              <a:t>Code Test Coverage</a:t>
-            </a:r>
-          </a:p>
-        </p:txBody>
-      </p:sp>
-      <p:sp>
-        <p:nvSpPr>
-          <p:cNvPr id="3" name="Text Placeholder 2">
-            <a:extLst>
-              <a:ext uri="{FF2B5EF4-FFF2-40B4-BE49-F238E27FC236}">
-                <a16:creationId xmlns:a16="http://schemas.microsoft.com/office/drawing/2014/main" id="{4B3117D6-7B8F-65E9-3A23-11DE3D54D422}"/>
-              </a:ext>
-            </a:extLst>
-          </p:cNvPr>
-          <p:cNvSpPr>
-            <a:spLocks noGrp="1"/>
-          </p:cNvSpPr>
-          <p:nvPr>
-            <p:ph type="body" idx="1"/>
-          </p:nvPr>
-        </p:nvSpPr>
-        <p:spPr/>
-        <p:txBody>
-          <a:bodyPr/>
-          <a:lstStyle/>
-          <a:p>
-            <a:endParaRPr lang="en-US"/>
-          </a:p>
-        </p:txBody>
-      </p:sp>
-      <p:sp>
-        <p:nvSpPr>
-          <p:cNvPr id="4" name="Slide Number Placeholder 3">
-            <a:extLst>
-              <a:ext uri="{FF2B5EF4-FFF2-40B4-BE49-F238E27FC236}">
-                <a16:creationId xmlns:a16="http://schemas.microsoft.com/office/drawing/2014/main" id="{4DB11829-8BAE-ADF1-5BBC-71F0A89C615A}"/>
-              </a:ext>
-            </a:extLst>
-          </p:cNvPr>
-          <p:cNvSpPr>
-            <a:spLocks noGrp="1"/>
-          </p:cNvSpPr>
-          <p:nvPr>
-            <p:ph type="sldNum" idx="12"/>
-          </p:nvPr>
-        </p:nvSpPr>
-        <p:spPr/>
-        <p:txBody>
-          <a:bodyPr/>
-          <a:lstStyle/>
-          <a:p>
-            <a:pPr marL="0" lvl="0" indent="0" algn="r" rtl="0">
-              <a:spcBef>
-                <a:spcPts val="0"/>
-              </a:spcBef>
-              <a:spcAft>
-                <a:spcPts val="0"/>
-              </a:spcAft>
-              <a:buNone/>
-            </a:pPr>
-            <a:fld id="{00000000-1234-1234-1234-123412341234}" type="slidenum">
-              <a:rPr lang="en-US" smtClean="0"/>
-              <a:t>5</a:t>
-            </a:fld>
-            <a:endParaRPr lang="en-US"/>
-          </a:p>
-        </p:txBody>
-      </p:sp>
-    </p:spTree>
-    <p:extLst>
-      <p:ext uri="{BB962C8B-B14F-4D97-AF65-F5344CB8AC3E}">
-        <p14:creationId xmlns:p14="http://schemas.microsoft.com/office/powerpoint/2010/main" val="2139697948"/>
-      </p:ext>
-    </p:extLst>
-  </p:cSld>
-  <p:clrMapOvr>
-    <a:masterClrMapping/>
-  </p:clrMapOvr>
-</p:sld>
-</file>
-
-<file path=ppt/slides/slide7.xml><?xml version="1.0" encoding="utf-8"?>
-<p:sld xmlns:a="http://schemas.openxmlformats.org/drawingml/2006/main" xmlns:r="http://schemas.openxmlformats.org/officeDocument/2006/relationships" xmlns:p="http://schemas.openxmlformats.org/presentationml/2006/main">
-  <p:cSld>
-    <p:spTree>
-      <p:nvGrpSpPr>
-        <p:cNvPr id="1" name=""/>
-        <p:cNvGrpSpPr/>
-        <p:nvPr/>
-      </p:nvGrpSpPr>
-      <p:grpSpPr>
-        <a:xfrm>
-          <a:off x="0" y="0"/>
-          <a:ext cx="0" cy="0"/>
-          <a:chOff x="0" y="0"/>
-          <a:chExt cx="0" cy="0"/>
-        </a:xfrm>
-      </p:grpSpPr>
-      <p:sp>
-        <p:nvSpPr>
-          <p:cNvPr id="2" name="Title 1">
-            <a:extLst>
-              <a:ext uri="{FF2B5EF4-FFF2-40B4-BE49-F238E27FC236}">
-                <a16:creationId xmlns:a16="http://schemas.microsoft.com/office/drawing/2014/main" id="{70F0C242-9DA3-7D36-CEAA-AE973726ADD9}"/>
-              </a:ext>
-            </a:extLst>
-          </p:cNvPr>
-          <p:cNvSpPr>
-            <a:spLocks noGrp="1"/>
-          </p:cNvSpPr>
-          <p:nvPr>
-            <p:ph type="title"/>
-          </p:nvPr>
-        </p:nvSpPr>
-        <p:spPr/>
-        <p:txBody>
-          <a:bodyPr/>
-          <a:lstStyle/>
-          <a:p>
-            <a:r>
-              <a:rPr lang="en-US" dirty="0"/>
-              <a:t>Pipeline Build Statistics</a:t>
-            </a:r>
-          </a:p>
-        </p:txBody>
-      </p:sp>
-      <p:sp>
-        <p:nvSpPr>
-          <p:cNvPr id="3" name="Text Placeholder 2">
-            <a:extLst>
-              <a:ext uri="{FF2B5EF4-FFF2-40B4-BE49-F238E27FC236}">
-                <a16:creationId xmlns:a16="http://schemas.microsoft.com/office/drawing/2014/main" id="{2DC3D8D2-C7BF-74D4-336B-CCA1C1CBDB51}"/>
-              </a:ext>
-            </a:extLst>
-          </p:cNvPr>
-          <p:cNvSpPr>
-            <a:spLocks noGrp="1"/>
-          </p:cNvSpPr>
-          <p:nvPr>
-            <p:ph type="body" idx="1"/>
-          </p:nvPr>
-        </p:nvSpPr>
-        <p:spPr/>
-        <p:txBody>
-          <a:bodyPr/>
-          <a:lstStyle/>
-          <a:p>
-            <a:endParaRPr lang="en-US" dirty="0"/>
-          </a:p>
-        </p:txBody>
-      </p:sp>
-      <p:sp>
-        <p:nvSpPr>
-          <p:cNvPr id="4" name="Slide Number Placeholder 3">
-            <a:extLst>
-              <a:ext uri="{FF2B5EF4-FFF2-40B4-BE49-F238E27FC236}">
-                <a16:creationId xmlns:a16="http://schemas.microsoft.com/office/drawing/2014/main" id="{7538A0B3-D7E4-3B95-C2F4-0C70A1D47D98}"/>
-              </a:ext>
-            </a:extLst>
-          </p:cNvPr>
-          <p:cNvSpPr>
-            <a:spLocks noGrp="1"/>
-          </p:cNvSpPr>
-          <p:nvPr>
-            <p:ph type="sldNum" idx="12"/>
-          </p:nvPr>
-        </p:nvSpPr>
-        <p:spPr/>
-        <p:txBody>
-          <a:bodyPr/>
-          <a:lstStyle/>
-          <a:p>
-            <a:pPr marL="0" lvl="0" indent="0" algn="r" rtl="0">
-              <a:spcBef>
-                <a:spcPts val="0"/>
-              </a:spcBef>
-              <a:spcAft>
-                <a:spcPts val="0"/>
-              </a:spcAft>
-              <a:buNone/>
-            </a:pPr>
-            <a:fld id="{00000000-1234-1234-1234-123412341234}" type="slidenum">
-              <a:rPr lang="en-US" smtClean="0"/>
-              <a:t>6</a:t>
-            </a:fld>
-            <a:endParaRPr lang="en-US"/>
-          </a:p>
-        </p:txBody>
-      </p:sp>
-    </p:spTree>
-    <p:extLst>
-      <p:ext uri="{BB962C8B-B14F-4D97-AF65-F5344CB8AC3E}">
-        <p14:creationId xmlns:p14="http://schemas.microsoft.com/office/powerpoint/2010/main" val="96408489"/>
-      </p:ext>
-    </p:extLst>
-  </p:cSld>
-  <p:clrMapOvr>
-    <a:masterClrMapping/>
-  </p:clrMapOvr>
-</p:sld>
-</file>
-
-<file path=ppt/slides/slide8.xml><?xml version="1.0" encoding="utf-8"?>
-<p:sld xmlns:a="http://schemas.openxmlformats.org/drawingml/2006/main" xmlns:r="http://schemas.openxmlformats.org/officeDocument/2006/relationships" xmlns:p="http://schemas.openxmlformats.org/presentationml/2006/main">
-  <p:cSld>
-    <p:spTree>
-      <p:nvGrpSpPr>
-        <p:cNvPr id="1" name=""/>
-        <p:cNvGrpSpPr/>
-        <p:nvPr/>
-      </p:nvGrpSpPr>
-      <p:grpSpPr>
-        <a:xfrm>
-          <a:off x="0" y="0"/>
-          <a:ext cx="0" cy="0"/>
-          <a:chOff x="0" y="0"/>
-          <a:chExt cx="0" cy="0"/>
-        </a:xfrm>
-      </p:grpSpPr>
-      <p:sp>
-        <p:nvSpPr>
-          <p:cNvPr id="2" name="Title 1">
-            <a:extLst>
-              <a:ext uri="{FF2B5EF4-FFF2-40B4-BE49-F238E27FC236}">
                 <a16:creationId xmlns:a16="http://schemas.microsoft.com/office/drawing/2014/main" id="{34CBFE0B-150B-8441-9427-BFE248DBB7A7}"/>
               </a:ext>
             </a:extLst>
@@ -30135,6 +29907,48 @@
           <a:bodyPr/>
           <a:lstStyle/>
           <a:p>
+            <a:r>
+              <a:rPr lang="en-US" dirty="0"/>
+              <a:t>Daily Standup </a:t>
+            </a:r>
+          </a:p>
+          <a:p>
+            <a:r>
+              <a:rPr lang="en-US" dirty="0"/>
+              <a:t>Updated Trello Board</a:t>
+            </a:r>
+          </a:p>
+          <a:p>
+            <a:r>
+              <a:rPr lang="en-US" dirty="0"/>
+              <a:t>Story points</a:t>
+            </a:r>
+          </a:p>
+          <a:p>
+            <a:r>
+              <a:rPr lang="en-US" dirty="0"/>
+              <a:t>Spring Planning</a:t>
+            </a:r>
+          </a:p>
+          <a:p>
+            <a:r>
+              <a:rPr lang="en-US" dirty="0"/>
+              <a:t>Sprint Review</a:t>
+            </a:r>
+          </a:p>
+          <a:p>
+            <a:r>
+              <a:rPr lang="en-US" dirty="0"/>
+              <a:t>Sprint Retrospective </a:t>
+            </a:r>
+          </a:p>
+          <a:p>
+            <a:r>
+              <a:rPr lang="en-US" dirty="0"/>
+              <a:t>Working Software (Over Comprehensive Documentation) </a:t>
+            </a:r>
+          </a:p>
+          <a:p>
             <a:endParaRPr lang="en-US" dirty="0"/>
           </a:p>
         </p:txBody>
@@ -30171,7 +29985,7 @@
             </a:pPr>
             <a:fld id="{00000000-1234-1234-1234-123412341234}" type="slidenum">
               <a:rPr lang="en-US" smtClean="0"/>
-              <a:t>7</a:t>
+              <a:t>5</a:t>
             </a:fld>
             <a:endParaRPr lang="en-US"/>
           </a:p>
@@ -30190,7 +30004,7 @@
 </p:sld>
 </file>
 
-<file path=ppt/slides/slide9.xml><?xml version="1.0" encoding="utf-8"?>
+<file path=ppt/slides/slide7.xml><?xml version="1.0" encoding="utf-8"?>
 <p:sld xmlns:a="http://schemas.openxmlformats.org/drawingml/2006/main" xmlns:r="http://schemas.openxmlformats.org/officeDocument/2006/relationships" xmlns:p="http://schemas.openxmlformats.org/presentationml/2006/main">
   <p:cSld>
     <p:spTree>
@@ -30258,8 +30072,13 @@
           <a:p>
             <a:r>
               <a:rPr lang="en-US" dirty="0"/>
-              <a:t>This is showing how the tables relate to one another</a:t>
+              <a:t>This is showing how the tables relate to one another inside the </a:t>
             </a:r>
+            <a:r>
+              <a:rPr lang="en-US"/>
+              <a:t>data base</a:t>
+            </a:r>
+            <a:endParaRPr lang="en-US" dirty="0"/>
           </a:p>
         </p:txBody>
       </p:sp>
@@ -30295,192 +30114,8 @@
             </a:pPr>
             <a:fld id="{00000000-1234-1234-1234-123412341234}" type="slidenum">
               <a:rPr lang="en-US" smtClean="0"/>
-              <a:t>8</a:t>
+              <a:t>6</a:t>
             </a:fld>
-            <a:endParaRPr lang="en-US"/>
-          </a:p>
-        </p:txBody>
-      </p:sp>
-      <p:sp>
-        <p:nvSpPr>
-          <p:cNvPr id="5" name="Rectangle 4">
-            <a:extLst>
-              <a:ext uri="{FF2B5EF4-FFF2-40B4-BE49-F238E27FC236}">
-                <a16:creationId xmlns:a16="http://schemas.microsoft.com/office/drawing/2014/main" id="{1E2EBFD5-3A1C-16F9-6EF3-8ED9F1A56B6A}"/>
-              </a:ext>
-            </a:extLst>
-          </p:cNvPr>
-          <p:cNvSpPr/>
-          <p:nvPr/>
-        </p:nvSpPr>
-        <p:spPr>
-          <a:xfrm>
-            <a:off x="501162" y="2971800"/>
-            <a:ext cx="914400" cy="914400"/>
-          </a:xfrm>
-          <a:prstGeom prst="rect">
-            <a:avLst/>
-          </a:prstGeom>
-        </p:spPr>
-        <p:style>
-          <a:lnRef idx="2">
-            <a:schemeClr val="accent1">
-              <a:shade val="50000"/>
-            </a:schemeClr>
-          </a:lnRef>
-          <a:fillRef idx="1">
-            <a:schemeClr val="accent1"/>
-          </a:fillRef>
-          <a:effectRef idx="0">
-            <a:schemeClr val="accent1"/>
-          </a:effectRef>
-          <a:fontRef idx="minor">
-            <a:schemeClr val="lt1"/>
-          </a:fontRef>
-        </p:style>
-        <p:txBody>
-          <a:bodyPr rtlCol="0" anchor="ctr"/>
-          <a:lstStyle/>
-          <a:p>
-            <a:pPr algn="ctr"/>
-            <a:endParaRPr lang="en-US"/>
-          </a:p>
-        </p:txBody>
-      </p:sp>
-      <p:sp>
-        <p:nvSpPr>
-          <p:cNvPr id="6" name="Rectangle 5">
-            <a:extLst>
-              <a:ext uri="{FF2B5EF4-FFF2-40B4-BE49-F238E27FC236}">
-                <a16:creationId xmlns:a16="http://schemas.microsoft.com/office/drawing/2014/main" id="{E1E41608-46DC-13A5-E0FC-CF0C419BD2DD}"/>
-              </a:ext>
-            </a:extLst>
-          </p:cNvPr>
-          <p:cNvSpPr/>
-          <p:nvPr/>
-        </p:nvSpPr>
-        <p:spPr>
-          <a:xfrm>
-            <a:off x="2549769" y="3305908"/>
-            <a:ext cx="914400" cy="914400"/>
-          </a:xfrm>
-          <a:prstGeom prst="rect">
-            <a:avLst/>
-          </a:prstGeom>
-        </p:spPr>
-        <p:style>
-          <a:lnRef idx="2">
-            <a:schemeClr val="accent1">
-              <a:shade val="50000"/>
-            </a:schemeClr>
-          </a:lnRef>
-          <a:fillRef idx="1">
-            <a:schemeClr val="accent1"/>
-          </a:fillRef>
-          <a:effectRef idx="0">
-            <a:schemeClr val="accent1"/>
-          </a:effectRef>
-          <a:fontRef idx="minor">
-            <a:schemeClr val="lt1"/>
-          </a:fontRef>
-        </p:style>
-        <p:txBody>
-          <a:bodyPr rtlCol="0" anchor="ctr"/>
-          <a:lstStyle/>
-          <a:p>
-            <a:pPr algn="ctr"/>
-            <a:endParaRPr lang="en-US"/>
-          </a:p>
-        </p:txBody>
-      </p:sp>
-      <p:sp>
-        <p:nvSpPr>
-          <p:cNvPr id="7" name="Rectangle 6">
-            <a:extLst>
-              <a:ext uri="{FF2B5EF4-FFF2-40B4-BE49-F238E27FC236}">
-                <a16:creationId xmlns:a16="http://schemas.microsoft.com/office/drawing/2014/main" id="{E936AF6E-1256-DA84-0352-720BBD7FB15A}"/>
-              </a:ext>
-            </a:extLst>
-          </p:cNvPr>
-          <p:cNvSpPr/>
-          <p:nvPr/>
-        </p:nvSpPr>
-        <p:spPr>
-          <a:xfrm>
-            <a:off x="5222633" y="3305908"/>
-            <a:ext cx="914400" cy="1907930"/>
-          </a:xfrm>
-          <a:prstGeom prst="rect">
-            <a:avLst/>
-          </a:prstGeom>
-        </p:spPr>
-        <p:style>
-          <a:lnRef idx="2">
-            <a:schemeClr val="accent1">
-              <a:shade val="50000"/>
-            </a:schemeClr>
-          </a:lnRef>
-          <a:fillRef idx="1">
-            <a:schemeClr val="accent1"/>
-          </a:fillRef>
-          <a:effectRef idx="0">
-            <a:schemeClr val="accent1"/>
-          </a:effectRef>
-          <a:fontRef idx="minor">
-            <a:schemeClr val="lt1"/>
-          </a:fontRef>
-        </p:style>
-        <p:txBody>
-          <a:bodyPr rtlCol="0" anchor="ctr"/>
-          <a:lstStyle/>
-          <a:p>
-            <a:pPr algn="ctr"/>
-            <a:endParaRPr lang="en-US"/>
-          </a:p>
-        </p:txBody>
-      </p:sp>
-      <p:sp>
-        <p:nvSpPr>
-          <p:cNvPr id="8" name="Rectangle 7">
-            <a:extLst>
-              <a:ext uri="{FF2B5EF4-FFF2-40B4-BE49-F238E27FC236}">
-                <a16:creationId xmlns:a16="http://schemas.microsoft.com/office/drawing/2014/main" id="{ECAA6C42-6363-4473-44B2-C519F1B858BF}"/>
-              </a:ext>
-            </a:extLst>
-          </p:cNvPr>
-          <p:cNvSpPr/>
-          <p:nvPr/>
-        </p:nvSpPr>
-        <p:spPr>
-          <a:xfrm>
-            <a:off x="6708530" y="3341078"/>
-            <a:ext cx="914400" cy="1872760"/>
-          </a:xfrm>
-          <a:prstGeom prst="rect">
-            <a:avLst/>
-          </a:prstGeom>
-        </p:spPr>
-        <p:style>
-          <a:lnRef idx="2">
-            <a:schemeClr val="accent1">
-              <a:shade val="50000"/>
-            </a:schemeClr>
-          </a:lnRef>
-          <a:fillRef idx="1">
-            <a:schemeClr val="accent1"/>
-          </a:fillRef>
-          <a:effectRef idx="0">
-            <a:schemeClr val="accent1"/>
-          </a:effectRef>
-          <a:fontRef idx="minor">
-            <a:schemeClr val="lt1"/>
-          </a:fontRef>
-        </p:style>
-        <p:txBody>
-          <a:bodyPr rtlCol="0" anchor="ctr"/>
-          <a:lstStyle/>
-          <a:p>
-            <a:pPr algn="ctr"/>
             <a:endParaRPr lang="en-US"/>
           </a:p>
         </p:txBody>
@@ -30489,6 +30124,248 @@
     <p:extLst>
       <p:ext uri="{BB962C8B-B14F-4D97-AF65-F5344CB8AC3E}">
         <p14:creationId xmlns:p14="http://schemas.microsoft.com/office/powerpoint/2010/main" val="3374668984"/>
+      </p:ext>
+    </p:extLst>
+  </p:cSld>
+  <p:clrMapOvr>
+    <a:masterClrMapping/>
+  </p:clrMapOvr>
+</p:sld>
+</file>
+
+<file path=ppt/slides/slide8.xml><?xml version="1.0" encoding="utf-8"?>
+<p:sld xmlns:a="http://schemas.openxmlformats.org/drawingml/2006/main" xmlns:r="http://schemas.openxmlformats.org/officeDocument/2006/relationships" xmlns:p="http://schemas.openxmlformats.org/presentationml/2006/main">
+  <p:cSld>
+    <p:spTree>
+      <p:nvGrpSpPr>
+        <p:cNvPr id="1" name=""/>
+        <p:cNvGrpSpPr/>
+        <p:nvPr/>
+      </p:nvGrpSpPr>
+      <p:grpSpPr>
+        <a:xfrm>
+          <a:off x="0" y="0"/>
+          <a:ext cx="0" cy="0"/>
+          <a:chOff x="0" y="0"/>
+          <a:chExt cx="0" cy="0"/>
+        </a:xfrm>
+      </p:grpSpPr>
+      <p:sp>
+        <p:nvSpPr>
+          <p:cNvPr id="2" name="Title 1">
+            <a:extLst>
+              <a:ext uri="{FF2B5EF4-FFF2-40B4-BE49-F238E27FC236}">
+                <a16:creationId xmlns:a16="http://schemas.microsoft.com/office/drawing/2014/main" id="{FBB9F9F5-9908-3A9D-1B55-10E5E652BE1D}"/>
+              </a:ext>
+            </a:extLst>
+          </p:cNvPr>
+          <p:cNvSpPr>
+            <a:spLocks noGrp="1"/>
+          </p:cNvSpPr>
+          <p:nvPr>
+            <p:ph type="title"/>
+          </p:nvPr>
+        </p:nvSpPr>
+        <p:spPr/>
+        <p:txBody>
+          <a:bodyPr/>
+          <a:lstStyle/>
+          <a:p>
+            <a:r>
+              <a:rPr lang="en-US" dirty="0"/>
+              <a:t>Implemented Features</a:t>
+            </a:r>
+          </a:p>
+        </p:txBody>
+      </p:sp>
+      <p:sp>
+        <p:nvSpPr>
+          <p:cNvPr id="3" name="Text Placeholder 2">
+            <a:extLst>
+              <a:ext uri="{FF2B5EF4-FFF2-40B4-BE49-F238E27FC236}">
+                <a16:creationId xmlns:a16="http://schemas.microsoft.com/office/drawing/2014/main" id="{61FCE26D-7AAC-336C-370C-4A259EB21804}"/>
+              </a:ext>
+            </a:extLst>
+          </p:cNvPr>
+          <p:cNvSpPr>
+            <a:spLocks noGrp="1"/>
+          </p:cNvSpPr>
+          <p:nvPr>
+            <p:ph type="body" idx="1"/>
+          </p:nvPr>
+        </p:nvSpPr>
+        <p:spPr/>
+        <p:txBody>
+          <a:bodyPr/>
+          <a:lstStyle/>
+          <a:p>
+            <a:endParaRPr lang="en-US"/>
+          </a:p>
+        </p:txBody>
+      </p:sp>
+      <p:sp>
+        <p:nvSpPr>
+          <p:cNvPr id="4" name="Slide Number Placeholder 3">
+            <a:extLst>
+              <a:ext uri="{FF2B5EF4-FFF2-40B4-BE49-F238E27FC236}">
+                <a16:creationId xmlns:a16="http://schemas.microsoft.com/office/drawing/2014/main" id="{D6EB6420-0C49-20FC-C196-14504FC9B0EF}"/>
+              </a:ext>
+            </a:extLst>
+          </p:cNvPr>
+          <p:cNvSpPr>
+            <a:spLocks noGrp="1"/>
+          </p:cNvSpPr>
+          <p:nvPr>
+            <p:ph type="sldNum" idx="12"/>
+          </p:nvPr>
+        </p:nvSpPr>
+        <p:spPr/>
+        <p:txBody>
+          <a:bodyPr/>
+          <a:lstStyle/>
+          <a:p>
+            <a:pPr marL="0" lvl="0" indent="0" algn="r" rtl="0">
+              <a:spcBef>
+                <a:spcPts val="0"/>
+              </a:spcBef>
+              <a:spcAft>
+                <a:spcPts val="0"/>
+              </a:spcAft>
+              <a:buNone/>
+            </a:pPr>
+            <a:fld id="{00000000-1234-1234-1234-123412341234}" type="slidenum">
+              <a:rPr lang="en-US" smtClean="0"/>
+              <a:t>7</a:t>
+            </a:fld>
+            <a:endParaRPr lang="en-US"/>
+          </a:p>
+        </p:txBody>
+      </p:sp>
+    </p:spTree>
+    <p:extLst>
+      <p:ext uri="{BB962C8B-B14F-4D97-AF65-F5344CB8AC3E}">
+        <p14:creationId xmlns:p14="http://schemas.microsoft.com/office/powerpoint/2010/main" val="2854186743"/>
+      </p:ext>
+    </p:extLst>
+  </p:cSld>
+  <p:clrMapOvr>
+    <a:masterClrMapping/>
+  </p:clrMapOvr>
+</p:sld>
+</file>
+
+<file path=ppt/slides/slide9.xml><?xml version="1.0" encoding="utf-8"?>
+<p:sld xmlns:a="http://schemas.openxmlformats.org/drawingml/2006/main" xmlns:r="http://schemas.openxmlformats.org/officeDocument/2006/relationships" xmlns:p="http://schemas.openxmlformats.org/presentationml/2006/main">
+  <p:cSld>
+    <p:spTree>
+      <p:nvGrpSpPr>
+        <p:cNvPr id="1" name=""/>
+        <p:cNvGrpSpPr/>
+        <p:nvPr/>
+      </p:nvGrpSpPr>
+      <p:grpSpPr>
+        <a:xfrm>
+          <a:off x="0" y="0"/>
+          <a:ext cx="0" cy="0"/>
+          <a:chOff x="0" y="0"/>
+          <a:chExt cx="0" cy="0"/>
+        </a:xfrm>
+      </p:grpSpPr>
+      <p:sp>
+        <p:nvSpPr>
+          <p:cNvPr id="2" name="Title 1">
+            <a:extLst>
+              <a:ext uri="{FF2B5EF4-FFF2-40B4-BE49-F238E27FC236}">
+                <a16:creationId xmlns:a16="http://schemas.microsoft.com/office/drawing/2014/main" id="{A0374644-0D97-2E4A-F68C-4219ED0E61ED}"/>
+              </a:ext>
+            </a:extLst>
+          </p:cNvPr>
+          <p:cNvSpPr>
+            <a:spLocks noGrp="1"/>
+          </p:cNvSpPr>
+          <p:nvPr>
+            <p:ph type="title"/>
+          </p:nvPr>
+        </p:nvSpPr>
+        <p:spPr/>
+        <p:txBody>
+          <a:bodyPr/>
+          <a:lstStyle/>
+          <a:p>
+            <a:r>
+              <a:rPr lang="en-US" dirty="0"/>
+              <a:t>Issues and Defects</a:t>
+            </a:r>
+          </a:p>
+        </p:txBody>
+      </p:sp>
+      <p:sp>
+        <p:nvSpPr>
+          <p:cNvPr id="3" name="Text Placeholder 2">
+            <a:extLst>
+              <a:ext uri="{FF2B5EF4-FFF2-40B4-BE49-F238E27FC236}">
+                <a16:creationId xmlns:a16="http://schemas.microsoft.com/office/drawing/2014/main" id="{2271EFBC-914E-3FEF-55B1-055FBB4D5342}"/>
+              </a:ext>
+            </a:extLst>
+          </p:cNvPr>
+          <p:cNvSpPr>
+            <a:spLocks noGrp="1"/>
+          </p:cNvSpPr>
+          <p:nvPr>
+            <p:ph type="body" idx="1"/>
+          </p:nvPr>
+        </p:nvSpPr>
+        <p:spPr/>
+        <p:txBody>
+          <a:bodyPr/>
+          <a:lstStyle/>
+          <a:p>
+            <a:endParaRPr lang="en-US" dirty="0"/>
+          </a:p>
+        </p:txBody>
+      </p:sp>
+      <p:sp>
+        <p:nvSpPr>
+          <p:cNvPr id="4" name="Slide Number Placeholder 3">
+            <a:extLst>
+              <a:ext uri="{FF2B5EF4-FFF2-40B4-BE49-F238E27FC236}">
+                <a16:creationId xmlns:a16="http://schemas.microsoft.com/office/drawing/2014/main" id="{C206E1DD-971E-9533-F37C-BE091DC610F7}"/>
+              </a:ext>
+            </a:extLst>
+          </p:cNvPr>
+          <p:cNvSpPr>
+            <a:spLocks noGrp="1"/>
+          </p:cNvSpPr>
+          <p:nvPr>
+            <p:ph type="sldNum" idx="12"/>
+          </p:nvPr>
+        </p:nvSpPr>
+        <p:spPr/>
+        <p:txBody>
+          <a:bodyPr/>
+          <a:lstStyle/>
+          <a:p>
+            <a:pPr marL="0" lvl="0" indent="0" algn="r" rtl="0">
+              <a:spcBef>
+                <a:spcPts val="0"/>
+              </a:spcBef>
+              <a:spcAft>
+                <a:spcPts val="0"/>
+              </a:spcAft>
+              <a:buNone/>
+            </a:pPr>
+            <a:fld id="{00000000-1234-1234-1234-123412341234}" type="slidenum">
+              <a:rPr lang="en-US" smtClean="0"/>
+              <a:t>8</a:t>
+            </a:fld>
+            <a:endParaRPr lang="en-US"/>
+          </a:p>
+        </p:txBody>
+      </p:sp>
+    </p:spTree>
+    <p:extLst>
+      <p:ext uri="{BB962C8B-B14F-4D97-AF65-F5344CB8AC3E}">
+        <p14:creationId xmlns:p14="http://schemas.microsoft.com/office/powerpoint/2010/main" val="4083052351"/>
       </p:ext>
     </p:extLst>
   </p:cSld>

--- a/Revature_PPT_Template (1).pptx
+++ b/Revature_PPT_Template (1).pptx
@@ -5,7 +5,7 @@
     <p:sldMasterId id="2147483661" r:id="rId1"/>
   </p:sldMasterIdLst>
   <p:notesMasterIdLst>
-    <p:notesMasterId r:id="rId13"/>
+    <p:notesMasterId r:id="rId12"/>
   </p:notesMasterIdLst>
   <p:sldIdLst>
     <p:sldId id="256" r:id="rId2"/>
@@ -16,9 +16,8 @@
     <p:sldId id="263" r:id="rId7"/>
     <p:sldId id="264" r:id="rId8"/>
     <p:sldId id="265" r:id="rId9"/>
-    <p:sldId id="266" r:id="rId10"/>
-    <p:sldId id="267" r:id="rId11"/>
-    <p:sldId id="268" r:id="rId12"/>
+    <p:sldId id="267" r:id="rId10"/>
+    <p:sldId id="268" r:id="rId11"/>
   </p:sldIdLst>
   <p:sldSz cx="9144000" cy="6858000" type="screen4x3"/>
   <p:notesSz cx="7010400" cy="9296400"/>
@@ -262,7 +261,7 @@
 <file path=ppt/revisionInfo.xml><?xml version="1.0" encoding="utf-8"?>
 <p1510:revInfo xmlns:a="http://schemas.openxmlformats.org/drawingml/2006/main" xmlns:r="http://schemas.openxmlformats.org/officeDocument/2006/relationships" xmlns:p1510="http://schemas.microsoft.com/office/powerpoint/2015/10/main">
   <p1510:revLst>
-    <p1510:client id="{639DFE65-9852-4226-8505-0AB60F7BF2AF}" v="1" dt="2022-11-03T21:05:18.284"/>
+    <p1510:client id="{639DFE65-9852-4226-8505-0AB60F7BF2AF}" v="7" dt="2022-11-04T02:42:17.798"/>
   </p1510:revLst>
 </p1510:revInfo>
 </file>
@@ -271,19 +270,26 @@
 <pc:chgInfo xmlns:a="http://schemas.openxmlformats.org/drawingml/2006/main" xmlns:r="http://schemas.openxmlformats.org/officeDocument/2006/relationships" xmlns:ac="http://schemas.microsoft.com/office/drawing/2013/main/command" xmlns:pc="http://schemas.microsoft.com/office/powerpoint/2013/main/command">
   <pc:docChgLst>
     <pc:chgData name="Josiah Schmidt" userId="fb95630c82ccdcef" providerId="LiveId" clId="{639DFE65-9852-4226-8505-0AB60F7BF2AF}"/>
-    <pc:docChg chg="undo custSel delSld modSld">
-      <pc:chgData name="Josiah Schmidt" userId="fb95630c82ccdcef" providerId="LiveId" clId="{639DFE65-9852-4226-8505-0AB60F7BF2AF}" dt="2022-11-03T21:19:51.318" v="727" actId="20577"/>
+    <pc:docChg chg="undo custSel addSld delSld modSld">
+      <pc:chgData name="Josiah Schmidt" userId="fb95630c82ccdcef" providerId="LiveId" clId="{639DFE65-9852-4226-8505-0AB60F7BF2AF}" dt="2022-11-04T02:42:22.010" v="1402" actId="14100"/>
       <pc:docMkLst>
         <pc:docMk/>
       </pc:docMkLst>
-      <pc:sldChg chg="modSp mod">
-        <pc:chgData name="Josiah Schmidt" userId="fb95630c82ccdcef" providerId="LiveId" clId="{639DFE65-9852-4226-8505-0AB60F7BF2AF}" dt="2022-11-03T20:16:07.002" v="118" actId="20577"/>
+      <pc:sldChg chg="modNotesTx">
+        <pc:chgData name="Josiah Schmidt" userId="fb95630c82ccdcef" providerId="LiveId" clId="{639DFE65-9852-4226-8505-0AB60F7BF2AF}" dt="2022-11-04T02:10:38.115" v="1267" actId="20577"/>
+        <pc:sldMkLst>
+          <pc:docMk/>
+          <pc:sldMk cId="0" sldId="256"/>
+        </pc:sldMkLst>
+      </pc:sldChg>
+      <pc:sldChg chg="modSp mod modNotesTx">
+        <pc:chgData name="Josiah Schmidt" userId="fb95630c82ccdcef" providerId="LiveId" clId="{639DFE65-9852-4226-8505-0AB60F7BF2AF}" dt="2022-11-04T02:10:47.158" v="1273" actId="20577"/>
         <pc:sldMkLst>
           <pc:docMk/>
           <pc:sldMk cId="0" sldId="257"/>
         </pc:sldMkLst>
         <pc:spChg chg="mod">
-          <ac:chgData name="Josiah Schmidt" userId="fb95630c82ccdcef" providerId="LiveId" clId="{639DFE65-9852-4226-8505-0AB60F7BF2AF}" dt="2022-11-03T20:16:07.002" v="118" actId="20577"/>
+          <ac:chgData name="Josiah Schmidt" userId="fb95630c82ccdcef" providerId="LiveId" clId="{639DFE65-9852-4226-8505-0AB60F7BF2AF}" dt="2022-11-04T01:45:58.519" v="1151" actId="14100"/>
           <ac:spMkLst>
             <pc:docMk/>
             <pc:sldMk cId="0" sldId="257"/>
@@ -291,8 +297,8 @@
           </ac:spMkLst>
         </pc:spChg>
       </pc:sldChg>
-      <pc:sldChg chg="addSp delSp modSp mod">
-        <pc:chgData name="Josiah Schmidt" userId="fb95630c82ccdcef" providerId="LiveId" clId="{639DFE65-9852-4226-8505-0AB60F7BF2AF}" dt="2022-11-03T21:01:38.334" v="218" actId="14100"/>
+      <pc:sldChg chg="addSp delSp modSp mod modNotesTx">
+        <pc:chgData name="Josiah Schmidt" userId="fb95630c82ccdcef" providerId="LiveId" clId="{639DFE65-9852-4226-8505-0AB60F7BF2AF}" dt="2022-11-04T02:10:53.022" v="1278" actId="20577"/>
         <pc:sldMkLst>
           <pc:docMk/>
           <pc:sldMk cId="826342459" sldId="258"/>
@@ -322,14 +328,14 @@
           </ac:picMkLst>
         </pc:picChg>
       </pc:sldChg>
-      <pc:sldChg chg="modSp mod">
-        <pc:chgData name="Josiah Schmidt" userId="fb95630c82ccdcef" providerId="LiveId" clId="{639DFE65-9852-4226-8505-0AB60F7BF2AF}" dt="2022-11-03T21:03:21.736" v="329" actId="20577"/>
+      <pc:sldChg chg="modSp mod modNotesTx">
+        <pc:chgData name="Josiah Schmidt" userId="fb95630c82ccdcef" providerId="LiveId" clId="{639DFE65-9852-4226-8505-0AB60F7BF2AF}" dt="2022-11-04T02:11:00.385" v="1283" actId="20577"/>
         <pc:sldMkLst>
           <pc:docMk/>
           <pc:sldMk cId="2306952780" sldId="259"/>
         </pc:sldMkLst>
         <pc:spChg chg="mod">
-          <ac:chgData name="Josiah Schmidt" userId="fb95630c82ccdcef" providerId="LiveId" clId="{639DFE65-9852-4226-8505-0AB60F7BF2AF}" dt="2022-11-03T21:03:21.736" v="329" actId="20577"/>
+          <ac:chgData name="Josiah Schmidt" userId="fb95630c82ccdcef" providerId="LiveId" clId="{639DFE65-9852-4226-8505-0AB60F7BF2AF}" dt="2022-11-04T01:42:04.186" v="1073" actId="5793"/>
           <ac:spMkLst>
             <pc:docMk/>
             <pc:sldMk cId="2306952780" sldId="259"/>
@@ -337,8 +343,8 @@
           </ac:spMkLst>
         </pc:spChg>
       </pc:sldChg>
-      <pc:sldChg chg="addSp delSp modSp mod">
-        <pc:chgData name="Josiah Schmidt" userId="fb95630c82ccdcef" providerId="LiveId" clId="{639DFE65-9852-4226-8505-0AB60F7BF2AF}" dt="2022-11-03T21:07:17.886" v="392" actId="1076"/>
+      <pc:sldChg chg="addSp delSp modSp mod modNotesTx">
+        <pc:chgData name="Josiah Schmidt" userId="fb95630c82ccdcef" providerId="LiveId" clId="{639DFE65-9852-4226-8505-0AB60F7BF2AF}" dt="2022-11-04T02:42:22.010" v="1402" actId="14100"/>
         <pc:sldMkLst>
           <pc:docMk/>
           <pc:sldMk cId="303297163" sldId="260"/>
@@ -352,6 +358,22 @@
           </ac:spMkLst>
         </pc:spChg>
         <pc:spChg chg="add del mod">
+          <ac:chgData name="Josiah Schmidt" userId="fb95630c82ccdcef" providerId="LiveId" clId="{639DFE65-9852-4226-8505-0AB60F7BF2AF}" dt="2022-11-04T02:16:58.402" v="1377" actId="478"/>
+          <ac:spMkLst>
+            <pc:docMk/>
+            <pc:sldMk cId="303297163" sldId="260"/>
+            <ac:spMk id="3" creationId="{A77922DE-F44A-16C5-AEC1-C9A6F616B240}"/>
+          </ac:spMkLst>
+        </pc:spChg>
+        <pc:spChg chg="del">
+          <ac:chgData name="Josiah Schmidt" userId="fb95630c82ccdcef" providerId="LiveId" clId="{639DFE65-9852-4226-8505-0AB60F7BF2AF}" dt="2022-11-04T02:17:14.546" v="1388" actId="478"/>
+          <ac:spMkLst>
+            <pc:docMk/>
+            <pc:sldMk cId="303297163" sldId="260"/>
+            <ac:spMk id="5" creationId="{608C347F-6DD1-AABC-E14E-BDBBBBB425D8}"/>
+          </ac:spMkLst>
+        </pc:spChg>
+        <pc:spChg chg="add del mod">
           <ac:chgData name="Josiah Schmidt" userId="fb95630c82ccdcef" providerId="LiveId" clId="{639DFE65-9852-4226-8505-0AB60F7BF2AF}" dt="2022-11-03T21:07:09.184" v="389" actId="478"/>
           <ac:spMkLst>
             <pc:docMk/>
@@ -359,38 +381,158 @@
             <ac:spMk id="6" creationId="{30D9B8AA-87C8-55B8-108B-A3D5AF06F802}"/>
           </ac:spMkLst>
         </pc:spChg>
-        <pc:spChg chg="mod">
-          <ac:chgData name="Josiah Schmidt" userId="fb95630c82ccdcef" providerId="LiveId" clId="{639DFE65-9852-4226-8505-0AB60F7BF2AF}" dt="2022-11-03T21:07:13.498" v="390" actId="1076"/>
+        <pc:spChg chg="add del mod">
+          <ac:chgData name="Josiah Schmidt" userId="fb95630c82ccdcef" providerId="LiveId" clId="{639DFE65-9852-4226-8505-0AB60F7BF2AF}" dt="2022-11-04T02:17:04.989" v="1381" actId="478"/>
+          <ac:spMkLst>
+            <pc:docMk/>
+            <pc:sldMk cId="303297163" sldId="260"/>
+            <ac:spMk id="6" creationId="{30DE5585-25E0-89F0-FCB2-5E7AAC21C60C}"/>
+          </ac:spMkLst>
+        </pc:spChg>
+        <pc:spChg chg="del mod">
+          <ac:chgData name="Josiah Schmidt" userId="fb95630c82ccdcef" providerId="LiveId" clId="{639DFE65-9852-4226-8505-0AB60F7BF2AF}" dt="2022-11-04T02:17:13.642" v="1387" actId="478"/>
+          <ac:spMkLst>
+            <pc:docMk/>
+            <pc:sldMk cId="303297163" sldId="260"/>
+            <ac:spMk id="8" creationId="{3DAF205C-C785-957D-3C36-26F41440A341}"/>
+          </ac:spMkLst>
+        </pc:spChg>
+        <pc:spChg chg="add del mod">
+          <ac:chgData name="Josiah Schmidt" userId="fb95630c82ccdcef" providerId="LiveId" clId="{639DFE65-9852-4226-8505-0AB60F7BF2AF}" dt="2022-11-04T02:17:02.965" v="1380" actId="478"/>
+          <ac:spMkLst>
+            <pc:docMk/>
+            <pc:sldMk cId="303297163" sldId="260"/>
+            <ac:spMk id="9" creationId="{5DB0B390-9FA9-DEA0-AE4D-3BD20104A756}"/>
+          </ac:spMkLst>
+        </pc:spChg>
+        <pc:spChg chg="del">
+          <ac:chgData name="Josiah Schmidt" userId="fb95630c82ccdcef" providerId="LiveId" clId="{639DFE65-9852-4226-8505-0AB60F7BF2AF}" dt="2022-11-04T02:17:08.718" v="1383" actId="478"/>
+          <ac:spMkLst>
+            <pc:docMk/>
+            <pc:sldMk cId="303297163" sldId="260"/>
+            <ac:spMk id="17" creationId="{37739F2B-E275-CD93-BEED-926F1DE35453}"/>
+          </ac:spMkLst>
+        </pc:spChg>
+        <pc:spChg chg="del">
+          <ac:chgData name="Josiah Schmidt" userId="fb95630c82ccdcef" providerId="LiveId" clId="{639DFE65-9852-4226-8505-0AB60F7BF2AF}" dt="2022-11-04T02:17:07.045" v="1382" actId="478"/>
+          <ac:spMkLst>
+            <pc:docMk/>
+            <pc:sldMk cId="303297163" sldId="260"/>
+            <ac:spMk id="18" creationId="{855A4686-9717-9E09-7B4C-CE03537E698F}"/>
+          </ac:spMkLst>
+        </pc:spChg>
+        <pc:spChg chg="del mod">
+          <ac:chgData name="Josiah Schmidt" userId="fb95630c82ccdcef" providerId="LiveId" clId="{639DFE65-9852-4226-8505-0AB60F7BF2AF}" dt="2022-11-04T02:16:57.381" v="1376" actId="478"/>
           <ac:spMkLst>
             <pc:docMk/>
             <pc:sldMk cId="303297163" sldId="260"/>
             <ac:spMk id="19" creationId="{F37FD9DD-F712-9726-C906-6F3F2C02ADFE}"/>
           </ac:spMkLst>
         </pc:spChg>
-        <pc:spChg chg="add del">
-          <ac:chgData name="Josiah Schmidt" userId="fb95630c82ccdcef" providerId="LiveId" clId="{639DFE65-9852-4226-8505-0AB60F7BF2AF}" dt="2022-11-03T21:04:18.058" v="331" actId="478"/>
+        <pc:spChg chg="add del mod">
+          <ac:chgData name="Josiah Schmidt" userId="fb95630c82ccdcef" providerId="LiveId" clId="{639DFE65-9852-4226-8505-0AB60F7BF2AF}" dt="2022-11-04T02:16:55.111" v="1374" actId="478"/>
           <ac:spMkLst>
             <pc:docMk/>
             <pc:sldMk cId="303297163" sldId="260"/>
             <ac:spMk id="20" creationId="{3DD4E056-C544-B21D-C262-D4D1A4EB62F4}"/>
           </ac:spMkLst>
         </pc:spChg>
-        <pc:spChg chg="mod">
-          <ac:chgData name="Josiah Schmidt" userId="fb95630c82ccdcef" providerId="LiveId" clId="{639DFE65-9852-4226-8505-0AB60F7BF2AF}" dt="2022-11-03T21:07:16.456" v="391" actId="1076"/>
+        <pc:spChg chg="del mod">
+          <ac:chgData name="Josiah Schmidt" userId="fb95630c82ccdcef" providerId="LiveId" clId="{639DFE65-9852-4226-8505-0AB60F7BF2AF}" dt="2022-11-04T02:13:42.928" v="1319" actId="478"/>
           <ac:spMkLst>
             <pc:docMk/>
             <pc:sldMk cId="303297163" sldId="260"/>
             <ac:spMk id="21" creationId="{D51688CC-4A24-0E63-51FF-695D9DB0BE10}"/>
           </ac:spMkLst>
         </pc:spChg>
-        <pc:spChg chg="mod">
-          <ac:chgData name="Josiah Schmidt" userId="fb95630c82ccdcef" providerId="LiveId" clId="{639DFE65-9852-4226-8505-0AB60F7BF2AF}" dt="2022-11-03T21:07:17.886" v="392" actId="1076"/>
+        <pc:spChg chg="del mod">
+          <ac:chgData name="Josiah Schmidt" userId="fb95630c82ccdcef" providerId="LiveId" clId="{639DFE65-9852-4226-8505-0AB60F7BF2AF}" dt="2022-11-04T02:17:19.428" v="1392" actId="478"/>
+          <ac:spMkLst>
+            <pc:docMk/>
+            <pc:sldMk cId="303297163" sldId="260"/>
+            <ac:spMk id="26" creationId="{DA5AD3A6-27C7-6CFC-6818-290FA7657279}"/>
+          </ac:spMkLst>
+        </pc:spChg>
+        <pc:spChg chg="del mod">
+          <ac:chgData name="Josiah Schmidt" userId="fb95630c82ccdcef" providerId="LiveId" clId="{639DFE65-9852-4226-8505-0AB60F7BF2AF}" dt="2022-11-04T02:13:40.264" v="1317" actId="478"/>
           <ac:spMkLst>
             <pc:docMk/>
             <pc:sldMk cId="303297163" sldId="260"/>
             <ac:spMk id="29" creationId="{55397B43-DDB9-C448-EC47-B3B408908230}"/>
           </ac:spMkLst>
         </pc:spChg>
+        <pc:picChg chg="add del mod">
+          <ac:chgData name="Josiah Schmidt" userId="fb95630c82ccdcef" providerId="LiveId" clId="{639DFE65-9852-4226-8505-0AB60F7BF2AF}" dt="2022-11-04T02:42:02.755" v="1400" actId="478"/>
+          <ac:picMkLst>
+            <pc:docMk/>
+            <pc:sldMk cId="303297163" sldId="260"/>
+            <ac:picMk id="11" creationId="{76FD1847-8D2A-20A6-3DC8-A7CDEB212D24}"/>
+          </ac:picMkLst>
+        </pc:picChg>
+        <pc:picChg chg="add mod">
+          <ac:chgData name="Josiah Schmidt" userId="fb95630c82ccdcef" providerId="LiveId" clId="{639DFE65-9852-4226-8505-0AB60F7BF2AF}" dt="2022-11-04T02:42:22.010" v="1402" actId="14100"/>
+          <ac:picMkLst>
+            <pc:docMk/>
+            <pc:sldMk cId="303297163" sldId="260"/>
+            <ac:picMk id="14" creationId="{D6EDDE28-446D-3BBC-4954-5E1E28D0BE66}"/>
+          </ac:picMkLst>
+        </pc:picChg>
+        <pc:cxnChg chg="del">
+          <ac:chgData name="Josiah Schmidt" userId="fb95630c82ccdcef" providerId="LiveId" clId="{639DFE65-9852-4226-8505-0AB60F7BF2AF}" dt="2022-11-04T02:17:09.996" v="1384" actId="478"/>
+          <ac:cxnSpMkLst>
+            <pc:docMk/>
+            <pc:sldMk cId="303297163" sldId="260"/>
+            <ac:cxnSpMk id="12" creationId="{551209B1-E308-D2D0-6A89-859F5E692EE3}"/>
+          </ac:cxnSpMkLst>
+        </pc:cxnChg>
+        <pc:cxnChg chg="del">
+          <ac:chgData name="Josiah Schmidt" userId="fb95630c82ccdcef" providerId="LiveId" clId="{639DFE65-9852-4226-8505-0AB60F7BF2AF}" dt="2022-11-04T02:17:15.649" v="1389" actId="478"/>
+          <ac:cxnSpMkLst>
+            <pc:docMk/>
+            <pc:sldMk cId="303297163" sldId="260"/>
+            <ac:cxnSpMk id="25" creationId="{24C31D0A-FB12-D39A-8D76-95217481A111}"/>
+          </ac:cxnSpMkLst>
+        </pc:cxnChg>
+        <pc:cxnChg chg="del">
+          <ac:chgData name="Josiah Schmidt" userId="fb95630c82ccdcef" providerId="LiveId" clId="{639DFE65-9852-4226-8505-0AB60F7BF2AF}" dt="2022-11-04T02:17:17.823" v="1391" actId="478"/>
+          <ac:cxnSpMkLst>
+            <pc:docMk/>
+            <pc:sldMk cId="303297163" sldId="260"/>
+            <ac:cxnSpMk id="28" creationId="{EEF86500-ADA4-8C89-1D09-C5147946F23C}"/>
+          </ac:cxnSpMkLst>
+        </pc:cxnChg>
+        <pc:cxnChg chg="del">
+          <ac:chgData name="Josiah Schmidt" userId="fb95630c82ccdcef" providerId="LiveId" clId="{639DFE65-9852-4226-8505-0AB60F7BF2AF}" dt="2022-11-04T02:13:51.275" v="1321" actId="478"/>
+          <ac:cxnSpMkLst>
+            <pc:docMk/>
+            <pc:sldMk cId="303297163" sldId="260"/>
+            <ac:cxnSpMk id="31" creationId="{5E484A63-60ED-C478-AB44-765E0F239CE5}"/>
+          </ac:cxnSpMkLst>
+        </pc:cxnChg>
+        <pc:cxnChg chg="del">
+          <ac:chgData name="Josiah Schmidt" userId="fb95630c82ccdcef" providerId="LiveId" clId="{639DFE65-9852-4226-8505-0AB60F7BF2AF}" dt="2022-11-04T02:13:52.338" v="1322" actId="478"/>
+          <ac:cxnSpMkLst>
+            <pc:docMk/>
+            <pc:sldMk cId="303297163" sldId="260"/>
+            <ac:cxnSpMk id="33" creationId="{B0B6B948-D432-B91A-BC9A-380BA415F0F7}"/>
+          </ac:cxnSpMkLst>
+        </pc:cxnChg>
+        <pc:cxnChg chg="del">
+          <ac:chgData name="Josiah Schmidt" userId="fb95630c82ccdcef" providerId="LiveId" clId="{639DFE65-9852-4226-8505-0AB60F7BF2AF}" dt="2022-11-04T02:13:53.200" v="1323" actId="478"/>
+          <ac:cxnSpMkLst>
+            <pc:docMk/>
+            <pc:sldMk cId="303297163" sldId="260"/>
+            <ac:cxnSpMk id="35" creationId="{5CE22B95-BE07-63F2-F437-98982B8F42A3}"/>
+          </ac:cxnSpMkLst>
+        </pc:cxnChg>
+        <pc:cxnChg chg="del">
+          <ac:chgData name="Josiah Schmidt" userId="fb95630c82ccdcef" providerId="LiveId" clId="{639DFE65-9852-4226-8505-0AB60F7BF2AF}" dt="2022-11-04T02:13:50.178" v="1320" actId="478"/>
+          <ac:cxnSpMkLst>
+            <pc:docMk/>
+            <pc:sldMk cId="303297163" sldId="260"/>
+            <ac:cxnSpMk id="36" creationId="{0D01FB09-A559-F96B-3952-AF394B841A62}"/>
+          </ac:cxnSpMkLst>
+        </pc:cxnChg>
       </pc:sldChg>
       <pc:sldChg chg="modSp del mod">
         <pc:chgData name="Josiah Schmidt" userId="fb95630c82ccdcef" providerId="LiveId" clId="{639DFE65-9852-4226-8505-0AB60F7BF2AF}" dt="2022-11-03T21:13:31.367" v="398" actId="2696"/>
@@ -414,14 +556,14 @@
           <pc:sldMk cId="96408489" sldId="262"/>
         </pc:sldMkLst>
       </pc:sldChg>
-      <pc:sldChg chg="modSp mod">
-        <pc:chgData name="Josiah Schmidt" userId="fb95630c82ccdcef" providerId="LiveId" clId="{639DFE65-9852-4226-8505-0AB60F7BF2AF}" dt="2022-11-03T21:19:22.770" v="698" actId="20577"/>
+      <pc:sldChg chg="modSp mod modNotesTx">
+        <pc:chgData name="Josiah Schmidt" userId="fb95630c82ccdcef" providerId="LiveId" clId="{639DFE65-9852-4226-8505-0AB60F7BF2AF}" dt="2022-11-04T02:11:17.341" v="1294" actId="20577"/>
         <pc:sldMkLst>
           <pc:docMk/>
           <pc:sldMk cId="2289803242" sldId="263"/>
         </pc:sldMkLst>
         <pc:spChg chg="mod">
-          <ac:chgData name="Josiah Schmidt" userId="fb95630c82ccdcef" providerId="LiveId" clId="{639DFE65-9852-4226-8505-0AB60F7BF2AF}" dt="2022-11-03T21:19:22.770" v="698" actId="20577"/>
+          <ac:chgData name="Josiah Schmidt" userId="fb95630c82ccdcef" providerId="LiveId" clId="{639DFE65-9852-4226-8505-0AB60F7BF2AF}" dt="2022-11-04T01:55:57.111" v="1243" actId="20577"/>
           <ac:spMkLst>
             <pc:docMk/>
             <pc:sldMk cId="2289803242" sldId="263"/>
@@ -429,14 +571,14 @@
           </ac:spMkLst>
         </pc:spChg>
       </pc:sldChg>
-      <pc:sldChg chg="addSp delSp modSp mod">
-        <pc:chgData name="Josiah Schmidt" userId="fb95630c82ccdcef" providerId="LiveId" clId="{639DFE65-9852-4226-8505-0AB60F7BF2AF}" dt="2022-11-03T21:19:51.318" v="727" actId="20577"/>
+      <pc:sldChg chg="addSp delSp modSp mod modNotesTx">
+        <pc:chgData name="Josiah Schmidt" userId="fb95630c82ccdcef" providerId="LiveId" clId="{639DFE65-9852-4226-8505-0AB60F7BF2AF}" dt="2022-11-04T02:11:26.203" v="1299" actId="20577"/>
         <pc:sldMkLst>
           <pc:docMk/>
           <pc:sldMk cId="3374668984" sldId="264"/>
         </pc:sldMkLst>
         <pc:spChg chg="mod">
-          <ac:chgData name="Josiah Schmidt" userId="fb95630c82ccdcef" providerId="LiveId" clId="{639DFE65-9852-4226-8505-0AB60F7BF2AF}" dt="2022-11-03T21:19:51.318" v="727" actId="20577"/>
+          <ac:chgData name="Josiah Schmidt" userId="fb95630c82ccdcef" providerId="LiveId" clId="{639DFE65-9852-4226-8505-0AB60F7BF2AF}" dt="2022-11-04T01:41:13.024" v="1049" actId="1076"/>
           <ac:spMkLst>
             <pc:docMk/>
             <pc:sldMk cId="3374668984" sldId="264"/>
@@ -475,21 +617,74 @@
             <ac:spMk id="8" creationId="{ECAA6C42-6363-4473-44B2-C519F1B858BF}"/>
           </ac:spMkLst>
         </pc:spChg>
+        <pc:picChg chg="add del mod">
+          <ac:chgData name="Josiah Schmidt" userId="fb95630c82ccdcef" providerId="LiveId" clId="{639DFE65-9852-4226-8505-0AB60F7BF2AF}" dt="2022-11-04T01:58:15.472" v="1254" actId="478"/>
+          <ac:picMkLst>
+            <pc:docMk/>
+            <pc:sldMk cId="3374668984" sldId="264"/>
+            <ac:picMk id="6" creationId="{521A83BC-267F-9B46-C048-6727AAB83BA4}"/>
+          </ac:picMkLst>
+        </pc:picChg>
+        <pc:picChg chg="add del mod">
+          <ac:chgData name="Josiah Schmidt" userId="fb95630c82ccdcef" providerId="LiveId" clId="{639DFE65-9852-4226-8505-0AB60F7BF2AF}" dt="2022-11-04T01:57:53.319" v="1253" actId="478"/>
+          <ac:picMkLst>
+            <pc:docMk/>
+            <pc:sldMk cId="3374668984" sldId="264"/>
+            <ac:picMk id="8" creationId="{9A77BAC8-1605-279F-98B3-AA7BC12C5C31}"/>
+          </ac:picMkLst>
+        </pc:picChg>
+        <pc:picChg chg="add mod">
+          <ac:chgData name="Josiah Schmidt" userId="fb95630c82ccdcef" providerId="LiveId" clId="{639DFE65-9852-4226-8505-0AB60F7BF2AF}" dt="2022-11-04T02:02:52.679" v="1262" actId="1036"/>
+          <ac:picMkLst>
+            <pc:docMk/>
+            <pc:sldMk cId="3374668984" sldId="264"/>
+            <ac:picMk id="10" creationId="{828B6167-5D03-7F52-E640-5BB98E14F0BB}"/>
+          </ac:picMkLst>
+        </pc:picChg>
       </pc:sldChg>
-      <pc:sldChg chg="modSp mod">
-        <pc:chgData name="Josiah Schmidt" userId="fb95630c82ccdcef" providerId="LiveId" clId="{639DFE65-9852-4226-8505-0AB60F7BF2AF}" dt="2022-11-03T21:14:34.910" v="465" actId="20577"/>
+      <pc:sldChg chg="modSp mod modNotesTx">
+        <pc:chgData name="Josiah Schmidt" userId="fb95630c82ccdcef" providerId="LiveId" clId="{639DFE65-9852-4226-8505-0AB60F7BF2AF}" dt="2022-11-04T02:11:37.258" v="1305" actId="20577"/>
+        <pc:sldMkLst>
+          <pc:docMk/>
+          <pc:sldMk cId="2854186743" sldId="265"/>
+        </pc:sldMkLst>
+        <pc:spChg chg="mod">
+          <ac:chgData name="Josiah Schmidt" userId="fb95630c82ccdcef" providerId="LiveId" clId="{639DFE65-9852-4226-8505-0AB60F7BF2AF}" dt="2022-11-04T01:38:24.662" v="968" actId="14100"/>
+          <ac:spMkLst>
+            <pc:docMk/>
+            <pc:sldMk cId="2854186743" sldId="265"/>
+            <ac:spMk id="3" creationId="{61FCE26D-7AAC-336C-370C-4A259EB21804}"/>
+          </ac:spMkLst>
+        </pc:spChg>
+      </pc:sldChg>
+      <pc:sldChg chg="del">
+        <pc:chgData name="Josiah Schmidt" userId="fb95630c82ccdcef" providerId="LiveId" clId="{639DFE65-9852-4226-8505-0AB60F7BF2AF}" dt="2022-11-04T01:47:02.844" v="1153" actId="2696"/>
+        <pc:sldMkLst>
+          <pc:docMk/>
+          <pc:sldMk cId="4083052351" sldId="266"/>
+        </pc:sldMkLst>
+      </pc:sldChg>
+      <pc:sldChg chg="modSp mod modNotesTx">
+        <pc:chgData name="Josiah Schmidt" userId="fb95630c82ccdcef" providerId="LiveId" clId="{639DFE65-9852-4226-8505-0AB60F7BF2AF}" dt="2022-11-04T02:11:41.910" v="1310" actId="20577"/>
         <pc:sldMkLst>
           <pc:docMk/>
           <pc:sldMk cId="1832876262" sldId="267"/>
         </pc:sldMkLst>
         <pc:spChg chg="mod">
-          <ac:chgData name="Josiah Schmidt" userId="fb95630c82ccdcef" providerId="LiveId" clId="{639DFE65-9852-4226-8505-0AB60F7BF2AF}" dt="2022-11-03T21:14:34.910" v="465" actId="20577"/>
+          <ac:chgData name="Josiah Schmidt" userId="fb95630c82ccdcef" providerId="LiveId" clId="{639DFE65-9852-4226-8505-0AB60F7BF2AF}" dt="2022-11-04T01:47:37.510" v="1186" actId="20577"/>
           <ac:spMkLst>
             <pc:docMk/>
             <pc:sldMk cId="1832876262" sldId="267"/>
             <ac:spMk id="3" creationId="{6A05C9A5-A25E-E2D7-EF9C-7C85C76E6B51}"/>
           </ac:spMkLst>
         </pc:spChg>
+      </pc:sldChg>
+      <pc:sldChg chg="new del">
+        <pc:chgData name="Josiah Schmidt" userId="fb95630c82ccdcef" providerId="LiveId" clId="{639DFE65-9852-4226-8505-0AB60F7BF2AF}" dt="2022-11-04T01:46:08.025" v="1152" actId="2696"/>
+        <pc:sldMkLst>
+          <pc:docMk/>
+          <pc:sldMk cId="148532527" sldId="269"/>
+        </pc:sldMkLst>
       </pc:sldChg>
     </pc:docChg>
   </pc:docChgLst>
@@ -1740,7 +1935,11 @@
               </a:spcAft>
               <a:buNone/>
             </a:pPr>
-            <a:endParaRPr/>
+            <a:r>
+              <a:rPr lang="en-US" dirty="0"/>
+              <a:t>David</a:t>
+            </a:r>
+            <a:endParaRPr dirty="0"/>
           </a:p>
         </p:txBody>
       </p:sp>
@@ -1844,7 +2043,11 @@
               </a:spcAft>
               <a:buNone/>
             </a:pPr>
-            <a:endParaRPr/>
+            <a:r>
+              <a:rPr lang="en-US" dirty="0"/>
+              <a:t>Josiah</a:t>
+            </a:r>
+            <a:endParaRPr dirty="0"/>
           </a:p>
         </p:txBody>
       </p:sp>
@@ -1890,6 +2093,790 @@
         </p:spPr>
       </p:sp>
     </p:spTree>
+  </p:cSld>
+  <p:clrMapOvr>
+    <a:masterClrMapping/>
+  </p:clrMapOvr>
+</p:notes>
+</file>
+
+<file path=ppt/notesSlides/notesSlide3.xml><?xml version="1.0" encoding="utf-8"?>
+<p:notes xmlns:a="http://schemas.openxmlformats.org/drawingml/2006/main" xmlns:r="http://schemas.openxmlformats.org/officeDocument/2006/relationships" xmlns:p="http://schemas.openxmlformats.org/presentationml/2006/main">
+  <p:cSld>
+    <p:spTree>
+      <p:nvGrpSpPr>
+        <p:cNvPr id="1" name=""/>
+        <p:cNvGrpSpPr/>
+        <p:nvPr/>
+      </p:nvGrpSpPr>
+      <p:grpSpPr>
+        <a:xfrm>
+          <a:off x="0" y="0"/>
+          <a:ext cx="0" cy="0"/>
+          <a:chOff x="0" y="0"/>
+          <a:chExt cx="0" cy="0"/>
+        </a:xfrm>
+      </p:grpSpPr>
+      <p:sp>
+        <p:nvSpPr>
+          <p:cNvPr id="2" name="Slide Image Placeholder 1"/>
+          <p:cNvSpPr>
+            <a:spLocks noGrp="1" noRot="1" noChangeAspect="1"/>
+          </p:cNvSpPr>
+          <p:nvPr>
+            <p:ph type="sldImg"/>
+          </p:nvPr>
+        </p:nvSpPr>
+        <p:spPr/>
+      </p:sp>
+      <p:sp>
+        <p:nvSpPr>
+          <p:cNvPr id="3" name="Notes Placeholder 2"/>
+          <p:cNvSpPr>
+            <a:spLocks noGrp="1"/>
+          </p:cNvSpPr>
+          <p:nvPr>
+            <p:ph type="body" idx="1"/>
+          </p:nvPr>
+        </p:nvSpPr>
+        <p:spPr/>
+        <p:txBody>
+          <a:bodyPr/>
+          <a:lstStyle/>
+          <a:p>
+            <a:r>
+              <a:rPr lang="en-US" dirty="0"/>
+              <a:t>Yasin</a:t>
+            </a:r>
+          </a:p>
+        </p:txBody>
+      </p:sp>
+      <p:sp>
+        <p:nvSpPr>
+          <p:cNvPr id="4" name="Slide Number Placeholder 3"/>
+          <p:cNvSpPr>
+            <a:spLocks noGrp="1"/>
+          </p:cNvSpPr>
+          <p:nvPr>
+            <p:ph type="sldNum" idx="12"/>
+          </p:nvPr>
+        </p:nvSpPr>
+        <p:spPr/>
+        <p:txBody>
+          <a:bodyPr/>
+          <a:lstStyle/>
+          <a:p>
+            <a:pPr marL="0" marR="0" lvl="0" indent="0" algn="r" rtl="0">
+              <a:spcBef>
+                <a:spcPts val="0"/>
+              </a:spcBef>
+              <a:spcAft>
+                <a:spcPts val="0"/>
+              </a:spcAft>
+              <a:buNone/>
+            </a:pPr>
+            <a:fld id="{00000000-1234-1234-1234-123412341234}" type="slidenum">
+              <a:rPr lang="en-US" sz="1200" b="0" i="0" u="none" strike="noStrike" cap="none" smtClean="0">
+                <a:solidFill>
+                  <a:schemeClr val="dk1"/>
+                </a:solidFill>
+                <a:latin typeface="Calibri"/>
+                <a:ea typeface="Calibri"/>
+                <a:cs typeface="Calibri"/>
+                <a:sym typeface="Calibri"/>
+              </a:rPr>
+              <a:t>2</a:t>
+            </a:fld>
+            <a:endParaRPr lang="en-US" sz="1200" b="0" i="0" u="none" strike="noStrike" cap="none">
+              <a:solidFill>
+                <a:schemeClr val="dk1"/>
+              </a:solidFill>
+              <a:latin typeface="Calibri"/>
+              <a:ea typeface="Calibri"/>
+              <a:cs typeface="Calibri"/>
+              <a:sym typeface="Calibri"/>
+            </a:endParaRPr>
+          </a:p>
+        </p:txBody>
+      </p:sp>
+    </p:spTree>
+    <p:extLst>
+      <p:ext uri="{BB962C8B-B14F-4D97-AF65-F5344CB8AC3E}">
+        <p14:creationId xmlns:p14="http://schemas.microsoft.com/office/powerpoint/2010/main" val="1847855009"/>
+      </p:ext>
+    </p:extLst>
+  </p:cSld>
+  <p:clrMapOvr>
+    <a:masterClrMapping/>
+  </p:clrMapOvr>
+</p:notes>
+</file>
+
+<file path=ppt/notesSlides/notesSlide4.xml><?xml version="1.0" encoding="utf-8"?>
+<p:notes xmlns:a="http://schemas.openxmlformats.org/drawingml/2006/main" xmlns:r="http://schemas.openxmlformats.org/officeDocument/2006/relationships" xmlns:p="http://schemas.openxmlformats.org/presentationml/2006/main">
+  <p:cSld>
+    <p:spTree>
+      <p:nvGrpSpPr>
+        <p:cNvPr id="1" name=""/>
+        <p:cNvGrpSpPr/>
+        <p:nvPr/>
+      </p:nvGrpSpPr>
+      <p:grpSpPr>
+        <a:xfrm>
+          <a:off x="0" y="0"/>
+          <a:ext cx="0" cy="0"/>
+          <a:chOff x="0" y="0"/>
+          <a:chExt cx="0" cy="0"/>
+        </a:xfrm>
+      </p:grpSpPr>
+      <p:sp>
+        <p:nvSpPr>
+          <p:cNvPr id="2" name="Slide Image Placeholder 1"/>
+          <p:cNvSpPr>
+            <a:spLocks noGrp="1" noRot="1" noChangeAspect="1"/>
+          </p:cNvSpPr>
+          <p:nvPr>
+            <p:ph type="sldImg"/>
+          </p:nvPr>
+        </p:nvSpPr>
+        <p:spPr/>
+      </p:sp>
+      <p:sp>
+        <p:nvSpPr>
+          <p:cNvPr id="3" name="Notes Placeholder 2"/>
+          <p:cNvSpPr>
+            <a:spLocks noGrp="1"/>
+          </p:cNvSpPr>
+          <p:nvPr>
+            <p:ph type="body" idx="1"/>
+          </p:nvPr>
+        </p:nvSpPr>
+        <p:spPr/>
+        <p:txBody>
+          <a:bodyPr/>
+          <a:lstStyle/>
+          <a:p>
+            <a:r>
+              <a:rPr lang="en-US" dirty="0"/>
+              <a:t>David</a:t>
+            </a:r>
+          </a:p>
+        </p:txBody>
+      </p:sp>
+      <p:sp>
+        <p:nvSpPr>
+          <p:cNvPr id="4" name="Slide Number Placeholder 3"/>
+          <p:cNvSpPr>
+            <a:spLocks noGrp="1"/>
+          </p:cNvSpPr>
+          <p:nvPr>
+            <p:ph type="sldNum" idx="12"/>
+          </p:nvPr>
+        </p:nvSpPr>
+        <p:spPr/>
+        <p:txBody>
+          <a:bodyPr/>
+          <a:lstStyle/>
+          <a:p>
+            <a:pPr marL="0" marR="0" lvl="0" indent="0" algn="r" rtl="0">
+              <a:spcBef>
+                <a:spcPts val="0"/>
+              </a:spcBef>
+              <a:spcAft>
+                <a:spcPts val="0"/>
+              </a:spcAft>
+              <a:buNone/>
+            </a:pPr>
+            <a:fld id="{00000000-1234-1234-1234-123412341234}" type="slidenum">
+              <a:rPr lang="en-US" sz="1200" b="0" i="0" u="none" strike="noStrike" cap="none" smtClean="0">
+                <a:solidFill>
+                  <a:schemeClr val="dk1"/>
+                </a:solidFill>
+                <a:latin typeface="Calibri"/>
+                <a:ea typeface="Calibri"/>
+                <a:cs typeface="Calibri"/>
+                <a:sym typeface="Calibri"/>
+              </a:rPr>
+              <a:t>3</a:t>
+            </a:fld>
+            <a:endParaRPr lang="en-US" sz="1200" b="0" i="0" u="none" strike="noStrike" cap="none">
+              <a:solidFill>
+                <a:schemeClr val="dk1"/>
+              </a:solidFill>
+              <a:latin typeface="Calibri"/>
+              <a:ea typeface="Calibri"/>
+              <a:cs typeface="Calibri"/>
+              <a:sym typeface="Calibri"/>
+            </a:endParaRPr>
+          </a:p>
+        </p:txBody>
+      </p:sp>
+    </p:spTree>
+    <p:extLst>
+      <p:ext uri="{BB962C8B-B14F-4D97-AF65-F5344CB8AC3E}">
+        <p14:creationId xmlns:p14="http://schemas.microsoft.com/office/powerpoint/2010/main" val="306256508"/>
+      </p:ext>
+    </p:extLst>
+  </p:cSld>
+  <p:clrMapOvr>
+    <a:masterClrMapping/>
+  </p:clrMapOvr>
+</p:notes>
+</file>
+
+<file path=ppt/notesSlides/notesSlide5.xml><?xml version="1.0" encoding="utf-8"?>
+<p:notes xmlns:a="http://schemas.openxmlformats.org/drawingml/2006/main" xmlns:r="http://schemas.openxmlformats.org/officeDocument/2006/relationships" xmlns:p="http://schemas.openxmlformats.org/presentationml/2006/main">
+  <p:cSld>
+    <p:spTree>
+      <p:nvGrpSpPr>
+        <p:cNvPr id="1" name=""/>
+        <p:cNvGrpSpPr/>
+        <p:nvPr/>
+      </p:nvGrpSpPr>
+      <p:grpSpPr>
+        <a:xfrm>
+          <a:off x="0" y="0"/>
+          <a:ext cx="0" cy="0"/>
+          <a:chOff x="0" y="0"/>
+          <a:chExt cx="0" cy="0"/>
+        </a:xfrm>
+      </p:grpSpPr>
+      <p:sp>
+        <p:nvSpPr>
+          <p:cNvPr id="2" name="Slide Image Placeholder 1"/>
+          <p:cNvSpPr>
+            <a:spLocks noGrp="1" noRot="1" noChangeAspect="1"/>
+          </p:cNvSpPr>
+          <p:nvPr>
+            <p:ph type="sldImg"/>
+          </p:nvPr>
+        </p:nvSpPr>
+        <p:spPr/>
+      </p:sp>
+      <p:sp>
+        <p:nvSpPr>
+          <p:cNvPr id="3" name="Notes Placeholder 2"/>
+          <p:cNvSpPr>
+            <a:spLocks noGrp="1"/>
+          </p:cNvSpPr>
+          <p:nvPr>
+            <p:ph type="body" idx="1"/>
+          </p:nvPr>
+        </p:nvSpPr>
+        <p:spPr/>
+        <p:txBody>
+          <a:bodyPr/>
+          <a:lstStyle/>
+          <a:p>
+            <a:r>
+              <a:rPr lang="en-US" dirty="0"/>
+              <a:t>Josiah</a:t>
+            </a:r>
+          </a:p>
+        </p:txBody>
+      </p:sp>
+      <p:sp>
+        <p:nvSpPr>
+          <p:cNvPr id="4" name="Slide Number Placeholder 3"/>
+          <p:cNvSpPr>
+            <a:spLocks noGrp="1"/>
+          </p:cNvSpPr>
+          <p:nvPr>
+            <p:ph type="sldNum" idx="12"/>
+          </p:nvPr>
+        </p:nvSpPr>
+        <p:spPr/>
+        <p:txBody>
+          <a:bodyPr/>
+          <a:lstStyle/>
+          <a:p>
+            <a:pPr marL="0" marR="0" lvl="0" indent="0" algn="r" rtl="0">
+              <a:spcBef>
+                <a:spcPts val="0"/>
+              </a:spcBef>
+              <a:spcAft>
+                <a:spcPts val="0"/>
+              </a:spcAft>
+              <a:buNone/>
+            </a:pPr>
+            <a:fld id="{00000000-1234-1234-1234-123412341234}" type="slidenum">
+              <a:rPr lang="en-US" sz="1200" b="0" i="0" u="none" strike="noStrike" cap="none" smtClean="0">
+                <a:solidFill>
+                  <a:schemeClr val="dk1"/>
+                </a:solidFill>
+                <a:latin typeface="Calibri"/>
+                <a:ea typeface="Calibri"/>
+                <a:cs typeface="Calibri"/>
+                <a:sym typeface="Calibri"/>
+              </a:rPr>
+              <a:t>4</a:t>
+            </a:fld>
+            <a:endParaRPr lang="en-US" sz="1200" b="0" i="0" u="none" strike="noStrike" cap="none">
+              <a:solidFill>
+                <a:schemeClr val="dk1"/>
+              </a:solidFill>
+              <a:latin typeface="Calibri"/>
+              <a:ea typeface="Calibri"/>
+              <a:cs typeface="Calibri"/>
+              <a:sym typeface="Calibri"/>
+            </a:endParaRPr>
+          </a:p>
+        </p:txBody>
+      </p:sp>
+    </p:spTree>
+    <p:extLst>
+      <p:ext uri="{BB962C8B-B14F-4D97-AF65-F5344CB8AC3E}">
+        <p14:creationId xmlns:p14="http://schemas.microsoft.com/office/powerpoint/2010/main" val="2625346580"/>
+      </p:ext>
+    </p:extLst>
+  </p:cSld>
+  <p:clrMapOvr>
+    <a:masterClrMapping/>
+  </p:clrMapOvr>
+</p:notes>
+</file>
+
+<file path=ppt/notesSlides/notesSlide6.xml><?xml version="1.0" encoding="utf-8"?>
+<p:notes xmlns:a="http://schemas.openxmlformats.org/drawingml/2006/main" xmlns:r="http://schemas.openxmlformats.org/officeDocument/2006/relationships" xmlns:p="http://schemas.openxmlformats.org/presentationml/2006/main">
+  <p:cSld>
+    <p:spTree>
+      <p:nvGrpSpPr>
+        <p:cNvPr id="1" name=""/>
+        <p:cNvGrpSpPr/>
+        <p:nvPr/>
+      </p:nvGrpSpPr>
+      <p:grpSpPr>
+        <a:xfrm>
+          <a:off x="0" y="0"/>
+          <a:ext cx="0" cy="0"/>
+          <a:chOff x="0" y="0"/>
+          <a:chExt cx="0" cy="0"/>
+        </a:xfrm>
+      </p:grpSpPr>
+      <p:sp>
+        <p:nvSpPr>
+          <p:cNvPr id="2" name="Slide Image Placeholder 1"/>
+          <p:cNvSpPr>
+            <a:spLocks noGrp="1" noRot="1" noChangeAspect="1"/>
+          </p:cNvSpPr>
+          <p:nvPr>
+            <p:ph type="sldImg"/>
+          </p:nvPr>
+        </p:nvSpPr>
+        <p:spPr/>
+      </p:sp>
+      <p:sp>
+        <p:nvSpPr>
+          <p:cNvPr id="3" name="Notes Placeholder 2"/>
+          <p:cNvSpPr>
+            <a:spLocks noGrp="1"/>
+          </p:cNvSpPr>
+          <p:nvPr>
+            <p:ph type="body" idx="1"/>
+          </p:nvPr>
+        </p:nvSpPr>
+        <p:spPr/>
+        <p:txBody>
+          <a:bodyPr/>
+          <a:lstStyle/>
+          <a:p>
+            <a:r>
+              <a:rPr lang="en-US" dirty="0"/>
+              <a:t>Yasin</a:t>
+            </a:r>
+          </a:p>
+        </p:txBody>
+      </p:sp>
+      <p:sp>
+        <p:nvSpPr>
+          <p:cNvPr id="4" name="Slide Number Placeholder 3"/>
+          <p:cNvSpPr>
+            <a:spLocks noGrp="1"/>
+          </p:cNvSpPr>
+          <p:nvPr>
+            <p:ph type="sldNum" idx="12"/>
+          </p:nvPr>
+        </p:nvSpPr>
+        <p:spPr/>
+        <p:txBody>
+          <a:bodyPr/>
+          <a:lstStyle/>
+          <a:p>
+            <a:pPr marL="0" marR="0" lvl="0" indent="0" algn="r" rtl="0">
+              <a:spcBef>
+                <a:spcPts val="0"/>
+              </a:spcBef>
+              <a:spcAft>
+                <a:spcPts val="0"/>
+              </a:spcAft>
+              <a:buNone/>
+            </a:pPr>
+            <a:fld id="{00000000-1234-1234-1234-123412341234}" type="slidenum">
+              <a:rPr lang="en-US" sz="1200" b="0" i="0" u="none" strike="noStrike" cap="none" smtClean="0">
+                <a:solidFill>
+                  <a:schemeClr val="dk1"/>
+                </a:solidFill>
+                <a:latin typeface="Calibri"/>
+                <a:ea typeface="Calibri"/>
+                <a:cs typeface="Calibri"/>
+                <a:sym typeface="Calibri"/>
+              </a:rPr>
+              <a:t>5</a:t>
+            </a:fld>
+            <a:endParaRPr lang="en-US" sz="1200" b="0" i="0" u="none" strike="noStrike" cap="none">
+              <a:solidFill>
+                <a:schemeClr val="dk1"/>
+              </a:solidFill>
+              <a:latin typeface="Calibri"/>
+              <a:ea typeface="Calibri"/>
+              <a:cs typeface="Calibri"/>
+              <a:sym typeface="Calibri"/>
+            </a:endParaRPr>
+          </a:p>
+        </p:txBody>
+      </p:sp>
+    </p:spTree>
+    <p:extLst>
+      <p:ext uri="{BB962C8B-B14F-4D97-AF65-F5344CB8AC3E}">
+        <p14:creationId xmlns:p14="http://schemas.microsoft.com/office/powerpoint/2010/main" val="1713415410"/>
+      </p:ext>
+    </p:extLst>
+  </p:cSld>
+  <p:clrMapOvr>
+    <a:masterClrMapping/>
+  </p:clrMapOvr>
+</p:notes>
+</file>
+
+<file path=ppt/notesSlides/notesSlide7.xml><?xml version="1.0" encoding="utf-8"?>
+<p:notes xmlns:a="http://schemas.openxmlformats.org/drawingml/2006/main" xmlns:r="http://schemas.openxmlformats.org/officeDocument/2006/relationships" xmlns:p="http://schemas.openxmlformats.org/presentationml/2006/main">
+  <p:cSld>
+    <p:spTree>
+      <p:nvGrpSpPr>
+        <p:cNvPr id="1" name=""/>
+        <p:cNvGrpSpPr/>
+        <p:nvPr/>
+      </p:nvGrpSpPr>
+      <p:grpSpPr>
+        <a:xfrm>
+          <a:off x="0" y="0"/>
+          <a:ext cx="0" cy="0"/>
+          <a:chOff x="0" y="0"/>
+          <a:chExt cx="0" cy="0"/>
+        </a:xfrm>
+      </p:grpSpPr>
+      <p:sp>
+        <p:nvSpPr>
+          <p:cNvPr id="2" name="Slide Image Placeholder 1"/>
+          <p:cNvSpPr>
+            <a:spLocks noGrp="1" noRot="1" noChangeAspect="1"/>
+          </p:cNvSpPr>
+          <p:nvPr>
+            <p:ph type="sldImg"/>
+          </p:nvPr>
+        </p:nvSpPr>
+        <p:spPr/>
+      </p:sp>
+      <p:sp>
+        <p:nvSpPr>
+          <p:cNvPr id="3" name="Notes Placeholder 2"/>
+          <p:cNvSpPr>
+            <a:spLocks noGrp="1"/>
+          </p:cNvSpPr>
+          <p:nvPr>
+            <p:ph type="body" idx="1"/>
+          </p:nvPr>
+        </p:nvSpPr>
+        <p:spPr/>
+        <p:txBody>
+          <a:bodyPr/>
+          <a:lstStyle/>
+          <a:p>
+            <a:r>
+              <a:rPr lang="en-US" dirty="0"/>
+              <a:t>David</a:t>
+            </a:r>
+          </a:p>
+        </p:txBody>
+      </p:sp>
+      <p:sp>
+        <p:nvSpPr>
+          <p:cNvPr id="4" name="Slide Number Placeholder 3"/>
+          <p:cNvSpPr>
+            <a:spLocks noGrp="1"/>
+          </p:cNvSpPr>
+          <p:nvPr>
+            <p:ph type="sldNum" idx="12"/>
+          </p:nvPr>
+        </p:nvSpPr>
+        <p:spPr/>
+        <p:txBody>
+          <a:bodyPr/>
+          <a:lstStyle/>
+          <a:p>
+            <a:pPr marL="0" marR="0" lvl="0" indent="0" algn="r" rtl="0">
+              <a:spcBef>
+                <a:spcPts val="0"/>
+              </a:spcBef>
+              <a:spcAft>
+                <a:spcPts val="0"/>
+              </a:spcAft>
+              <a:buNone/>
+            </a:pPr>
+            <a:fld id="{00000000-1234-1234-1234-123412341234}" type="slidenum">
+              <a:rPr lang="en-US" sz="1200" b="0" i="0" u="none" strike="noStrike" cap="none" smtClean="0">
+                <a:solidFill>
+                  <a:schemeClr val="dk1"/>
+                </a:solidFill>
+                <a:latin typeface="Calibri"/>
+                <a:ea typeface="Calibri"/>
+                <a:cs typeface="Calibri"/>
+                <a:sym typeface="Calibri"/>
+              </a:rPr>
+              <a:t>6</a:t>
+            </a:fld>
+            <a:endParaRPr lang="en-US" sz="1200" b="0" i="0" u="none" strike="noStrike" cap="none">
+              <a:solidFill>
+                <a:schemeClr val="dk1"/>
+              </a:solidFill>
+              <a:latin typeface="Calibri"/>
+              <a:ea typeface="Calibri"/>
+              <a:cs typeface="Calibri"/>
+              <a:sym typeface="Calibri"/>
+            </a:endParaRPr>
+          </a:p>
+        </p:txBody>
+      </p:sp>
+    </p:spTree>
+    <p:extLst>
+      <p:ext uri="{BB962C8B-B14F-4D97-AF65-F5344CB8AC3E}">
+        <p14:creationId xmlns:p14="http://schemas.microsoft.com/office/powerpoint/2010/main" val="4176996272"/>
+      </p:ext>
+    </p:extLst>
+  </p:cSld>
+  <p:clrMapOvr>
+    <a:masterClrMapping/>
+  </p:clrMapOvr>
+</p:notes>
+</file>
+
+<file path=ppt/notesSlides/notesSlide8.xml><?xml version="1.0" encoding="utf-8"?>
+<p:notes xmlns:a="http://schemas.openxmlformats.org/drawingml/2006/main" xmlns:r="http://schemas.openxmlformats.org/officeDocument/2006/relationships" xmlns:p="http://schemas.openxmlformats.org/presentationml/2006/main">
+  <p:cSld>
+    <p:spTree>
+      <p:nvGrpSpPr>
+        <p:cNvPr id="1" name=""/>
+        <p:cNvGrpSpPr/>
+        <p:nvPr/>
+      </p:nvGrpSpPr>
+      <p:grpSpPr>
+        <a:xfrm>
+          <a:off x="0" y="0"/>
+          <a:ext cx="0" cy="0"/>
+          <a:chOff x="0" y="0"/>
+          <a:chExt cx="0" cy="0"/>
+        </a:xfrm>
+      </p:grpSpPr>
+      <p:sp>
+        <p:nvSpPr>
+          <p:cNvPr id="2" name="Slide Image Placeholder 1"/>
+          <p:cNvSpPr>
+            <a:spLocks noGrp="1" noRot="1" noChangeAspect="1"/>
+          </p:cNvSpPr>
+          <p:nvPr>
+            <p:ph type="sldImg"/>
+          </p:nvPr>
+        </p:nvSpPr>
+        <p:spPr/>
+      </p:sp>
+      <p:sp>
+        <p:nvSpPr>
+          <p:cNvPr id="3" name="Notes Placeholder 2"/>
+          <p:cNvSpPr>
+            <a:spLocks noGrp="1"/>
+          </p:cNvSpPr>
+          <p:nvPr>
+            <p:ph type="body" idx="1"/>
+          </p:nvPr>
+        </p:nvSpPr>
+        <p:spPr/>
+        <p:txBody>
+          <a:bodyPr/>
+          <a:lstStyle/>
+          <a:p>
+            <a:r>
+              <a:rPr lang="en-US" dirty="0"/>
+              <a:t>Josiah</a:t>
+            </a:r>
+          </a:p>
+        </p:txBody>
+      </p:sp>
+      <p:sp>
+        <p:nvSpPr>
+          <p:cNvPr id="4" name="Slide Number Placeholder 3"/>
+          <p:cNvSpPr>
+            <a:spLocks noGrp="1"/>
+          </p:cNvSpPr>
+          <p:nvPr>
+            <p:ph type="sldNum" idx="12"/>
+          </p:nvPr>
+        </p:nvSpPr>
+        <p:spPr/>
+        <p:txBody>
+          <a:bodyPr/>
+          <a:lstStyle/>
+          <a:p>
+            <a:pPr marL="0" marR="0" lvl="0" indent="0" algn="r" rtl="0">
+              <a:spcBef>
+                <a:spcPts val="0"/>
+              </a:spcBef>
+              <a:spcAft>
+                <a:spcPts val="0"/>
+              </a:spcAft>
+              <a:buNone/>
+            </a:pPr>
+            <a:fld id="{00000000-1234-1234-1234-123412341234}" type="slidenum">
+              <a:rPr lang="en-US" sz="1200" b="0" i="0" u="none" strike="noStrike" cap="none" smtClean="0">
+                <a:solidFill>
+                  <a:schemeClr val="dk1"/>
+                </a:solidFill>
+                <a:latin typeface="Calibri"/>
+                <a:ea typeface="Calibri"/>
+                <a:cs typeface="Calibri"/>
+                <a:sym typeface="Calibri"/>
+              </a:rPr>
+              <a:t>7</a:t>
+            </a:fld>
+            <a:endParaRPr lang="en-US" sz="1200" b="0" i="0" u="none" strike="noStrike" cap="none">
+              <a:solidFill>
+                <a:schemeClr val="dk1"/>
+              </a:solidFill>
+              <a:latin typeface="Calibri"/>
+              <a:ea typeface="Calibri"/>
+              <a:cs typeface="Calibri"/>
+              <a:sym typeface="Calibri"/>
+            </a:endParaRPr>
+          </a:p>
+        </p:txBody>
+      </p:sp>
+    </p:spTree>
+    <p:extLst>
+      <p:ext uri="{BB962C8B-B14F-4D97-AF65-F5344CB8AC3E}">
+        <p14:creationId xmlns:p14="http://schemas.microsoft.com/office/powerpoint/2010/main" val="3997858535"/>
+      </p:ext>
+    </p:extLst>
+  </p:cSld>
+  <p:clrMapOvr>
+    <a:masterClrMapping/>
+  </p:clrMapOvr>
+</p:notes>
+</file>
+
+<file path=ppt/notesSlides/notesSlide9.xml><?xml version="1.0" encoding="utf-8"?>
+<p:notes xmlns:a="http://schemas.openxmlformats.org/drawingml/2006/main" xmlns:r="http://schemas.openxmlformats.org/officeDocument/2006/relationships" xmlns:p="http://schemas.openxmlformats.org/presentationml/2006/main">
+  <p:cSld>
+    <p:spTree>
+      <p:nvGrpSpPr>
+        <p:cNvPr id="1" name=""/>
+        <p:cNvGrpSpPr/>
+        <p:nvPr/>
+      </p:nvGrpSpPr>
+      <p:grpSpPr>
+        <a:xfrm>
+          <a:off x="0" y="0"/>
+          <a:ext cx="0" cy="0"/>
+          <a:chOff x="0" y="0"/>
+          <a:chExt cx="0" cy="0"/>
+        </a:xfrm>
+      </p:grpSpPr>
+      <p:sp>
+        <p:nvSpPr>
+          <p:cNvPr id="2" name="Slide Image Placeholder 1"/>
+          <p:cNvSpPr>
+            <a:spLocks noGrp="1" noRot="1" noChangeAspect="1"/>
+          </p:cNvSpPr>
+          <p:nvPr>
+            <p:ph type="sldImg"/>
+          </p:nvPr>
+        </p:nvSpPr>
+        <p:spPr/>
+      </p:sp>
+      <p:sp>
+        <p:nvSpPr>
+          <p:cNvPr id="3" name="Notes Placeholder 2"/>
+          <p:cNvSpPr>
+            <a:spLocks noGrp="1"/>
+          </p:cNvSpPr>
+          <p:nvPr>
+            <p:ph type="body" idx="1"/>
+          </p:nvPr>
+        </p:nvSpPr>
+        <p:spPr/>
+        <p:txBody>
+          <a:bodyPr/>
+          <a:lstStyle/>
+          <a:p>
+            <a:r>
+              <a:rPr lang="en-US" dirty="0"/>
+              <a:t>Yasin</a:t>
+            </a:r>
+          </a:p>
+        </p:txBody>
+      </p:sp>
+      <p:sp>
+        <p:nvSpPr>
+          <p:cNvPr id="4" name="Slide Number Placeholder 3"/>
+          <p:cNvSpPr>
+            <a:spLocks noGrp="1"/>
+          </p:cNvSpPr>
+          <p:nvPr>
+            <p:ph type="sldNum" idx="12"/>
+          </p:nvPr>
+        </p:nvSpPr>
+        <p:spPr/>
+        <p:txBody>
+          <a:bodyPr/>
+          <a:lstStyle/>
+          <a:p>
+            <a:pPr marL="0" marR="0" lvl="0" indent="0" algn="r" rtl="0">
+              <a:spcBef>
+                <a:spcPts val="0"/>
+              </a:spcBef>
+              <a:spcAft>
+                <a:spcPts val="0"/>
+              </a:spcAft>
+              <a:buNone/>
+            </a:pPr>
+            <a:fld id="{00000000-1234-1234-1234-123412341234}" type="slidenum">
+              <a:rPr lang="en-US" sz="1200" b="0" i="0" u="none" strike="noStrike" cap="none" smtClean="0">
+                <a:solidFill>
+                  <a:schemeClr val="dk1"/>
+                </a:solidFill>
+                <a:latin typeface="Calibri"/>
+                <a:ea typeface="Calibri"/>
+                <a:cs typeface="Calibri"/>
+                <a:sym typeface="Calibri"/>
+              </a:rPr>
+              <a:t>8</a:t>
+            </a:fld>
+            <a:endParaRPr lang="en-US" sz="1200" b="0" i="0" u="none" strike="noStrike" cap="none">
+              <a:solidFill>
+                <a:schemeClr val="dk1"/>
+              </a:solidFill>
+              <a:latin typeface="Calibri"/>
+              <a:ea typeface="Calibri"/>
+              <a:cs typeface="Calibri"/>
+              <a:sym typeface="Calibri"/>
+            </a:endParaRPr>
+          </a:p>
+        </p:txBody>
+      </p:sp>
+    </p:spTree>
+    <p:extLst>
+      <p:ext uri="{BB962C8B-B14F-4D97-AF65-F5344CB8AC3E}">
+        <p14:creationId xmlns:p14="http://schemas.microsoft.com/office/powerpoint/2010/main" val="17679452"/>
+      </p:ext>
+    </p:extLst>
   </p:cSld>
   <p:clrMapOvr>
     <a:masterClrMapping/>
@@ -28054,136 +29041,6 @@
           <p:cNvPr id="2" name="Title 1">
             <a:extLst>
               <a:ext uri="{FF2B5EF4-FFF2-40B4-BE49-F238E27FC236}">
-                <a16:creationId xmlns:a16="http://schemas.microsoft.com/office/drawing/2014/main" id="{930BC800-2052-869D-A945-F3258C49AA8B}"/>
-              </a:ext>
-            </a:extLst>
-          </p:cNvPr>
-          <p:cNvSpPr>
-            <a:spLocks noGrp="1"/>
-          </p:cNvSpPr>
-          <p:nvPr>
-            <p:ph type="title"/>
-          </p:nvPr>
-        </p:nvSpPr>
-        <p:spPr/>
-        <p:txBody>
-          <a:bodyPr/>
-          <a:lstStyle/>
-          <a:p>
-            <a:r>
-              <a:rPr lang="en-US" dirty="0"/>
-              <a:t>Challenges Faced</a:t>
-            </a:r>
-          </a:p>
-        </p:txBody>
-      </p:sp>
-      <p:sp>
-        <p:nvSpPr>
-          <p:cNvPr id="3" name="Text Placeholder 2">
-            <a:extLst>
-              <a:ext uri="{FF2B5EF4-FFF2-40B4-BE49-F238E27FC236}">
-                <a16:creationId xmlns:a16="http://schemas.microsoft.com/office/drawing/2014/main" id="{6A05C9A5-A25E-E2D7-EF9C-7C85C76E6B51}"/>
-              </a:ext>
-            </a:extLst>
-          </p:cNvPr>
-          <p:cNvSpPr>
-            <a:spLocks noGrp="1"/>
-          </p:cNvSpPr>
-          <p:nvPr>
-            <p:ph type="body" idx="1"/>
-          </p:nvPr>
-        </p:nvSpPr>
-        <p:spPr/>
-        <p:txBody>
-          <a:bodyPr/>
-          <a:lstStyle/>
-          <a:p>
-            <a:r>
-              <a:rPr lang="en-US" dirty="0"/>
-              <a:t>Unit Testing</a:t>
-            </a:r>
-          </a:p>
-          <a:p>
-            <a:r>
-              <a:rPr lang="en-US" dirty="0"/>
-              <a:t>Pipeline Build Statistics</a:t>
-            </a:r>
-          </a:p>
-        </p:txBody>
-      </p:sp>
-      <p:sp>
-        <p:nvSpPr>
-          <p:cNvPr id="4" name="Slide Number Placeholder 3">
-            <a:extLst>
-              <a:ext uri="{FF2B5EF4-FFF2-40B4-BE49-F238E27FC236}">
-                <a16:creationId xmlns:a16="http://schemas.microsoft.com/office/drawing/2014/main" id="{EE90E056-2464-1076-AEED-CB4ED1FC98BD}"/>
-              </a:ext>
-            </a:extLst>
-          </p:cNvPr>
-          <p:cNvSpPr>
-            <a:spLocks noGrp="1"/>
-          </p:cNvSpPr>
-          <p:nvPr>
-            <p:ph type="sldNum" idx="12"/>
-          </p:nvPr>
-        </p:nvSpPr>
-        <p:spPr/>
-        <p:txBody>
-          <a:bodyPr/>
-          <a:lstStyle/>
-          <a:p>
-            <a:pPr marL="0" lvl="0" indent="0" algn="r" rtl="0">
-              <a:spcBef>
-                <a:spcPts val="0"/>
-              </a:spcBef>
-              <a:spcAft>
-                <a:spcPts val="0"/>
-              </a:spcAft>
-              <a:buNone/>
-            </a:pPr>
-            <a:fld id="{00000000-1234-1234-1234-123412341234}" type="slidenum">
-              <a:rPr lang="en-US" smtClean="0"/>
-              <a:t>9</a:t>
-            </a:fld>
-            <a:endParaRPr lang="en-US"/>
-          </a:p>
-        </p:txBody>
-      </p:sp>
-    </p:spTree>
-    <p:extLst>
-      <p:ext uri="{BB962C8B-B14F-4D97-AF65-F5344CB8AC3E}">
-        <p14:creationId xmlns:p14="http://schemas.microsoft.com/office/powerpoint/2010/main" val="1832876262"/>
-      </p:ext>
-    </p:extLst>
-  </p:cSld>
-  <p:clrMapOvr>
-    <a:masterClrMapping/>
-  </p:clrMapOvr>
-</p:sld>
-</file>
-
-<file path=ppt/slides/slide11.xml><?xml version="1.0" encoding="utf-8"?>
-<p:sld xmlns:a="http://schemas.openxmlformats.org/drawingml/2006/main" xmlns:r="http://schemas.openxmlformats.org/officeDocument/2006/relationships" xmlns:p="http://schemas.openxmlformats.org/presentationml/2006/main">
-  <p:cSld>
-    <p:spTree>
-      <p:nvGrpSpPr>
-        <p:cNvPr id="1" name=""/>
-        <p:cNvGrpSpPr/>
-        <p:nvPr/>
-      </p:nvGrpSpPr>
-      <p:grpSpPr>
-        <a:xfrm>
-          <a:off x="0" y="0"/>
-          <a:ext cx="0" cy="0"/>
-          <a:chOff x="0" y="0"/>
-          <a:chExt cx="0" cy="0"/>
-        </a:xfrm>
-      </p:grpSpPr>
-      <p:sp>
-        <p:nvSpPr>
-          <p:cNvPr id="2" name="Title 1">
-            <a:extLst>
-              <a:ext uri="{FF2B5EF4-FFF2-40B4-BE49-F238E27FC236}">
                 <a16:creationId xmlns:a16="http://schemas.microsoft.com/office/drawing/2014/main" id="{90277C91-6E44-56DC-A145-934559C2B70F}"/>
               </a:ext>
             </a:extLst>
@@ -28264,7 +29121,7 @@
             </a:pPr>
             <a:fld id="{00000000-1234-1234-1234-123412341234}" type="slidenum">
               <a:rPr lang="en-US" smtClean="0"/>
-              <a:t>10</a:t>
+              <a:t>9</a:t>
             </a:fld>
             <a:endParaRPr lang="en-US"/>
           </a:p>
@@ -28379,7 +29236,7 @@
         <p:spPr>
           <a:xfrm>
             <a:off x="380010" y="1481446"/>
-            <a:ext cx="8383980" cy="3108139"/>
+            <a:ext cx="8383980" cy="3881862"/>
           </a:xfrm>
           <a:prstGeom prst="rect">
             <a:avLst/>
@@ -28402,17 +29259,28 @@
             </a:pPr>
             <a:r>
               <a:rPr lang="en-US" dirty="0"/>
+              <a:t>Frontend</a:t>
+            </a:r>
+          </a:p>
+          <a:p>
+            <a:pPr marL="1092200" lvl="1" indent="-457200">
+              <a:spcBef>
+                <a:spcPts val="0"/>
+              </a:spcBef>
+            </a:pPr>
+            <a:r>
+              <a:rPr lang="en-US" dirty="0"/>
               <a:t>HTML</a:t>
             </a:r>
           </a:p>
           <a:p>
-            <a:pPr marL="635000" indent="-457200">
+            <a:pPr marL="1092200" lvl="1" indent="-457200">
               <a:spcBef>
                 <a:spcPts val="0"/>
               </a:spcBef>
             </a:pPr>
             <a:r>
-              <a:rPr lang="en-US" sz="2800" b="0" i="0" u="none" strike="noStrike" cap="none" dirty="0">
+              <a:rPr lang="en-US" b="0" i="0" u="none" strike="noStrike" cap="none" dirty="0">
                 <a:solidFill>
                   <a:schemeClr val="dk2"/>
                 </a:solidFill>
@@ -28426,13 +29294,13 @@
             <a:endParaRPr lang="en-US" dirty="0"/>
           </a:p>
           <a:p>
-            <a:pPr marL="635000" indent="-457200">
+            <a:pPr marL="1092200" lvl="1" indent="-457200">
               <a:spcBef>
                 <a:spcPts val="0"/>
               </a:spcBef>
             </a:pPr>
             <a:r>
-              <a:rPr lang="en-US" sz="2800" b="0" i="0" u="none" strike="noStrike" cap="none" dirty="0">
+              <a:rPr lang="en-US" b="0" i="0" u="none" strike="noStrike" cap="none" dirty="0">
                 <a:solidFill>
                   <a:schemeClr val="dk2"/>
                 </a:solidFill>
@@ -28445,7 +29313,7 @@
             </a:r>
           </a:p>
           <a:p>
-            <a:pPr marL="635000" indent="-457200">
+            <a:pPr marL="1092200" lvl="1" indent="-457200">
               <a:spcBef>
                 <a:spcPts val="0"/>
               </a:spcBef>
@@ -28456,13 +29324,33 @@
             </a:r>
           </a:p>
           <a:p>
-            <a:pPr marL="635000" indent="-457200">
+            <a:pPr marL="1092200" lvl="1" indent="-457200">
               <a:spcBef>
                 <a:spcPts val="0"/>
               </a:spcBef>
             </a:pPr>
             <a:r>
-              <a:rPr lang="en-US" sz="2800" b="0" i="0" u="none" strike="noStrike" cap="none" dirty="0">
+              <a:rPr lang="en-US" dirty="0"/>
+              <a:t>Redux</a:t>
+            </a:r>
+            <a:endParaRPr lang="en-US" b="0" i="0" u="none" strike="noStrike" cap="none" dirty="0">
+              <a:solidFill>
+                <a:schemeClr val="dk2"/>
+              </a:solidFill>
+              <a:latin typeface="Arial"/>
+              <a:ea typeface="Arial"/>
+              <a:cs typeface="Arial"/>
+              <a:sym typeface="Arial"/>
+            </a:endParaRPr>
+          </a:p>
+          <a:p>
+            <a:pPr marL="1092200" lvl="1" indent="-457200">
+              <a:spcBef>
+                <a:spcPts val="0"/>
+              </a:spcBef>
+            </a:pPr>
+            <a:r>
+              <a:rPr lang="en-US" b="0" i="0" u="none" strike="noStrike" cap="none" dirty="0" err="1">
                 <a:solidFill>
                   <a:schemeClr val="dk2"/>
                 </a:solidFill>
@@ -28471,19 +29359,44 @@
                 <a:cs typeface="Arial"/>
                 <a:sym typeface="Arial"/>
               </a:rPr>
-              <a:t>Java</a:t>
+              <a:t>Axios</a:t>
+            </a:r>
+            <a:endParaRPr lang="en-US" b="0" i="0" u="none" strike="noStrike" cap="none" dirty="0">
+              <a:solidFill>
+                <a:schemeClr val="dk2"/>
+              </a:solidFill>
+              <a:latin typeface="Arial"/>
+              <a:ea typeface="Arial"/>
+              <a:cs typeface="Arial"/>
+              <a:sym typeface="Arial"/>
+            </a:endParaRPr>
+          </a:p>
+          <a:p>
+            <a:pPr marL="1092200" lvl="1" indent="-457200">
+              <a:spcBef>
+                <a:spcPts val="0"/>
+              </a:spcBef>
+            </a:pPr>
+            <a:r>
+              <a:rPr lang="en-US" sz="2400" b="0" i="0" u="none" strike="noStrike" cap="none" dirty="0">
+                <a:solidFill>
+                  <a:schemeClr val="dk2"/>
+                </a:solidFill>
+                <a:latin typeface="Arial"/>
+                <a:ea typeface="Arial"/>
+                <a:cs typeface="Arial"/>
+                <a:sym typeface="Arial"/>
+              </a:rPr>
+              <a:t>JavaScript</a:t>
             </a:r>
           </a:p>
           <a:p>
-            <a:pPr marL="635000" indent="-457200">
+            <a:pPr marL="1092200" lvl="1" indent="-457200">
               <a:spcBef>
                 <a:spcPts val="0"/>
               </a:spcBef>
             </a:pPr>
-            <a:r>
-              <a:rPr lang="en-US" dirty="0"/>
-              <a:t>PostgreSQL</a:t>
-            </a:r>
+            <a:endParaRPr lang="en-US" dirty="0"/>
           </a:p>
           <a:p>
             <a:pPr marL="635000" indent="-457200">
@@ -28491,37 +29404,6 @@
                 <a:spcPts val="0"/>
               </a:spcBef>
             </a:pPr>
-            <a:r>
-              <a:rPr lang="en-US" sz="2800" b="0" i="0" u="none" strike="noStrike" cap="none" dirty="0">
-                <a:solidFill>
-                  <a:schemeClr val="dk2"/>
-                </a:solidFill>
-                <a:latin typeface="Arial"/>
-                <a:ea typeface="Arial"/>
-                <a:cs typeface="Arial"/>
-                <a:sym typeface="Arial"/>
-              </a:rPr>
-              <a:t>Redux</a:t>
-            </a:r>
-          </a:p>
-          <a:p>
-            <a:pPr marL="635000" indent="-457200">
-              <a:spcBef>
-                <a:spcPts val="0"/>
-              </a:spcBef>
-            </a:pPr>
-            <a:r>
-              <a:rPr lang="en-US" sz="2800" b="0" i="0" u="none" strike="noStrike" cap="none" dirty="0" err="1">
-                <a:solidFill>
-                  <a:schemeClr val="dk2"/>
-                </a:solidFill>
-                <a:latin typeface="Arial"/>
-                <a:ea typeface="Arial"/>
-                <a:cs typeface="Arial"/>
-                <a:sym typeface="Arial"/>
-              </a:rPr>
-              <a:t>Axios</a:t>
-            </a:r>
             <a:endParaRPr lang="en-US" sz="2800" b="0" i="0" u="none" strike="noStrike" cap="none" dirty="0">
               <a:solidFill>
                 <a:schemeClr val="dk2"/>
@@ -28540,17 +29422,58 @@
             </a:pPr>
             <a:r>
               <a:rPr lang="en-US" dirty="0"/>
+              <a:t>Backend</a:t>
+            </a:r>
+          </a:p>
+          <a:p>
+            <a:pPr marL="1092200" lvl="1" indent="-457200">
+              <a:spcBef>
+                <a:spcPts val="0"/>
+              </a:spcBef>
+            </a:pPr>
+            <a:r>
+              <a:rPr lang="en-US" b="0" i="0" u="none" strike="noStrike" cap="none" dirty="0">
+                <a:solidFill>
+                  <a:schemeClr val="dk2"/>
+                </a:solidFill>
+                <a:latin typeface="Arial"/>
+                <a:ea typeface="Arial"/>
+                <a:cs typeface="Arial"/>
+                <a:sym typeface="Arial"/>
+              </a:rPr>
+              <a:t>Java</a:t>
+            </a:r>
+          </a:p>
+          <a:p>
+            <a:pPr marL="1092200" lvl="1" indent="-457200">
+              <a:spcBef>
+                <a:spcPts val="0"/>
+              </a:spcBef>
+            </a:pPr>
+            <a:r>
+              <a:rPr lang="en-US" dirty="0"/>
+              <a:t>PostgreSQL</a:t>
+            </a:r>
+          </a:p>
+          <a:p>
+            <a:pPr marL="1092200" lvl="1" indent="-457200">
+              <a:spcBef>
+                <a:spcPts val="0"/>
+              </a:spcBef>
+            </a:pPr>
+            <a:r>
+              <a:rPr lang="en-US" dirty="0"/>
               <a:t>Maven</a:t>
             </a:r>
           </a:p>
           <a:p>
-            <a:pPr marL="635000" indent="-457200">
+            <a:pPr marL="1092200" lvl="1" indent="-457200">
               <a:spcBef>
                 <a:spcPts val="0"/>
               </a:spcBef>
             </a:pPr>
             <a:r>
-              <a:rPr lang="en-US" sz="2800" b="0" i="0" u="none" strike="noStrike" cap="none" dirty="0" err="1">
+              <a:rPr lang="en-US" b="0" i="0" u="none" strike="noStrike" cap="none" dirty="0" err="1">
                 <a:solidFill>
                   <a:schemeClr val="dk2"/>
                 </a:solidFill>
@@ -28561,7 +29484,7 @@
               </a:rPr>
               <a:t>Javalin</a:t>
             </a:r>
-            <a:endParaRPr lang="en-US" sz="2800" b="0" i="0" u="none" strike="noStrike" cap="none" dirty="0">
+            <a:endParaRPr lang="en-US" b="0" i="0" u="none" strike="noStrike" cap="none" dirty="0">
               <a:solidFill>
                 <a:schemeClr val="dk2"/>
               </a:solidFill>
@@ -28572,33 +29495,25 @@
             </a:endParaRPr>
           </a:p>
           <a:p>
-            <a:pPr marL="635000" indent="-457200">
+            <a:pPr marL="1092200" lvl="1" indent="-457200">
               <a:spcBef>
                 <a:spcPts val="0"/>
               </a:spcBef>
             </a:pPr>
             <a:r>
               <a:rPr lang="en-US" dirty="0" err="1"/>
-              <a:t>DBeaver</a:t>
+              <a:t>Dbeaver</a:t>
             </a:r>
-            <a:endParaRPr lang="en-US" sz="2800" b="0" i="0" u="none" strike="noStrike" cap="none" dirty="0">
-              <a:solidFill>
-                <a:schemeClr val="dk2"/>
-              </a:solidFill>
-              <a:latin typeface="Arial"/>
-              <a:ea typeface="Arial"/>
-              <a:cs typeface="Arial"/>
-              <a:sym typeface="Arial"/>
-            </a:endParaRPr>
+            <a:endParaRPr lang="en-US" dirty="0"/>
           </a:p>
           <a:p>
-            <a:pPr marL="635000" indent="-457200">
+            <a:pPr marL="1092200" lvl="1" indent="-457200">
               <a:spcBef>
                 <a:spcPts val="0"/>
               </a:spcBef>
             </a:pPr>
             <a:r>
-              <a:rPr lang="en-US" sz="2800" b="0" i="0" u="none" strike="noStrike" cap="none" dirty="0">
+              <a:rPr lang="en-US" b="0" i="0" u="none" strike="noStrike" cap="none" dirty="0">
                 <a:solidFill>
                   <a:schemeClr val="dk2"/>
                 </a:solidFill>
@@ -28607,7 +29522,7 @@
                 <a:cs typeface="Arial"/>
                 <a:sym typeface="Arial"/>
               </a:rPr>
-              <a:t>JavaScript</a:t>
+              <a:t>JDBC</a:t>
             </a:r>
           </a:p>
           <a:p>
@@ -28617,6 +29532,18 @@
               </a:spcBef>
               <a:buNone/>
             </a:pPr>
+            <a:r>
+              <a:rPr lang="en-US" sz="2800" b="0" i="0" u="none" strike="noStrike" cap="none" dirty="0">
+                <a:solidFill>
+                  <a:schemeClr val="dk2"/>
+                </a:solidFill>
+                <a:latin typeface="Arial"/>
+                <a:ea typeface="Arial"/>
+                <a:cs typeface="Arial"/>
+                <a:sym typeface="Arial"/>
+              </a:rPr>
+              <a:t>	</a:t>
+            </a:r>
             <a:endParaRPr sz="2800" b="0" i="0" u="none" strike="noStrike" cap="none" dirty="0">
               <a:solidFill>
                 <a:schemeClr val="dk2"/>
@@ -28831,7 +29758,7 @@
           <p:nvPr/>
         </p:nvPicPr>
         <p:blipFill>
-          <a:blip r:embed="rId2"/>
+          <a:blip r:embed="rId3"/>
           <a:stretch>
             <a:fillRect/>
           </a:stretch>
@@ -28956,10 +29883,10 @@
             </a:r>
           </a:p>
           <a:p>
-            <a:r>
-              <a:rPr lang="en-US" dirty="0"/>
-              <a:t>Robel: Team Leader</a:t>
-            </a:r>
+            <a:pPr marL="50800" indent="0">
+              <a:buNone/>
+            </a:pPr>
+            <a:endParaRPr lang="en-US" dirty="0"/>
           </a:p>
         </p:txBody>
       </p:sp>
@@ -29097,737 +30024,36 @@
           </a:p>
         </p:txBody>
       </p:sp>
-      <p:sp>
-        <p:nvSpPr>
-          <p:cNvPr id="5" name="Rectangle 4">
+      <p:pic>
+        <p:nvPicPr>
+          <p:cNvPr id="14" name="Picture 13">
             <a:extLst>
               <a:ext uri="{FF2B5EF4-FFF2-40B4-BE49-F238E27FC236}">
-                <a16:creationId xmlns:a16="http://schemas.microsoft.com/office/drawing/2014/main" id="{608C347F-6DD1-AABC-E14E-BDBBBBB425D8}"/>
+                <a16:creationId xmlns:a16="http://schemas.microsoft.com/office/drawing/2014/main" id="{D6EDDE28-446D-3BBC-4954-5E1E28D0BE66}"/>
               </a:ext>
             </a:extLst>
           </p:cNvPr>
-          <p:cNvSpPr/>
+          <p:cNvPicPr>
+            <a:picLocks noChangeAspect="1"/>
+          </p:cNvPicPr>
           <p:nvPr/>
-        </p:nvSpPr>
+        </p:nvPicPr>
+        <p:blipFill>
+          <a:blip r:embed="rId3"/>
+          <a:stretch>
+            <a:fillRect/>
+          </a:stretch>
+        </p:blipFill>
         <p:spPr>
           <a:xfrm>
-            <a:off x="3200400" y="1303867"/>
-            <a:ext cx="2243666" cy="618067"/>
+            <a:off x="0" y="2431718"/>
+            <a:ext cx="9144000" cy="2254582"/>
           </a:xfrm>
           <a:prstGeom prst="rect">
             <a:avLst/>
           </a:prstGeom>
-          <a:solidFill>
-            <a:schemeClr val="accent5">
-              <a:lumMod val="60000"/>
-              <a:lumOff val="40000"/>
-            </a:schemeClr>
-          </a:solidFill>
-          <a:ln>
-            <a:solidFill>
-              <a:schemeClr val="accent5">
-                <a:lumMod val="60000"/>
-                <a:lumOff val="40000"/>
-              </a:schemeClr>
-            </a:solidFill>
-          </a:ln>
         </p:spPr>
-        <p:style>
-          <a:lnRef idx="2">
-            <a:schemeClr val="accent1">
-              <a:shade val="50000"/>
-            </a:schemeClr>
-          </a:lnRef>
-          <a:fillRef idx="1">
-            <a:schemeClr val="accent1"/>
-          </a:fillRef>
-          <a:effectRef idx="0">
-            <a:schemeClr val="accent1"/>
-          </a:effectRef>
-          <a:fontRef idx="minor">
-            <a:schemeClr val="lt1"/>
-          </a:fontRef>
-        </p:style>
-        <p:txBody>
-          <a:bodyPr rtlCol="0" anchor="ctr"/>
-          <a:lstStyle/>
-          <a:p>
-            <a:pPr algn="ctr"/>
-            <a:r>
-              <a:rPr lang="en-US" dirty="0"/>
-              <a:t>Web Client</a:t>
-            </a:r>
-          </a:p>
-        </p:txBody>
-      </p:sp>
-      <p:sp>
-        <p:nvSpPr>
-          <p:cNvPr id="8" name="TextBox 7">
-            <a:extLst>
-              <a:ext uri="{FF2B5EF4-FFF2-40B4-BE49-F238E27FC236}">
-                <a16:creationId xmlns:a16="http://schemas.microsoft.com/office/drawing/2014/main" id="{3DAF205C-C785-957D-3C36-26F41440A341}"/>
-              </a:ext>
-            </a:extLst>
-          </p:cNvPr>
-          <p:cNvSpPr txBox="1"/>
-          <p:nvPr/>
-        </p:nvSpPr>
-        <p:spPr>
-          <a:xfrm>
-            <a:off x="4969935" y="2006601"/>
-            <a:ext cx="1682749" cy="307777"/>
-          </a:xfrm>
-          <a:prstGeom prst="rect">
-            <a:avLst/>
-          </a:prstGeom>
-          <a:noFill/>
-        </p:spPr>
-        <p:txBody>
-          <a:bodyPr wrap="square" rtlCol="0">
-            <a:spAutoFit/>
-          </a:bodyPr>
-          <a:lstStyle/>
-          <a:p>
-            <a:r>
-              <a:rPr lang="en-US" dirty="0"/>
-              <a:t>HTTP Request</a:t>
-            </a:r>
-          </a:p>
-        </p:txBody>
-      </p:sp>
-      <p:cxnSp>
-        <p:nvCxnSpPr>
-          <p:cNvPr id="12" name="Straight Connector 11">
-            <a:extLst>
-              <a:ext uri="{FF2B5EF4-FFF2-40B4-BE49-F238E27FC236}">
-                <a16:creationId xmlns:a16="http://schemas.microsoft.com/office/drawing/2014/main" id="{551209B1-E308-D2D0-6A89-859F5E692EE3}"/>
-              </a:ext>
-            </a:extLst>
-          </p:cNvPr>
-          <p:cNvCxnSpPr>
-            <a:cxnSpLocks/>
-          </p:cNvCxnSpPr>
-          <p:nvPr/>
-        </p:nvCxnSpPr>
-        <p:spPr>
-          <a:xfrm>
-            <a:off x="1219201" y="2307051"/>
-            <a:ext cx="7518400" cy="0"/>
-          </a:xfrm>
-          <a:prstGeom prst="line">
-            <a:avLst/>
-          </a:prstGeom>
-          <a:ln>
-            <a:solidFill>
-              <a:schemeClr val="accent5">
-                <a:lumMod val="60000"/>
-                <a:lumOff val="40000"/>
-              </a:schemeClr>
-            </a:solidFill>
-          </a:ln>
-        </p:spPr>
-        <p:style>
-          <a:lnRef idx="1">
-            <a:schemeClr val="accent1"/>
-          </a:lnRef>
-          <a:fillRef idx="0">
-            <a:schemeClr val="accent1"/>
-          </a:fillRef>
-          <a:effectRef idx="0">
-            <a:schemeClr val="accent1"/>
-          </a:effectRef>
-          <a:fontRef idx="minor">
-            <a:schemeClr val="tx1"/>
-          </a:fontRef>
-        </p:style>
-      </p:cxnSp>
-      <p:sp>
-        <p:nvSpPr>
-          <p:cNvPr id="17" name="TextBox 16">
-            <a:extLst>
-              <a:ext uri="{FF2B5EF4-FFF2-40B4-BE49-F238E27FC236}">
-                <a16:creationId xmlns:a16="http://schemas.microsoft.com/office/drawing/2014/main" id="{37739F2B-E275-CD93-BEED-926F1DE35453}"/>
-              </a:ext>
-            </a:extLst>
-          </p:cNvPr>
-          <p:cNvSpPr txBox="1"/>
-          <p:nvPr/>
-        </p:nvSpPr>
-        <p:spPr>
-          <a:xfrm>
-            <a:off x="6900333" y="1921934"/>
-            <a:ext cx="1126062" cy="307777"/>
-          </a:xfrm>
-          <a:prstGeom prst="rect">
-            <a:avLst/>
-          </a:prstGeom>
-          <a:noFill/>
-        </p:spPr>
-        <p:txBody>
-          <a:bodyPr wrap="square" rtlCol="0">
-            <a:spAutoFit/>
-          </a:bodyPr>
-          <a:lstStyle/>
-          <a:p>
-            <a:r>
-              <a:rPr lang="en-US" dirty="0"/>
-              <a:t>Client Side</a:t>
-            </a:r>
-          </a:p>
-        </p:txBody>
-      </p:sp>
-      <p:sp>
-        <p:nvSpPr>
-          <p:cNvPr id="18" name="TextBox 17">
-            <a:extLst>
-              <a:ext uri="{FF2B5EF4-FFF2-40B4-BE49-F238E27FC236}">
-                <a16:creationId xmlns:a16="http://schemas.microsoft.com/office/drawing/2014/main" id="{855A4686-9717-9E09-7B4C-CE03537E698F}"/>
-              </a:ext>
-            </a:extLst>
-          </p:cNvPr>
-          <p:cNvSpPr txBox="1"/>
-          <p:nvPr/>
-        </p:nvSpPr>
-        <p:spPr>
-          <a:xfrm>
-            <a:off x="6900333" y="2363687"/>
-            <a:ext cx="1205537" cy="307777"/>
-          </a:xfrm>
-          <a:prstGeom prst="rect">
-            <a:avLst/>
-          </a:prstGeom>
-          <a:noFill/>
-        </p:spPr>
-        <p:txBody>
-          <a:bodyPr wrap="square" rtlCol="0">
-            <a:spAutoFit/>
-          </a:bodyPr>
-          <a:lstStyle/>
-          <a:p>
-            <a:r>
-              <a:rPr lang="en-US" dirty="0"/>
-              <a:t>Server Side</a:t>
-            </a:r>
-          </a:p>
-        </p:txBody>
-      </p:sp>
-      <p:sp>
-        <p:nvSpPr>
-          <p:cNvPr id="19" name="Rectangle: Rounded Corners 18">
-            <a:extLst>
-              <a:ext uri="{FF2B5EF4-FFF2-40B4-BE49-F238E27FC236}">
-                <a16:creationId xmlns:a16="http://schemas.microsoft.com/office/drawing/2014/main" id="{F37FD9DD-F712-9726-C906-6F3F2C02ADFE}"/>
-              </a:ext>
-            </a:extLst>
-          </p:cNvPr>
-          <p:cNvSpPr/>
-          <p:nvPr/>
-        </p:nvSpPr>
-        <p:spPr>
-          <a:xfrm>
-            <a:off x="3077309" y="3589982"/>
-            <a:ext cx="2637692" cy="465665"/>
-          </a:xfrm>
-          <a:prstGeom prst="roundRect">
-            <a:avLst/>
-          </a:prstGeom>
-          <a:solidFill>
-            <a:schemeClr val="accent4">
-              <a:lumMod val="60000"/>
-              <a:lumOff val="40000"/>
-            </a:schemeClr>
-          </a:solidFill>
-          <a:ln>
-            <a:solidFill>
-              <a:schemeClr val="accent4">
-                <a:lumMod val="60000"/>
-                <a:lumOff val="40000"/>
-              </a:schemeClr>
-            </a:solidFill>
-          </a:ln>
-        </p:spPr>
-        <p:style>
-          <a:lnRef idx="2">
-            <a:schemeClr val="accent1">
-              <a:shade val="50000"/>
-            </a:schemeClr>
-          </a:lnRef>
-          <a:fillRef idx="1">
-            <a:schemeClr val="accent1"/>
-          </a:fillRef>
-          <a:effectRef idx="0">
-            <a:schemeClr val="accent1"/>
-          </a:effectRef>
-          <a:fontRef idx="minor">
-            <a:schemeClr val="lt1"/>
-          </a:fontRef>
-        </p:style>
-        <p:txBody>
-          <a:bodyPr rtlCol="0" anchor="ctr"/>
-          <a:lstStyle/>
-          <a:p>
-            <a:pPr algn="ctr"/>
-            <a:r>
-              <a:rPr lang="en-US" dirty="0"/>
-              <a:t>Controller</a:t>
-            </a:r>
-          </a:p>
-        </p:txBody>
-      </p:sp>
-      <p:sp>
-        <p:nvSpPr>
-          <p:cNvPr id="20" name="Flowchart: Magnetic Disk 19">
-            <a:extLst>
-              <a:ext uri="{FF2B5EF4-FFF2-40B4-BE49-F238E27FC236}">
-                <a16:creationId xmlns:a16="http://schemas.microsoft.com/office/drawing/2014/main" id="{3DD4E056-C544-B21D-C262-D4D1A4EB62F4}"/>
-              </a:ext>
-            </a:extLst>
-          </p:cNvPr>
-          <p:cNvSpPr/>
-          <p:nvPr/>
-        </p:nvSpPr>
-        <p:spPr>
-          <a:xfrm>
-            <a:off x="3911601" y="5494867"/>
-            <a:ext cx="1066800" cy="1233970"/>
-          </a:xfrm>
-          <a:prstGeom prst="flowChartMagneticDisk">
-            <a:avLst/>
-          </a:prstGeom>
-          <a:solidFill>
-            <a:schemeClr val="accent2">
-              <a:lumMod val="75000"/>
-            </a:schemeClr>
-          </a:solidFill>
-          <a:ln>
-            <a:solidFill>
-              <a:schemeClr val="tx2">
-                <a:lumMod val="75000"/>
-              </a:schemeClr>
-            </a:solidFill>
-          </a:ln>
-        </p:spPr>
-        <p:style>
-          <a:lnRef idx="2">
-            <a:schemeClr val="accent1">
-              <a:shade val="50000"/>
-            </a:schemeClr>
-          </a:lnRef>
-          <a:fillRef idx="1">
-            <a:schemeClr val="accent1"/>
-          </a:fillRef>
-          <a:effectRef idx="0">
-            <a:schemeClr val="accent1"/>
-          </a:effectRef>
-          <a:fontRef idx="minor">
-            <a:schemeClr val="lt1"/>
-          </a:fontRef>
-        </p:style>
-        <p:txBody>
-          <a:bodyPr rtlCol="0" anchor="ctr"/>
-          <a:lstStyle/>
-          <a:p>
-            <a:pPr algn="ctr"/>
-            <a:r>
-              <a:rPr lang="en-US" dirty="0"/>
-              <a:t>SQL</a:t>
-            </a:r>
-          </a:p>
-        </p:txBody>
-      </p:sp>
-      <p:sp>
-        <p:nvSpPr>
-          <p:cNvPr id="21" name="Rectangle 20">
-            <a:extLst>
-              <a:ext uri="{FF2B5EF4-FFF2-40B4-BE49-F238E27FC236}">
-                <a16:creationId xmlns:a16="http://schemas.microsoft.com/office/drawing/2014/main" id="{D51688CC-4A24-0E63-51FF-695D9DB0BE10}"/>
-              </a:ext>
-            </a:extLst>
-          </p:cNvPr>
-          <p:cNvSpPr/>
-          <p:nvPr/>
-        </p:nvSpPr>
-        <p:spPr>
-          <a:xfrm>
-            <a:off x="3175000" y="4479551"/>
-            <a:ext cx="2252134" cy="355145"/>
-          </a:xfrm>
-          <a:prstGeom prst="rect">
-            <a:avLst/>
-          </a:prstGeom>
-          <a:solidFill>
-            <a:srgbClr val="92D050"/>
-          </a:solidFill>
-          <a:ln>
-            <a:solidFill>
-              <a:srgbClr val="92D050"/>
-            </a:solidFill>
-          </a:ln>
-        </p:spPr>
-        <p:style>
-          <a:lnRef idx="2">
-            <a:schemeClr val="accent1">
-              <a:shade val="50000"/>
-            </a:schemeClr>
-          </a:lnRef>
-          <a:fillRef idx="1">
-            <a:schemeClr val="accent1"/>
-          </a:fillRef>
-          <a:effectRef idx="0">
-            <a:schemeClr val="accent1"/>
-          </a:effectRef>
-          <a:fontRef idx="minor">
-            <a:schemeClr val="lt1"/>
-          </a:fontRef>
-        </p:style>
-        <p:txBody>
-          <a:bodyPr rtlCol="0" anchor="ctr"/>
-          <a:lstStyle/>
-          <a:p>
-            <a:pPr algn="ctr"/>
-            <a:r>
-              <a:rPr lang="en-US" dirty="0"/>
-              <a:t>Service</a:t>
-            </a:r>
-          </a:p>
-        </p:txBody>
-      </p:sp>
-      <p:cxnSp>
-        <p:nvCxnSpPr>
-          <p:cNvPr id="25" name="Straight Arrow Connector 24">
-            <a:extLst>
-              <a:ext uri="{FF2B5EF4-FFF2-40B4-BE49-F238E27FC236}">
-                <a16:creationId xmlns:a16="http://schemas.microsoft.com/office/drawing/2014/main" id="{24C31D0A-FB12-D39A-8D76-95217481A111}"/>
-              </a:ext>
-            </a:extLst>
-          </p:cNvPr>
-          <p:cNvCxnSpPr/>
-          <p:nvPr/>
-        </p:nvCxnSpPr>
-        <p:spPr>
-          <a:xfrm>
-            <a:off x="4969935" y="1999274"/>
-            <a:ext cx="0" cy="672190"/>
-          </a:xfrm>
-          <a:prstGeom prst="straightConnector1">
-            <a:avLst/>
-          </a:prstGeom>
-          <a:ln>
-            <a:solidFill>
-              <a:srgbClr val="7030A0"/>
-            </a:solidFill>
-            <a:tailEnd type="triangle"/>
-          </a:ln>
-        </p:spPr>
-        <p:style>
-          <a:lnRef idx="1">
-            <a:schemeClr val="accent1"/>
-          </a:lnRef>
-          <a:fillRef idx="0">
-            <a:schemeClr val="accent1"/>
-          </a:fillRef>
-          <a:effectRef idx="0">
-            <a:schemeClr val="accent1"/>
-          </a:effectRef>
-          <a:fontRef idx="minor">
-            <a:schemeClr val="tx1"/>
-          </a:fontRef>
-        </p:style>
-      </p:cxnSp>
-      <p:sp>
-        <p:nvSpPr>
-          <p:cNvPr id="26" name="TextBox 25">
-            <a:extLst>
-              <a:ext uri="{FF2B5EF4-FFF2-40B4-BE49-F238E27FC236}">
-                <a16:creationId xmlns:a16="http://schemas.microsoft.com/office/drawing/2014/main" id="{DA5AD3A6-27C7-6CFC-6818-290FA7657279}"/>
-              </a:ext>
-            </a:extLst>
-          </p:cNvPr>
-          <p:cNvSpPr txBox="1"/>
-          <p:nvPr/>
-        </p:nvSpPr>
-        <p:spPr>
-          <a:xfrm>
-            <a:off x="1980799" y="1984861"/>
-            <a:ext cx="1676801" cy="307777"/>
-          </a:xfrm>
-          <a:prstGeom prst="rect">
-            <a:avLst/>
-          </a:prstGeom>
-          <a:noFill/>
-        </p:spPr>
-        <p:txBody>
-          <a:bodyPr wrap="square" rtlCol="0">
-            <a:spAutoFit/>
-          </a:bodyPr>
-          <a:lstStyle/>
-          <a:p>
-            <a:r>
-              <a:rPr lang="en-US" dirty="0"/>
-              <a:t>HTTP Response</a:t>
-            </a:r>
-          </a:p>
-        </p:txBody>
-      </p:sp>
-      <p:cxnSp>
-        <p:nvCxnSpPr>
-          <p:cNvPr id="28" name="Straight Arrow Connector 27">
-            <a:extLst>
-              <a:ext uri="{FF2B5EF4-FFF2-40B4-BE49-F238E27FC236}">
-                <a16:creationId xmlns:a16="http://schemas.microsoft.com/office/drawing/2014/main" id="{EEF86500-ADA4-8C89-1D09-C5147946F23C}"/>
-              </a:ext>
-            </a:extLst>
-          </p:cNvPr>
-          <p:cNvCxnSpPr/>
-          <p:nvPr/>
-        </p:nvCxnSpPr>
-        <p:spPr>
-          <a:xfrm flipV="1">
-            <a:off x="3615267" y="2006601"/>
-            <a:ext cx="0" cy="664863"/>
-          </a:xfrm>
-          <a:prstGeom prst="straightConnector1">
-            <a:avLst/>
-          </a:prstGeom>
-          <a:ln>
-            <a:solidFill>
-              <a:srgbClr val="00B050"/>
-            </a:solidFill>
-            <a:tailEnd type="triangle"/>
-          </a:ln>
-        </p:spPr>
-        <p:style>
-          <a:lnRef idx="1">
-            <a:schemeClr val="accent1"/>
-          </a:lnRef>
-          <a:fillRef idx="0">
-            <a:schemeClr val="accent1"/>
-          </a:fillRef>
-          <a:effectRef idx="0">
-            <a:schemeClr val="accent1"/>
-          </a:effectRef>
-          <a:fontRef idx="minor">
-            <a:schemeClr val="tx1"/>
-          </a:fontRef>
-        </p:style>
-      </p:cxnSp>
-      <p:sp>
-        <p:nvSpPr>
-          <p:cNvPr id="29" name="Rectangle: Top Corners Rounded 28">
-            <a:extLst>
-              <a:ext uri="{FF2B5EF4-FFF2-40B4-BE49-F238E27FC236}">
-                <a16:creationId xmlns:a16="http://schemas.microsoft.com/office/drawing/2014/main" id="{55397B43-DDB9-C448-EC47-B3B408908230}"/>
-              </a:ext>
-            </a:extLst>
-          </p:cNvPr>
-          <p:cNvSpPr/>
-          <p:nvPr/>
-        </p:nvSpPr>
-        <p:spPr>
-          <a:xfrm>
-            <a:off x="3200400" y="4976106"/>
-            <a:ext cx="2328333" cy="355145"/>
-          </a:xfrm>
-          <a:prstGeom prst="round2SameRect">
-            <a:avLst/>
-          </a:prstGeom>
-          <a:solidFill>
-            <a:schemeClr val="accent6">
-              <a:lumMod val="75000"/>
-            </a:schemeClr>
-          </a:solidFill>
-          <a:ln>
-            <a:solidFill>
-              <a:schemeClr val="accent6">
-                <a:lumMod val="75000"/>
-              </a:schemeClr>
-            </a:solidFill>
-          </a:ln>
-        </p:spPr>
-        <p:style>
-          <a:lnRef idx="2">
-            <a:schemeClr val="accent1">
-              <a:shade val="50000"/>
-            </a:schemeClr>
-          </a:lnRef>
-          <a:fillRef idx="1">
-            <a:schemeClr val="accent1"/>
-          </a:fillRef>
-          <a:effectRef idx="0">
-            <a:schemeClr val="accent1"/>
-          </a:effectRef>
-          <a:fontRef idx="minor">
-            <a:schemeClr val="lt1"/>
-          </a:fontRef>
-        </p:style>
-        <p:txBody>
-          <a:bodyPr rtlCol="0" anchor="ctr"/>
-          <a:lstStyle/>
-          <a:p>
-            <a:pPr algn="ctr"/>
-            <a:r>
-              <a:rPr lang="en-US" dirty="0"/>
-              <a:t>Repository</a:t>
-            </a:r>
-          </a:p>
-        </p:txBody>
-      </p:sp>
-      <p:cxnSp>
-        <p:nvCxnSpPr>
-          <p:cNvPr id="31" name="Straight Arrow Connector 30">
-            <a:extLst>
-              <a:ext uri="{FF2B5EF4-FFF2-40B4-BE49-F238E27FC236}">
-                <a16:creationId xmlns:a16="http://schemas.microsoft.com/office/drawing/2014/main" id="{5E484A63-60ED-C478-AB44-765E0F239CE5}"/>
-              </a:ext>
-            </a:extLst>
-          </p:cNvPr>
-          <p:cNvCxnSpPr/>
-          <p:nvPr/>
-        </p:nvCxnSpPr>
-        <p:spPr>
-          <a:xfrm>
-            <a:off x="4978401" y="3318933"/>
-            <a:ext cx="0" cy="211667"/>
-          </a:xfrm>
-          <a:prstGeom prst="straightConnector1">
-            <a:avLst/>
-          </a:prstGeom>
-          <a:ln>
-            <a:tailEnd type="triangle"/>
-          </a:ln>
-        </p:spPr>
-        <p:style>
-          <a:lnRef idx="1">
-            <a:schemeClr val="accent1"/>
-          </a:lnRef>
-          <a:fillRef idx="0">
-            <a:schemeClr val="accent1"/>
-          </a:fillRef>
-          <a:effectRef idx="0">
-            <a:schemeClr val="accent1"/>
-          </a:effectRef>
-          <a:fontRef idx="minor">
-            <a:schemeClr val="tx1"/>
-          </a:fontRef>
-        </p:style>
-      </p:cxnSp>
-      <p:cxnSp>
-        <p:nvCxnSpPr>
-          <p:cNvPr id="33" name="Straight Arrow Connector 32">
-            <a:extLst>
-              <a:ext uri="{FF2B5EF4-FFF2-40B4-BE49-F238E27FC236}">
-                <a16:creationId xmlns:a16="http://schemas.microsoft.com/office/drawing/2014/main" id="{B0B6B948-D432-B91A-BC9A-380BA415F0F7}"/>
-              </a:ext>
-            </a:extLst>
-          </p:cNvPr>
-          <p:cNvCxnSpPr/>
-          <p:nvPr/>
-        </p:nvCxnSpPr>
-        <p:spPr>
-          <a:xfrm>
-            <a:off x="4978401" y="4207933"/>
-            <a:ext cx="0" cy="254000"/>
-          </a:xfrm>
-          <a:prstGeom prst="straightConnector1">
-            <a:avLst/>
-          </a:prstGeom>
-          <a:ln>
-            <a:tailEnd type="triangle"/>
-          </a:ln>
-        </p:spPr>
-        <p:style>
-          <a:lnRef idx="1">
-            <a:schemeClr val="accent1"/>
-          </a:lnRef>
-          <a:fillRef idx="0">
-            <a:schemeClr val="accent1"/>
-          </a:fillRef>
-          <a:effectRef idx="0">
-            <a:schemeClr val="accent1"/>
-          </a:effectRef>
-          <a:fontRef idx="minor">
-            <a:schemeClr val="tx1"/>
-          </a:fontRef>
-        </p:style>
-      </p:cxnSp>
-      <p:cxnSp>
-        <p:nvCxnSpPr>
-          <p:cNvPr id="35" name="Straight Arrow Connector 34">
-            <a:extLst>
-              <a:ext uri="{FF2B5EF4-FFF2-40B4-BE49-F238E27FC236}">
-                <a16:creationId xmlns:a16="http://schemas.microsoft.com/office/drawing/2014/main" id="{5CE22B95-BE07-63F2-F437-98982B8F42A3}"/>
-              </a:ext>
-            </a:extLst>
-          </p:cNvPr>
-          <p:cNvCxnSpPr/>
-          <p:nvPr/>
-        </p:nvCxnSpPr>
-        <p:spPr>
-          <a:xfrm flipV="1">
-            <a:off x="3716867" y="4207933"/>
-            <a:ext cx="0" cy="254000"/>
-          </a:xfrm>
-          <a:prstGeom prst="straightConnector1">
-            <a:avLst/>
-          </a:prstGeom>
-          <a:ln>
-            <a:tailEnd type="triangle"/>
-          </a:ln>
-        </p:spPr>
-        <p:style>
-          <a:lnRef idx="1">
-            <a:schemeClr val="accent1"/>
-          </a:lnRef>
-          <a:fillRef idx="0">
-            <a:schemeClr val="accent1"/>
-          </a:fillRef>
-          <a:effectRef idx="0">
-            <a:schemeClr val="accent1"/>
-          </a:effectRef>
-          <a:fontRef idx="minor">
-            <a:schemeClr val="tx1"/>
-          </a:fontRef>
-        </p:style>
-      </p:cxnSp>
-      <p:cxnSp>
-        <p:nvCxnSpPr>
-          <p:cNvPr id="36" name="Straight Arrow Connector 35">
-            <a:extLst>
-              <a:ext uri="{FF2B5EF4-FFF2-40B4-BE49-F238E27FC236}">
-                <a16:creationId xmlns:a16="http://schemas.microsoft.com/office/drawing/2014/main" id="{0D01FB09-A559-F96B-3952-AF394B841A62}"/>
-              </a:ext>
-            </a:extLst>
-          </p:cNvPr>
-          <p:cNvCxnSpPr/>
-          <p:nvPr/>
-        </p:nvCxnSpPr>
-        <p:spPr>
-          <a:xfrm flipV="1">
-            <a:off x="3657600" y="3297766"/>
-            <a:ext cx="0" cy="254000"/>
-          </a:xfrm>
-          <a:prstGeom prst="straightConnector1">
-            <a:avLst/>
-          </a:prstGeom>
-          <a:ln>
-            <a:tailEnd type="triangle"/>
-          </a:ln>
-        </p:spPr>
-        <p:style>
-          <a:lnRef idx="1">
-            <a:schemeClr val="accent1"/>
-          </a:lnRef>
-          <a:fillRef idx="0">
-            <a:schemeClr val="accent1"/>
-          </a:fillRef>
-          <a:effectRef idx="0">
-            <a:schemeClr val="accent1"/>
-          </a:effectRef>
-          <a:fontRef idx="minor">
-            <a:schemeClr val="tx1"/>
-          </a:fontRef>
-        </p:style>
-      </p:cxnSp>
+      </p:pic>
     </p:spTree>
     <p:extLst>
       <p:ext uri="{BB962C8B-B14F-4D97-AF65-F5344CB8AC3E}">
@@ -29927,13 +30153,27 @@
           <a:p>
             <a:r>
               <a:rPr lang="en-US" dirty="0"/>
-              <a:t>Spring Planning</a:t>
+              <a:t>Spring Planning (</a:t>
+            </a:r>
+            <a:r>
+              <a:rPr lang="en-US" dirty="0" err="1"/>
+              <a:t>figma</a:t>
+            </a:r>
+            <a:r>
+              <a:rPr lang="en-US" dirty="0"/>
+              <a:t>)</a:t>
             </a:r>
           </a:p>
           <a:p>
             <a:r>
               <a:rPr lang="en-US" dirty="0"/>
-              <a:t>Sprint Review</a:t>
+              <a:t>Sprint Review (meeting with client)</a:t>
+            </a:r>
+          </a:p>
+          <a:p>
+            <a:r>
+              <a:rPr lang="en-US" dirty="0"/>
+              <a:t>Working Software (JDBC over Spring) </a:t>
             </a:r>
           </a:p>
           <a:p>
@@ -29943,10 +30183,7 @@
             </a:r>
           </a:p>
           <a:p>
-            <a:r>
-              <a:rPr lang="en-US" dirty="0"/>
-              <a:t>Working Software (Over Comprehensive Documentation) </a:t>
-            </a:r>
+            <a:endParaRPr lang="en-US" dirty="0"/>
           </a:p>
           <a:p>
             <a:endParaRPr lang="en-US" dirty="0"/>
@@ -30065,19 +30302,19 @@
             <p:ph type="body" idx="1"/>
           </p:nvPr>
         </p:nvSpPr>
-        <p:spPr/>
+        <p:spPr>
+          <a:xfrm>
+            <a:off x="3147646" y="2297509"/>
+            <a:ext cx="1850540" cy="2262981"/>
+          </a:xfrm>
+        </p:spPr>
         <p:txBody>
           <a:bodyPr/>
           <a:lstStyle/>
           <a:p>
-            <a:r>
-              <a:rPr lang="en-US" dirty="0"/>
-              <a:t>This is showing how the tables relate to one another inside the </a:t>
-            </a:r>
-            <a:r>
-              <a:rPr lang="en-US"/>
-              <a:t>data base</a:t>
-            </a:r>
+            <a:pPr marL="50800" indent="0">
+              <a:buNone/>
+            </a:pPr>
             <a:endParaRPr lang="en-US" dirty="0"/>
           </a:p>
         </p:txBody>
@@ -30120,6 +30357,36 @@
           </a:p>
         </p:txBody>
       </p:sp>
+      <p:pic>
+        <p:nvPicPr>
+          <p:cNvPr id="10" name="Picture 9">
+            <a:extLst>
+              <a:ext uri="{FF2B5EF4-FFF2-40B4-BE49-F238E27FC236}">
+                <a16:creationId xmlns:a16="http://schemas.microsoft.com/office/drawing/2014/main" id="{828B6167-5D03-7F52-E640-5BB98E14F0BB}"/>
+              </a:ext>
+            </a:extLst>
+          </p:cNvPr>
+          <p:cNvPicPr>
+            <a:picLocks noChangeAspect="1"/>
+          </p:cNvPicPr>
+          <p:nvPr/>
+        </p:nvPicPr>
+        <p:blipFill>
+          <a:blip r:embed="rId3"/>
+          <a:stretch>
+            <a:fillRect/>
+          </a:stretch>
+        </p:blipFill>
+        <p:spPr>
+          <a:xfrm>
+            <a:off x="2013516" y="1511085"/>
+            <a:ext cx="5116967" cy="4861419"/>
+          </a:xfrm>
+          <a:prstGeom prst="rect">
+            <a:avLst/>
+          </a:prstGeom>
+        </p:spPr>
+      </p:pic>
     </p:spTree>
     <p:extLst>
       <p:ext uri="{BB962C8B-B14F-4D97-AF65-F5344CB8AC3E}">
@@ -30194,12 +30461,74 @@
             <p:ph type="body" idx="1"/>
           </p:nvPr>
         </p:nvSpPr>
-        <p:spPr/>
+        <p:spPr>
+          <a:xfrm>
+            <a:off x="380010" y="1481446"/>
+            <a:ext cx="8383980" cy="5156746"/>
+          </a:xfrm>
+        </p:spPr>
         <p:txBody>
           <a:bodyPr/>
           <a:lstStyle/>
           <a:p>
-            <a:endParaRPr lang="en-US"/>
+            <a:r>
+              <a:rPr lang="en-US" dirty="0"/>
+              <a:t>Open Account</a:t>
+            </a:r>
+          </a:p>
+          <a:p>
+            <a:r>
+              <a:rPr lang="en-US" dirty="0"/>
+              <a:t>Register</a:t>
+            </a:r>
+          </a:p>
+          <a:p>
+            <a:r>
+              <a:rPr lang="en-US" dirty="0"/>
+              <a:t>Login/Logout</a:t>
+            </a:r>
+          </a:p>
+          <a:p>
+            <a:r>
+              <a:rPr lang="en-US" dirty="0"/>
+              <a:t>User Profile</a:t>
+            </a:r>
+          </a:p>
+          <a:p>
+            <a:r>
+              <a:rPr lang="en-US" dirty="0"/>
+              <a:t>Track Multiple accounts</a:t>
+            </a:r>
+          </a:p>
+          <a:p>
+            <a:r>
+              <a:rPr lang="en-US" dirty="0"/>
+              <a:t>Transfer Money Between Accounts</a:t>
+            </a:r>
+          </a:p>
+          <a:p>
+            <a:r>
+              <a:rPr lang="en-US" dirty="0"/>
+              <a:t>Track Income and Expenses</a:t>
+            </a:r>
+          </a:p>
+          <a:p>
+            <a:r>
+              <a:rPr lang="en-US" dirty="0"/>
+              <a:t>Send Money</a:t>
+            </a:r>
+          </a:p>
+          <a:p>
+            <a:r>
+              <a:rPr lang="en-US" dirty="0"/>
+              <a:t>Dark Mode</a:t>
+            </a:r>
+          </a:p>
+          <a:p>
+            <a:r>
+              <a:rPr lang="en-US" dirty="0"/>
+              <a:t>Notifications</a:t>
+            </a:r>
           </a:p>
         </p:txBody>
       </p:sp>
@@ -30276,7 +30605,7 @@
           <p:cNvPr id="2" name="Title 1">
             <a:extLst>
               <a:ext uri="{FF2B5EF4-FFF2-40B4-BE49-F238E27FC236}">
-                <a16:creationId xmlns:a16="http://schemas.microsoft.com/office/drawing/2014/main" id="{A0374644-0D97-2E4A-F68C-4219ED0E61ED}"/>
+                <a16:creationId xmlns:a16="http://schemas.microsoft.com/office/drawing/2014/main" id="{930BC800-2052-869D-A945-F3258C49AA8B}"/>
               </a:ext>
             </a:extLst>
           </p:cNvPr>
@@ -30294,7 +30623,7 @@
           <a:p>
             <a:r>
               <a:rPr lang="en-US" dirty="0"/>
-              <a:t>Issues and Defects</a:t>
+              <a:t>Challenges Faced</a:t>
             </a:r>
           </a:p>
         </p:txBody>
@@ -30304,7 +30633,7 @@
           <p:cNvPr id="3" name="Text Placeholder 2">
             <a:extLst>
               <a:ext uri="{FF2B5EF4-FFF2-40B4-BE49-F238E27FC236}">
-                <a16:creationId xmlns:a16="http://schemas.microsoft.com/office/drawing/2014/main" id="{2271EFBC-914E-3FEF-55B1-055FBB4D5342}"/>
+                <a16:creationId xmlns:a16="http://schemas.microsoft.com/office/drawing/2014/main" id="{6A05C9A5-A25E-E2D7-EF9C-7C85C76E6B51}"/>
               </a:ext>
             </a:extLst>
           </p:cNvPr>
@@ -30320,6 +30649,27 @@
           <a:bodyPr/>
           <a:lstStyle/>
           <a:p>
+            <a:r>
+              <a:rPr lang="en-US" dirty="0"/>
+              <a:t>Unit Testing</a:t>
+            </a:r>
+          </a:p>
+          <a:p>
+            <a:r>
+              <a:rPr lang="en-US" dirty="0"/>
+              <a:t>Spring</a:t>
+            </a:r>
+          </a:p>
+          <a:p>
+            <a:r>
+              <a:rPr lang="en-US" dirty="0"/>
+              <a:t>Implementing Other APIs</a:t>
+            </a:r>
+          </a:p>
+          <a:p>
+            <a:pPr marL="50800" indent="0">
+              <a:buNone/>
+            </a:pPr>
             <a:endParaRPr lang="en-US" dirty="0"/>
           </a:p>
         </p:txBody>
@@ -30329,7 +30679,7 @@
           <p:cNvPr id="4" name="Slide Number Placeholder 3">
             <a:extLst>
               <a:ext uri="{FF2B5EF4-FFF2-40B4-BE49-F238E27FC236}">
-                <a16:creationId xmlns:a16="http://schemas.microsoft.com/office/drawing/2014/main" id="{C206E1DD-971E-9533-F37C-BE091DC610F7}"/>
+                <a16:creationId xmlns:a16="http://schemas.microsoft.com/office/drawing/2014/main" id="{EE90E056-2464-1076-AEED-CB4ED1FC98BD}"/>
               </a:ext>
             </a:extLst>
           </p:cNvPr>
@@ -30365,7 +30715,7 @@
     </p:spTree>
     <p:extLst>
       <p:ext uri="{BB962C8B-B14F-4D97-AF65-F5344CB8AC3E}">
-        <p14:creationId xmlns:p14="http://schemas.microsoft.com/office/powerpoint/2010/main" val="4083052351"/>
+        <p14:creationId xmlns:p14="http://schemas.microsoft.com/office/powerpoint/2010/main" val="1832876262"/>
       </p:ext>
     </p:extLst>
   </p:cSld>

--- a/Revature_PPT_Template (1).pptx
+++ b/Revature_PPT_Template (1).pptx
@@ -5,7 +5,7 @@
     <p:sldMasterId id="2147483661" r:id="rId1"/>
   </p:sldMasterIdLst>
   <p:notesMasterIdLst>
-    <p:notesMasterId r:id="rId15"/>
+    <p:notesMasterId r:id="rId12"/>
   </p:notesMasterIdLst>
   <p:sldIdLst>
     <p:sldId id="256" r:id="rId2"/>
@@ -13,14 +13,11 @@
     <p:sldId id="258" r:id="rId4"/>
     <p:sldId id="259" r:id="rId5"/>
     <p:sldId id="260" r:id="rId6"/>
-    <p:sldId id="261" r:id="rId7"/>
-    <p:sldId id="262" r:id="rId8"/>
-    <p:sldId id="263" r:id="rId9"/>
-    <p:sldId id="264" r:id="rId10"/>
-    <p:sldId id="265" r:id="rId11"/>
-    <p:sldId id="266" r:id="rId12"/>
-    <p:sldId id="267" r:id="rId13"/>
-    <p:sldId id="268" r:id="rId14"/>
+    <p:sldId id="263" r:id="rId7"/>
+    <p:sldId id="264" r:id="rId8"/>
+    <p:sldId id="265" r:id="rId9"/>
+    <p:sldId id="267" r:id="rId10"/>
+    <p:sldId id="268" r:id="rId11"/>
   </p:sldIdLst>
   <p:sldSz cx="9144000" cy="6858000" type="screen4x3"/>
   <p:notesSz cx="7010400" cy="9296400"/>
@@ -261,61 +258,433 @@
 </p:presentation>
 </file>
 
+<file path=ppt/revisionInfo.xml><?xml version="1.0" encoding="utf-8"?>
+<p1510:revInfo xmlns:a="http://schemas.openxmlformats.org/drawingml/2006/main" xmlns:r="http://schemas.openxmlformats.org/officeDocument/2006/relationships" xmlns:p1510="http://schemas.microsoft.com/office/powerpoint/2015/10/main">
+  <p1510:revLst>
+    <p1510:client id="{639DFE65-9852-4226-8505-0AB60F7BF2AF}" v="7" dt="2022-11-04T02:42:17.798"/>
+  </p1510:revLst>
+</p1510:revInfo>
+</file>
+
 <file path=ppt/changesInfos/changesInfo1.xml><?xml version="1.0" encoding="utf-8"?>
 <pc:chgInfo xmlns:a="http://schemas.openxmlformats.org/drawingml/2006/main" xmlns:r="http://schemas.openxmlformats.org/officeDocument/2006/relationships" xmlns:ac="http://schemas.microsoft.com/office/drawing/2013/main/command" xmlns:pc="http://schemas.microsoft.com/office/powerpoint/2013/main/command">
   <pc:docChgLst>
     <pc:chgData name="Josiah Schmidt" userId="fb95630c82ccdcef" providerId="LiveId" clId="{639DFE65-9852-4226-8505-0AB60F7BF2AF}"/>
-    <pc:docChg chg="custSel modSld">
-      <pc:chgData name="Josiah Schmidt" userId="fb95630c82ccdcef" providerId="LiveId" clId="{639DFE65-9852-4226-8505-0AB60F7BF2AF}" dt="2022-11-03T04:18:01.503" v="75" actId="14100"/>
+    <pc:docChg chg="undo custSel addSld delSld modSld">
+      <pc:chgData name="Josiah Schmidt" userId="fb95630c82ccdcef" providerId="LiveId" clId="{639DFE65-9852-4226-8505-0AB60F7BF2AF}" dt="2022-11-04T02:42:22.010" v="1402" actId="14100"/>
       <pc:docMkLst>
         <pc:docMk/>
       </pc:docMkLst>
-      <pc:sldChg chg="addSp modSp mod">
-        <pc:chgData name="Josiah Schmidt" userId="fb95630c82ccdcef" providerId="LiveId" clId="{639DFE65-9852-4226-8505-0AB60F7BF2AF}" dt="2022-11-03T04:18:01.503" v="75" actId="14100"/>
+      <pc:sldChg chg="modNotesTx">
+        <pc:chgData name="Josiah Schmidt" userId="fb95630c82ccdcef" providerId="LiveId" clId="{639DFE65-9852-4226-8505-0AB60F7BF2AF}" dt="2022-11-04T02:10:38.115" v="1267" actId="20577"/>
+        <pc:sldMkLst>
+          <pc:docMk/>
+          <pc:sldMk cId="0" sldId="256"/>
+        </pc:sldMkLst>
+      </pc:sldChg>
+      <pc:sldChg chg="modSp mod modNotesTx">
+        <pc:chgData name="Josiah Schmidt" userId="fb95630c82ccdcef" providerId="LiveId" clId="{639DFE65-9852-4226-8505-0AB60F7BF2AF}" dt="2022-11-04T02:10:47.158" v="1273" actId="20577"/>
+        <pc:sldMkLst>
+          <pc:docMk/>
+          <pc:sldMk cId="0" sldId="257"/>
+        </pc:sldMkLst>
+        <pc:spChg chg="mod">
+          <ac:chgData name="Josiah Schmidt" userId="fb95630c82ccdcef" providerId="LiveId" clId="{639DFE65-9852-4226-8505-0AB60F7BF2AF}" dt="2022-11-04T01:45:58.519" v="1151" actId="14100"/>
+          <ac:spMkLst>
+            <pc:docMk/>
+            <pc:sldMk cId="0" sldId="257"/>
+            <ac:spMk id="219" creationId="{00000000-0000-0000-0000-000000000000}"/>
+          </ac:spMkLst>
+        </pc:spChg>
+      </pc:sldChg>
+      <pc:sldChg chg="addSp delSp modSp mod modNotesTx">
+        <pc:chgData name="Josiah Schmidt" userId="fb95630c82ccdcef" providerId="LiveId" clId="{639DFE65-9852-4226-8505-0AB60F7BF2AF}" dt="2022-11-04T02:10:53.022" v="1278" actId="20577"/>
+        <pc:sldMkLst>
+          <pc:docMk/>
+          <pc:sldMk cId="826342459" sldId="258"/>
+        </pc:sldMkLst>
+        <pc:spChg chg="mod">
+          <ac:chgData name="Josiah Schmidt" userId="fb95630c82ccdcef" providerId="LiveId" clId="{639DFE65-9852-4226-8505-0AB60F7BF2AF}" dt="2022-11-03T21:01:22.200" v="213" actId="1076"/>
+          <ac:spMkLst>
+            <pc:docMk/>
+            <pc:sldMk cId="826342459" sldId="258"/>
+            <ac:spMk id="3" creationId="{6C387814-35F4-F978-AE23-B74ACF8969FA}"/>
+          </ac:spMkLst>
+        </pc:spChg>
+        <pc:picChg chg="add del mod">
+          <ac:chgData name="Josiah Schmidt" userId="fb95630c82ccdcef" providerId="LiveId" clId="{639DFE65-9852-4226-8505-0AB60F7BF2AF}" dt="2022-11-03T20:47:37.368" v="207" actId="478"/>
+          <ac:picMkLst>
+            <pc:docMk/>
+            <pc:sldMk cId="826342459" sldId="258"/>
+            <ac:picMk id="6" creationId="{CEE48EF0-D4EF-2AFB-98CC-3BA881033DEC}"/>
+          </ac:picMkLst>
+        </pc:picChg>
+        <pc:picChg chg="add mod">
+          <ac:chgData name="Josiah Schmidt" userId="fb95630c82ccdcef" providerId="LiveId" clId="{639DFE65-9852-4226-8505-0AB60F7BF2AF}" dt="2022-11-03T21:01:38.334" v="218" actId="14100"/>
+          <ac:picMkLst>
+            <pc:docMk/>
+            <pc:sldMk cId="826342459" sldId="258"/>
+            <ac:picMk id="8" creationId="{1573FF5E-6F36-90CA-5B6F-AB0477BB5E1E}"/>
+          </ac:picMkLst>
+        </pc:picChg>
+      </pc:sldChg>
+      <pc:sldChg chg="modSp mod modNotesTx">
+        <pc:chgData name="Josiah Schmidt" userId="fb95630c82ccdcef" providerId="LiveId" clId="{639DFE65-9852-4226-8505-0AB60F7BF2AF}" dt="2022-11-04T02:11:00.385" v="1283" actId="20577"/>
+        <pc:sldMkLst>
+          <pc:docMk/>
+          <pc:sldMk cId="2306952780" sldId="259"/>
+        </pc:sldMkLst>
+        <pc:spChg chg="mod">
+          <ac:chgData name="Josiah Schmidt" userId="fb95630c82ccdcef" providerId="LiveId" clId="{639DFE65-9852-4226-8505-0AB60F7BF2AF}" dt="2022-11-04T01:42:04.186" v="1073" actId="5793"/>
+          <ac:spMkLst>
+            <pc:docMk/>
+            <pc:sldMk cId="2306952780" sldId="259"/>
+            <ac:spMk id="3" creationId="{449847E9-953D-A98B-1317-2D47BDDB8B45}"/>
+          </ac:spMkLst>
+        </pc:spChg>
+      </pc:sldChg>
+      <pc:sldChg chg="addSp delSp modSp mod modNotesTx">
+        <pc:chgData name="Josiah Schmidt" userId="fb95630c82ccdcef" providerId="LiveId" clId="{639DFE65-9852-4226-8505-0AB60F7BF2AF}" dt="2022-11-04T02:42:22.010" v="1402" actId="14100"/>
+        <pc:sldMkLst>
+          <pc:docMk/>
+          <pc:sldMk cId="303297163" sldId="260"/>
+        </pc:sldMkLst>
+        <pc:spChg chg="add del mod">
+          <ac:chgData name="Josiah Schmidt" userId="fb95630c82ccdcef" providerId="LiveId" clId="{639DFE65-9852-4226-8505-0AB60F7BF2AF}" dt="2022-11-03T21:06:52.917" v="384" actId="478"/>
+          <ac:spMkLst>
+            <pc:docMk/>
+            <pc:sldMk cId="303297163" sldId="260"/>
+            <ac:spMk id="3" creationId="{1E03FF6E-DF6E-F53C-3BF1-E6F022145186}"/>
+          </ac:spMkLst>
+        </pc:spChg>
+        <pc:spChg chg="add del mod">
+          <ac:chgData name="Josiah Schmidt" userId="fb95630c82ccdcef" providerId="LiveId" clId="{639DFE65-9852-4226-8505-0AB60F7BF2AF}" dt="2022-11-04T02:16:58.402" v="1377" actId="478"/>
+          <ac:spMkLst>
+            <pc:docMk/>
+            <pc:sldMk cId="303297163" sldId="260"/>
+            <ac:spMk id="3" creationId="{A77922DE-F44A-16C5-AEC1-C9A6F616B240}"/>
+          </ac:spMkLst>
+        </pc:spChg>
+        <pc:spChg chg="del">
+          <ac:chgData name="Josiah Schmidt" userId="fb95630c82ccdcef" providerId="LiveId" clId="{639DFE65-9852-4226-8505-0AB60F7BF2AF}" dt="2022-11-04T02:17:14.546" v="1388" actId="478"/>
+          <ac:spMkLst>
+            <pc:docMk/>
+            <pc:sldMk cId="303297163" sldId="260"/>
+            <ac:spMk id="5" creationId="{608C347F-6DD1-AABC-E14E-BDBBBBB425D8}"/>
+          </ac:spMkLst>
+        </pc:spChg>
+        <pc:spChg chg="add del mod">
+          <ac:chgData name="Josiah Schmidt" userId="fb95630c82ccdcef" providerId="LiveId" clId="{639DFE65-9852-4226-8505-0AB60F7BF2AF}" dt="2022-11-03T21:07:09.184" v="389" actId="478"/>
+          <ac:spMkLst>
+            <pc:docMk/>
+            <pc:sldMk cId="303297163" sldId="260"/>
+            <ac:spMk id="6" creationId="{30D9B8AA-87C8-55B8-108B-A3D5AF06F802}"/>
+          </ac:spMkLst>
+        </pc:spChg>
+        <pc:spChg chg="add del mod">
+          <ac:chgData name="Josiah Schmidt" userId="fb95630c82ccdcef" providerId="LiveId" clId="{639DFE65-9852-4226-8505-0AB60F7BF2AF}" dt="2022-11-04T02:17:04.989" v="1381" actId="478"/>
+          <ac:spMkLst>
+            <pc:docMk/>
+            <pc:sldMk cId="303297163" sldId="260"/>
+            <ac:spMk id="6" creationId="{30DE5585-25E0-89F0-FCB2-5E7AAC21C60C}"/>
+          </ac:spMkLst>
+        </pc:spChg>
+        <pc:spChg chg="del mod">
+          <ac:chgData name="Josiah Schmidt" userId="fb95630c82ccdcef" providerId="LiveId" clId="{639DFE65-9852-4226-8505-0AB60F7BF2AF}" dt="2022-11-04T02:17:13.642" v="1387" actId="478"/>
+          <ac:spMkLst>
+            <pc:docMk/>
+            <pc:sldMk cId="303297163" sldId="260"/>
+            <ac:spMk id="8" creationId="{3DAF205C-C785-957D-3C36-26F41440A341}"/>
+          </ac:spMkLst>
+        </pc:spChg>
+        <pc:spChg chg="add del mod">
+          <ac:chgData name="Josiah Schmidt" userId="fb95630c82ccdcef" providerId="LiveId" clId="{639DFE65-9852-4226-8505-0AB60F7BF2AF}" dt="2022-11-04T02:17:02.965" v="1380" actId="478"/>
+          <ac:spMkLst>
+            <pc:docMk/>
+            <pc:sldMk cId="303297163" sldId="260"/>
+            <ac:spMk id="9" creationId="{5DB0B390-9FA9-DEA0-AE4D-3BD20104A756}"/>
+          </ac:spMkLst>
+        </pc:spChg>
+        <pc:spChg chg="del">
+          <ac:chgData name="Josiah Schmidt" userId="fb95630c82ccdcef" providerId="LiveId" clId="{639DFE65-9852-4226-8505-0AB60F7BF2AF}" dt="2022-11-04T02:17:08.718" v="1383" actId="478"/>
+          <ac:spMkLst>
+            <pc:docMk/>
+            <pc:sldMk cId="303297163" sldId="260"/>
+            <ac:spMk id="17" creationId="{37739F2B-E275-CD93-BEED-926F1DE35453}"/>
+          </ac:spMkLst>
+        </pc:spChg>
+        <pc:spChg chg="del">
+          <ac:chgData name="Josiah Schmidt" userId="fb95630c82ccdcef" providerId="LiveId" clId="{639DFE65-9852-4226-8505-0AB60F7BF2AF}" dt="2022-11-04T02:17:07.045" v="1382" actId="478"/>
+          <ac:spMkLst>
+            <pc:docMk/>
+            <pc:sldMk cId="303297163" sldId="260"/>
+            <ac:spMk id="18" creationId="{855A4686-9717-9E09-7B4C-CE03537E698F}"/>
+          </ac:spMkLst>
+        </pc:spChg>
+        <pc:spChg chg="del mod">
+          <ac:chgData name="Josiah Schmidt" userId="fb95630c82ccdcef" providerId="LiveId" clId="{639DFE65-9852-4226-8505-0AB60F7BF2AF}" dt="2022-11-04T02:16:57.381" v="1376" actId="478"/>
+          <ac:spMkLst>
+            <pc:docMk/>
+            <pc:sldMk cId="303297163" sldId="260"/>
+            <ac:spMk id="19" creationId="{F37FD9DD-F712-9726-C906-6F3F2C02ADFE}"/>
+          </ac:spMkLst>
+        </pc:spChg>
+        <pc:spChg chg="add del mod">
+          <ac:chgData name="Josiah Schmidt" userId="fb95630c82ccdcef" providerId="LiveId" clId="{639DFE65-9852-4226-8505-0AB60F7BF2AF}" dt="2022-11-04T02:16:55.111" v="1374" actId="478"/>
+          <ac:spMkLst>
+            <pc:docMk/>
+            <pc:sldMk cId="303297163" sldId="260"/>
+            <ac:spMk id="20" creationId="{3DD4E056-C544-B21D-C262-D4D1A4EB62F4}"/>
+          </ac:spMkLst>
+        </pc:spChg>
+        <pc:spChg chg="del mod">
+          <ac:chgData name="Josiah Schmidt" userId="fb95630c82ccdcef" providerId="LiveId" clId="{639DFE65-9852-4226-8505-0AB60F7BF2AF}" dt="2022-11-04T02:13:42.928" v="1319" actId="478"/>
+          <ac:spMkLst>
+            <pc:docMk/>
+            <pc:sldMk cId="303297163" sldId="260"/>
+            <ac:spMk id="21" creationId="{D51688CC-4A24-0E63-51FF-695D9DB0BE10}"/>
+          </ac:spMkLst>
+        </pc:spChg>
+        <pc:spChg chg="del mod">
+          <ac:chgData name="Josiah Schmidt" userId="fb95630c82ccdcef" providerId="LiveId" clId="{639DFE65-9852-4226-8505-0AB60F7BF2AF}" dt="2022-11-04T02:17:19.428" v="1392" actId="478"/>
+          <ac:spMkLst>
+            <pc:docMk/>
+            <pc:sldMk cId="303297163" sldId="260"/>
+            <ac:spMk id="26" creationId="{DA5AD3A6-27C7-6CFC-6818-290FA7657279}"/>
+          </ac:spMkLst>
+        </pc:spChg>
+        <pc:spChg chg="del mod">
+          <ac:chgData name="Josiah Schmidt" userId="fb95630c82ccdcef" providerId="LiveId" clId="{639DFE65-9852-4226-8505-0AB60F7BF2AF}" dt="2022-11-04T02:13:40.264" v="1317" actId="478"/>
+          <ac:spMkLst>
+            <pc:docMk/>
+            <pc:sldMk cId="303297163" sldId="260"/>
+            <ac:spMk id="29" creationId="{55397B43-DDB9-C448-EC47-B3B408908230}"/>
+          </ac:spMkLst>
+        </pc:spChg>
+        <pc:picChg chg="add del mod">
+          <ac:chgData name="Josiah Schmidt" userId="fb95630c82ccdcef" providerId="LiveId" clId="{639DFE65-9852-4226-8505-0AB60F7BF2AF}" dt="2022-11-04T02:42:02.755" v="1400" actId="478"/>
+          <ac:picMkLst>
+            <pc:docMk/>
+            <pc:sldMk cId="303297163" sldId="260"/>
+            <ac:picMk id="11" creationId="{76FD1847-8D2A-20A6-3DC8-A7CDEB212D24}"/>
+          </ac:picMkLst>
+        </pc:picChg>
+        <pc:picChg chg="add mod">
+          <ac:chgData name="Josiah Schmidt" userId="fb95630c82ccdcef" providerId="LiveId" clId="{639DFE65-9852-4226-8505-0AB60F7BF2AF}" dt="2022-11-04T02:42:22.010" v="1402" actId="14100"/>
+          <ac:picMkLst>
+            <pc:docMk/>
+            <pc:sldMk cId="303297163" sldId="260"/>
+            <ac:picMk id="14" creationId="{D6EDDE28-446D-3BBC-4954-5E1E28D0BE66}"/>
+          </ac:picMkLst>
+        </pc:picChg>
+        <pc:cxnChg chg="del">
+          <ac:chgData name="Josiah Schmidt" userId="fb95630c82ccdcef" providerId="LiveId" clId="{639DFE65-9852-4226-8505-0AB60F7BF2AF}" dt="2022-11-04T02:17:09.996" v="1384" actId="478"/>
+          <ac:cxnSpMkLst>
+            <pc:docMk/>
+            <pc:sldMk cId="303297163" sldId="260"/>
+            <ac:cxnSpMk id="12" creationId="{551209B1-E308-D2D0-6A89-859F5E692EE3}"/>
+          </ac:cxnSpMkLst>
+        </pc:cxnChg>
+        <pc:cxnChg chg="del">
+          <ac:chgData name="Josiah Schmidt" userId="fb95630c82ccdcef" providerId="LiveId" clId="{639DFE65-9852-4226-8505-0AB60F7BF2AF}" dt="2022-11-04T02:17:15.649" v="1389" actId="478"/>
+          <ac:cxnSpMkLst>
+            <pc:docMk/>
+            <pc:sldMk cId="303297163" sldId="260"/>
+            <ac:cxnSpMk id="25" creationId="{24C31D0A-FB12-D39A-8D76-95217481A111}"/>
+          </ac:cxnSpMkLst>
+        </pc:cxnChg>
+        <pc:cxnChg chg="del">
+          <ac:chgData name="Josiah Schmidt" userId="fb95630c82ccdcef" providerId="LiveId" clId="{639DFE65-9852-4226-8505-0AB60F7BF2AF}" dt="2022-11-04T02:17:17.823" v="1391" actId="478"/>
+          <ac:cxnSpMkLst>
+            <pc:docMk/>
+            <pc:sldMk cId="303297163" sldId="260"/>
+            <ac:cxnSpMk id="28" creationId="{EEF86500-ADA4-8C89-1D09-C5147946F23C}"/>
+          </ac:cxnSpMkLst>
+        </pc:cxnChg>
+        <pc:cxnChg chg="del">
+          <ac:chgData name="Josiah Schmidt" userId="fb95630c82ccdcef" providerId="LiveId" clId="{639DFE65-9852-4226-8505-0AB60F7BF2AF}" dt="2022-11-04T02:13:51.275" v="1321" actId="478"/>
+          <ac:cxnSpMkLst>
+            <pc:docMk/>
+            <pc:sldMk cId="303297163" sldId="260"/>
+            <ac:cxnSpMk id="31" creationId="{5E484A63-60ED-C478-AB44-765E0F239CE5}"/>
+          </ac:cxnSpMkLst>
+        </pc:cxnChg>
+        <pc:cxnChg chg="del">
+          <ac:chgData name="Josiah Schmidt" userId="fb95630c82ccdcef" providerId="LiveId" clId="{639DFE65-9852-4226-8505-0AB60F7BF2AF}" dt="2022-11-04T02:13:52.338" v="1322" actId="478"/>
+          <ac:cxnSpMkLst>
+            <pc:docMk/>
+            <pc:sldMk cId="303297163" sldId="260"/>
+            <ac:cxnSpMk id="33" creationId="{B0B6B948-D432-B91A-BC9A-380BA415F0F7}"/>
+          </ac:cxnSpMkLst>
+        </pc:cxnChg>
+        <pc:cxnChg chg="del">
+          <ac:chgData name="Josiah Schmidt" userId="fb95630c82ccdcef" providerId="LiveId" clId="{639DFE65-9852-4226-8505-0AB60F7BF2AF}" dt="2022-11-04T02:13:53.200" v="1323" actId="478"/>
+          <ac:cxnSpMkLst>
+            <pc:docMk/>
+            <pc:sldMk cId="303297163" sldId="260"/>
+            <ac:cxnSpMk id="35" creationId="{5CE22B95-BE07-63F2-F437-98982B8F42A3}"/>
+          </ac:cxnSpMkLst>
+        </pc:cxnChg>
+        <pc:cxnChg chg="del">
+          <ac:chgData name="Josiah Schmidt" userId="fb95630c82ccdcef" providerId="LiveId" clId="{639DFE65-9852-4226-8505-0AB60F7BF2AF}" dt="2022-11-04T02:13:50.178" v="1320" actId="478"/>
+          <ac:cxnSpMkLst>
+            <pc:docMk/>
+            <pc:sldMk cId="303297163" sldId="260"/>
+            <ac:cxnSpMk id="36" creationId="{0D01FB09-A559-F96B-3952-AF394B841A62}"/>
+          </ac:cxnSpMkLst>
+        </pc:cxnChg>
+      </pc:sldChg>
+      <pc:sldChg chg="modSp del mod">
+        <pc:chgData name="Josiah Schmidt" userId="fb95630c82ccdcef" providerId="LiveId" clId="{639DFE65-9852-4226-8505-0AB60F7BF2AF}" dt="2022-11-03T21:13:31.367" v="398" actId="2696"/>
+        <pc:sldMkLst>
+          <pc:docMk/>
+          <pc:sldMk cId="2139697948" sldId="261"/>
+        </pc:sldMkLst>
+        <pc:spChg chg="mod">
+          <ac:chgData name="Josiah Schmidt" userId="fb95630c82ccdcef" providerId="LiveId" clId="{639DFE65-9852-4226-8505-0AB60F7BF2AF}" dt="2022-11-03T21:09:01.859" v="397" actId="20577"/>
+          <ac:spMkLst>
+            <pc:docMk/>
+            <pc:sldMk cId="2139697948" sldId="261"/>
+            <ac:spMk id="3" creationId="{4B3117D6-7B8F-65E9-3A23-11DE3D54D422}"/>
+          </ac:spMkLst>
+        </pc:spChg>
+      </pc:sldChg>
+      <pc:sldChg chg="del">
+        <pc:chgData name="Josiah Schmidt" userId="fb95630c82ccdcef" providerId="LiveId" clId="{639DFE65-9852-4226-8505-0AB60F7BF2AF}" dt="2022-11-03T21:14:43.694" v="466" actId="2696"/>
+        <pc:sldMkLst>
+          <pc:docMk/>
+          <pc:sldMk cId="96408489" sldId="262"/>
+        </pc:sldMkLst>
+      </pc:sldChg>
+      <pc:sldChg chg="modSp mod modNotesTx">
+        <pc:chgData name="Josiah Schmidt" userId="fb95630c82ccdcef" providerId="LiveId" clId="{639DFE65-9852-4226-8505-0AB60F7BF2AF}" dt="2022-11-04T02:11:17.341" v="1294" actId="20577"/>
+        <pc:sldMkLst>
+          <pc:docMk/>
+          <pc:sldMk cId="2289803242" sldId="263"/>
+        </pc:sldMkLst>
+        <pc:spChg chg="mod">
+          <ac:chgData name="Josiah Schmidt" userId="fb95630c82ccdcef" providerId="LiveId" clId="{639DFE65-9852-4226-8505-0AB60F7BF2AF}" dt="2022-11-04T01:55:57.111" v="1243" actId="20577"/>
+          <ac:spMkLst>
+            <pc:docMk/>
+            <pc:sldMk cId="2289803242" sldId="263"/>
+            <ac:spMk id="3" creationId="{27495E40-445D-93BC-73B4-1E0EC3929322}"/>
+          </ac:spMkLst>
+        </pc:spChg>
+      </pc:sldChg>
+      <pc:sldChg chg="addSp delSp modSp mod modNotesTx">
+        <pc:chgData name="Josiah Schmidt" userId="fb95630c82ccdcef" providerId="LiveId" clId="{639DFE65-9852-4226-8505-0AB60F7BF2AF}" dt="2022-11-04T02:11:26.203" v="1299" actId="20577"/>
         <pc:sldMkLst>
           <pc:docMk/>
           <pc:sldMk cId="3374668984" sldId="264"/>
         </pc:sldMkLst>
         <pc:spChg chg="mod">
-          <ac:chgData name="Josiah Schmidt" userId="fb95630c82ccdcef" providerId="LiveId" clId="{639DFE65-9852-4226-8505-0AB60F7BF2AF}" dt="2022-11-03T04:16:20.124" v="66" actId="20577"/>
+          <ac:chgData name="Josiah Schmidt" userId="fb95630c82ccdcef" providerId="LiveId" clId="{639DFE65-9852-4226-8505-0AB60F7BF2AF}" dt="2022-11-04T01:41:13.024" v="1049" actId="1076"/>
           <ac:spMkLst>
             <pc:docMk/>
             <pc:sldMk cId="3374668984" sldId="264"/>
             <ac:spMk id="3" creationId="{A0C5341D-F501-151C-41B8-4EE905EAB673}"/>
           </ac:spMkLst>
         </pc:spChg>
-        <pc:spChg chg="add mod">
-          <ac:chgData name="Josiah Schmidt" userId="fb95630c82ccdcef" providerId="LiveId" clId="{639DFE65-9852-4226-8505-0AB60F7BF2AF}" dt="2022-11-03T04:17:15.191" v="68" actId="1076"/>
+        <pc:spChg chg="add del mod">
+          <ac:chgData name="Josiah Schmidt" userId="fb95630c82ccdcef" providerId="LiveId" clId="{639DFE65-9852-4226-8505-0AB60F7BF2AF}" dt="2022-11-03T21:19:37.211" v="699" actId="478"/>
           <ac:spMkLst>
             <pc:docMk/>
             <pc:sldMk cId="3374668984" sldId="264"/>
             <ac:spMk id="5" creationId="{1E2EBFD5-3A1C-16F9-6EF3-8ED9F1A56B6A}"/>
           </ac:spMkLst>
         </pc:spChg>
-        <pc:spChg chg="add">
-          <ac:chgData name="Josiah Schmidt" userId="fb95630c82ccdcef" providerId="LiveId" clId="{639DFE65-9852-4226-8505-0AB60F7BF2AF}" dt="2022-11-03T04:17:24.810" v="69" actId="11529"/>
+        <pc:spChg chg="add del">
+          <ac:chgData name="Josiah Schmidt" userId="fb95630c82ccdcef" providerId="LiveId" clId="{639DFE65-9852-4226-8505-0AB60F7BF2AF}" dt="2022-11-03T21:19:38.260" v="700" actId="478"/>
           <ac:spMkLst>
             <pc:docMk/>
             <pc:sldMk cId="3374668984" sldId="264"/>
             <ac:spMk id="6" creationId="{E1E41608-46DC-13A5-E0FC-CF0C419BD2DD}"/>
           </ac:spMkLst>
         </pc:spChg>
-        <pc:spChg chg="add mod">
-          <ac:chgData name="Josiah Schmidt" userId="fb95630c82ccdcef" providerId="LiveId" clId="{639DFE65-9852-4226-8505-0AB60F7BF2AF}" dt="2022-11-03T04:18:01.503" v="75" actId="14100"/>
+        <pc:spChg chg="add del mod">
+          <ac:chgData name="Josiah Schmidt" userId="fb95630c82ccdcef" providerId="LiveId" clId="{639DFE65-9852-4226-8505-0AB60F7BF2AF}" dt="2022-11-03T21:19:38.960" v="701" actId="478"/>
           <ac:spMkLst>
             <pc:docMk/>
             <pc:sldMk cId="3374668984" sldId="264"/>
             <ac:spMk id="7" creationId="{E936AF6E-1256-DA84-0352-720BBD7FB15A}"/>
           </ac:spMkLst>
         </pc:spChg>
-        <pc:spChg chg="add mod">
-          <ac:chgData name="Josiah Schmidt" userId="fb95630c82ccdcef" providerId="LiveId" clId="{639DFE65-9852-4226-8505-0AB60F7BF2AF}" dt="2022-11-03T04:17:54.987" v="73" actId="14100"/>
+        <pc:spChg chg="add del mod">
+          <ac:chgData name="Josiah Schmidt" userId="fb95630c82ccdcef" providerId="LiveId" clId="{639DFE65-9852-4226-8505-0AB60F7BF2AF}" dt="2022-11-03T21:19:39.417" v="702" actId="478"/>
           <ac:spMkLst>
             <pc:docMk/>
             <pc:sldMk cId="3374668984" sldId="264"/>
             <ac:spMk id="8" creationId="{ECAA6C42-6363-4473-44B2-C519F1B858BF}"/>
           </ac:spMkLst>
         </pc:spChg>
+        <pc:picChg chg="add del mod">
+          <ac:chgData name="Josiah Schmidt" userId="fb95630c82ccdcef" providerId="LiveId" clId="{639DFE65-9852-4226-8505-0AB60F7BF2AF}" dt="2022-11-04T01:58:15.472" v="1254" actId="478"/>
+          <ac:picMkLst>
+            <pc:docMk/>
+            <pc:sldMk cId="3374668984" sldId="264"/>
+            <ac:picMk id="6" creationId="{521A83BC-267F-9B46-C048-6727AAB83BA4}"/>
+          </ac:picMkLst>
+        </pc:picChg>
+        <pc:picChg chg="add del mod">
+          <ac:chgData name="Josiah Schmidt" userId="fb95630c82ccdcef" providerId="LiveId" clId="{639DFE65-9852-4226-8505-0AB60F7BF2AF}" dt="2022-11-04T01:57:53.319" v="1253" actId="478"/>
+          <ac:picMkLst>
+            <pc:docMk/>
+            <pc:sldMk cId="3374668984" sldId="264"/>
+            <ac:picMk id="8" creationId="{9A77BAC8-1605-279F-98B3-AA7BC12C5C31}"/>
+          </ac:picMkLst>
+        </pc:picChg>
+        <pc:picChg chg="add mod">
+          <ac:chgData name="Josiah Schmidt" userId="fb95630c82ccdcef" providerId="LiveId" clId="{639DFE65-9852-4226-8505-0AB60F7BF2AF}" dt="2022-11-04T02:02:52.679" v="1262" actId="1036"/>
+          <ac:picMkLst>
+            <pc:docMk/>
+            <pc:sldMk cId="3374668984" sldId="264"/>
+            <ac:picMk id="10" creationId="{828B6167-5D03-7F52-E640-5BB98E14F0BB}"/>
+          </ac:picMkLst>
+        </pc:picChg>
+      </pc:sldChg>
+      <pc:sldChg chg="modSp mod modNotesTx">
+        <pc:chgData name="Josiah Schmidt" userId="fb95630c82ccdcef" providerId="LiveId" clId="{639DFE65-9852-4226-8505-0AB60F7BF2AF}" dt="2022-11-04T02:11:37.258" v="1305" actId="20577"/>
+        <pc:sldMkLst>
+          <pc:docMk/>
+          <pc:sldMk cId="2854186743" sldId="265"/>
+        </pc:sldMkLst>
+        <pc:spChg chg="mod">
+          <ac:chgData name="Josiah Schmidt" userId="fb95630c82ccdcef" providerId="LiveId" clId="{639DFE65-9852-4226-8505-0AB60F7BF2AF}" dt="2022-11-04T01:38:24.662" v="968" actId="14100"/>
+          <ac:spMkLst>
+            <pc:docMk/>
+            <pc:sldMk cId="2854186743" sldId="265"/>
+            <ac:spMk id="3" creationId="{61FCE26D-7AAC-336C-370C-4A259EB21804}"/>
+          </ac:spMkLst>
+        </pc:spChg>
+      </pc:sldChg>
+      <pc:sldChg chg="del">
+        <pc:chgData name="Josiah Schmidt" userId="fb95630c82ccdcef" providerId="LiveId" clId="{639DFE65-9852-4226-8505-0AB60F7BF2AF}" dt="2022-11-04T01:47:02.844" v="1153" actId="2696"/>
+        <pc:sldMkLst>
+          <pc:docMk/>
+          <pc:sldMk cId="4083052351" sldId="266"/>
+        </pc:sldMkLst>
+      </pc:sldChg>
+      <pc:sldChg chg="modSp mod modNotesTx">
+        <pc:chgData name="Josiah Schmidt" userId="fb95630c82ccdcef" providerId="LiveId" clId="{639DFE65-9852-4226-8505-0AB60F7BF2AF}" dt="2022-11-04T02:11:41.910" v="1310" actId="20577"/>
+        <pc:sldMkLst>
+          <pc:docMk/>
+          <pc:sldMk cId="1832876262" sldId="267"/>
+        </pc:sldMkLst>
+        <pc:spChg chg="mod">
+          <ac:chgData name="Josiah Schmidt" userId="fb95630c82ccdcef" providerId="LiveId" clId="{639DFE65-9852-4226-8505-0AB60F7BF2AF}" dt="2022-11-04T01:47:37.510" v="1186" actId="20577"/>
+          <ac:spMkLst>
+            <pc:docMk/>
+            <pc:sldMk cId="1832876262" sldId="267"/>
+            <ac:spMk id="3" creationId="{6A05C9A5-A25E-E2D7-EF9C-7C85C76E6B51}"/>
+          </ac:spMkLst>
+        </pc:spChg>
+      </pc:sldChg>
+      <pc:sldChg chg="new del">
+        <pc:chgData name="Josiah Schmidt" userId="fb95630c82ccdcef" providerId="LiveId" clId="{639DFE65-9852-4226-8505-0AB60F7BF2AF}" dt="2022-11-04T01:46:08.025" v="1152" actId="2696"/>
+        <pc:sldMkLst>
+          <pc:docMk/>
+          <pc:sldMk cId="148532527" sldId="269"/>
+        </pc:sldMkLst>
       </pc:sldChg>
     </pc:docChg>
   </pc:docChgLst>
@@ -1566,7 +1935,11 @@
               </a:spcAft>
               <a:buNone/>
             </a:pPr>
-            <a:endParaRPr/>
+            <a:r>
+              <a:rPr lang="en-US" dirty="0"/>
+              <a:t>David</a:t>
+            </a:r>
+            <a:endParaRPr dirty="0"/>
           </a:p>
         </p:txBody>
       </p:sp>
@@ -1670,7 +2043,11 @@
               </a:spcAft>
               <a:buNone/>
             </a:pPr>
-            <a:endParaRPr/>
+            <a:r>
+              <a:rPr lang="en-US" dirty="0"/>
+              <a:t>Josiah</a:t>
+            </a:r>
+            <a:endParaRPr dirty="0"/>
           </a:p>
         </p:txBody>
       </p:sp>
@@ -1716,6 +2093,790 @@
         </p:spPr>
       </p:sp>
     </p:spTree>
+  </p:cSld>
+  <p:clrMapOvr>
+    <a:masterClrMapping/>
+  </p:clrMapOvr>
+</p:notes>
+</file>
+
+<file path=ppt/notesSlides/notesSlide3.xml><?xml version="1.0" encoding="utf-8"?>
+<p:notes xmlns:a="http://schemas.openxmlformats.org/drawingml/2006/main" xmlns:r="http://schemas.openxmlformats.org/officeDocument/2006/relationships" xmlns:p="http://schemas.openxmlformats.org/presentationml/2006/main">
+  <p:cSld>
+    <p:spTree>
+      <p:nvGrpSpPr>
+        <p:cNvPr id="1" name=""/>
+        <p:cNvGrpSpPr/>
+        <p:nvPr/>
+      </p:nvGrpSpPr>
+      <p:grpSpPr>
+        <a:xfrm>
+          <a:off x="0" y="0"/>
+          <a:ext cx="0" cy="0"/>
+          <a:chOff x="0" y="0"/>
+          <a:chExt cx="0" cy="0"/>
+        </a:xfrm>
+      </p:grpSpPr>
+      <p:sp>
+        <p:nvSpPr>
+          <p:cNvPr id="2" name="Slide Image Placeholder 1"/>
+          <p:cNvSpPr>
+            <a:spLocks noGrp="1" noRot="1" noChangeAspect="1"/>
+          </p:cNvSpPr>
+          <p:nvPr>
+            <p:ph type="sldImg"/>
+          </p:nvPr>
+        </p:nvSpPr>
+        <p:spPr/>
+      </p:sp>
+      <p:sp>
+        <p:nvSpPr>
+          <p:cNvPr id="3" name="Notes Placeholder 2"/>
+          <p:cNvSpPr>
+            <a:spLocks noGrp="1"/>
+          </p:cNvSpPr>
+          <p:nvPr>
+            <p:ph type="body" idx="1"/>
+          </p:nvPr>
+        </p:nvSpPr>
+        <p:spPr/>
+        <p:txBody>
+          <a:bodyPr/>
+          <a:lstStyle/>
+          <a:p>
+            <a:r>
+              <a:rPr lang="en-US" dirty="0"/>
+              <a:t>Yasin</a:t>
+            </a:r>
+          </a:p>
+        </p:txBody>
+      </p:sp>
+      <p:sp>
+        <p:nvSpPr>
+          <p:cNvPr id="4" name="Slide Number Placeholder 3"/>
+          <p:cNvSpPr>
+            <a:spLocks noGrp="1"/>
+          </p:cNvSpPr>
+          <p:nvPr>
+            <p:ph type="sldNum" idx="12"/>
+          </p:nvPr>
+        </p:nvSpPr>
+        <p:spPr/>
+        <p:txBody>
+          <a:bodyPr/>
+          <a:lstStyle/>
+          <a:p>
+            <a:pPr marL="0" marR="0" lvl="0" indent="0" algn="r" rtl="0">
+              <a:spcBef>
+                <a:spcPts val="0"/>
+              </a:spcBef>
+              <a:spcAft>
+                <a:spcPts val="0"/>
+              </a:spcAft>
+              <a:buNone/>
+            </a:pPr>
+            <a:fld id="{00000000-1234-1234-1234-123412341234}" type="slidenum">
+              <a:rPr lang="en-US" sz="1200" b="0" i="0" u="none" strike="noStrike" cap="none" smtClean="0">
+                <a:solidFill>
+                  <a:schemeClr val="dk1"/>
+                </a:solidFill>
+                <a:latin typeface="Calibri"/>
+                <a:ea typeface="Calibri"/>
+                <a:cs typeface="Calibri"/>
+                <a:sym typeface="Calibri"/>
+              </a:rPr>
+              <a:t>2</a:t>
+            </a:fld>
+            <a:endParaRPr lang="en-US" sz="1200" b="0" i="0" u="none" strike="noStrike" cap="none">
+              <a:solidFill>
+                <a:schemeClr val="dk1"/>
+              </a:solidFill>
+              <a:latin typeface="Calibri"/>
+              <a:ea typeface="Calibri"/>
+              <a:cs typeface="Calibri"/>
+              <a:sym typeface="Calibri"/>
+            </a:endParaRPr>
+          </a:p>
+        </p:txBody>
+      </p:sp>
+    </p:spTree>
+    <p:extLst>
+      <p:ext uri="{BB962C8B-B14F-4D97-AF65-F5344CB8AC3E}">
+        <p14:creationId xmlns:p14="http://schemas.microsoft.com/office/powerpoint/2010/main" val="1847855009"/>
+      </p:ext>
+    </p:extLst>
+  </p:cSld>
+  <p:clrMapOvr>
+    <a:masterClrMapping/>
+  </p:clrMapOvr>
+</p:notes>
+</file>
+
+<file path=ppt/notesSlides/notesSlide4.xml><?xml version="1.0" encoding="utf-8"?>
+<p:notes xmlns:a="http://schemas.openxmlformats.org/drawingml/2006/main" xmlns:r="http://schemas.openxmlformats.org/officeDocument/2006/relationships" xmlns:p="http://schemas.openxmlformats.org/presentationml/2006/main">
+  <p:cSld>
+    <p:spTree>
+      <p:nvGrpSpPr>
+        <p:cNvPr id="1" name=""/>
+        <p:cNvGrpSpPr/>
+        <p:nvPr/>
+      </p:nvGrpSpPr>
+      <p:grpSpPr>
+        <a:xfrm>
+          <a:off x="0" y="0"/>
+          <a:ext cx="0" cy="0"/>
+          <a:chOff x="0" y="0"/>
+          <a:chExt cx="0" cy="0"/>
+        </a:xfrm>
+      </p:grpSpPr>
+      <p:sp>
+        <p:nvSpPr>
+          <p:cNvPr id="2" name="Slide Image Placeholder 1"/>
+          <p:cNvSpPr>
+            <a:spLocks noGrp="1" noRot="1" noChangeAspect="1"/>
+          </p:cNvSpPr>
+          <p:nvPr>
+            <p:ph type="sldImg"/>
+          </p:nvPr>
+        </p:nvSpPr>
+        <p:spPr/>
+      </p:sp>
+      <p:sp>
+        <p:nvSpPr>
+          <p:cNvPr id="3" name="Notes Placeholder 2"/>
+          <p:cNvSpPr>
+            <a:spLocks noGrp="1"/>
+          </p:cNvSpPr>
+          <p:nvPr>
+            <p:ph type="body" idx="1"/>
+          </p:nvPr>
+        </p:nvSpPr>
+        <p:spPr/>
+        <p:txBody>
+          <a:bodyPr/>
+          <a:lstStyle/>
+          <a:p>
+            <a:r>
+              <a:rPr lang="en-US" dirty="0"/>
+              <a:t>David</a:t>
+            </a:r>
+          </a:p>
+        </p:txBody>
+      </p:sp>
+      <p:sp>
+        <p:nvSpPr>
+          <p:cNvPr id="4" name="Slide Number Placeholder 3"/>
+          <p:cNvSpPr>
+            <a:spLocks noGrp="1"/>
+          </p:cNvSpPr>
+          <p:nvPr>
+            <p:ph type="sldNum" idx="12"/>
+          </p:nvPr>
+        </p:nvSpPr>
+        <p:spPr/>
+        <p:txBody>
+          <a:bodyPr/>
+          <a:lstStyle/>
+          <a:p>
+            <a:pPr marL="0" marR="0" lvl="0" indent="0" algn="r" rtl="0">
+              <a:spcBef>
+                <a:spcPts val="0"/>
+              </a:spcBef>
+              <a:spcAft>
+                <a:spcPts val="0"/>
+              </a:spcAft>
+              <a:buNone/>
+            </a:pPr>
+            <a:fld id="{00000000-1234-1234-1234-123412341234}" type="slidenum">
+              <a:rPr lang="en-US" sz="1200" b="0" i="0" u="none" strike="noStrike" cap="none" smtClean="0">
+                <a:solidFill>
+                  <a:schemeClr val="dk1"/>
+                </a:solidFill>
+                <a:latin typeface="Calibri"/>
+                <a:ea typeface="Calibri"/>
+                <a:cs typeface="Calibri"/>
+                <a:sym typeface="Calibri"/>
+              </a:rPr>
+              <a:t>3</a:t>
+            </a:fld>
+            <a:endParaRPr lang="en-US" sz="1200" b="0" i="0" u="none" strike="noStrike" cap="none">
+              <a:solidFill>
+                <a:schemeClr val="dk1"/>
+              </a:solidFill>
+              <a:latin typeface="Calibri"/>
+              <a:ea typeface="Calibri"/>
+              <a:cs typeface="Calibri"/>
+              <a:sym typeface="Calibri"/>
+            </a:endParaRPr>
+          </a:p>
+        </p:txBody>
+      </p:sp>
+    </p:spTree>
+    <p:extLst>
+      <p:ext uri="{BB962C8B-B14F-4D97-AF65-F5344CB8AC3E}">
+        <p14:creationId xmlns:p14="http://schemas.microsoft.com/office/powerpoint/2010/main" val="306256508"/>
+      </p:ext>
+    </p:extLst>
+  </p:cSld>
+  <p:clrMapOvr>
+    <a:masterClrMapping/>
+  </p:clrMapOvr>
+</p:notes>
+</file>
+
+<file path=ppt/notesSlides/notesSlide5.xml><?xml version="1.0" encoding="utf-8"?>
+<p:notes xmlns:a="http://schemas.openxmlformats.org/drawingml/2006/main" xmlns:r="http://schemas.openxmlformats.org/officeDocument/2006/relationships" xmlns:p="http://schemas.openxmlformats.org/presentationml/2006/main">
+  <p:cSld>
+    <p:spTree>
+      <p:nvGrpSpPr>
+        <p:cNvPr id="1" name=""/>
+        <p:cNvGrpSpPr/>
+        <p:nvPr/>
+      </p:nvGrpSpPr>
+      <p:grpSpPr>
+        <a:xfrm>
+          <a:off x="0" y="0"/>
+          <a:ext cx="0" cy="0"/>
+          <a:chOff x="0" y="0"/>
+          <a:chExt cx="0" cy="0"/>
+        </a:xfrm>
+      </p:grpSpPr>
+      <p:sp>
+        <p:nvSpPr>
+          <p:cNvPr id="2" name="Slide Image Placeholder 1"/>
+          <p:cNvSpPr>
+            <a:spLocks noGrp="1" noRot="1" noChangeAspect="1"/>
+          </p:cNvSpPr>
+          <p:nvPr>
+            <p:ph type="sldImg"/>
+          </p:nvPr>
+        </p:nvSpPr>
+        <p:spPr/>
+      </p:sp>
+      <p:sp>
+        <p:nvSpPr>
+          <p:cNvPr id="3" name="Notes Placeholder 2"/>
+          <p:cNvSpPr>
+            <a:spLocks noGrp="1"/>
+          </p:cNvSpPr>
+          <p:nvPr>
+            <p:ph type="body" idx="1"/>
+          </p:nvPr>
+        </p:nvSpPr>
+        <p:spPr/>
+        <p:txBody>
+          <a:bodyPr/>
+          <a:lstStyle/>
+          <a:p>
+            <a:r>
+              <a:rPr lang="en-US" dirty="0"/>
+              <a:t>Josiah</a:t>
+            </a:r>
+          </a:p>
+        </p:txBody>
+      </p:sp>
+      <p:sp>
+        <p:nvSpPr>
+          <p:cNvPr id="4" name="Slide Number Placeholder 3"/>
+          <p:cNvSpPr>
+            <a:spLocks noGrp="1"/>
+          </p:cNvSpPr>
+          <p:nvPr>
+            <p:ph type="sldNum" idx="12"/>
+          </p:nvPr>
+        </p:nvSpPr>
+        <p:spPr/>
+        <p:txBody>
+          <a:bodyPr/>
+          <a:lstStyle/>
+          <a:p>
+            <a:pPr marL="0" marR="0" lvl="0" indent="0" algn="r" rtl="0">
+              <a:spcBef>
+                <a:spcPts val="0"/>
+              </a:spcBef>
+              <a:spcAft>
+                <a:spcPts val="0"/>
+              </a:spcAft>
+              <a:buNone/>
+            </a:pPr>
+            <a:fld id="{00000000-1234-1234-1234-123412341234}" type="slidenum">
+              <a:rPr lang="en-US" sz="1200" b="0" i="0" u="none" strike="noStrike" cap="none" smtClean="0">
+                <a:solidFill>
+                  <a:schemeClr val="dk1"/>
+                </a:solidFill>
+                <a:latin typeface="Calibri"/>
+                <a:ea typeface="Calibri"/>
+                <a:cs typeface="Calibri"/>
+                <a:sym typeface="Calibri"/>
+              </a:rPr>
+              <a:t>4</a:t>
+            </a:fld>
+            <a:endParaRPr lang="en-US" sz="1200" b="0" i="0" u="none" strike="noStrike" cap="none">
+              <a:solidFill>
+                <a:schemeClr val="dk1"/>
+              </a:solidFill>
+              <a:latin typeface="Calibri"/>
+              <a:ea typeface="Calibri"/>
+              <a:cs typeface="Calibri"/>
+              <a:sym typeface="Calibri"/>
+            </a:endParaRPr>
+          </a:p>
+        </p:txBody>
+      </p:sp>
+    </p:spTree>
+    <p:extLst>
+      <p:ext uri="{BB962C8B-B14F-4D97-AF65-F5344CB8AC3E}">
+        <p14:creationId xmlns:p14="http://schemas.microsoft.com/office/powerpoint/2010/main" val="2625346580"/>
+      </p:ext>
+    </p:extLst>
+  </p:cSld>
+  <p:clrMapOvr>
+    <a:masterClrMapping/>
+  </p:clrMapOvr>
+</p:notes>
+</file>
+
+<file path=ppt/notesSlides/notesSlide6.xml><?xml version="1.0" encoding="utf-8"?>
+<p:notes xmlns:a="http://schemas.openxmlformats.org/drawingml/2006/main" xmlns:r="http://schemas.openxmlformats.org/officeDocument/2006/relationships" xmlns:p="http://schemas.openxmlformats.org/presentationml/2006/main">
+  <p:cSld>
+    <p:spTree>
+      <p:nvGrpSpPr>
+        <p:cNvPr id="1" name=""/>
+        <p:cNvGrpSpPr/>
+        <p:nvPr/>
+      </p:nvGrpSpPr>
+      <p:grpSpPr>
+        <a:xfrm>
+          <a:off x="0" y="0"/>
+          <a:ext cx="0" cy="0"/>
+          <a:chOff x="0" y="0"/>
+          <a:chExt cx="0" cy="0"/>
+        </a:xfrm>
+      </p:grpSpPr>
+      <p:sp>
+        <p:nvSpPr>
+          <p:cNvPr id="2" name="Slide Image Placeholder 1"/>
+          <p:cNvSpPr>
+            <a:spLocks noGrp="1" noRot="1" noChangeAspect="1"/>
+          </p:cNvSpPr>
+          <p:nvPr>
+            <p:ph type="sldImg"/>
+          </p:nvPr>
+        </p:nvSpPr>
+        <p:spPr/>
+      </p:sp>
+      <p:sp>
+        <p:nvSpPr>
+          <p:cNvPr id="3" name="Notes Placeholder 2"/>
+          <p:cNvSpPr>
+            <a:spLocks noGrp="1"/>
+          </p:cNvSpPr>
+          <p:nvPr>
+            <p:ph type="body" idx="1"/>
+          </p:nvPr>
+        </p:nvSpPr>
+        <p:spPr/>
+        <p:txBody>
+          <a:bodyPr/>
+          <a:lstStyle/>
+          <a:p>
+            <a:r>
+              <a:rPr lang="en-US" dirty="0"/>
+              <a:t>Yasin</a:t>
+            </a:r>
+          </a:p>
+        </p:txBody>
+      </p:sp>
+      <p:sp>
+        <p:nvSpPr>
+          <p:cNvPr id="4" name="Slide Number Placeholder 3"/>
+          <p:cNvSpPr>
+            <a:spLocks noGrp="1"/>
+          </p:cNvSpPr>
+          <p:nvPr>
+            <p:ph type="sldNum" idx="12"/>
+          </p:nvPr>
+        </p:nvSpPr>
+        <p:spPr/>
+        <p:txBody>
+          <a:bodyPr/>
+          <a:lstStyle/>
+          <a:p>
+            <a:pPr marL="0" marR="0" lvl="0" indent="0" algn="r" rtl="0">
+              <a:spcBef>
+                <a:spcPts val="0"/>
+              </a:spcBef>
+              <a:spcAft>
+                <a:spcPts val="0"/>
+              </a:spcAft>
+              <a:buNone/>
+            </a:pPr>
+            <a:fld id="{00000000-1234-1234-1234-123412341234}" type="slidenum">
+              <a:rPr lang="en-US" sz="1200" b="0" i="0" u="none" strike="noStrike" cap="none" smtClean="0">
+                <a:solidFill>
+                  <a:schemeClr val="dk1"/>
+                </a:solidFill>
+                <a:latin typeface="Calibri"/>
+                <a:ea typeface="Calibri"/>
+                <a:cs typeface="Calibri"/>
+                <a:sym typeface="Calibri"/>
+              </a:rPr>
+              <a:t>5</a:t>
+            </a:fld>
+            <a:endParaRPr lang="en-US" sz="1200" b="0" i="0" u="none" strike="noStrike" cap="none">
+              <a:solidFill>
+                <a:schemeClr val="dk1"/>
+              </a:solidFill>
+              <a:latin typeface="Calibri"/>
+              <a:ea typeface="Calibri"/>
+              <a:cs typeface="Calibri"/>
+              <a:sym typeface="Calibri"/>
+            </a:endParaRPr>
+          </a:p>
+        </p:txBody>
+      </p:sp>
+    </p:spTree>
+    <p:extLst>
+      <p:ext uri="{BB962C8B-B14F-4D97-AF65-F5344CB8AC3E}">
+        <p14:creationId xmlns:p14="http://schemas.microsoft.com/office/powerpoint/2010/main" val="1713415410"/>
+      </p:ext>
+    </p:extLst>
+  </p:cSld>
+  <p:clrMapOvr>
+    <a:masterClrMapping/>
+  </p:clrMapOvr>
+</p:notes>
+</file>
+
+<file path=ppt/notesSlides/notesSlide7.xml><?xml version="1.0" encoding="utf-8"?>
+<p:notes xmlns:a="http://schemas.openxmlformats.org/drawingml/2006/main" xmlns:r="http://schemas.openxmlformats.org/officeDocument/2006/relationships" xmlns:p="http://schemas.openxmlformats.org/presentationml/2006/main">
+  <p:cSld>
+    <p:spTree>
+      <p:nvGrpSpPr>
+        <p:cNvPr id="1" name=""/>
+        <p:cNvGrpSpPr/>
+        <p:nvPr/>
+      </p:nvGrpSpPr>
+      <p:grpSpPr>
+        <a:xfrm>
+          <a:off x="0" y="0"/>
+          <a:ext cx="0" cy="0"/>
+          <a:chOff x="0" y="0"/>
+          <a:chExt cx="0" cy="0"/>
+        </a:xfrm>
+      </p:grpSpPr>
+      <p:sp>
+        <p:nvSpPr>
+          <p:cNvPr id="2" name="Slide Image Placeholder 1"/>
+          <p:cNvSpPr>
+            <a:spLocks noGrp="1" noRot="1" noChangeAspect="1"/>
+          </p:cNvSpPr>
+          <p:nvPr>
+            <p:ph type="sldImg"/>
+          </p:nvPr>
+        </p:nvSpPr>
+        <p:spPr/>
+      </p:sp>
+      <p:sp>
+        <p:nvSpPr>
+          <p:cNvPr id="3" name="Notes Placeholder 2"/>
+          <p:cNvSpPr>
+            <a:spLocks noGrp="1"/>
+          </p:cNvSpPr>
+          <p:nvPr>
+            <p:ph type="body" idx="1"/>
+          </p:nvPr>
+        </p:nvSpPr>
+        <p:spPr/>
+        <p:txBody>
+          <a:bodyPr/>
+          <a:lstStyle/>
+          <a:p>
+            <a:r>
+              <a:rPr lang="en-US" dirty="0"/>
+              <a:t>David</a:t>
+            </a:r>
+          </a:p>
+        </p:txBody>
+      </p:sp>
+      <p:sp>
+        <p:nvSpPr>
+          <p:cNvPr id="4" name="Slide Number Placeholder 3"/>
+          <p:cNvSpPr>
+            <a:spLocks noGrp="1"/>
+          </p:cNvSpPr>
+          <p:nvPr>
+            <p:ph type="sldNum" idx="12"/>
+          </p:nvPr>
+        </p:nvSpPr>
+        <p:spPr/>
+        <p:txBody>
+          <a:bodyPr/>
+          <a:lstStyle/>
+          <a:p>
+            <a:pPr marL="0" marR="0" lvl="0" indent="0" algn="r" rtl="0">
+              <a:spcBef>
+                <a:spcPts val="0"/>
+              </a:spcBef>
+              <a:spcAft>
+                <a:spcPts val="0"/>
+              </a:spcAft>
+              <a:buNone/>
+            </a:pPr>
+            <a:fld id="{00000000-1234-1234-1234-123412341234}" type="slidenum">
+              <a:rPr lang="en-US" sz="1200" b="0" i="0" u="none" strike="noStrike" cap="none" smtClean="0">
+                <a:solidFill>
+                  <a:schemeClr val="dk1"/>
+                </a:solidFill>
+                <a:latin typeface="Calibri"/>
+                <a:ea typeface="Calibri"/>
+                <a:cs typeface="Calibri"/>
+                <a:sym typeface="Calibri"/>
+              </a:rPr>
+              <a:t>6</a:t>
+            </a:fld>
+            <a:endParaRPr lang="en-US" sz="1200" b="0" i="0" u="none" strike="noStrike" cap="none">
+              <a:solidFill>
+                <a:schemeClr val="dk1"/>
+              </a:solidFill>
+              <a:latin typeface="Calibri"/>
+              <a:ea typeface="Calibri"/>
+              <a:cs typeface="Calibri"/>
+              <a:sym typeface="Calibri"/>
+            </a:endParaRPr>
+          </a:p>
+        </p:txBody>
+      </p:sp>
+    </p:spTree>
+    <p:extLst>
+      <p:ext uri="{BB962C8B-B14F-4D97-AF65-F5344CB8AC3E}">
+        <p14:creationId xmlns:p14="http://schemas.microsoft.com/office/powerpoint/2010/main" val="4176996272"/>
+      </p:ext>
+    </p:extLst>
+  </p:cSld>
+  <p:clrMapOvr>
+    <a:masterClrMapping/>
+  </p:clrMapOvr>
+</p:notes>
+</file>
+
+<file path=ppt/notesSlides/notesSlide8.xml><?xml version="1.0" encoding="utf-8"?>
+<p:notes xmlns:a="http://schemas.openxmlformats.org/drawingml/2006/main" xmlns:r="http://schemas.openxmlformats.org/officeDocument/2006/relationships" xmlns:p="http://schemas.openxmlformats.org/presentationml/2006/main">
+  <p:cSld>
+    <p:spTree>
+      <p:nvGrpSpPr>
+        <p:cNvPr id="1" name=""/>
+        <p:cNvGrpSpPr/>
+        <p:nvPr/>
+      </p:nvGrpSpPr>
+      <p:grpSpPr>
+        <a:xfrm>
+          <a:off x="0" y="0"/>
+          <a:ext cx="0" cy="0"/>
+          <a:chOff x="0" y="0"/>
+          <a:chExt cx="0" cy="0"/>
+        </a:xfrm>
+      </p:grpSpPr>
+      <p:sp>
+        <p:nvSpPr>
+          <p:cNvPr id="2" name="Slide Image Placeholder 1"/>
+          <p:cNvSpPr>
+            <a:spLocks noGrp="1" noRot="1" noChangeAspect="1"/>
+          </p:cNvSpPr>
+          <p:nvPr>
+            <p:ph type="sldImg"/>
+          </p:nvPr>
+        </p:nvSpPr>
+        <p:spPr/>
+      </p:sp>
+      <p:sp>
+        <p:nvSpPr>
+          <p:cNvPr id="3" name="Notes Placeholder 2"/>
+          <p:cNvSpPr>
+            <a:spLocks noGrp="1"/>
+          </p:cNvSpPr>
+          <p:nvPr>
+            <p:ph type="body" idx="1"/>
+          </p:nvPr>
+        </p:nvSpPr>
+        <p:spPr/>
+        <p:txBody>
+          <a:bodyPr/>
+          <a:lstStyle/>
+          <a:p>
+            <a:r>
+              <a:rPr lang="en-US" dirty="0"/>
+              <a:t>Josiah</a:t>
+            </a:r>
+          </a:p>
+        </p:txBody>
+      </p:sp>
+      <p:sp>
+        <p:nvSpPr>
+          <p:cNvPr id="4" name="Slide Number Placeholder 3"/>
+          <p:cNvSpPr>
+            <a:spLocks noGrp="1"/>
+          </p:cNvSpPr>
+          <p:nvPr>
+            <p:ph type="sldNum" idx="12"/>
+          </p:nvPr>
+        </p:nvSpPr>
+        <p:spPr/>
+        <p:txBody>
+          <a:bodyPr/>
+          <a:lstStyle/>
+          <a:p>
+            <a:pPr marL="0" marR="0" lvl="0" indent="0" algn="r" rtl="0">
+              <a:spcBef>
+                <a:spcPts val="0"/>
+              </a:spcBef>
+              <a:spcAft>
+                <a:spcPts val="0"/>
+              </a:spcAft>
+              <a:buNone/>
+            </a:pPr>
+            <a:fld id="{00000000-1234-1234-1234-123412341234}" type="slidenum">
+              <a:rPr lang="en-US" sz="1200" b="0" i="0" u="none" strike="noStrike" cap="none" smtClean="0">
+                <a:solidFill>
+                  <a:schemeClr val="dk1"/>
+                </a:solidFill>
+                <a:latin typeface="Calibri"/>
+                <a:ea typeface="Calibri"/>
+                <a:cs typeface="Calibri"/>
+                <a:sym typeface="Calibri"/>
+              </a:rPr>
+              <a:t>7</a:t>
+            </a:fld>
+            <a:endParaRPr lang="en-US" sz="1200" b="0" i="0" u="none" strike="noStrike" cap="none">
+              <a:solidFill>
+                <a:schemeClr val="dk1"/>
+              </a:solidFill>
+              <a:latin typeface="Calibri"/>
+              <a:ea typeface="Calibri"/>
+              <a:cs typeface="Calibri"/>
+              <a:sym typeface="Calibri"/>
+            </a:endParaRPr>
+          </a:p>
+        </p:txBody>
+      </p:sp>
+    </p:spTree>
+    <p:extLst>
+      <p:ext uri="{BB962C8B-B14F-4D97-AF65-F5344CB8AC3E}">
+        <p14:creationId xmlns:p14="http://schemas.microsoft.com/office/powerpoint/2010/main" val="3997858535"/>
+      </p:ext>
+    </p:extLst>
+  </p:cSld>
+  <p:clrMapOvr>
+    <a:masterClrMapping/>
+  </p:clrMapOvr>
+</p:notes>
+</file>
+
+<file path=ppt/notesSlides/notesSlide9.xml><?xml version="1.0" encoding="utf-8"?>
+<p:notes xmlns:a="http://schemas.openxmlformats.org/drawingml/2006/main" xmlns:r="http://schemas.openxmlformats.org/officeDocument/2006/relationships" xmlns:p="http://schemas.openxmlformats.org/presentationml/2006/main">
+  <p:cSld>
+    <p:spTree>
+      <p:nvGrpSpPr>
+        <p:cNvPr id="1" name=""/>
+        <p:cNvGrpSpPr/>
+        <p:nvPr/>
+      </p:nvGrpSpPr>
+      <p:grpSpPr>
+        <a:xfrm>
+          <a:off x="0" y="0"/>
+          <a:ext cx="0" cy="0"/>
+          <a:chOff x="0" y="0"/>
+          <a:chExt cx="0" cy="0"/>
+        </a:xfrm>
+      </p:grpSpPr>
+      <p:sp>
+        <p:nvSpPr>
+          <p:cNvPr id="2" name="Slide Image Placeholder 1"/>
+          <p:cNvSpPr>
+            <a:spLocks noGrp="1" noRot="1" noChangeAspect="1"/>
+          </p:cNvSpPr>
+          <p:nvPr>
+            <p:ph type="sldImg"/>
+          </p:nvPr>
+        </p:nvSpPr>
+        <p:spPr/>
+      </p:sp>
+      <p:sp>
+        <p:nvSpPr>
+          <p:cNvPr id="3" name="Notes Placeholder 2"/>
+          <p:cNvSpPr>
+            <a:spLocks noGrp="1"/>
+          </p:cNvSpPr>
+          <p:nvPr>
+            <p:ph type="body" idx="1"/>
+          </p:nvPr>
+        </p:nvSpPr>
+        <p:spPr/>
+        <p:txBody>
+          <a:bodyPr/>
+          <a:lstStyle/>
+          <a:p>
+            <a:r>
+              <a:rPr lang="en-US" dirty="0"/>
+              <a:t>Yasin</a:t>
+            </a:r>
+          </a:p>
+        </p:txBody>
+      </p:sp>
+      <p:sp>
+        <p:nvSpPr>
+          <p:cNvPr id="4" name="Slide Number Placeholder 3"/>
+          <p:cNvSpPr>
+            <a:spLocks noGrp="1"/>
+          </p:cNvSpPr>
+          <p:nvPr>
+            <p:ph type="sldNum" idx="12"/>
+          </p:nvPr>
+        </p:nvSpPr>
+        <p:spPr/>
+        <p:txBody>
+          <a:bodyPr/>
+          <a:lstStyle/>
+          <a:p>
+            <a:pPr marL="0" marR="0" lvl="0" indent="0" algn="r" rtl="0">
+              <a:spcBef>
+                <a:spcPts val="0"/>
+              </a:spcBef>
+              <a:spcAft>
+                <a:spcPts val="0"/>
+              </a:spcAft>
+              <a:buNone/>
+            </a:pPr>
+            <a:fld id="{00000000-1234-1234-1234-123412341234}" type="slidenum">
+              <a:rPr lang="en-US" sz="1200" b="0" i="0" u="none" strike="noStrike" cap="none" smtClean="0">
+                <a:solidFill>
+                  <a:schemeClr val="dk1"/>
+                </a:solidFill>
+                <a:latin typeface="Calibri"/>
+                <a:ea typeface="Calibri"/>
+                <a:cs typeface="Calibri"/>
+                <a:sym typeface="Calibri"/>
+              </a:rPr>
+              <a:t>8</a:t>
+            </a:fld>
+            <a:endParaRPr lang="en-US" sz="1200" b="0" i="0" u="none" strike="noStrike" cap="none">
+              <a:solidFill>
+                <a:schemeClr val="dk1"/>
+              </a:solidFill>
+              <a:latin typeface="Calibri"/>
+              <a:ea typeface="Calibri"/>
+              <a:cs typeface="Calibri"/>
+              <a:sym typeface="Calibri"/>
+            </a:endParaRPr>
+          </a:p>
+        </p:txBody>
+      </p:sp>
+    </p:spTree>
+    <p:extLst>
+      <p:ext uri="{BB962C8B-B14F-4D97-AF65-F5344CB8AC3E}">
+        <p14:creationId xmlns:p14="http://schemas.microsoft.com/office/powerpoint/2010/main" val="17679452"/>
+      </p:ext>
+    </p:extLst>
   </p:cSld>
   <p:clrMapOvr>
     <a:masterClrMapping/>
@@ -27880,369 +29041,6 @@
           <p:cNvPr id="2" name="Title 1">
             <a:extLst>
               <a:ext uri="{FF2B5EF4-FFF2-40B4-BE49-F238E27FC236}">
-                <a16:creationId xmlns:a16="http://schemas.microsoft.com/office/drawing/2014/main" id="{FBB9F9F5-9908-3A9D-1B55-10E5E652BE1D}"/>
-              </a:ext>
-            </a:extLst>
-          </p:cNvPr>
-          <p:cNvSpPr>
-            <a:spLocks noGrp="1"/>
-          </p:cNvSpPr>
-          <p:nvPr>
-            <p:ph type="title"/>
-          </p:nvPr>
-        </p:nvSpPr>
-        <p:spPr/>
-        <p:txBody>
-          <a:bodyPr/>
-          <a:lstStyle/>
-          <a:p>
-            <a:r>
-              <a:rPr lang="en-US" dirty="0"/>
-              <a:t>Implemented Features</a:t>
-            </a:r>
-          </a:p>
-        </p:txBody>
-      </p:sp>
-      <p:sp>
-        <p:nvSpPr>
-          <p:cNvPr id="3" name="Text Placeholder 2">
-            <a:extLst>
-              <a:ext uri="{FF2B5EF4-FFF2-40B4-BE49-F238E27FC236}">
-                <a16:creationId xmlns:a16="http://schemas.microsoft.com/office/drawing/2014/main" id="{61FCE26D-7AAC-336C-370C-4A259EB21804}"/>
-              </a:ext>
-            </a:extLst>
-          </p:cNvPr>
-          <p:cNvSpPr>
-            <a:spLocks noGrp="1"/>
-          </p:cNvSpPr>
-          <p:nvPr>
-            <p:ph type="body" idx="1"/>
-          </p:nvPr>
-        </p:nvSpPr>
-        <p:spPr/>
-        <p:txBody>
-          <a:bodyPr/>
-          <a:lstStyle/>
-          <a:p>
-            <a:endParaRPr lang="en-US"/>
-          </a:p>
-        </p:txBody>
-      </p:sp>
-      <p:sp>
-        <p:nvSpPr>
-          <p:cNvPr id="4" name="Slide Number Placeholder 3">
-            <a:extLst>
-              <a:ext uri="{FF2B5EF4-FFF2-40B4-BE49-F238E27FC236}">
-                <a16:creationId xmlns:a16="http://schemas.microsoft.com/office/drawing/2014/main" id="{D6EB6420-0C49-20FC-C196-14504FC9B0EF}"/>
-              </a:ext>
-            </a:extLst>
-          </p:cNvPr>
-          <p:cNvSpPr>
-            <a:spLocks noGrp="1"/>
-          </p:cNvSpPr>
-          <p:nvPr>
-            <p:ph type="sldNum" idx="12"/>
-          </p:nvPr>
-        </p:nvSpPr>
-        <p:spPr/>
-        <p:txBody>
-          <a:bodyPr/>
-          <a:lstStyle/>
-          <a:p>
-            <a:pPr marL="0" lvl="0" indent="0" algn="r" rtl="0">
-              <a:spcBef>
-                <a:spcPts val="0"/>
-              </a:spcBef>
-              <a:spcAft>
-                <a:spcPts val="0"/>
-              </a:spcAft>
-              <a:buNone/>
-            </a:pPr>
-            <a:fld id="{00000000-1234-1234-1234-123412341234}" type="slidenum">
-              <a:rPr lang="en-US" smtClean="0"/>
-              <a:t>9</a:t>
-            </a:fld>
-            <a:endParaRPr lang="en-US"/>
-          </a:p>
-        </p:txBody>
-      </p:sp>
-    </p:spTree>
-    <p:extLst>
-      <p:ext uri="{BB962C8B-B14F-4D97-AF65-F5344CB8AC3E}">
-        <p14:creationId xmlns:p14="http://schemas.microsoft.com/office/powerpoint/2010/main" val="2854186743"/>
-      </p:ext>
-    </p:extLst>
-  </p:cSld>
-  <p:clrMapOvr>
-    <a:masterClrMapping/>
-  </p:clrMapOvr>
-</p:sld>
-</file>
-
-<file path=ppt/slides/slide11.xml><?xml version="1.0" encoding="utf-8"?>
-<p:sld xmlns:a="http://schemas.openxmlformats.org/drawingml/2006/main" xmlns:r="http://schemas.openxmlformats.org/officeDocument/2006/relationships" xmlns:p="http://schemas.openxmlformats.org/presentationml/2006/main">
-  <p:cSld>
-    <p:spTree>
-      <p:nvGrpSpPr>
-        <p:cNvPr id="1" name=""/>
-        <p:cNvGrpSpPr/>
-        <p:nvPr/>
-      </p:nvGrpSpPr>
-      <p:grpSpPr>
-        <a:xfrm>
-          <a:off x="0" y="0"/>
-          <a:ext cx="0" cy="0"/>
-          <a:chOff x="0" y="0"/>
-          <a:chExt cx="0" cy="0"/>
-        </a:xfrm>
-      </p:grpSpPr>
-      <p:sp>
-        <p:nvSpPr>
-          <p:cNvPr id="2" name="Title 1">
-            <a:extLst>
-              <a:ext uri="{FF2B5EF4-FFF2-40B4-BE49-F238E27FC236}">
-                <a16:creationId xmlns:a16="http://schemas.microsoft.com/office/drawing/2014/main" id="{A0374644-0D97-2E4A-F68C-4219ED0E61ED}"/>
-              </a:ext>
-            </a:extLst>
-          </p:cNvPr>
-          <p:cNvSpPr>
-            <a:spLocks noGrp="1"/>
-          </p:cNvSpPr>
-          <p:nvPr>
-            <p:ph type="title"/>
-          </p:nvPr>
-        </p:nvSpPr>
-        <p:spPr/>
-        <p:txBody>
-          <a:bodyPr/>
-          <a:lstStyle/>
-          <a:p>
-            <a:r>
-              <a:rPr lang="en-US" dirty="0"/>
-              <a:t>Issues and Defects</a:t>
-            </a:r>
-          </a:p>
-        </p:txBody>
-      </p:sp>
-      <p:sp>
-        <p:nvSpPr>
-          <p:cNvPr id="3" name="Text Placeholder 2">
-            <a:extLst>
-              <a:ext uri="{FF2B5EF4-FFF2-40B4-BE49-F238E27FC236}">
-                <a16:creationId xmlns:a16="http://schemas.microsoft.com/office/drawing/2014/main" id="{2271EFBC-914E-3FEF-55B1-055FBB4D5342}"/>
-              </a:ext>
-            </a:extLst>
-          </p:cNvPr>
-          <p:cNvSpPr>
-            <a:spLocks noGrp="1"/>
-          </p:cNvSpPr>
-          <p:nvPr>
-            <p:ph type="body" idx="1"/>
-          </p:nvPr>
-        </p:nvSpPr>
-        <p:spPr/>
-        <p:txBody>
-          <a:bodyPr/>
-          <a:lstStyle/>
-          <a:p>
-            <a:endParaRPr lang="en-US" dirty="0"/>
-          </a:p>
-        </p:txBody>
-      </p:sp>
-      <p:sp>
-        <p:nvSpPr>
-          <p:cNvPr id="4" name="Slide Number Placeholder 3">
-            <a:extLst>
-              <a:ext uri="{FF2B5EF4-FFF2-40B4-BE49-F238E27FC236}">
-                <a16:creationId xmlns:a16="http://schemas.microsoft.com/office/drawing/2014/main" id="{C206E1DD-971E-9533-F37C-BE091DC610F7}"/>
-              </a:ext>
-            </a:extLst>
-          </p:cNvPr>
-          <p:cNvSpPr>
-            <a:spLocks noGrp="1"/>
-          </p:cNvSpPr>
-          <p:nvPr>
-            <p:ph type="sldNum" idx="12"/>
-          </p:nvPr>
-        </p:nvSpPr>
-        <p:spPr/>
-        <p:txBody>
-          <a:bodyPr/>
-          <a:lstStyle/>
-          <a:p>
-            <a:pPr marL="0" lvl="0" indent="0" algn="r" rtl="0">
-              <a:spcBef>
-                <a:spcPts val="0"/>
-              </a:spcBef>
-              <a:spcAft>
-                <a:spcPts val="0"/>
-              </a:spcAft>
-              <a:buNone/>
-            </a:pPr>
-            <a:fld id="{00000000-1234-1234-1234-123412341234}" type="slidenum">
-              <a:rPr lang="en-US" smtClean="0"/>
-              <a:t>10</a:t>
-            </a:fld>
-            <a:endParaRPr lang="en-US"/>
-          </a:p>
-        </p:txBody>
-      </p:sp>
-    </p:spTree>
-    <p:extLst>
-      <p:ext uri="{BB962C8B-B14F-4D97-AF65-F5344CB8AC3E}">
-        <p14:creationId xmlns:p14="http://schemas.microsoft.com/office/powerpoint/2010/main" val="4083052351"/>
-      </p:ext>
-    </p:extLst>
-  </p:cSld>
-  <p:clrMapOvr>
-    <a:masterClrMapping/>
-  </p:clrMapOvr>
-</p:sld>
-</file>
-
-<file path=ppt/slides/slide12.xml><?xml version="1.0" encoding="utf-8"?>
-<p:sld xmlns:a="http://schemas.openxmlformats.org/drawingml/2006/main" xmlns:r="http://schemas.openxmlformats.org/officeDocument/2006/relationships" xmlns:p="http://schemas.openxmlformats.org/presentationml/2006/main">
-  <p:cSld>
-    <p:spTree>
-      <p:nvGrpSpPr>
-        <p:cNvPr id="1" name=""/>
-        <p:cNvGrpSpPr/>
-        <p:nvPr/>
-      </p:nvGrpSpPr>
-      <p:grpSpPr>
-        <a:xfrm>
-          <a:off x="0" y="0"/>
-          <a:ext cx="0" cy="0"/>
-          <a:chOff x="0" y="0"/>
-          <a:chExt cx="0" cy="0"/>
-        </a:xfrm>
-      </p:grpSpPr>
-      <p:sp>
-        <p:nvSpPr>
-          <p:cNvPr id="2" name="Title 1">
-            <a:extLst>
-              <a:ext uri="{FF2B5EF4-FFF2-40B4-BE49-F238E27FC236}">
-                <a16:creationId xmlns:a16="http://schemas.microsoft.com/office/drawing/2014/main" id="{930BC800-2052-869D-A945-F3258C49AA8B}"/>
-              </a:ext>
-            </a:extLst>
-          </p:cNvPr>
-          <p:cNvSpPr>
-            <a:spLocks noGrp="1"/>
-          </p:cNvSpPr>
-          <p:nvPr>
-            <p:ph type="title"/>
-          </p:nvPr>
-        </p:nvSpPr>
-        <p:spPr/>
-        <p:txBody>
-          <a:bodyPr/>
-          <a:lstStyle/>
-          <a:p>
-            <a:r>
-              <a:rPr lang="en-US" dirty="0"/>
-              <a:t>Challenges Faced</a:t>
-            </a:r>
-          </a:p>
-        </p:txBody>
-      </p:sp>
-      <p:sp>
-        <p:nvSpPr>
-          <p:cNvPr id="3" name="Text Placeholder 2">
-            <a:extLst>
-              <a:ext uri="{FF2B5EF4-FFF2-40B4-BE49-F238E27FC236}">
-                <a16:creationId xmlns:a16="http://schemas.microsoft.com/office/drawing/2014/main" id="{6A05C9A5-A25E-E2D7-EF9C-7C85C76E6B51}"/>
-              </a:ext>
-            </a:extLst>
-          </p:cNvPr>
-          <p:cNvSpPr>
-            <a:spLocks noGrp="1"/>
-          </p:cNvSpPr>
-          <p:nvPr>
-            <p:ph type="body" idx="1"/>
-          </p:nvPr>
-        </p:nvSpPr>
-        <p:spPr/>
-        <p:txBody>
-          <a:bodyPr/>
-          <a:lstStyle/>
-          <a:p>
-            <a:endParaRPr lang="en-US"/>
-          </a:p>
-        </p:txBody>
-      </p:sp>
-      <p:sp>
-        <p:nvSpPr>
-          <p:cNvPr id="4" name="Slide Number Placeholder 3">
-            <a:extLst>
-              <a:ext uri="{FF2B5EF4-FFF2-40B4-BE49-F238E27FC236}">
-                <a16:creationId xmlns:a16="http://schemas.microsoft.com/office/drawing/2014/main" id="{EE90E056-2464-1076-AEED-CB4ED1FC98BD}"/>
-              </a:ext>
-            </a:extLst>
-          </p:cNvPr>
-          <p:cNvSpPr>
-            <a:spLocks noGrp="1"/>
-          </p:cNvSpPr>
-          <p:nvPr>
-            <p:ph type="sldNum" idx="12"/>
-          </p:nvPr>
-        </p:nvSpPr>
-        <p:spPr/>
-        <p:txBody>
-          <a:bodyPr/>
-          <a:lstStyle/>
-          <a:p>
-            <a:pPr marL="0" lvl="0" indent="0" algn="r" rtl="0">
-              <a:spcBef>
-                <a:spcPts val="0"/>
-              </a:spcBef>
-              <a:spcAft>
-                <a:spcPts val="0"/>
-              </a:spcAft>
-              <a:buNone/>
-            </a:pPr>
-            <a:fld id="{00000000-1234-1234-1234-123412341234}" type="slidenum">
-              <a:rPr lang="en-US" smtClean="0"/>
-              <a:t>11</a:t>
-            </a:fld>
-            <a:endParaRPr lang="en-US"/>
-          </a:p>
-        </p:txBody>
-      </p:sp>
-    </p:spTree>
-    <p:extLst>
-      <p:ext uri="{BB962C8B-B14F-4D97-AF65-F5344CB8AC3E}">
-        <p14:creationId xmlns:p14="http://schemas.microsoft.com/office/powerpoint/2010/main" val="1832876262"/>
-      </p:ext>
-    </p:extLst>
-  </p:cSld>
-  <p:clrMapOvr>
-    <a:masterClrMapping/>
-  </p:clrMapOvr>
-</p:sld>
-</file>
-
-<file path=ppt/slides/slide13.xml><?xml version="1.0" encoding="utf-8"?>
-<p:sld xmlns:a="http://schemas.openxmlformats.org/drawingml/2006/main" xmlns:r="http://schemas.openxmlformats.org/officeDocument/2006/relationships" xmlns:p="http://schemas.openxmlformats.org/presentationml/2006/main">
-  <p:cSld>
-    <p:spTree>
-      <p:nvGrpSpPr>
-        <p:cNvPr id="1" name=""/>
-        <p:cNvGrpSpPr/>
-        <p:nvPr/>
-      </p:nvGrpSpPr>
-      <p:grpSpPr>
-        <a:xfrm>
-          <a:off x="0" y="0"/>
-          <a:ext cx="0" cy="0"/>
-          <a:chOff x="0" y="0"/>
-          <a:chExt cx="0" cy="0"/>
-        </a:xfrm>
-      </p:grpSpPr>
-      <p:sp>
-        <p:nvSpPr>
-          <p:cNvPr id="2" name="Title 1">
-            <a:extLst>
-              <a:ext uri="{FF2B5EF4-FFF2-40B4-BE49-F238E27FC236}">
                 <a16:creationId xmlns:a16="http://schemas.microsoft.com/office/drawing/2014/main" id="{90277C91-6E44-56DC-A145-934559C2B70F}"/>
               </a:ext>
             </a:extLst>
@@ -28323,7 +29121,7 @@
             </a:pPr>
             <a:fld id="{00000000-1234-1234-1234-123412341234}" type="slidenum">
               <a:rPr lang="en-US" smtClean="0"/>
-              <a:t>12</a:t>
+              <a:t>9</a:t>
             </a:fld>
             <a:endParaRPr lang="en-US"/>
           </a:p>
@@ -28438,7 +29236,7 @@
         <p:spPr>
           <a:xfrm>
             <a:off x="380010" y="1481446"/>
-            <a:ext cx="8383980" cy="2802687"/>
+            <a:ext cx="8383980" cy="3881862"/>
           </a:xfrm>
           <a:prstGeom prst="rect">
             <a:avLst/>
@@ -28461,17 +29259,28 @@
             </a:pPr>
             <a:r>
               <a:rPr lang="en-US" dirty="0"/>
+              <a:t>Frontend</a:t>
+            </a:r>
+          </a:p>
+          <a:p>
+            <a:pPr marL="1092200" lvl="1" indent="-457200">
+              <a:spcBef>
+                <a:spcPts val="0"/>
+              </a:spcBef>
+            </a:pPr>
+            <a:r>
+              <a:rPr lang="en-US" dirty="0"/>
               <a:t>HTML</a:t>
             </a:r>
           </a:p>
           <a:p>
-            <a:pPr marL="635000" indent="-457200">
+            <a:pPr marL="1092200" lvl="1" indent="-457200">
               <a:spcBef>
                 <a:spcPts val="0"/>
               </a:spcBef>
             </a:pPr>
             <a:r>
-              <a:rPr lang="en-US" sz="2800" b="0" i="0" u="none" strike="noStrike" cap="none" dirty="0">
+              <a:rPr lang="en-US" b="0" i="0" u="none" strike="noStrike" cap="none" dirty="0">
                 <a:solidFill>
                   <a:schemeClr val="dk2"/>
                 </a:solidFill>
@@ -28485,13 +29294,13 @@
             <a:endParaRPr lang="en-US" dirty="0"/>
           </a:p>
           <a:p>
-            <a:pPr marL="635000" indent="-457200">
+            <a:pPr marL="1092200" lvl="1" indent="-457200">
               <a:spcBef>
                 <a:spcPts val="0"/>
               </a:spcBef>
             </a:pPr>
             <a:r>
-              <a:rPr lang="en-US" sz="2800" b="0" i="0" u="none" strike="noStrike" cap="none" dirty="0">
+              <a:rPr lang="en-US" b="0" i="0" u="none" strike="noStrike" cap="none" dirty="0">
                 <a:solidFill>
                   <a:schemeClr val="dk2"/>
                 </a:solidFill>
@@ -28504,24 +29313,44 @@
             </a:r>
           </a:p>
           <a:p>
-            <a:pPr marL="635000" indent="-457200">
+            <a:pPr marL="1092200" lvl="1" indent="-457200">
               <a:spcBef>
                 <a:spcPts val="0"/>
               </a:spcBef>
             </a:pPr>
             <a:r>
               <a:rPr lang="en-US" dirty="0"/>
-              <a:t>TSX</a:t>
+              <a:t>TypeScript</a:t>
             </a:r>
           </a:p>
           <a:p>
-            <a:pPr marL="635000" indent="-457200">
+            <a:pPr marL="1092200" lvl="1" indent="-457200">
               <a:spcBef>
                 <a:spcPts val="0"/>
               </a:spcBef>
             </a:pPr>
             <a:r>
-              <a:rPr lang="en-US" sz="2800" b="0" i="0" u="none" strike="noStrike" cap="none" dirty="0">
+              <a:rPr lang="en-US" dirty="0"/>
+              <a:t>Redux</a:t>
+            </a:r>
+            <a:endParaRPr lang="en-US" b="0" i="0" u="none" strike="noStrike" cap="none" dirty="0">
+              <a:solidFill>
+                <a:schemeClr val="dk2"/>
+              </a:solidFill>
+              <a:latin typeface="Arial"/>
+              <a:ea typeface="Arial"/>
+              <a:cs typeface="Arial"/>
+              <a:sym typeface="Arial"/>
+            </a:endParaRPr>
+          </a:p>
+          <a:p>
+            <a:pPr marL="1092200" lvl="1" indent="-457200">
+              <a:spcBef>
+                <a:spcPts val="0"/>
+              </a:spcBef>
+            </a:pPr>
+            <a:r>
+              <a:rPr lang="en-US" b="0" i="0" u="none" strike="noStrike" cap="none" dirty="0" err="1">
                 <a:solidFill>
                   <a:schemeClr val="dk2"/>
                 </a:solidFill>
@@ -28530,19 +29359,43 @@
                 <a:cs typeface="Arial"/>
                 <a:sym typeface="Arial"/>
               </a:rPr>
-              <a:t>Java</a:t>
+              <a:t>Axios</a:t>
+            </a:r>
+            <a:endParaRPr lang="en-US" b="0" i="0" u="none" strike="noStrike" cap="none" dirty="0">
+              <a:solidFill>
+                <a:schemeClr val="dk2"/>
+              </a:solidFill>
+              <a:latin typeface="Arial"/>
+              <a:ea typeface="Arial"/>
+              <a:cs typeface="Arial"/>
+              <a:sym typeface="Arial"/>
+            </a:endParaRPr>
+          </a:p>
+          <a:p>
+            <a:pPr marL="1092200" lvl="1" indent="-457200">
+              <a:spcBef>
+                <a:spcPts val="0"/>
+              </a:spcBef>
+            </a:pPr>
+            <a:r>
+              <a:rPr lang="en-US" sz="2400" b="0" i="0" u="none" strike="noStrike" cap="none" dirty="0">
+                <a:solidFill>
+                  <a:schemeClr val="dk2"/>
+                </a:solidFill>
+                <a:latin typeface="Arial"/>
+                <a:ea typeface="Arial"/>
+                <a:cs typeface="Arial"/>
+                <a:sym typeface="Arial"/>
+              </a:rPr>
+              <a:t>JavaScript</a:t>
             </a:r>
           </a:p>
           <a:p>
-            <a:pPr marL="635000" indent="-457200">
+            <a:pPr marL="1092200" lvl="1" indent="-457200">
               <a:spcBef>
                 <a:spcPts val="0"/>
               </a:spcBef>
             </a:pPr>
-            <a:r>
-              <a:rPr lang="en-US" dirty="0" err="1"/>
-              <a:t>PostgrSQL</a:t>
-            </a:r>
             <a:endParaRPr lang="en-US" dirty="0"/>
           </a:p>
           <a:p>
@@ -28551,37 +29404,6 @@
                 <a:spcPts val="0"/>
               </a:spcBef>
             </a:pPr>
-            <a:r>
-              <a:rPr lang="en-US" sz="2800" b="0" i="0" u="none" strike="noStrike" cap="none" dirty="0">
-                <a:solidFill>
-                  <a:schemeClr val="dk2"/>
-                </a:solidFill>
-                <a:latin typeface="Arial"/>
-                <a:ea typeface="Arial"/>
-                <a:cs typeface="Arial"/>
-                <a:sym typeface="Arial"/>
-              </a:rPr>
-              <a:t>Redux</a:t>
-            </a:r>
-          </a:p>
-          <a:p>
-            <a:pPr marL="635000" indent="-457200">
-              <a:spcBef>
-                <a:spcPts val="0"/>
-              </a:spcBef>
-            </a:pPr>
-            <a:r>
-              <a:rPr lang="en-US" sz="2800" b="0" i="0" u="none" strike="noStrike" cap="none" dirty="0" err="1">
-                <a:solidFill>
-                  <a:schemeClr val="dk2"/>
-                </a:solidFill>
-                <a:latin typeface="Arial"/>
-                <a:ea typeface="Arial"/>
-                <a:cs typeface="Arial"/>
-                <a:sym typeface="Arial"/>
-              </a:rPr>
-              <a:t>Axios</a:t>
-            </a:r>
             <a:endParaRPr lang="en-US" sz="2800" b="0" i="0" u="none" strike="noStrike" cap="none" dirty="0">
               <a:solidFill>
                 <a:schemeClr val="dk2"/>
@@ -28600,17 +29422,58 @@
             </a:pPr>
             <a:r>
               <a:rPr lang="en-US" dirty="0"/>
+              <a:t>Backend</a:t>
+            </a:r>
+          </a:p>
+          <a:p>
+            <a:pPr marL="1092200" lvl="1" indent="-457200">
+              <a:spcBef>
+                <a:spcPts val="0"/>
+              </a:spcBef>
+            </a:pPr>
+            <a:r>
+              <a:rPr lang="en-US" b="0" i="0" u="none" strike="noStrike" cap="none" dirty="0">
+                <a:solidFill>
+                  <a:schemeClr val="dk2"/>
+                </a:solidFill>
+                <a:latin typeface="Arial"/>
+                <a:ea typeface="Arial"/>
+                <a:cs typeface="Arial"/>
+                <a:sym typeface="Arial"/>
+              </a:rPr>
+              <a:t>Java</a:t>
+            </a:r>
+          </a:p>
+          <a:p>
+            <a:pPr marL="1092200" lvl="1" indent="-457200">
+              <a:spcBef>
+                <a:spcPts val="0"/>
+              </a:spcBef>
+            </a:pPr>
+            <a:r>
+              <a:rPr lang="en-US" dirty="0"/>
+              <a:t>PostgreSQL</a:t>
+            </a:r>
+          </a:p>
+          <a:p>
+            <a:pPr marL="1092200" lvl="1" indent="-457200">
+              <a:spcBef>
+                <a:spcPts val="0"/>
+              </a:spcBef>
+            </a:pPr>
+            <a:r>
+              <a:rPr lang="en-US" dirty="0"/>
               <a:t>Maven</a:t>
             </a:r>
           </a:p>
           <a:p>
-            <a:pPr marL="635000" indent="-457200">
+            <a:pPr marL="1092200" lvl="1" indent="-457200">
               <a:spcBef>
                 <a:spcPts val="0"/>
               </a:spcBef>
             </a:pPr>
             <a:r>
-              <a:rPr lang="en-US" sz="2800" b="0" i="0" u="none" strike="noStrike" cap="none" dirty="0" err="1">
+              <a:rPr lang="en-US" b="0" i="0" u="none" strike="noStrike" cap="none" dirty="0" err="1">
                 <a:solidFill>
                   <a:schemeClr val="dk2"/>
                 </a:solidFill>
@@ -28621,7 +29484,7 @@
               </a:rPr>
               <a:t>Javalin</a:t>
             </a:r>
-            <a:endParaRPr lang="en-US" sz="2800" b="0" i="0" u="none" strike="noStrike" cap="none" dirty="0">
+            <a:endParaRPr lang="en-US" b="0" i="0" u="none" strike="noStrike" cap="none" dirty="0">
               <a:solidFill>
                 <a:schemeClr val="dk2"/>
               </a:solidFill>
@@ -28632,31 +29495,55 @@
             </a:endParaRPr>
           </a:p>
           <a:p>
-            <a:pPr marL="635000" indent="-457200">
+            <a:pPr marL="1092200" lvl="1" indent="-457200">
               <a:spcBef>
                 <a:spcPts val="0"/>
               </a:spcBef>
             </a:pPr>
             <a:r>
               <a:rPr lang="en-US" dirty="0" err="1"/>
-              <a:t>DBeaver</a:t>
+              <a:t>Dbeaver</a:t>
             </a:r>
-            <a:endParaRPr lang="en-US" sz="2800" b="0" i="0" u="none" strike="noStrike" cap="none" dirty="0">
-              <a:solidFill>
-                <a:schemeClr val="dk2"/>
-              </a:solidFill>
-              <a:latin typeface="Arial"/>
-              <a:ea typeface="Arial"/>
-              <a:cs typeface="Arial"/>
-              <a:sym typeface="Arial"/>
-            </a:endParaRPr>
+            <a:endParaRPr lang="en-US" dirty="0"/>
           </a:p>
           <a:p>
-            <a:pPr marL="635000" indent="-457200">
+            <a:pPr marL="1092200" lvl="1" indent="-457200">
               <a:spcBef>
                 <a:spcPts val="0"/>
               </a:spcBef>
             </a:pPr>
+            <a:r>
+              <a:rPr lang="en-US" b="0" i="0" u="none" strike="noStrike" cap="none" dirty="0">
+                <a:solidFill>
+                  <a:schemeClr val="dk2"/>
+                </a:solidFill>
+                <a:latin typeface="Arial"/>
+                <a:ea typeface="Arial"/>
+                <a:cs typeface="Arial"/>
+                <a:sym typeface="Arial"/>
+              </a:rPr>
+              <a:t>JDBC</a:t>
+            </a:r>
+          </a:p>
+          <a:p>
+            <a:pPr marL="177800" indent="0">
+              <a:spcBef>
+                <a:spcPts val="0"/>
+              </a:spcBef>
+              <a:buNone/>
+            </a:pPr>
+            <a:r>
+              <a:rPr lang="en-US" sz="2800" b="0" i="0" u="none" strike="noStrike" cap="none" dirty="0">
+                <a:solidFill>
+                  <a:schemeClr val="dk2"/>
+                </a:solidFill>
+                <a:latin typeface="Arial"/>
+                <a:ea typeface="Arial"/>
+                <a:cs typeface="Arial"/>
+                <a:sym typeface="Arial"/>
+              </a:rPr>
+              <a:t>	</a:t>
+            </a:r>
             <a:endParaRPr sz="2800" b="0" i="0" u="none" strike="noStrike" cap="none" dirty="0">
               <a:solidFill>
                 <a:schemeClr val="dk2"/>
@@ -28801,7 +29688,12 @@
             <p:ph type="body" idx="1"/>
           </p:nvPr>
         </p:nvSpPr>
-        <p:spPr/>
+        <p:spPr>
+          <a:xfrm>
+            <a:off x="380010" y="1542992"/>
+            <a:ext cx="8383980" cy="4525963"/>
+          </a:xfrm>
+        </p:spPr>
         <p:txBody>
           <a:bodyPr/>
           <a:lstStyle/>
@@ -28851,6 +29743,36 @@
           </a:p>
         </p:txBody>
       </p:sp>
+      <p:pic>
+        <p:nvPicPr>
+          <p:cNvPr id="8" name="Picture 7">
+            <a:extLst>
+              <a:ext uri="{FF2B5EF4-FFF2-40B4-BE49-F238E27FC236}">
+                <a16:creationId xmlns:a16="http://schemas.microsoft.com/office/drawing/2014/main" id="{1573FF5E-6F36-90CA-5B6F-AB0477BB5E1E}"/>
+              </a:ext>
+            </a:extLst>
+          </p:cNvPr>
+          <p:cNvPicPr>
+            <a:picLocks noChangeAspect="1"/>
+          </p:cNvPicPr>
+          <p:nvPr/>
+        </p:nvPicPr>
+        <p:blipFill>
+          <a:blip r:embed="rId3"/>
+          <a:stretch>
+            <a:fillRect/>
+          </a:stretch>
+        </p:blipFill>
+        <p:spPr>
+          <a:xfrm>
+            <a:off x="203049" y="1542992"/>
+            <a:ext cx="8781379" cy="4525963"/>
+          </a:xfrm>
+          <a:prstGeom prst="rect">
+            <a:avLst/>
+          </a:prstGeom>
+        </p:spPr>
+      </p:pic>
     </p:spTree>
     <p:extLst>
       <p:ext uri="{BB962C8B-B14F-4D97-AF65-F5344CB8AC3E}">
@@ -28932,20 +29854,39 @@
           <a:p>
             <a:r>
               <a:rPr lang="en-US" dirty="0"/>
-              <a:t>Frontend</a:t>
+              <a:t>David: </a:t>
+            </a:r>
+            <a:r>
+              <a:rPr lang="en-US" dirty="0" err="1"/>
+              <a:t>GitFlow</a:t>
+            </a:r>
+            <a:r>
+              <a:rPr lang="en-US" dirty="0"/>
+              <a:t>, Frontend</a:t>
             </a:r>
           </a:p>
           <a:p>
             <a:r>
               <a:rPr lang="en-US" dirty="0"/>
-              <a:t>Backend</a:t>
+              <a:t>Yasin: </a:t>
             </a:r>
+            <a:r>
+              <a:rPr lang="en-US" dirty="0" err="1"/>
+              <a:t>Fullstack</a:t>
+            </a:r>
+            <a:endParaRPr lang="en-US" dirty="0"/>
           </a:p>
           <a:p>
             <a:r>
               <a:rPr lang="en-US" dirty="0"/>
-              <a:t>Mediator</a:t>
+              <a:t>Josiah: Backend</a:t>
             </a:r>
+          </a:p>
+          <a:p>
+            <a:pPr marL="50800" indent="0">
+              <a:buNone/>
+            </a:pPr>
+            <a:endParaRPr lang="en-US" dirty="0"/>
           </a:p>
         </p:txBody>
       </p:sp>
@@ -29083,737 +30024,36 @@
           </a:p>
         </p:txBody>
       </p:sp>
-      <p:sp>
-        <p:nvSpPr>
-          <p:cNvPr id="5" name="Rectangle 4">
+      <p:pic>
+        <p:nvPicPr>
+          <p:cNvPr id="14" name="Picture 13">
             <a:extLst>
               <a:ext uri="{FF2B5EF4-FFF2-40B4-BE49-F238E27FC236}">
-                <a16:creationId xmlns:a16="http://schemas.microsoft.com/office/drawing/2014/main" id="{608C347F-6DD1-AABC-E14E-BDBBBBB425D8}"/>
+                <a16:creationId xmlns:a16="http://schemas.microsoft.com/office/drawing/2014/main" id="{D6EDDE28-446D-3BBC-4954-5E1E28D0BE66}"/>
               </a:ext>
             </a:extLst>
           </p:cNvPr>
-          <p:cNvSpPr/>
+          <p:cNvPicPr>
+            <a:picLocks noChangeAspect="1"/>
+          </p:cNvPicPr>
           <p:nvPr/>
-        </p:nvSpPr>
+        </p:nvPicPr>
+        <p:blipFill>
+          <a:blip r:embed="rId3"/>
+          <a:stretch>
+            <a:fillRect/>
+          </a:stretch>
+        </p:blipFill>
         <p:spPr>
           <a:xfrm>
-            <a:off x="3200400" y="1303867"/>
-            <a:ext cx="2243666" cy="618067"/>
+            <a:off x="0" y="2431718"/>
+            <a:ext cx="9144000" cy="2254582"/>
           </a:xfrm>
           <a:prstGeom prst="rect">
             <a:avLst/>
           </a:prstGeom>
-          <a:solidFill>
-            <a:schemeClr val="accent5">
-              <a:lumMod val="60000"/>
-              <a:lumOff val="40000"/>
-            </a:schemeClr>
-          </a:solidFill>
-          <a:ln>
-            <a:solidFill>
-              <a:schemeClr val="accent5">
-                <a:lumMod val="60000"/>
-                <a:lumOff val="40000"/>
-              </a:schemeClr>
-            </a:solidFill>
-          </a:ln>
         </p:spPr>
-        <p:style>
-          <a:lnRef idx="2">
-            <a:schemeClr val="accent1">
-              <a:shade val="50000"/>
-            </a:schemeClr>
-          </a:lnRef>
-          <a:fillRef idx="1">
-            <a:schemeClr val="accent1"/>
-          </a:fillRef>
-          <a:effectRef idx="0">
-            <a:schemeClr val="accent1"/>
-          </a:effectRef>
-          <a:fontRef idx="minor">
-            <a:schemeClr val="lt1"/>
-          </a:fontRef>
-        </p:style>
-        <p:txBody>
-          <a:bodyPr rtlCol="0" anchor="ctr"/>
-          <a:lstStyle/>
-          <a:p>
-            <a:pPr algn="ctr"/>
-            <a:r>
-              <a:rPr lang="en-US" dirty="0"/>
-              <a:t>Web Client</a:t>
-            </a:r>
-          </a:p>
-        </p:txBody>
-      </p:sp>
-      <p:sp>
-        <p:nvSpPr>
-          <p:cNvPr id="8" name="TextBox 7">
-            <a:extLst>
-              <a:ext uri="{FF2B5EF4-FFF2-40B4-BE49-F238E27FC236}">
-                <a16:creationId xmlns:a16="http://schemas.microsoft.com/office/drawing/2014/main" id="{3DAF205C-C785-957D-3C36-26F41440A341}"/>
-              </a:ext>
-            </a:extLst>
-          </p:cNvPr>
-          <p:cNvSpPr txBox="1"/>
-          <p:nvPr/>
-        </p:nvSpPr>
-        <p:spPr>
-          <a:xfrm>
-            <a:off x="4969935" y="2006601"/>
-            <a:ext cx="1682749" cy="307777"/>
-          </a:xfrm>
-          <a:prstGeom prst="rect">
-            <a:avLst/>
-          </a:prstGeom>
-          <a:noFill/>
-        </p:spPr>
-        <p:txBody>
-          <a:bodyPr wrap="square" rtlCol="0">
-            <a:spAutoFit/>
-          </a:bodyPr>
-          <a:lstStyle/>
-          <a:p>
-            <a:r>
-              <a:rPr lang="en-US" dirty="0"/>
-              <a:t>HTTP Request</a:t>
-            </a:r>
-          </a:p>
-        </p:txBody>
-      </p:sp>
-      <p:cxnSp>
-        <p:nvCxnSpPr>
-          <p:cNvPr id="12" name="Straight Connector 11">
-            <a:extLst>
-              <a:ext uri="{FF2B5EF4-FFF2-40B4-BE49-F238E27FC236}">
-                <a16:creationId xmlns:a16="http://schemas.microsoft.com/office/drawing/2014/main" id="{551209B1-E308-D2D0-6A89-859F5E692EE3}"/>
-              </a:ext>
-            </a:extLst>
-          </p:cNvPr>
-          <p:cNvCxnSpPr>
-            <a:cxnSpLocks/>
-          </p:cNvCxnSpPr>
-          <p:nvPr/>
-        </p:nvCxnSpPr>
-        <p:spPr>
-          <a:xfrm>
-            <a:off x="1219201" y="2307051"/>
-            <a:ext cx="7518400" cy="0"/>
-          </a:xfrm>
-          <a:prstGeom prst="line">
-            <a:avLst/>
-          </a:prstGeom>
-          <a:ln>
-            <a:solidFill>
-              <a:schemeClr val="accent5">
-                <a:lumMod val="60000"/>
-                <a:lumOff val="40000"/>
-              </a:schemeClr>
-            </a:solidFill>
-          </a:ln>
-        </p:spPr>
-        <p:style>
-          <a:lnRef idx="1">
-            <a:schemeClr val="accent1"/>
-          </a:lnRef>
-          <a:fillRef idx="0">
-            <a:schemeClr val="accent1"/>
-          </a:fillRef>
-          <a:effectRef idx="0">
-            <a:schemeClr val="accent1"/>
-          </a:effectRef>
-          <a:fontRef idx="minor">
-            <a:schemeClr val="tx1"/>
-          </a:fontRef>
-        </p:style>
-      </p:cxnSp>
-      <p:sp>
-        <p:nvSpPr>
-          <p:cNvPr id="17" name="TextBox 16">
-            <a:extLst>
-              <a:ext uri="{FF2B5EF4-FFF2-40B4-BE49-F238E27FC236}">
-                <a16:creationId xmlns:a16="http://schemas.microsoft.com/office/drawing/2014/main" id="{37739F2B-E275-CD93-BEED-926F1DE35453}"/>
-              </a:ext>
-            </a:extLst>
-          </p:cNvPr>
-          <p:cNvSpPr txBox="1"/>
-          <p:nvPr/>
-        </p:nvSpPr>
-        <p:spPr>
-          <a:xfrm>
-            <a:off x="6900333" y="1921934"/>
-            <a:ext cx="1126062" cy="307777"/>
-          </a:xfrm>
-          <a:prstGeom prst="rect">
-            <a:avLst/>
-          </a:prstGeom>
-          <a:noFill/>
-        </p:spPr>
-        <p:txBody>
-          <a:bodyPr wrap="square" rtlCol="0">
-            <a:spAutoFit/>
-          </a:bodyPr>
-          <a:lstStyle/>
-          <a:p>
-            <a:r>
-              <a:rPr lang="en-US" dirty="0"/>
-              <a:t>Client Side</a:t>
-            </a:r>
-          </a:p>
-        </p:txBody>
-      </p:sp>
-      <p:sp>
-        <p:nvSpPr>
-          <p:cNvPr id="18" name="TextBox 17">
-            <a:extLst>
-              <a:ext uri="{FF2B5EF4-FFF2-40B4-BE49-F238E27FC236}">
-                <a16:creationId xmlns:a16="http://schemas.microsoft.com/office/drawing/2014/main" id="{855A4686-9717-9E09-7B4C-CE03537E698F}"/>
-              </a:ext>
-            </a:extLst>
-          </p:cNvPr>
-          <p:cNvSpPr txBox="1"/>
-          <p:nvPr/>
-        </p:nvSpPr>
-        <p:spPr>
-          <a:xfrm>
-            <a:off x="6900333" y="2363687"/>
-            <a:ext cx="1205537" cy="307777"/>
-          </a:xfrm>
-          <a:prstGeom prst="rect">
-            <a:avLst/>
-          </a:prstGeom>
-          <a:noFill/>
-        </p:spPr>
-        <p:txBody>
-          <a:bodyPr wrap="square" rtlCol="0">
-            <a:spAutoFit/>
-          </a:bodyPr>
-          <a:lstStyle/>
-          <a:p>
-            <a:r>
-              <a:rPr lang="en-US" dirty="0"/>
-              <a:t>Server Side</a:t>
-            </a:r>
-          </a:p>
-        </p:txBody>
-      </p:sp>
-      <p:sp>
-        <p:nvSpPr>
-          <p:cNvPr id="19" name="Rectangle: Rounded Corners 18">
-            <a:extLst>
-              <a:ext uri="{FF2B5EF4-FFF2-40B4-BE49-F238E27FC236}">
-                <a16:creationId xmlns:a16="http://schemas.microsoft.com/office/drawing/2014/main" id="{F37FD9DD-F712-9726-C906-6F3F2C02ADFE}"/>
-              </a:ext>
-            </a:extLst>
-          </p:cNvPr>
-          <p:cNvSpPr/>
-          <p:nvPr/>
-        </p:nvSpPr>
-        <p:spPr>
-          <a:xfrm>
-            <a:off x="1549400" y="2740684"/>
-            <a:ext cx="5587993" cy="465665"/>
-          </a:xfrm>
-          <a:prstGeom prst="roundRect">
-            <a:avLst/>
-          </a:prstGeom>
-          <a:solidFill>
-            <a:schemeClr val="accent4">
-              <a:lumMod val="60000"/>
-              <a:lumOff val="40000"/>
-            </a:schemeClr>
-          </a:solidFill>
-          <a:ln>
-            <a:solidFill>
-              <a:schemeClr val="accent4">
-                <a:lumMod val="60000"/>
-                <a:lumOff val="40000"/>
-              </a:schemeClr>
-            </a:solidFill>
-          </a:ln>
-        </p:spPr>
-        <p:style>
-          <a:lnRef idx="2">
-            <a:schemeClr val="accent1">
-              <a:shade val="50000"/>
-            </a:schemeClr>
-          </a:lnRef>
-          <a:fillRef idx="1">
-            <a:schemeClr val="accent1"/>
-          </a:fillRef>
-          <a:effectRef idx="0">
-            <a:schemeClr val="accent1"/>
-          </a:effectRef>
-          <a:fontRef idx="minor">
-            <a:schemeClr val="lt1"/>
-          </a:fontRef>
-        </p:style>
-        <p:txBody>
-          <a:bodyPr rtlCol="0" anchor="ctr"/>
-          <a:lstStyle/>
-          <a:p>
-            <a:pPr algn="ctr"/>
-            <a:r>
-              <a:rPr lang="en-US" dirty="0"/>
-              <a:t>API Gateway</a:t>
-            </a:r>
-          </a:p>
-        </p:txBody>
-      </p:sp>
-      <p:sp>
-        <p:nvSpPr>
-          <p:cNvPr id="20" name="Flowchart: Magnetic Disk 19">
-            <a:extLst>
-              <a:ext uri="{FF2B5EF4-FFF2-40B4-BE49-F238E27FC236}">
-                <a16:creationId xmlns:a16="http://schemas.microsoft.com/office/drawing/2014/main" id="{3DD4E056-C544-B21D-C262-D4D1A4EB62F4}"/>
-              </a:ext>
-            </a:extLst>
-          </p:cNvPr>
-          <p:cNvSpPr/>
-          <p:nvPr/>
-        </p:nvSpPr>
-        <p:spPr>
-          <a:xfrm>
-            <a:off x="3911601" y="5494867"/>
-            <a:ext cx="1066800" cy="1233970"/>
-          </a:xfrm>
-          <a:prstGeom prst="flowChartMagneticDisk">
-            <a:avLst/>
-          </a:prstGeom>
-          <a:solidFill>
-            <a:schemeClr val="accent2">
-              <a:lumMod val="75000"/>
-            </a:schemeClr>
-          </a:solidFill>
-          <a:ln>
-            <a:solidFill>
-              <a:schemeClr val="tx2">
-                <a:lumMod val="75000"/>
-              </a:schemeClr>
-            </a:solidFill>
-          </a:ln>
-        </p:spPr>
-        <p:style>
-          <a:lnRef idx="2">
-            <a:schemeClr val="accent1">
-              <a:shade val="50000"/>
-            </a:schemeClr>
-          </a:lnRef>
-          <a:fillRef idx="1">
-            <a:schemeClr val="accent1"/>
-          </a:fillRef>
-          <a:effectRef idx="0">
-            <a:schemeClr val="accent1"/>
-          </a:effectRef>
-          <a:fontRef idx="minor">
-            <a:schemeClr val="lt1"/>
-          </a:fontRef>
-        </p:style>
-        <p:txBody>
-          <a:bodyPr rtlCol="0" anchor="ctr"/>
-          <a:lstStyle/>
-          <a:p>
-            <a:pPr algn="ctr"/>
-            <a:r>
-              <a:rPr lang="en-US" dirty="0"/>
-              <a:t>SQL</a:t>
-            </a:r>
-          </a:p>
-        </p:txBody>
-      </p:sp>
-      <p:sp>
-        <p:nvSpPr>
-          <p:cNvPr id="21" name="Rectangle 20">
-            <a:extLst>
-              <a:ext uri="{FF2B5EF4-FFF2-40B4-BE49-F238E27FC236}">
-                <a16:creationId xmlns:a16="http://schemas.microsoft.com/office/drawing/2014/main" id="{D51688CC-4A24-0E63-51FF-695D9DB0BE10}"/>
-              </a:ext>
-            </a:extLst>
-          </p:cNvPr>
-          <p:cNvSpPr/>
-          <p:nvPr/>
-        </p:nvSpPr>
-        <p:spPr>
-          <a:xfrm>
-            <a:off x="3191932" y="3729563"/>
-            <a:ext cx="2252134" cy="355145"/>
-          </a:xfrm>
-          <a:prstGeom prst="rect">
-            <a:avLst/>
-          </a:prstGeom>
-          <a:solidFill>
-            <a:srgbClr val="92D050"/>
-          </a:solidFill>
-          <a:ln>
-            <a:solidFill>
-              <a:srgbClr val="92D050"/>
-            </a:solidFill>
-          </a:ln>
-        </p:spPr>
-        <p:style>
-          <a:lnRef idx="2">
-            <a:schemeClr val="accent1">
-              <a:shade val="50000"/>
-            </a:schemeClr>
-          </a:lnRef>
-          <a:fillRef idx="1">
-            <a:schemeClr val="accent1"/>
-          </a:fillRef>
-          <a:effectRef idx="0">
-            <a:schemeClr val="accent1"/>
-          </a:effectRef>
-          <a:fontRef idx="minor">
-            <a:schemeClr val="lt1"/>
-          </a:fontRef>
-        </p:style>
-        <p:txBody>
-          <a:bodyPr rtlCol="0" anchor="ctr"/>
-          <a:lstStyle/>
-          <a:p>
-            <a:pPr algn="ctr"/>
-            <a:r>
-              <a:rPr lang="en-US" dirty="0"/>
-              <a:t>Service</a:t>
-            </a:r>
-          </a:p>
-        </p:txBody>
-      </p:sp>
-      <p:cxnSp>
-        <p:nvCxnSpPr>
-          <p:cNvPr id="25" name="Straight Arrow Connector 24">
-            <a:extLst>
-              <a:ext uri="{FF2B5EF4-FFF2-40B4-BE49-F238E27FC236}">
-                <a16:creationId xmlns:a16="http://schemas.microsoft.com/office/drawing/2014/main" id="{24C31D0A-FB12-D39A-8D76-95217481A111}"/>
-              </a:ext>
-            </a:extLst>
-          </p:cNvPr>
-          <p:cNvCxnSpPr/>
-          <p:nvPr/>
-        </p:nvCxnSpPr>
-        <p:spPr>
-          <a:xfrm>
-            <a:off x="4969935" y="1999274"/>
-            <a:ext cx="0" cy="672190"/>
-          </a:xfrm>
-          <a:prstGeom prst="straightConnector1">
-            <a:avLst/>
-          </a:prstGeom>
-          <a:ln>
-            <a:solidFill>
-              <a:srgbClr val="7030A0"/>
-            </a:solidFill>
-            <a:tailEnd type="triangle"/>
-          </a:ln>
-        </p:spPr>
-        <p:style>
-          <a:lnRef idx="1">
-            <a:schemeClr val="accent1"/>
-          </a:lnRef>
-          <a:fillRef idx="0">
-            <a:schemeClr val="accent1"/>
-          </a:fillRef>
-          <a:effectRef idx="0">
-            <a:schemeClr val="accent1"/>
-          </a:effectRef>
-          <a:fontRef idx="minor">
-            <a:schemeClr val="tx1"/>
-          </a:fontRef>
-        </p:style>
-      </p:cxnSp>
-      <p:sp>
-        <p:nvSpPr>
-          <p:cNvPr id="26" name="TextBox 25">
-            <a:extLst>
-              <a:ext uri="{FF2B5EF4-FFF2-40B4-BE49-F238E27FC236}">
-                <a16:creationId xmlns:a16="http://schemas.microsoft.com/office/drawing/2014/main" id="{DA5AD3A6-27C7-6CFC-6818-290FA7657279}"/>
-              </a:ext>
-            </a:extLst>
-          </p:cNvPr>
-          <p:cNvSpPr txBox="1"/>
-          <p:nvPr/>
-        </p:nvSpPr>
-        <p:spPr>
-          <a:xfrm>
-            <a:off x="1980799" y="1984861"/>
-            <a:ext cx="1676801" cy="307777"/>
-          </a:xfrm>
-          <a:prstGeom prst="rect">
-            <a:avLst/>
-          </a:prstGeom>
-          <a:noFill/>
-        </p:spPr>
-        <p:txBody>
-          <a:bodyPr wrap="square" rtlCol="0">
-            <a:spAutoFit/>
-          </a:bodyPr>
-          <a:lstStyle/>
-          <a:p>
-            <a:r>
-              <a:rPr lang="en-US" dirty="0"/>
-              <a:t>HTTP Response</a:t>
-            </a:r>
-          </a:p>
-        </p:txBody>
-      </p:sp>
-      <p:cxnSp>
-        <p:nvCxnSpPr>
-          <p:cNvPr id="28" name="Straight Arrow Connector 27">
-            <a:extLst>
-              <a:ext uri="{FF2B5EF4-FFF2-40B4-BE49-F238E27FC236}">
-                <a16:creationId xmlns:a16="http://schemas.microsoft.com/office/drawing/2014/main" id="{EEF86500-ADA4-8C89-1D09-C5147946F23C}"/>
-              </a:ext>
-            </a:extLst>
-          </p:cNvPr>
-          <p:cNvCxnSpPr/>
-          <p:nvPr/>
-        </p:nvCxnSpPr>
-        <p:spPr>
-          <a:xfrm flipV="1">
-            <a:off x="3615267" y="2006601"/>
-            <a:ext cx="0" cy="664863"/>
-          </a:xfrm>
-          <a:prstGeom prst="straightConnector1">
-            <a:avLst/>
-          </a:prstGeom>
-          <a:ln>
-            <a:solidFill>
-              <a:srgbClr val="00B050"/>
-            </a:solidFill>
-            <a:tailEnd type="triangle"/>
-          </a:ln>
-        </p:spPr>
-        <p:style>
-          <a:lnRef idx="1">
-            <a:schemeClr val="accent1"/>
-          </a:lnRef>
-          <a:fillRef idx="0">
-            <a:schemeClr val="accent1"/>
-          </a:fillRef>
-          <a:effectRef idx="0">
-            <a:schemeClr val="accent1"/>
-          </a:effectRef>
-          <a:fontRef idx="minor">
-            <a:schemeClr val="tx1"/>
-          </a:fontRef>
-        </p:style>
-      </p:cxnSp>
-      <p:sp>
-        <p:nvSpPr>
-          <p:cNvPr id="29" name="Rectangle: Top Corners Rounded 28">
-            <a:extLst>
-              <a:ext uri="{FF2B5EF4-FFF2-40B4-BE49-F238E27FC236}">
-                <a16:creationId xmlns:a16="http://schemas.microsoft.com/office/drawing/2014/main" id="{55397B43-DDB9-C448-EC47-B3B408908230}"/>
-              </a:ext>
-            </a:extLst>
-          </p:cNvPr>
-          <p:cNvSpPr/>
-          <p:nvPr/>
-        </p:nvSpPr>
-        <p:spPr>
-          <a:xfrm>
-            <a:off x="3200400" y="4708382"/>
-            <a:ext cx="2328333" cy="355145"/>
-          </a:xfrm>
-          <a:prstGeom prst="round2SameRect">
-            <a:avLst/>
-          </a:prstGeom>
-          <a:solidFill>
-            <a:schemeClr val="accent6">
-              <a:lumMod val="75000"/>
-            </a:schemeClr>
-          </a:solidFill>
-          <a:ln>
-            <a:solidFill>
-              <a:schemeClr val="accent6">
-                <a:lumMod val="75000"/>
-              </a:schemeClr>
-            </a:solidFill>
-          </a:ln>
-        </p:spPr>
-        <p:style>
-          <a:lnRef idx="2">
-            <a:schemeClr val="accent1">
-              <a:shade val="50000"/>
-            </a:schemeClr>
-          </a:lnRef>
-          <a:fillRef idx="1">
-            <a:schemeClr val="accent1"/>
-          </a:fillRef>
-          <a:effectRef idx="0">
-            <a:schemeClr val="accent1"/>
-          </a:effectRef>
-          <a:fontRef idx="minor">
-            <a:schemeClr val="lt1"/>
-          </a:fontRef>
-        </p:style>
-        <p:txBody>
-          <a:bodyPr rtlCol="0" anchor="ctr"/>
-          <a:lstStyle/>
-          <a:p>
-            <a:pPr algn="ctr"/>
-            <a:r>
-              <a:rPr lang="en-US" dirty="0"/>
-              <a:t>Repository</a:t>
-            </a:r>
-          </a:p>
-        </p:txBody>
-      </p:sp>
-      <p:cxnSp>
-        <p:nvCxnSpPr>
-          <p:cNvPr id="31" name="Straight Arrow Connector 30">
-            <a:extLst>
-              <a:ext uri="{FF2B5EF4-FFF2-40B4-BE49-F238E27FC236}">
-                <a16:creationId xmlns:a16="http://schemas.microsoft.com/office/drawing/2014/main" id="{5E484A63-60ED-C478-AB44-765E0F239CE5}"/>
-              </a:ext>
-            </a:extLst>
-          </p:cNvPr>
-          <p:cNvCxnSpPr/>
-          <p:nvPr/>
-        </p:nvCxnSpPr>
-        <p:spPr>
-          <a:xfrm>
-            <a:off x="4978401" y="3318933"/>
-            <a:ext cx="0" cy="211667"/>
-          </a:xfrm>
-          <a:prstGeom prst="straightConnector1">
-            <a:avLst/>
-          </a:prstGeom>
-          <a:ln>
-            <a:tailEnd type="triangle"/>
-          </a:ln>
-        </p:spPr>
-        <p:style>
-          <a:lnRef idx="1">
-            <a:schemeClr val="accent1"/>
-          </a:lnRef>
-          <a:fillRef idx="0">
-            <a:schemeClr val="accent1"/>
-          </a:fillRef>
-          <a:effectRef idx="0">
-            <a:schemeClr val="accent1"/>
-          </a:effectRef>
-          <a:fontRef idx="minor">
-            <a:schemeClr val="tx1"/>
-          </a:fontRef>
-        </p:style>
-      </p:cxnSp>
-      <p:cxnSp>
-        <p:nvCxnSpPr>
-          <p:cNvPr id="33" name="Straight Arrow Connector 32">
-            <a:extLst>
-              <a:ext uri="{FF2B5EF4-FFF2-40B4-BE49-F238E27FC236}">
-                <a16:creationId xmlns:a16="http://schemas.microsoft.com/office/drawing/2014/main" id="{B0B6B948-D432-B91A-BC9A-380BA415F0F7}"/>
-              </a:ext>
-            </a:extLst>
-          </p:cNvPr>
-          <p:cNvCxnSpPr/>
-          <p:nvPr/>
-        </p:nvCxnSpPr>
-        <p:spPr>
-          <a:xfrm>
-            <a:off x="4978401" y="4207933"/>
-            <a:ext cx="0" cy="254000"/>
-          </a:xfrm>
-          <a:prstGeom prst="straightConnector1">
-            <a:avLst/>
-          </a:prstGeom>
-          <a:ln>
-            <a:tailEnd type="triangle"/>
-          </a:ln>
-        </p:spPr>
-        <p:style>
-          <a:lnRef idx="1">
-            <a:schemeClr val="accent1"/>
-          </a:lnRef>
-          <a:fillRef idx="0">
-            <a:schemeClr val="accent1"/>
-          </a:fillRef>
-          <a:effectRef idx="0">
-            <a:schemeClr val="accent1"/>
-          </a:effectRef>
-          <a:fontRef idx="minor">
-            <a:schemeClr val="tx1"/>
-          </a:fontRef>
-        </p:style>
-      </p:cxnSp>
-      <p:cxnSp>
-        <p:nvCxnSpPr>
-          <p:cNvPr id="35" name="Straight Arrow Connector 34">
-            <a:extLst>
-              <a:ext uri="{FF2B5EF4-FFF2-40B4-BE49-F238E27FC236}">
-                <a16:creationId xmlns:a16="http://schemas.microsoft.com/office/drawing/2014/main" id="{5CE22B95-BE07-63F2-F437-98982B8F42A3}"/>
-              </a:ext>
-            </a:extLst>
-          </p:cNvPr>
-          <p:cNvCxnSpPr/>
-          <p:nvPr/>
-        </p:nvCxnSpPr>
-        <p:spPr>
-          <a:xfrm flipV="1">
-            <a:off x="3716867" y="4207933"/>
-            <a:ext cx="0" cy="254000"/>
-          </a:xfrm>
-          <a:prstGeom prst="straightConnector1">
-            <a:avLst/>
-          </a:prstGeom>
-          <a:ln>
-            <a:tailEnd type="triangle"/>
-          </a:ln>
-        </p:spPr>
-        <p:style>
-          <a:lnRef idx="1">
-            <a:schemeClr val="accent1"/>
-          </a:lnRef>
-          <a:fillRef idx="0">
-            <a:schemeClr val="accent1"/>
-          </a:fillRef>
-          <a:effectRef idx="0">
-            <a:schemeClr val="accent1"/>
-          </a:effectRef>
-          <a:fontRef idx="minor">
-            <a:schemeClr val="tx1"/>
-          </a:fontRef>
-        </p:style>
-      </p:cxnSp>
-      <p:cxnSp>
-        <p:nvCxnSpPr>
-          <p:cNvPr id="36" name="Straight Arrow Connector 35">
-            <a:extLst>
-              <a:ext uri="{FF2B5EF4-FFF2-40B4-BE49-F238E27FC236}">
-                <a16:creationId xmlns:a16="http://schemas.microsoft.com/office/drawing/2014/main" id="{0D01FB09-A559-F96B-3952-AF394B841A62}"/>
-              </a:ext>
-            </a:extLst>
-          </p:cNvPr>
-          <p:cNvCxnSpPr/>
-          <p:nvPr/>
-        </p:nvCxnSpPr>
-        <p:spPr>
-          <a:xfrm flipV="1">
-            <a:off x="3657600" y="3297766"/>
-            <a:ext cx="0" cy="254000"/>
-          </a:xfrm>
-          <a:prstGeom prst="straightConnector1">
-            <a:avLst/>
-          </a:prstGeom>
-          <a:ln>
-            <a:tailEnd type="triangle"/>
-          </a:ln>
-        </p:spPr>
-        <p:style>
-          <a:lnRef idx="1">
-            <a:schemeClr val="accent1"/>
-          </a:lnRef>
-          <a:fillRef idx="0">
-            <a:schemeClr val="accent1"/>
-          </a:fillRef>
-          <a:effectRef idx="0">
-            <a:schemeClr val="accent1"/>
-          </a:effectRef>
-          <a:fontRef idx="minor">
-            <a:schemeClr val="tx1"/>
-          </a:fontRef>
-        </p:style>
-      </p:cxnSp>
+      </p:pic>
     </p:spTree>
     <p:extLst>
       <p:ext uri="{BB962C8B-B14F-4D97-AF65-F5344CB8AC3E}">
@@ -29828,248 +30068,6 @@
 </file>
 
 <file path=ppt/slides/slide6.xml><?xml version="1.0" encoding="utf-8"?>
-<p:sld xmlns:a="http://schemas.openxmlformats.org/drawingml/2006/main" xmlns:r="http://schemas.openxmlformats.org/officeDocument/2006/relationships" xmlns:p="http://schemas.openxmlformats.org/presentationml/2006/main">
-  <p:cSld>
-    <p:spTree>
-      <p:nvGrpSpPr>
-        <p:cNvPr id="1" name=""/>
-        <p:cNvGrpSpPr/>
-        <p:nvPr/>
-      </p:nvGrpSpPr>
-      <p:grpSpPr>
-        <a:xfrm>
-          <a:off x="0" y="0"/>
-          <a:ext cx="0" cy="0"/>
-          <a:chOff x="0" y="0"/>
-          <a:chExt cx="0" cy="0"/>
-        </a:xfrm>
-      </p:grpSpPr>
-      <p:sp>
-        <p:nvSpPr>
-          <p:cNvPr id="2" name="Title 1">
-            <a:extLst>
-              <a:ext uri="{FF2B5EF4-FFF2-40B4-BE49-F238E27FC236}">
-                <a16:creationId xmlns:a16="http://schemas.microsoft.com/office/drawing/2014/main" id="{073A8AC9-6C7B-6DE7-22D1-A9967C00F479}"/>
-              </a:ext>
-            </a:extLst>
-          </p:cNvPr>
-          <p:cNvSpPr>
-            <a:spLocks noGrp="1"/>
-          </p:cNvSpPr>
-          <p:nvPr>
-            <p:ph type="title"/>
-          </p:nvPr>
-        </p:nvSpPr>
-        <p:spPr/>
-        <p:txBody>
-          <a:bodyPr/>
-          <a:lstStyle/>
-          <a:p>
-            <a:r>
-              <a:rPr lang="en-US" dirty="0"/>
-              <a:t>Code Test Coverage</a:t>
-            </a:r>
-          </a:p>
-        </p:txBody>
-      </p:sp>
-      <p:sp>
-        <p:nvSpPr>
-          <p:cNvPr id="3" name="Text Placeholder 2">
-            <a:extLst>
-              <a:ext uri="{FF2B5EF4-FFF2-40B4-BE49-F238E27FC236}">
-                <a16:creationId xmlns:a16="http://schemas.microsoft.com/office/drawing/2014/main" id="{4B3117D6-7B8F-65E9-3A23-11DE3D54D422}"/>
-              </a:ext>
-            </a:extLst>
-          </p:cNvPr>
-          <p:cNvSpPr>
-            <a:spLocks noGrp="1"/>
-          </p:cNvSpPr>
-          <p:nvPr>
-            <p:ph type="body" idx="1"/>
-          </p:nvPr>
-        </p:nvSpPr>
-        <p:spPr/>
-        <p:txBody>
-          <a:bodyPr/>
-          <a:lstStyle/>
-          <a:p>
-            <a:endParaRPr lang="en-US"/>
-          </a:p>
-        </p:txBody>
-      </p:sp>
-      <p:sp>
-        <p:nvSpPr>
-          <p:cNvPr id="4" name="Slide Number Placeholder 3">
-            <a:extLst>
-              <a:ext uri="{FF2B5EF4-FFF2-40B4-BE49-F238E27FC236}">
-                <a16:creationId xmlns:a16="http://schemas.microsoft.com/office/drawing/2014/main" id="{4DB11829-8BAE-ADF1-5BBC-71F0A89C615A}"/>
-              </a:ext>
-            </a:extLst>
-          </p:cNvPr>
-          <p:cNvSpPr>
-            <a:spLocks noGrp="1"/>
-          </p:cNvSpPr>
-          <p:nvPr>
-            <p:ph type="sldNum" idx="12"/>
-          </p:nvPr>
-        </p:nvSpPr>
-        <p:spPr/>
-        <p:txBody>
-          <a:bodyPr/>
-          <a:lstStyle/>
-          <a:p>
-            <a:pPr marL="0" lvl="0" indent="0" algn="r" rtl="0">
-              <a:spcBef>
-                <a:spcPts val="0"/>
-              </a:spcBef>
-              <a:spcAft>
-                <a:spcPts val="0"/>
-              </a:spcAft>
-              <a:buNone/>
-            </a:pPr>
-            <a:fld id="{00000000-1234-1234-1234-123412341234}" type="slidenum">
-              <a:rPr lang="en-US" smtClean="0"/>
-              <a:t>5</a:t>
-            </a:fld>
-            <a:endParaRPr lang="en-US"/>
-          </a:p>
-        </p:txBody>
-      </p:sp>
-    </p:spTree>
-    <p:extLst>
-      <p:ext uri="{BB962C8B-B14F-4D97-AF65-F5344CB8AC3E}">
-        <p14:creationId xmlns:p14="http://schemas.microsoft.com/office/powerpoint/2010/main" val="2139697948"/>
-      </p:ext>
-    </p:extLst>
-  </p:cSld>
-  <p:clrMapOvr>
-    <a:masterClrMapping/>
-  </p:clrMapOvr>
-</p:sld>
-</file>
-
-<file path=ppt/slides/slide7.xml><?xml version="1.0" encoding="utf-8"?>
-<p:sld xmlns:a="http://schemas.openxmlformats.org/drawingml/2006/main" xmlns:r="http://schemas.openxmlformats.org/officeDocument/2006/relationships" xmlns:p="http://schemas.openxmlformats.org/presentationml/2006/main">
-  <p:cSld>
-    <p:spTree>
-      <p:nvGrpSpPr>
-        <p:cNvPr id="1" name=""/>
-        <p:cNvGrpSpPr/>
-        <p:nvPr/>
-      </p:nvGrpSpPr>
-      <p:grpSpPr>
-        <a:xfrm>
-          <a:off x="0" y="0"/>
-          <a:ext cx="0" cy="0"/>
-          <a:chOff x="0" y="0"/>
-          <a:chExt cx="0" cy="0"/>
-        </a:xfrm>
-      </p:grpSpPr>
-      <p:sp>
-        <p:nvSpPr>
-          <p:cNvPr id="2" name="Title 1">
-            <a:extLst>
-              <a:ext uri="{FF2B5EF4-FFF2-40B4-BE49-F238E27FC236}">
-                <a16:creationId xmlns:a16="http://schemas.microsoft.com/office/drawing/2014/main" id="{70F0C242-9DA3-7D36-CEAA-AE973726ADD9}"/>
-              </a:ext>
-            </a:extLst>
-          </p:cNvPr>
-          <p:cNvSpPr>
-            <a:spLocks noGrp="1"/>
-          </p:cNvSpPr>
-          <p:nvPr>
-            <p:ph type="title"/>
-          </p:nvPr>
-        </p:nvSpPr>
-        <p:spPr/>
-        <p:txBody>
-          <a:bodyPr/>
-          <a:lstStyle/>
-          <a:p>
-            <a:r>
-              <a:rPr lang="en-US" dirty="0"/>
-              <a:t>Pipeline Build Statistics</a:t>
-            </a:r>
-          </a:p>
-        </p:txBody>
-      </p:sp>
-      <p:sp>
-        <p:nvSpPr>
-          <p:cNvPr id="3" name="Text Placeholder 2">
-            <a:extLst>
-              <a:ext uri="{FF2B5EF4-FFF2-40B4-BE49-F238E27FC236}">
-                <a16:creationId xmlns:a16="http://schemas.microsoft.com/office/drawing/2014/main" id="{2DC3D8D2-C7BF-74D4-336B-CCA1C1CBDB51}"/>
-              </a:ext>
-            </a:extLst>
-          </p:cNvPr>
-          <p:cNvSpPr>
-            <a:spLocks noGrp="1"/>
-          </p:cNvSpPr>
-          <p:nvPr>
-            <p:ph type="body" idx="1"/>
-          </p:nvPr>
-        </p:nvSpPr>
-        <p:spPr/>
-        <p:txBody>
-          <a:bodyPr/>
-          <a:lstStyle/>
-          <a:p>
-            <a:endParaRPr lang="en-US" dirty="0"/>
-          </a:p>
-        </p:txBody>
-      </p:sp>
-      <p:sp>
-        <p:nvSpPr>
-          <p:cNvPr id="4" name="Slide Number Placeholder 3">
-            <a:extLst>
-              <a:ext uri="{FF2B5EF4-FFF2-40B4-BE49-F238E27FC236}">
-                <a16:creationId xmlns:a16="http://schemas.microsoft.com/office/drawing/2014/main" id="{7538A0B3-D7E4-3B95-C2F4-0C70A1D47D98}"/>
-              </a:ext>
-            </a:extLst>
-          </p:cNvPr>
-          <p:cNvSpPr>
-            <a:spLocks noGrp="1"/>
-          </p:cNvSpPr>
-          <p:nvPr>
-            <p:ph type="sldNum" idx="12"/>
-          </p:nvPr>
-        </p:nvSpPr>
-        <p:spPr/>
-        <p:txBody>
-          <a:bodyPr/>
-          <a:lstStyle/>
-          <a:p>
-            <a:pPr marL="0" lvl="0" indent="0" algn="r" rtl="0">
-              <a:spcBef>
-                <a:spcPts val="0"/>
-              </a:spcBef>
-              <a:spcAft>
-                <a:spcPts val="0"/>
-              </a:spcAft>
-              <a:buNone/>
-            </a:pPr>
-            <a:fld id="{00000000-1234-1234-1234-123412341234}" type="slidenum">
-              <a:rPr lang="en-US" smtClean="0"/>
-              <a:t>6</a:t>
-            </a:fld>
-            <a:endParaRPr lang="en-US"/>
-          </a:p>
-        </p:txBody>
-      </p:sp>
-    </p:spTree>
-    <p:extLst>
-      <p:ext uri="{BB962C8B-B14F-4D97-AF65-F5344CB8AC3E}">
-        <p14:creationId xmlns:p14="http://schemas.microsoft.com/office/powerpoint/2010/main" val="96408489"/>
-      </p:ext>
-    </p:extLst>
-  </p:cSld>
-  <p:clrMapOvr>
-    <a:masterClrMapping/>
-  </p:clrMapOvr>
-</p:sld>
-</file>
-
-<file path=ppt/slides/slide8.xml><?xml version="1.0" encoding="utf-8"?>
 <p:sld xmlns:a="http://schemas.openxmlformats.org/drawingml/2006/main" xmlns:r="http://schemas.openxmlformats.org/officeDocument/2006/relationships" xmlns:p="http://schemas.openxmlformats.org/presentationml/2006/main">
   <p:cSld>
     <p:spTree>
@@ -30135,6 +30133,59 @@
           <a:bodyPr/>
           <a:lstStyle/>
           <a:p>
+            <a:r>
+              <a:rPr lang="en-US" dirty="0"/>
+              <a:t>Daily Standup </a:t>
+            </a:r>
+          </a:p>
+          <a:p>
+            <a:r>
+              <a:rPr lang="en-US" dirty="0"/>
+              <a:t>Updated Trello Board</a:t>
+            </a:r>
+          </a:p>
+          <a:p>
+            <a:r>
+              <a:rPr lang="en-US" dirty="0"/>
+              <a:t>Story points</a:t>
+            </a:r>
+          </a:p>
+          <a:p>
+            <a:r>
+              <a:rPr lang="en-US" dirty="0"/>
+              <a:t>Spring Planning (</a:t>
+            </a:r>
+            <a:r>
+              <a:rPr lang="en-US" dirty="0" err="1"/>
+              <a:t>figma</a:t>
+            </a:r>
+            <a:r>
+              <a:rPr lang="en-US" dirty="0"/>
+              <a:t>)</a:t>
+            </a:r>
+          </a:p>
+          <a:p>
+            <a:r>
+              <a:rPr lang="en-US" dirty="0"/>
+              <a:t>Sprint Review (meeting with client)</a:t>
+            </a:r>
+          </a:p>
+          <a:p>
+            <a:r>
+              <a:rPr lang="en-US" dirty="0"/>
+              <a:t>Working Software (JDBC over Spring) </a:t>
+            </a:r>
+          </a:p>
+          <a:p>
+            <a:r>
+              <a:rPr lang="en-US" dirty="0"/>
+              <a:t>Sprint Retrospective </a:t>
+            </a:r>
+          </a:p>
+          <a:p>
+            <a:endParaRPr lang="en-US" dirty="0"/>
+          </a:p>
+          <a:p>
             <a:endParaRPr lang="en-US" dirty="0"/>
           </a:p>
         </p:txBody>
@@ -30171,7 +30222,7 @@
             </a:pPr>
             <a:fld id="{00000000-1234-1234-1234-123412341234}" type="slidenum">
               <a:rPr lang="en-US" smtClean="0"/>
-              <a:t>7</a:t>
+              <a:t>5</a:t>
             </a:fld>
             <a:endParaRPr lang="en-US"/>
           </a:p>
@@ -30190,7 +30241,7 @@
 </p:sld>
 </file>
 
-<file path=ppt/slides/slide9.xml><?xml version="1.0" encoding="utf-8"?>
+<file path=ppt/slides/slide7.xml><?xml version="1.0" encoding="utf-8"?>
 <p:sld xmlns:a="http://schemas.openxmlformats.org/drawingml/2006/main" xmlns:r="http://schemas.openxmlformats.org/officeDocument/2006/relationships" xmlns:p="http://schemas.openxmlformats.org/presentationml/2006/main">
   <p:cSld>
     <p:spTree>
@@ -30251,15 +30302,20 @@
             <p:ph type="body" idx="1"/>
           </p:nvPr>
         </p:nvSpPr>
-        <p:spPr/>
+        <p:spPr>
+          <a:xfrm>
+            <a:off x="3147646" y="2297509"/>
+            <a:ext cx="1850540" cy="2262981"/>
+          </a:xfrm>
+        </p:spPr>
         <p:txBody>
           <a:bodyPr/>
           <a:lstStyle/>
           <a:p>
-            <a:r>
-              <a:rPr lang="en-US" dirty="0"/>
-              <a:t>This is showing how the tables relate to one another</a:t>
-            </a:r>
+            <a:pPr marL="50800" indent="0">
+              <a:buNone/>
+            </a:pPr>
+            <a:endParaRPr lang="en-US" dirty="0"/>
           </a:p>
         </p:txBody>
       </p:sp>
@@ -30295,192 +30351,221 @@
             </a:pPr>
             <a:fld id="{00000000-1234-1234-1234-123412341234}" type="slidenum">
               <a:rPr lang="en-US" smtClean="0"/>
-              <a:t>8</a:t>
+              <a:t>6</a:t>
             </a:fld>
             <a:endParaRPr lang="en-US"/>
           </a:p>
         </p:txBody>
       </p:sp>
-      <p:sp>
-        <p:nvSpPr>
-          <p:cNvPr id="5" name="Rectangle 4">
+      <p:pic>
+        <p:nvPicPr>
+          <p:cNvPr id="10" name="Picture 9">
             <a:extLst>
               <a:ext uri="{FF2B5EF4-FFF2-40B4-BE49-F238E27FC236}">
-                <a16:creationId xmlns:a16="http://schemas.microsoft.com/office/drawing/2014/main" id="{1E2EBFD5-3A1C-16F9-6EF3-8ED9F1A56B6A}"/>
+                <a16:creationId xmlns:a16="http://schemas.microsoft.com/office/drawing/2014/main" id="{828B6167-5D03-7F52-E640-5BB98E14F0BB}"/>
               </a:ext>
             </a:extLst>
           </p:cNvPr>
-          <p:cNvSpPr/>
+          <p:cNvPicPr>
+            <a:picLocks noChangeAspect="1"/>
+          </p:cNvPicPr>
           <p:nvPr/>
-        </p:nvSpPr>
+        </p:nvPicPr>
+        <p:blipFill>
+          <a:blip r:embed="rId3"/>
+          <a:stretch>
+            <a:fillRect/>
+          </a:stretch>
+        </p:blipFill>
         <p:spPr>
           <a:xfrm>
-            <a:off x="501162" y="2971800"/>
-            <a:ext cx="914400" cy="914400"/>
+            <a:off x="2013516" y="1511085"/>
+            <a:ext cx="5116967" cy="4861419"/>
           </a:xfrm>
           <a:prstGeom prst="rect">
             <a:avLst/>
           </a:prstGeom>
         </p:spPr>
-        <p:style>
-          <a:lnRef idx="2">
-            <a:schemeClr val="accent1">
-              <a:shade val="50000"/>
-            </a:schemeClr>
-          </a:lnRef>
-          <a:fillRef idx="1">
-            <a:schemeClr val="accent1"/>
-          </a:fillRef>
-          <a:effectRef idx="0">
-            <a:schemeClr val="accent1"/>
-          </a:effectRef>
-          <a:fontRef idx="minor">
-            <a:schemeClr val="lt1"/>
-          </a:fontRef>
-        </p:style>
+      </p:pic>
+    </p:spTree>
+    <p:extLst>
+      <p:ext uri="{BB962C8B-B14F-4D97-AF65-F5344CB8AC3E}">
+        <p14:creationId xmlns:p14="http://schemas.microsoft.com/office/powerpoint/2010/main" val="3374668984"/>
+      </p:ext>
+    </p:extLst>
+  </p:cSld>
+  <p:clrMapOvr>
+    <a:masterClrMapping/>
+  </p:clrMapOvr>
+</p:sld>
+</file>
+
+<file path=ppt/slides/slide8.xml><?xml version="1.0" encoding="utf-8"?>
+<p:sld xmlns:a="http://schemas.openxmlformats.org/drawingml/2006/main" xmlns:r="http://schemas.openxmlformats.org/officeDocument/2006/relationships" xmlns:p="http://schemas.openxmlformats.org/presentationml/2006/main">
+  <p:cSld>
+    <p:spTree>
+      <p:nvGrpSpPr>
+        <p:cNvPr id="1" name=""/>
+        <p:cNvGrpSpPr/>
+        <p:nvPr/>
+      </p:nvGrpSpPr>
+      <p:grpSpPr>
+        <a:xfrm>
+          <a:off x="0" y="0"/>
+          <a:ext cx="0" cy="0"/>
+          <a:chOff x="0" y="0"/>
+          <a:chExt cx="0" cy="0"/>
+        </a:xfrm>
+      </p:grpSpPr>
+      <p:sp>
+        <p:nvSpPr>
+          <p:cNvPr id="2" name="Title 1">
+            <a:extLst>
+              <a:ext uri="{FF2B5EF4-FFF2-40B4-BE49-F238E27FC236}">
+                <a16:creationId xmlns:a16="http://schemas.microsoft.com/office/drawing/2014/main" id="{FBB9F9F5-9908-3A9D-1B55-10E5E652BE1D}"/>
+              </a:ext>
+            </a:extLst>
+          </p:cNvPr>
+          <p:cNvSpPr>
+            <a:spLocks noGrp="1"/>
+          </p:cNvSpPr>
+          <p:nvPr>
+            <p:ph type="title"/>
+          </p:nvPr>
+        </p:nvSpPr>
+        <p:spPr/>
         <p:txBody>
-          <a:bodyPr rtlCol="0" anchor="ctr"/>
+          <a:bodyPr/>
           <a:lstStyle/>
           <a:p>
-            <a:pPr algn="ctr"/>
-            <a:endParaRPr lang="en-US"/>
+            <a:r>
+              <a:rPr lang="en-US" dirty="0"/>
+              <a:t>Implemented Features</a:t>
+            </a:r>
           </a:p>
         </p:txBody>
       </p:sp>
       <p:sp>
         <p:nvSpPr>
-          <p:cNvPr id="6" name="Rectangle 5">
+          <p:cNvPr id="3" name="Text Placeholder 2">
             <a:extLst>
               <a:ext uri="{FF2B5EF4-FFF2-40B4-BE49-F238E27FC236}">
-                <a16:creationId xmlns:a16="http://schemas.microsoft.com/office/drawing/2014/main" id="{E1E41608-46DC-13A5-E0FC-CF0C419BD2DD}"/>
+                <a16:creationId xmlns:a16="http://schemas.microsoft.com/office/drawing/2014/main" id="{61FCE26D-7AAC-336C-370C-4A259EB21804}"/>
               </a:ext>
             </a:extLst>
           </p:cNvPr>
-          <p:cNvSpPr/>
-          <p:nvPr/>
+          <p:cNvSpPr>
+            <a:spLocks noGrp="1"/>
+          </p:cNvSpPr>
+          <p:nvPr>
+            <p:ph type="body" idx="1"/>
+          </p:nvPr>
         </p:nvSpPr>
         <p:spPr>
           <a:xfrm>
-            <a:off x="2549769" y="3305908"/>
-            <a:ext cx="914400" cy="914400"/>
+            <a:off x="380010" y="1481446"/>
+            <a:ext cx="8383980" cy="5156746"/>
           </a:xfrm>
-          <a:prstGeom prst="rect">
-            <a:avLst/>
-          </a:prstGeom>
         </p:spPr>
-        <p:style>
-          <a:lnRef idx="2">
-            <a:schemeClr val="accent1">
-              <a:shade val="50000"/>
-            </a:schemeClr>
-          </a:lnRef>
-          <a:fillRef idx="1">
-            <a:schemeClr val="accent1"/>
-          </a:fillRef>
-          <a:effectRef idx="0">
-            <a:schemeClr val="accent1"/>
-          </a:effectRef>
-          <a:fontRef idx="minor">
-            <a:schemeClr val="lt1"/>
-          </a:fontRef>
-        </p:style>
         <p:txBody>
-          <a:bodyPr rtlCol="0" anchor="ctr"/>
+          <a:bodyPr/>
           <a:lstStyle/>
           <a:p>
-            <a:pPr algn="ctr"/>
-            <a:endParaRPr lang="en-US"/>
+            <a:r>
+              <a:rPr lang="en-US" dirty="0"/>
+              <a:t>Open Account</a:t>
+            </a:r>
+          </a:p>
+          <a:p>
+            <a:r>
+              <a:rPr lang="en-US" dirty="0"/>
+              <a:t>Register</a:t>
+            </a:r>
+          </a:p>
+          <a:p>
+            <a:r>
+              <a:rPr lang="en-US" dirty="0"/>
+              <a:t>Login/Logout</a:t>
+            </a:r>
+          </a:p>
+          <a:p>
+            <a:r>
+              <a:rPr lang="en-US" dirty="0"/>
+              <a:t>User Profile</a:t>
+            </a:r>
+          </a:p>
+          <a:p>
+            <a:r>
+              <a:rPr lang="en-US" dirty="0"/>
+              <a:t>Track Multiple accounts</a:t>
+            </a:r>
+          </a:p>
+          <a:p>
+            <a:r>
+              <a:rPr lang="en-US" dirty="0"/>
+              <a:t>Transfer Money Between Accounts</a:t>
+            </a:r>
+          </a:p>
+          <a:p>
+            <a:r>
+              <a:rPr lang="en-US" dirty="0"/>
+              <a:t>Track Income and Expenses</a:t>
+            </a:r>
+          </a:p>
+          <a:p>
+            <a:r>
+              <a:rPr lang="en-US" dirty="0"/>
+              <a:t>Send Money</a:t>
+            </a:r>
+          </a:p>
+          <a:p>
+            <a:r>
+              <a:rPr lang="en-US" dirty="0"/>
+              <a:t>Dark Mode</a:t>
+            </a:r>
+          </a:p>
+          <a:p>
+            <a:r>
+              <a:rPr lang="en-US" dirty="0"/>
+              <a:t>Notifications</a:t>
+            </a:r>
           </a:p>
         </p:txBody>
       </p:sp>
       <p:sp>
         <p:nvSpPr>
-          <p:cNvPr id="7" name="Rectangle 6">
+          <p:cNvPr id="4" name="Slide Number Placeholder 3">
             <a:extLst>
               <a:ext uri="{FF2B5EF4-FFF2-40B4-BE49-F238E27FC236}">
-                <a16:creationId xmlns:a16="http://schemas.microsoft.com/office/drawing/2014/main" id="{E936AF6E-1256-DA84-0352-720BBD7FB15A}"/>
+                <a16:creationId xmlns:a16="http://schemas.microsoft.com/office/drawing/2014/main" id="{D6EB6420-0C49-20FC-C196-14504FC9B0EF}"/>
               </a:ext>
             </a:extLst>
           </p:cNvPr>
-          <p:cNvSpPr/>
-          <p:nvPr/>
+          <p:cNvSpPr>
+            <a:spLocks noGrp="1"/>
+          </p:cNvSpPr>
+          <p:nvPr>
+            <p:ph type="sldNum" idx="12"/>
+          </p:nvPr>
         </p:nvSpPr>
-        <p:spPr>
-          <a:xfrm>
-            <a:off x="5222633" y="3305908"/>
-            <a:ext cx="914400" cy="1907930"/>
-          </a:xfrm>
-          <a:prstGeom prst="rect">
-            <a:avLst/>
-          </a:prstGeom>
-        </p:spPr>
-        <p:style>
-          <a:lnRef idx="2">
-            <a:schemeClr val="accent1">
-              <a:shade val="50000"/>
-            </a:schemeClr>
-          </a:lnRef>
-          <a:fillRef idx="1">
-            <a:schemeClr val="accent1"/>
-          </a:fillRef>
-          <a:effectRef idx="0">
-            <a:schemeClr val="accent1"/>
-          </a:effectRef>
-          <a:fontRef idx="minor">
-            <a:schemeClr val="lt1"/>
-          </a:fontRef>
-        </p:style>
+        <p:spPr/>
         <p:txBody>
-          <a:bodyPr rtlCol="0" anchor="ctr"/>
+          <a:bodyPr/>
           <a:lstStyle/>
           <a:p>
-            <a:pPr algn="ctr"/>
-            <a:endParaRPr lang="en-US"/>
-          </a:p>
-        </p:txBody>
-      </p:sp>
-      <p:sp>
-        <p:nvSpPr>
-          <p:cNvPr id="8" name="Rectangle 7">
-            <a:extLst>
-              <a:ext uri="{FF2B5EF4-FFF2-40B4-BE49-F238E27FC236}">
-                <a16:creationId xmlns:a16="http://schemas.microsoft.com/office/drawing/2014/main" id="{ECAA6C42-6363-4473-44B2-C519F1B858BF}"/>
-              </a:ext>
-            </a:extLst>
-          </p:cNvPr>
-          <p:cNvSpPr/>
-          <p:nvPr/>
-        </p:nvSpPr>
-        <p:spPr>
-          <a:xfrm>
-            <a:off x="6708530" y="3341078"/>
-            <a:ext cx="914400" cy="1872760"/>
-          </a:xfrm>
-          <a:prstGeom prst="rect">
-            <a:avLst/>
-          </a:prstGeom>
-        </p:spPr>
-        <p:style>
-          <a:lnRef idx="2">
-            <a:schemeClr val="accent1">
-              <a:shade val="50000"/>
-            </a:schemeClr>
-          </a:lnRef>
-          <a:fillRef idx="1">
-            <a:schemeClr val="accent1"/>
-          </a:fillRef>
-          <a:effectRef idx="0">
-            <a:schemeClr val="accent1"/>
-          </a:effectRef>
-          <a:fontRef idx="minor">
-            <a:schemeClr val="lt1"/>
-          </a:fontRef>
-        </p:style>
-        <p:txBody>
-          <a:bodyPr rtlCol="0" anchor="ctr"/>
-          <a:lstStyle/>
-          <a:p>
-            <a:pPr algn="ctr"/>
+            <a:pPr marL="0" lvl="0" indent="0" algn="r" rtl="0">
+              <a:spcBef>
+                <a:spcPts val="0"/>
+              </a:spcBef>
+              <a:spcAft>
+                <a:spcPts val="0"/>
+              </a:spcAft>
+              <a:buNone/>
+            </a:pPr>
+            <a:fld id="{00000000-1234-1234-1234-123412341234}" type="slidenum">
+              <a:rPr lang="en-US" smtClean="0"/>
+              <a:t>7</a:t>
+            </a:fld>
             <a:endParaRPr lang="en-US"/>
           </a:p>
         </p:txBody>
@@ -30488,7 +30573,149 @@
     </p:spTree>
     <p:extLst>
       <p:ext uri="{BB962C8B-B14F-4D97-AF65-F5344CB8AC3E}">
-        <p14:creationId xmlns:p14="http://schemas.microsoft.com/office/powerpoint/2010/main" val="3374668984"/>
+        <p14:creationId xmlns:p14="http://schemas.microsoft.com/office/powerpoint/2010/main" val="2854186743"/>
+      </p:ext>
+    </p:extLst>
+  </p:cSld>
+  <p:clrMapOvr>
+    <a:masterClrMapping/>
+  </p:clrMapOvr>
+</p:sld>
+</file>
+
+<file path=ppt/slides/slide9.xml><?xml version="1.0" encoding="utf-8"?>
+<p:sld xmlns:a="http://schemas.openxmlformats.org/drawingml/2006/main" xmlns:r="http://schemas.openxmlformats.org/officeDocument/2006/relationships" xmlns:p="http://schemas.openxmlformats.org/presentationml/2006/main">
+  <p:cSld>
+    <p:spTree>
+      <p:nvGrpSpPr>
+        <p:cNvPr id="1" name=""/>
+        <p:cNvGrpSpPr/>
+        <p:nvPr/>
+      </p:nvGrpSpPr>
+      <p:grpSpPr>
+        <a:xfrm>
+          <a:off x="0" y="0"/>
+          <a:ext cx="0" cy="0"/>
+          <a:chOff x="0" y="0"/>
+          <a:chExt cx="0" cy="0"/>
+        </a:xfrm>
+      </p:grpSpPr>
+      <p:sp>
+        <p:nvSpPr>
+          <p:cNvPr id="2" name="Title 1">
+            <a:extLst>
+              <a:ext uri="{FF2B5EF4-FFF2-40B4-BE49-F238E27FC236}">
+                <a16:creationId xmlns:a16="http://schemas.microsoft.com/office/drawing/2014/main" id="{930BC800-2052-869D-A945-F3258C49AA8B}"/>
+              </a:ext>
+            </a:extLst>
+          </p:cNvPr>
+          <p:cNvSpPr>
+            <a:spLocks noGrp="1"/>
+          </p:cNvSpPr>
+          <p:nvPr>
+            <p:ph type="title"/>
+          </p:nvPr>
+        </p:nvSpPr>
+        <p:spPr/>
+        <p:txBody>
+          <a:bodyPr/>
+          <a:lstStyle/>
+          <a:p>
+            <a:r>
+              <a:rPr lang="en-US" dirty="0"/>
+              <a:t>Challenges Faced</a:t>
+            </a:r>
+          </a:p>
+        </p:txBody>
+      </p:sp>
+      <p:sp>
+        <p:nvSpPr>
+          <p:cNvPr id="3" name="Text Placeholder 2">
+            <a:extLst>
+              <a:ext uri="{FF2B5EF4-FFF2-40B4-BE49-F238E27FC236}">
+                <a16:creationId xmlns:a16="http://schemas.microsoft.com/office/drawing/2014/main" id="{6A05C9A5-A25E-E2D7-EF9C-7C85C76E6B51}"/>
+              </a:ext>
+            </a:extLst>
+          </p:cNvPr>
+          <p:cNvSpPr>
+            <a:spLocks noGrp="1"/>
+          </p:cNvSpPr>
+          <p:nvPr>
+            <p:ph type="body" idx="1"/>
+          </p:nvPr>
+        </p:nvSpPr>
+        <p:spPr/>
+        <p:txBody>
+          <a:bodyPr/>
+          <a:lstStyle/>
+          <a:p>
+            <a:r>
+              <a:rPr lang="en-US" dirty="0"/>
+              <a:t>Unit Testing</a:t>
+            </a:r>
+          </a:p>
+          <a:p>
+            <a:r>
+              <a:rPr lang="en-US" dirty="0"/>
+              <a:t>Spring</a:t>
+            </a:r>
+          </a:p>
+          <a:p>
+            <a:r>
+              <a:rPr lang="en-US" dirty="0"/>
+              <a:t>Implementing Other APIs</a:t>
+            </a:r>
+          </a:p>
+          <a:p>
+            <a:pPr marL="50800" indent="0">
+              <a:buNone/>
+            </a:pPr>
+            <a:endParaRPr lang="en-US" dirty="0"/>
+          </a:p>
+        </p:txBody>
+      </p:sp>
+      <p:sp>
+        <p:nvSpPr>
+          <p:cNvPr id="4" name="Slide Number Placeholder 3">
+            <a:extLst>
+              <a:ext uri="{FF2B5EF4-FFF2-40B4-BE49-F238E27FC236}">
+                <a16:creationId xmlns:a16="http://schemas.microsoft.com/office/drawing/2014/main" id="{EE90E056-2464-1076-AEED-CB4ED1FC98BD}"/>
+              </a:ext>
+            </a:extLst>
+          </p:cNvPr>
+          <p:cNvSpPr>
+            <a:spLocks noGrp="1"/>
+          </p:cNvSpPr>
+          <p:nvPr>
+            <p:ph type="sldNum" idx="12"/>
+          </p:nvPr>
+        </p:nvSpPr>
+        <p:spPr/>
+        <p:txBody>
+          <a:bodyPr/>
+          <a:lstStyle/>
+          <a:p>
+            <a:pPr marL="0" lvl="0" indent="0" algn="r" rtl="0">
+              <a:spcBef>
+                <a:spcPts val="0"/>
+              </a:spcBef>
+              <a:spcAft>
+                <a:spcPts val="0"/>
+              </a:spcAft>
+              <a:buNone/>
+            </a:pPr>
+            <a:fld id="{00000000-1234-1234-1234-123412341234}" type="slidenum">
+              <a:rPr lang="en-US" smtClean="0"/>
+              <a:t>8</a:t>
+            </a:fld>
+            <a:endParaRPr lang="en-US"/>
+          </a:p>
+        </p:txBody>
+      </p:sp>
+    </p:spTree>
+    <p:extLst>
+      <p:ext uri="{BB962C8B-B14F-4D97-AF65-F5344CB8AC3E}">
+        <p14:creationId xmlns:p14="http://schemas.microsoft.com/office/powerpoint/2010/main" val="1832876262"/>
       </p:ext>
     </p:extLst>
   </p:cSld>

--- a/Revature_PPT_Template (1).pptx
+++ b/Revature_PPT_Template (1).pptx
@@ -5,7 +5,7 @@
     <p:sldMasterId id="2147483661" r:id="rId1"/>
   </p:sldMasterIdLst>
   <p:notesMasterIdLst>
-    <p:notesMasterId r:id="rId12"/>
+    <p:notesMasterId r:id="rId18"/>
   </p:notesMasterIdLst>
   <p:sldIdLst>
     <p:sldId id="256" r:id="rId2"/>
@@ -18,6 +18,12 @@
     <p:sldId id="265" r:id="rId9"/>
     <p:sldId id="267" r:id="rId10"/>
     <p:sldId id="268" r:id="rId11"/>
+    <p:sldId id="269" r:id="rId12"/>
+    <p:sldId id="270" r:id="rId13"/>
+    <p:sldId id="273" r:id="rId14"/>
+    <p:sldId id="271" r:id="rId15"/>
+    <p:sldId id="274" r:id="rId16"/>
+    <p:sldId id="272" r:id="rId17"/>
   </p:sldIdLst>
   <p:sldSz cx="9144000" cy="6858000" type="screen4x3"/>
   <p:notesSz cx="7010400" cy="9296400"/>
@@ -262,12 +268,259 @@
 <p1510:revInfo xmlns:a="http://schemas.openxmlformats.org/drawingml/2006/main" xmlns:r="http://schemas.openxmlformats.org/officeDocument/2006/relationships" xmlns:p1510="http://schemas.microsoft.com/office/powerpoint/2015/10/main">
   <p1510:revLst>
     <p1510:client id="{639DFE65-9852-4226-8505-0AB60F7BF2AF}" v="7" dt="2022-11-04T02:42:17.798"/>
+    <p1510:client id="{766BCEE8-C23E-4B3D-9146-8AB6139CB4D0}" v="12" dt="2022-11-04T05:06:06.213"/>
   </p1510:revLst>
 </p1510:revInfo>
 </file>
 
 <file path=ppt/changesInfos/changesInfo1.xml><?xml version="1.0" encoding="utf-8"?>
 <pc:chgInfo xmlns:a="http://schemas.openxmlformats.org/drawingml/2006/main" xmlns:r="http://schemas.openxmlformats.org/officeDocument/2006/relationships" xmlns:ac="http://schemas.microsoft.com/office/drawing/2013/main/command" xmlns:pc="http://schemas.microsoft.com/office/powerpoint/2013/main/command">
+  <pc:docChgLst>
+    <pc:chgData name="Josiah Schmidt" userId="fb95630c82ccdcef" providerId="LiveId" clId="{766BCEE8-C23E-4B3D-9146-8AB6139CB4D0}"/>
+    <pc:docChg chg="undo custSel addSld delSld modSld">
+      <pc:chgData name="Josiah Schmidt" userId="fb95630c82ccdcef" providerId="LiveId" clId="{766BCEE8-C23E-4B3D-9146-8AB6139CB4D0}" dt="2022-11-04T05:06:18.115" v="207" actId="14100"/>
+      <pc:docMkLst>
+        <pc:docMk/>
+      </pc:docMkLst>
+      <pc:sldChg chg="addSp modSp mod">
+        <pc:chgData name="Josiah Schmidt" userId="fb95630c82ccdcef" providerId="LiveId" clId="{766BCEE8-C23E-4B3D-9146-8AB6139CB4D0}" dt="2022-11-04T04:24:34.694" v="28" actId="14100"/>
+        <pc:sldMkLst>
+          <pc:docMk/>
+          <pc:sldMk cId="1348851327" sldId="268"/>
+        </pc:sldMkLst>
+        <pc:spChg chg="mod">
+          <ac:chgData name="Josiah Schmidt" userId="fb95630c82ccdcef" providerId="LiveId" clId="{766BCEE8-C23E-4B3D-9146-8AB6139CB4D0}" dt="2022-11-04T04:23:28.338" v="16" actId="20577"/>
+          <ac:spMkLst>
+            <pc:docMk/>
+            <pc:sldMk cId="1348851327" sldId="268"/>
+            <ac:spMk id="2" creationId="{90277C91-6E44-56DC-A145-934559C2B70F}"/>
+          </ac:spMkLst>
+        </pc:spChg>
+        <pc:spChg chg="mod">
+          <ac:chgData name="Josiah Schmidt" userId="fb95630c82ccdcef" providerId="LiveId" clId="{766BCEE8-C23E-4B3D-9146-8AB6139CB4D0}" dt="2022-11-04T04:24:24.057" v="24" actId="14100"/>
+          <ac:spMkLst>
+            <pc:docMk/>
+            <pc:sldMk cId="1348851327" sldId="268"/>
+            <ac:spMk id="3" creationId="{031B0694-C20D-B574-B6C3-595FFB59E27E}"/>
+          </ac:spMkLst>
+        </pc:spChg>
+        <pc:picChg chg="add mod">
+          <ac:chgData name="Josiah Schmidt" userId="fb95630c82ccdcef" providerId="LiveId" clId="{766BCEE8-C23E-4B3D-9146-8AB6139CB4D0}" dt="2022-11-04T04:24:34.694" v="28" actId="14100"/>
+          <ac:picMkLst>
+            <pc:docMk/>
+            <pc:sldMk cId="1348851327" sldId="268"/>
+            <ac:picMk id="6" creationId="{43E387F2-E6BB-757A-65E3-5374E5343045}"/>
+          </ac:picMkLst>
+        </pc:picChg>
+      </pc:sldChg>
+      <pc:sldChg chg="addSp modSp new mod">
+        <pc:chgData name="Josiah Schmidt" userId="fb95630c82ccdcef" providerId="LiveId" clId="{766BCEE8-C23E-4B3D-9146-8AB6139CB4D0}" dt="2022-11-04T04:32:47.963" v="87" actId="1076"/>
+        <pc:sldMkLst>
+          <pc:docMk/>
+          <pc:sldMk cId="1286369169" sldId="269"/>
+        </pc:sldMkLst>
+        <pc:spChg chg="mod">
+          <ac:chgData name="Josiah Schmidt" userId="fb95630c82ccdcef" providerId="LiveId" clId="{766BCEE8-C23E-4B3D-9146-8AB6139CB4D0}" dt="2022-11-04T04:29:32.460" v="40" actId="20577"/>
+          <ac:spMkLst>
+            <pc:docMk/>
+            <pc:sldMk cId="1286369169" sldId="269"/>
+            <ac:spMk id="2" creationId="{F366580B-615C-C704-02EA-471E386F640D}"/>
+          </ac:spMkLst>
+        </pc:spChg>
+        <pc:picChg chg="add mod">
+          <ac:chgData name="Josiah Schmidt" userId="fb95630c82ccdcef" providerId="LiveId" clId="{766BCEE8-C23E-4B3D-9146-8AB6139CB4D0}" dt="2022-11-04T04:31:59.859" v="70" actId="14100"/>
+          <ac:picMkLst>
+            <pc:docMk/>
+            <pc:sldMk cId="1286369169" sldId="269"/>
+            <ac:picMk id="6" creationId="{88E62A92-19DE-7B70-EB7E-7A6179F65BB9}"/>
+          </ac:picMkLst>
+        </pc:picChg>
+        <pc:picChg chg="add mod">
+          <ac:chgData name="Josiah Schmidt" userId="fb95630c82ccdcef" providerId="LiveId" clId="{766BCEE8-C23E-4B3D-9146-8AB6139CB4D0}" dt="2022-11-04T04:32:47.963" v="87" actId="1076"/>
+          <ac:picMkLst>
+            <pc:docMk/>
+            <pc:sldMk cId="1286369169" sldId="269"/>
+            <ac:picMk id="8" creationId="{C9900624-A66F-842B-2398-F5C1522D46EB}"/>
+          </ac:picMkLst>
+        </pc:picChg>
+        <pc:picChg chg="add mod">
+          <ac:chgData name="Josiah Schmidt" userId="fb95630c82ccdcef" providerId="LiveId" clId="{766BCEE8-C23E-4B3D-9146-8AB6139CB4D0}" dt="2022-11-04T04:32:39.757" v="84" actId="1076"/>
+          <ac:picMkLst>
+            <pc:docMk/>
+            <pc:sldMk cId="1286369169" sldId="269"/>
+            <ac:picMk id="10" creationId="{86082C74-B190-4A0F-22A9-9AF2BCDC3ACC}"/>
+          </ac:picMkLst>
+        </pc:picChg>
+        <pc:picChg chg="add mod">
+          <ac:chgData name="Josiah Schmidt" userId="fb95630c82ccdcef" providerId="LiveId" clId="{766BCEE8-C23E-4B3D-9146-8AB6139CB4D0}" dt="2022-11-04T04:32:23.122" v="78" actId="1076"/>
+          <ac:picMkLst>
+            <pc:docMk/>
+            <pc:sldMk cId="1286369169" sldId="269"/>
+            <ac:picMk id="12" creationId="{8CD054FF-D217-D217-7141-9E59100688EB}"/>
+          </ac:picMkLst>
+        </pc:picChg>
+        <pc:picChg chg="add mod">
+          <ac:chgData name="Josiah Schmidt" userId="fb95630c82ccdcef" providerId="LiveId" clId="{766BCEE8-C23E-4B3D-9146-8AB6139CB4D0}" dt="2022-11-04T04:32:27.771" v="79" actId="1076"/>
+          <ac:picMkLst>
+            <pc:docMk/>
+            <pc:sldMk cId="1286369169" sldId="269"/>
+            <ac:picMk id="14" creationId="{3991AF3D-9641-CA80-8195-D732C0B55A48}"/>
+          </ac:picMkLst>
+        </pc:picChg>
+      </pc:sldChg>
+      <pc:sldChg chg="addSp modSp new mod">
+        <pc:chgData name="Josiah Schmidt" userId="fb95630c82ccdcef" providerId="LiveId" clId="{766BCEE8-C23E-4B3D-9146-8AB6139CB4D0}" dt="2022-11-04T04:35:47.744" v="106" actId="14100"/>
+        <pc:sldMkLst>
+          <pc:docMk/>
+          <pc:sldMk cId="1746043486" sldId="270"/>
+        </pc:sldMkLst>
+        <pc:spChg chg="mod">
+          <ac:chgData name="Josiah Schmidt" userId="fb95630c82ccdcef" providerId="LiveId" clId="{766BCEE8-C23E-4B3D-9146-8AB6139CB4D0}" dt="2022-11-04T04:33:24.420" v="100" actId="20577"/>
+          <ac:spMkLst>
+            <pc:docMk/>
+            <pc:sldMk cId="1746043486" sldId="270"/>
+            <ac:spMk id="2" creationId="{1F80CE2E-D334-396F-049A-2458922EF523}"/>
+          </ac:spMkLst>
+        </pc:spChg>
+        <pc:picChg chg="add mod">
+          <ac:chgData name="Josiah Schmidt" userId="fb95630c82ccdcef" providerId="LiveId" clId="{766BCEE8-C23E-4B3D-9146-8AB6139CB4D0}" dt="2022-11-04T04:35:47.744" v="106" actId="14100"/>
+          <ac:picMkLst>
+            <pc:docMk/>
+            <pc:sldMk cId="1746043486" sldId="270"/>
+            <ac:picMk id="6" creationId="{3AB43AB4-E3FD-8DBB-1EFD-6E3D90E08EFC}"/>
+          </ac:picMkLst>
+        </pc:picChg>
+      </pc:sldChg>
+      <pc:sldChg chg="new del">
+        <pc:chgData name="Josiah Schmidt" userId="fb95630c82ccdcef" providerId="LiveId" clId="{766BCEE8-C23E-4B3D-9146-8AB6139CB4D0}" dt="2022-11-04T04:23:12.196" v="8" actId="47"/>
+        <pc:sldMkLst>
+          <pc:docMk/>
+          <pc:sldMk cId="2159943237" sldId="270"/>
+        </pc:sldMkLst>
+      </pc:sldChg>
+      <pc:sldChg chg="new del">
+        <pc:chgData name="Josiah Schmidt" userId="fb95630c82ccdcef" providerId="LiveId" clId="{766BCEE8-C23E-4B3D-9146-8AB6139CB4D0}" dt="2022-11-04T04:23:11.173" v="7" actId="47"/>
+        <pc:sldMkLst>
+          <pc:docMk/>
+          <pc:sldMk cId="672219368" sldId="271"/>
+        </pc:sldMkLst>
+      </pc:sldChg>
+      <pc:sldChg chg="addSp modSp new mod">
+        <pc:chgData name="Josiah Schmidt" userId="fb95630c82ccdcef" providerId="LiveId" clId="{766BCEE8-C23E-4B3D-9146-8AB6139CB4D0}" dt="2022-11-04T04:44:33.687" v="131" actId="14100"/>
+        <pc:sldMkLst>
+          <pc:docMk/>
+          <pc:sldMk cId="2914928159" sldId="271"/>
+        </pc:sldMkLst>
+        <pc:spChg chg="mod">
+          <ac:chgData name="Josiah Schmidt" userId="fb95630c82ccdcef" providerId="LiveId" clId="{766BCEE8-C23E-4B3D-9146-8AB6139CB4D0}" dt="2022-11-04T04:43:16.961" v="121" actId="20577"/>
+          <ac:spMkLst>
+            <pc:docMk/>
+            <pc:sldMk cId="2914928159" sldId="271"/>
+            <ac:spMk id="2" creationId="{2963A71D-E461-C7EC-8B45-3F3A37A4BD3A}"/>
+          </ac:spMkLst>
+        </pc:spChg>
+        <pc:picChg chg="add mod">
+          <ac:chgData name="Josiah Schmidt" userId="fb95630c82ccdcef" providerId="LiveId" clId="{766BCEE8-C23E-4B3D-9146-8AB6139CB4D0}" dt="2022-11-04T04:44:33.687" v="131" actId="14100"/>
+          <ac:picMkLst>
+            <pc:docMk/>
+            <pc:sldMk cId="2914928159" sldId="271"/>
+            <ac:picMk id="6" creationId="{7DAF25EF-AE4A-E194-BDD3-2E421FE51482}"/>
+          </ac:picMkLst>
+        </pc:picChg>
+      </pc:sldChg>
+      <pc:sldChg chg="new del">
+        <pc:chgData name="Josiah Schmidt" userId="fb95630c82ccdcef" providerId="LiveId" clId="{766BCEE8-C23E-4B3D-9146-8AB6139CB4D0}" dt="2022-11-04T04:23:10.104" v="6" actId="47"/>
+        <pc:sldMkLst>
+          <pc:docMk/>
+          <pc:sldMk cId="3368651217" sldId="272"/>
+        </pc:sldMkLst>
+      </pc:sldChg>
+      <pc:sldChg chg="addSp modSp new mod">
+        <pc:chgData name="Josiah Schmidt" userId="fb95630c82ccdcef" providerId="LiveId" clId="{766BCEE8-C23E-4B3D-9146-8AB6139CB4D0}" dt="2022-11-04T04:51:52.684" v="153" actId="14100"/>
+        <pc:sldMkLst>
+          <pc:docMk/>
+          <pc:sldMk cId="3853852499" sldId="272"/>
+        </pc:sldMkLst>
+        <pc:spChg chg="mod">
+          <ac:chgData name="Josiah Schmidt" userId="fb95630c82ccdcef" providerId="LiveId" clId="{766BCEE8-C23E-4B3D-9146-8AB6139CB4D0}" dt="2022-11-04T04:51:18.124" v="144" actId="20577"/>
+          <ac:spMkLst>
+            <pc:docMk/>
+            <pc:sldMk cId="3853852499" sldId="272"/>
+            <ac:spMk id="2" creationId="{17721EF8-FA2A-8204-F23E-77FC60F746C4}"/>
+          </ac:spMkLst>
+        </pc:spChg>
+        <pc:picChg chg="add mod">
+          <ac:chgData name="Josiah Schmidt" userId="fb95630c82ccdcef" providerId="LiveId" clId="{766BCEE8-C23E-4B3D-9146-8AB6139CB4D0}" dt="2022-11-04T04:51:52.684" v="153" actId="14100"/>
+          <ac:picMkLst>
+            <pc:docMk/>
+            <pc:sldMk cId="3853852499" sldId="272"/>
+            <ac:picMk id="6" creationId="{893D0C29-AE0A-A5D4-9A76-ABBFBB450517}"/>
+          </ac:picMkLst>
+        </pc:picChg>
+      </pc:sldChg>
+      <pc:sldChg chg="new del">
+        <pc:chgData name="Josiah Schmidt" userId="fb95630c82ccdcef" providerId="LiveId" clId="{766BCEE8-C23E-4B3D-9146-8AB6139CB4D0}" dt="2022-11-04T04:23:08.999" v="5" actId="47"/>
+        <pc:sldMkLst>
+          <pc:docMk/>
+          <pc:sldMk cId="3045606900" sldId="273"/>
+        </pc:sldMkLst>
+      </pc:sldChg>
+      <pc:sldChg chg="addSp modSp new mod">
+        <pc:chgData name="Josiah Schmidt" userId="fb95630c82ccdcef" providerId="LiveId" clId="{766BCEE8-C23E-4B3D-9146-8AB6139CB4D0}" dt="2022-11-04T05:06:18.115" v="207" actId="14100"/>
+        <pc:sldMkLst>
+          <pc:docMk/>
+          <pc:sldMk cId="4262191273" sldId="273"/>
+        </pc:sldMkLst>
+        <pc:spChg chg="mod">
+          <ac:chgData name="Josiah Schmidt" userId="fb95630c82ccdcef" providerId="LiveId" clId="{766BCEE8-C23E-4B3D-9146-8AB6139CB4D0}" dt="2022-11-04T04:57:08.530" v="167" actId="20577"/>
+          <ac:spMkLst>
+            <pc:docMk/>
+            <pc:sldMk cId="4262191273" sldId="273"/>
+            <ac:spMk id="2" creationId="{CE947ECA-C54A-841D-6CCB-E4090AE5F919}"/>
+          </ac:spMkLst>
+        </pc:spChg>
+        <pc:picChg chg="add mod">
+          <ac:chgData name="Josiah Schmidt" userId="fb95630c82ccdcef" providerId="LiveId" clId="{766BCEE8-C23E-4B3D-9146-8AB6139CB4D0}" dt="2022-11-04T05:06:18.115" v="207" actId="14100"/>
+          <ac:picMkLst>
+            <pc:docMk/>
+            <pc:sldMk cId="4262191273" sldId="273"/>
+            <ac:picMk id="6" creationId="{8906CF6C-F1DB-72E7-E9AF-CBE246B47B9C}"/>
+          </ac:picMkLst>
+        </pc:picChg>
+      </pc:sldChg>
+      <pc:sldChg chg="addSp modSp new mod">
+        <pc:chgData name="Josiah Schmidt" userId="fb95630c82ccdcef" providerId="LiveId" clId="{766BCEE8-C23E-4B3D-9146-8AB6139CB4D0}" dt="2022-11-04T05:02:23.652" v="200" actId="14100"/>
+        <pc:sldMkLst>
+          <pc:docMk/>
+          <pc:sldMk cId="2085324064" sldId="274"/>
+        </pc:sldMkLst>
+        <pc:spChg chg="mod">
+          <ac:chgData name="Josiah Schmidt" userId="fb95630c82ccdcef" providerId="LiveId" clId="{766BCEE8-C23E-4B3D-9146-8AB6139CB4D0}" dt="2022-11-04T04:57:37.876" v="179" actId="20577"/>
+          <ac:spMkLst>
+            <pc:docMk/>
+            <pc:sldMk cId="2085324064" sldId="274"/>
+            <ac:spMk id="2" creationId="{5F6CDCF4-6D1C-06E2-ACFD-DBB7D8ED04FC}"/>
+          </ac:spMkLst>
+        </pc:spChg>
+        <pc:picChg chg="add mod">
+          <ac:chgData name="Josiah Schmidt" userId="fb95630c82ccdcef" providerId="LiveId" clId="{766BCEE8-C23E-4B3D-9146-8AB6139CB4D0}" dt="2022-11-04T05:02:20.544" v="199" actId="14100"/>
+          <ac:picMkLst>
+            <pc:docMk/>
+            <pc:sldMk cId="2085324064" sldId="274"/>
+            <ac:picMk id="6" creationId="{50252345-D9C4-8998-A275-0AB487055C02}"/>
+          </ac:picMkLst>
+        </pc:picChg>
+        <pc:picChg chg="add mod">
+          <ac:chgData name="Josiah Schmidt" userId="fb95630c82ccdcef" providerId="LiveId" clId="{766BCEE8-C23E-4B3D-9146-8AB6139CB4D0}" dt="2022-11-04T05:02:23.652" v="200" actId="14100"/>
+          <ac:picMkLst>
+            <pc:docMk/>
+            <pc:sldMk cId="2085324064" sldId="274"/>
+            <ac:picMk id="8" creationId="{9646570C-7452-25E2-7B5E-BB3CE4CB2587}"/>
+          </ac:picMkLst>
+        </pc:picChg>
+      </pc:sldChg>
+    </pc:docChg>
+  </pc:docChgLst>
   <pc:docChgLst>
     <pc:chgData name="Josiah Schmidt" userId="fb95630c82ccdcef" providerId="LiveId" clId="{639DFE65-9852-4226-8505-0AB60F7BF2AF}"/>
     <pc:docChg chg="undo custSel addSld delSld modSld">
@@ -29059,7 +29312,7 @@
           <a:p>
             <a:r>
               <a:rPr lang="en-US" dirty="0"/>
-              <a:t>Demo</a:t>
+              <a:t>Backend Demo</a:t>
             </a:r>
           </a:p>
         </p:txBody>
@@ -29080,12 +29333,17 @@
             <p:ph type="body" idx="1"/>
           </p:nvPr>
         </p:nvSpPr>
-        <p:spPr/>
+        <p:spPr>
+          <a:xfrm flipH="1">
+            <a:off x="4999839" y="3087149"/>
+            <a:ext cx="45719" cy="956345"/>
+          </a:xfrm>
+        </p:spPr>
         <p:txBody>
           <a:bodyPr/>
           <a:lstStyle/>
           <a:p>
-            <a:endParaRPr lang="en-US"/>
+            <a:endParaRPr lang="en-US" dirty="0"/>
           </a:p>
         </p:txBody>
       </p:sp>
@@ -29127,10 +29385,1096 @@
           </a:p>
         </p:txBody>
       </p:sp>
+      <p:pic>
+        <p:nvPicPr>
+          <p:cNvPr id="6" name="Picture 5" descr="Text&#10;&#10;Description automatically generated">
+            <a:extLst>
+              <a:ext uri="{FF2B5EF4-FFF2-40B4-BE49-F238E27FC236}">
+                <a16:creationId xmlns:a16="http://schemas.microsoft.com/office/drawing/2014/main" id="{43E387F2-E6BB-757A-65E3-5374E5343045}"/>
+              </a:ext>
+            </a:extLst>
+          </p:cNvPr>
+          <p:cNvPicPr>
+            <a:picLocks noChangeAspect="1"/>
+          </p:cNvPicPr>
+          <p:nvPr/>
+        </p:nvPicPr>
+        <p:blipFill>
+          <a:blip r:embed="rId2"/>
+          <a:stretch>
+            <a:fillRect/>
+          </a:stretch>
+        </p:blipFill>
+        <p:spPr>
+          <a:xfrm>
+            <a:off x="2231472" y="1409350"/>
+            <a:ext cx="4999837" cy="4865615"/>
+          </a:xfrm>
+          <a:prstGeom prst="rect">
+            <a:avLst/>
+          </a:prstGeom>
+        </p:spPr>
+      </p:pic>
     </p:spTree>
     <p:extLst>
       <p:ext uri="{BB962C8B-B14F-4D97-AF65-F5344CB8AC3E}">
         <p14:creationId xmlns:p14="http://schemas.microsoft.com/office/powerpoint/2010/main" val="1348851327"/>
+      </p:ext>
+    </p:extLst>
+  </p:cSld>
+  <p:clrMapOvr>
+    <a:masterClrMapping/>
+  </p:clrMapOvr>
+</p:sld>
+</file>
+
+<file path=ppt/slides/slide11.xml><?xml version="1.0" encoding="utf-8"?>
+<p:sld xmlns:a="http://schemas.openxmlformats.org/drawingml/2006/main" xmlns:r="http://schemas.openxmlformats.org/officeDocument/2006/relationships" xmlns:p="http://schemas.openxmlformats.org/presentationml/2006/main">
+  <p:cSld>
+    <p:spTree>
+      <p:nvGrpSpPr>
+        <p:cNvPr id="1" name=""/>
+        <p:cNvGrpSpPr/>
+        <p:nvPr/>
+      </p:nvGrpSpPr>
+      <p:grpSpPr>
+        <a:xfrm>
+          <a:off x="0" y="0"/>
+          <a:ext cx="0" cy="0"/>
+          <a:chOff x="0" y="0"/>
+          <a:chExt cx="0" cy="0"/>
+        </a:xfrm>
+      </p:grpSpPr>
+      <p:sp>
+        <p:nvSpPr>
+          <p:cNvPr id="2" name="Title 1">
+            <a:extLst>
+              <a:ext uri="{FF2B5EF4-FFF2-40B4-BE49-F238E27FC236}">
+                <a16:creationId xmlns:a16="http://schemas.microsoft.com/office/drawing/2014/main" id="{F366580B-615C-C704-02EA-471E386F640D}"/>
+              </a:ext>
+            </a:extLst>
+          </p:cNvPr>
+          <p:cNvSpPr>
+            <a:spLocks noGrp="1"/>
+          </p:cNvSpPr>
+          <p:nvPr>
+            <p:ph type="title"/>
+          </p:nvPr>
+        </p:nvSpPr>
+        <p:spPr/>
+        <p:txBody>
+          <a:bodyPr/>
+          <a:lstStyle/>
+          <a:p>
+            <a:r>
+              <a:rPr lang="en-US" dirty="0"/>
+              <a:t>Backend Demo</a:t>
+            </a:r>
+          </a:p>
+        </p:txBody>
+      </p:sp>
+      <p:sp>
+        <p:nvSpPr>
+          <p:cNvPr id="3" name="Text Placeholder 2">
+            <a:extLst>
+              <a:ext uri="{FF2B5EF4-FFF2-40B4-BE49-F238E27FC236}">
+                <a16:creationId xmlns:a16="http://schemas.microsoft.com/office/drawing/2014/main" id="{4AC7BC1B-7F90-046B-D927-3F4398958C5C}"/>
+              </a:ext>
+            </a:extLst>
+          </p:cNvPr>
+          <p:cNvSpPr>
+            <a:spLocks noGrp="1"/>
+          </p:cNvSpPr>
+          <p:nvPr>
+            <p:ph type="body" idx="1"/>
+          </p:nvPr>
+        </p:nvSpPr>
+        <p:spPr/>
+        <p:txBody>
+          <a:bodyPr/>
+          <a:lstStyle/>
+          <a:p>
+            <a:endParaRPr lang="en-US" dirty="0"/>
+          </a:p>
+        </p:txBody>
+      </p:sp>
+      <p:sp>
+        <p:nvSpPr>
+          <p:cNvPr id="4" name="Slide Number Placeholder 3">
+            <a:extLst>
+              <a:ext uri="{FF2B5EF4-FFF2-40B4-BE49-F238E27FC236}">
+                <a16:creationId xmlns:a16="http://schemas.microsoft.com/office/drawing/2014/main" id="{9AB0C493-63D4-E279-5AD2-A37263CF62A2}"/>
+              </a:ext>
+            </a:extLst>
+          </p:cNvPr>
+          <p:cNvSpPr>
+            <a:spLocks noGrp="1"/>
+          </p:cNvSpPr>
+          <p:nvPr>
+            <p:ph type="sldNum" idx="12"/>
+          </p:nvPr>
+        </p:nvSpPr>
+        <p:spPr/>
+        <p:txBody>
+          <a:bodyPr/>
+          <a:lstStyle/>
+          <a:p>
+            <a:pPr marL="0" lvl="0" indent="0" algn="r" rtl="0">
+              <a:spcBef>
+                <a:spcPts val="0"/>
+              </a:spcBef>
+              <a:spcAft>
+                <a:spcPts val="0"/>
+              </a:spcAft>
+              <a:buNone/>
+            </a:pPr>
+            <a:fld id="{00000000-1234-1234-1234-123412341234}" type="slidenum">
+              <a:rPr lang="en-US" smtClean="0"/>
+              <a:t>10</a:t>
+            </a:fld>
+            <a:endParaRPr lang="en-US"/>
+          </a:p>
+        </p:txBody>
+      </p:sp>
+      <p:pic>
+        <p:nvPicPr>
+          <p:cNvPr id="6" name="Picture 5" descr="Graphical user interface, text, application&#10;&#10;Description automatically generated">
+            <a:extLst>
+              <a:ext uri="{FF2B5EF4-FFF2-40B4-BE49-F238E27FC236}">
+                <a16:creationId xmlns:a16="http://schemas.microsoft.com/office/drawing/2014/main" id="{88E62A92-19DE-7B70-EB7E-7A6179F65BB9}"/>
+              </a:ext>
+            </a:extLst>
+          </p:cNvPr>
+          <p:cNvPicPr>
+            <a:picLocks noChangeAspect="1"/>
+          </p:cNvPicPr>
+          <p:nvPr/>
+        </p:nvPicPr>
+        <p:blipFill>
+          <a:blip r:embed="rId2"/>
+          <a:stretch>
+            <a:fillRect/>
+          </a:stretch>
+        </p:blipFill>
+        <p:spPr>
+          <a:xfrm>
+            <a:off x="380010" y="1481446"/>
+            <a:ext cx="2463858" cy="1539373"/>
+          </a:xfrm>
+          <a:prstGeom prst="rect">
+            <a:avLst/>
+          </a:prstGeom>
+        </p:spPr>
+      </p:pic>
+      <p:pic>
+        <p:nvPicPr>
+          <p:cNvPr id="8" name="Picture 7" descr="Text&#10;&#10;Description automatically generated">
+            <a:extLst>
+              <a:ext uri="{FF2B5EF4-FFF2-40B4-BE49-F238E27FC236}">
+                <a16:creationId xmlns:a16="http://schemas.microsoft.com/office/drawing/2014/main" id="{C9900624-A66F-842B-2398-F5C1522D46EB}"/>
+              </a:ext>
+            </a:extLst>
+          </p:cNvPr>
+          <p:cNvPicPr>
+            <a:picLocks noChangeAspect="1"/>
+          </p:cNvPicPr>
+          <p:nvPr/>
+        </p:nvPicPr>
+        <p:blipFill>
+          <a:blip r:embed="rId3"/>
+          <a:stretch>
+            <a:fillRect/>
+          </a:stretch>
+        </p:blipFill>
+        <p:spPr>
+          <a:xfrm>
+            <a:off x="4863554" y="3736578"/>
+            <a:ext cx="3478253" cy="1877663"/>
+          </a:xfrm>
+          <a:prstGeom prst="rect">
+            <a:avLst/>
+          </a:prstGeom>
+        </p:spPr>
+      </p:pic>
+      <p:pic>
+        <p:nvPicPr>
+          <p:cNvPr id="10" name="Picture 9" descr="Graphical user interface&#10;&#10;Description automatically generated with medium confidence">
+            <a:extLst>
+              <a:ext uri="{FF2B5EF4-FFF2-40B4-BE49-F238E27FC236}">
+                <a16:creationId xmlns:a16="http://schemas.microsoft.com/office/drawing/2014/main" id="{86082C74-B190-4A0F-22A9-9AF2BCDC3ACC}"/>
+              </a:ext>
+            </a:extLst>
+          </p:cNvPr>
+          <p:cNvPicPr>
+            <a:picLocks noChangeAspect="1"/>
+          </p:cNvPicPr>
+          <p:nvPr/>
+        </p:nvPicPr>
+        <p:blipFill>
+          <a:blip r:embed="rId4"/>
+          <a:stretch>
+            <a:fillRect/>
+          </a:stretch>
+        </p:blipFill>
+        <p:spPr>
+          <a:xfrm>
+            <a:off x="1825954" y="3649212"/>
+            <a:ext cx="2035828" cy="2106418"/>
+          </a:xfrm>
+          <a:prstGeom prst="rect">
+            <a:avLst/>
+          </a:prstGeom>
+        </p:spPr>
+      </p:pic>
+      <p:pic>
+        <p:nvPicPr>
+          <p:cNvPr id="12" name="Picture 11" descr="Text&#10;&#10;Description automatically generated">
+            <a:extLst>
+              <a:ext uri="{FF2B5EF4-FFF2-40B4-BE49-F238E27FC236}">
+                <a16:creationId xmlns:a16="http://schemas.microsoft.com/office/drawing/2014/main" id="{8CD054FF-D217-D217-7141-9E59100688EB}"/>
+              </a:ext>
+            </a:extLst>
+          </p:cNvPr>
+          <p:cNvPicPr>
+            <a:picLocks noChangeAspect="1"/>
+          </p:cNvPicPr>
+          <p:nvPr/>
+        </p:nvPicPr>
+        <p:blipFill>
+          <a:blip r:embed="rId5"/>
+          <a:stretch>
+            <a:fillRect/>
+          </a:stretch>
+        </p:blipFill>
+        <p:spPr>
+          <a:xfrm>
+            <a:off x="6398295" y="1447733"/>
+            <a:ext cx="2365695" cy="1539373"/>
+          </a:xfrm>
+          <a:prstGeom prst="rect">
+            <a:avLst/>
+          </a:prstGeom>
+        </p:spPr>
+      </p:pic>
+      <p:pic>
+        <p:nvPicPr>
+          <p:cNvPr id="14" name="Picture 13" descr="Graphical user interface, application&#10;&#10;Description automatically generated with medium confidence">
+            <a:extLst>
+              <a:ext uri="{FF2B5EF4-FFF2-40B4-BE49-F238E27FC236}">
+                <a16:creationId xmlns:a16="http://schemas.microsoft.com/office/drawing/2014/main" id="{3991AF3D-9641-CA80-8195-D732C0B55A48}"/>
+              </a:ext>
+            </a:extLst>
+          </p:cNvPr>
+          <p:cNvPicPr>
+            <a:picLocks noChangeAspect="1"/>
+          </p:cNvPicPr>
+          <p:nvPr/>
+        </p:nvPicPr>
+        <p:blipFill>
+          <a:blip r:embed="rId6"/>
+          <a:stretch>
+            <a:fillRect/>
+          </a:stretch>
+        </p:blipFill>
+        <p:spPr>
+          <a:xfrm>
+            <a:off x="3358538" y="1481445"/>
+            <a:ext cx="2575420" cy="1539373"/>
+          </a:xfrm>
+          <a:prstGeom prst="rect">
+            <a:avLst/>
+          </a:prstGeom>
+        </p:spPr>
+      </p:pic>
+    </p:spTree>
+    <p:extLst>
+      <p:ext uri="{BB962C8B-B14F-4D97-AF65-F5344CB8AC3E}">
+        <p14:creationId xmlns:p14="http://schemas.microsoft.com/office/powerpoint/2010/main" val="1286369169"/>
+      </p:ext>
+    </p:extLst>
+  </p:cSld>
+  <p:clrMapOvr>
+    <a:masterClrMapping/>
+  </p:clrMapOvr>
+</p:sld>
+</file>
+
+<file path=ppt/slides/slide12.xml><?xml version="1.0" encoding="utf-8"?>
+<p:sld xmlns:a="http://schemas.openxmlformats.org/drawingml/2006/main" xmlns:r="http://schemas.openxmlformats.org/officeDocument/2006/relationships" xmlns:p="http://schemas.openxmlformats.org/presentationml/2006/main">
+  <p:cSld>
+    <p:spTree>
+      <p:nvGrpSpPr>
+        <p:cNvPr id="1" name=""/>
+        <p:cNvGrpSpPr/>
+        <p:nvPr/>
+      </p:nvGrpSpPr>
+      <p:grpSpPr>
+        <a:xfrm>
+          <a:off x="0" y="0"/>
+          <a:ext cx="0" cy="0"/>
+          <a:chOff x="0" y="0"/>
+          <a:chExt cx="0" cy="0"/>
+        </a:xfrm>
+      </p:grpSpPr>
+      <p:sp>
+        <p:nvSpPr>
+          <p:cNvPr id="2" name="Title 1">
+            <a:extLst>
+              <a:ext uri="{FF2B5EF4-FFF2-40B4-BE49-F238E27FC236}">
+                <a16:creationId xmlns:a16="http://schemas.microsoft.com/office/drawing/2014/main" id="{1F80CE2E-D334-396F-049A-2458922EF523}"/>
+              </a:ext>
+            </a:extLst>
+          </p:cNvPr>
+          <p:cNvSpPr>
+            <a:spLocks noGrp="1"/>
+          </p:cNvSpPr>
+          <p:nvPr>
+            <p:ph type="title"/>
+          </p:nvPr>
+        </p:nvSpPr>
+        <p:spPr/>
+        <p:txBody>
+          <a:bodyPr/>
+          <a:lstStyle/>
+          <a:p>
+            <a:r>
+              <a:rPr lang="en-US" dirty="0"/>
+              <a:t>Backend Demo</a:t>
+            </a:r>
+          </a:p>
+        </p:txBody>
+      </p:sp>
+      <p:sp>
+        <p:nvSpPr>
+          <p:cNvPr id="3" name="Text Placeholder 2">
+            <a:extLst>
+              <a:ext uri="{FF2B5EF4-FFF2-40B4-BE49-F238E27FC236}">
+                <a16:creationId xmlns:a16="http://schemas.microsoft.com/office/drawing/2014/main" id="{6ED1072C-E673-F7CD-2A17-3DDEE13103A8}"/>
+              </a:ext>
+            </a:extLst>
+          </p:cNvPr>
+          <p:cNvSpPr>
+            <a:spLocks noGrp="1"/>
+          </p:cNvSpPr>
+          <p:nvPr>
+            <p:ph type="body" idx="1"/>
+          </p:nvPr>
+        </p:nvSpPr>
+        <p:spPr/>
+        <p:txBody>
+          <a:bodyPr/>
+          <a:lstStyle/>
+          <a:p>
+            <a:endParaRPr lang="en-US"/>
+          </a:p>
+        </p:txBody>
+      </p:sp>
+      <p:sp>
+        <p:nvSpPr>
+          <p:cNvPr id="4" name="Slide Number Placeholder 3">
+            <a:extLst>
+              <a:ext uri="{FF2B5EF4-FFF2-40B4-BE49-F238E27FC236}">
+                <a16:creationId xmlns:a16="http://schemas.microsoft.com/office/drawing/2014/main" id="{D468D0BC-9536-3979-BD34-772F78EE200E}"/>
+              </a:ext>
+            </a:extLst>
+          </p:cNvPr>
+          <p:cNvSpPr>
+            <a:spLocks noGrp="1"/>
+          </p:cNvSpPr>
+          <p:nvPr>
+            <p:ph type="sldNum" idx="12"/>
+          </p:nvPr>
+        </p:nvSpPr>
+        <p:spPr/>
+        <p:txBody>
+          <a:bodyPr/>
+          <a:lstStyle/>
+          <a:p>
+            <a:pPr marL="0" lvl="0" indent="0" algn="r" rtl="0">
+              <a:spcBef>
+                <a:spcPts val="0"/>
+              </a:spcBef>
+              <a:spcAft>
+                <a:spcPts val="0"/>
+              </a:spcAft>
+              <a:buNone/>
+            </a:pPr>
+            <a:fld id="{00000000-1234-1234-1234-123412341234}" type="slidenum">
+              <a:rPr lang="en-US" smtClean="0"/>
+              <a:t>11</a:t>
+            </a:fld>
+            <a:endParaRPr lang="en-US"/>
+          </a:p>
+        </p:txBody>
+      </p:sp>
+      <p:pic>
+        <p:nvPicPr>
+          <p:cNvPr id="6" name="Picture 5" descr="Text&#10;&#10;Description automatically generated">
+            <a:extLst>
+              <a:ext uri="{FF2B5EF4-FFF2-40B4-BE49-F238E27FC236}">
+                <a16:creationId xmlns:a16="http://schemas.microsoft.com/office/drawing/2014/main" id="{3AB43AB4-E3FD-8DBB-1EFD-6E3D90E08EFC}"/>
+              </a:ext>
+            </a:extLst>
+          </p:cNvPr>
+          <p:cNvPicPr>
+            <a:picLocks noChangeAspect="1"/>
+          </p:cNvPicPr>
+          <p:nvPr/>
+        </p:nvPicPr>
+        <p:blipFill>
+          <a:blip r:embed="rId2"/>
+          <a:stretch>
+            <a:fillRect/>
+          </a:stretch>
+        </p:blipFill>
+        <p:spPr>
+          <a:xfrm>
+            <a:off x="478173" y="1752454"/>
+            <a:ext cx="8221210" cy="4027561"/>
+          </a:xfrm>
+          <a:prstGeom prst="rect">
+            <a:avLst/>
+          </a:prstGeom>
+        </p:spPr>
+      </p:pic>
+    </p:spTree>
+    <p:extLst>
+      <p:ext uri="{BB962C8B-B14F-4D97-AF65-F5344CB8AC3E}">
+        <p14:creationId xmlns:p14="http://schemas.microsoft.com/office/powerpoint/2010/main" val="1746043486"/>
+      </p:ext>
+    </p:extLst>
+  </p:cSld>
+  <p:clrMapOvr>
+    <a:masterClrMapping/>
+  </p:clrMapOvr>
+</p:sld>
+</file>
+
+<file path=ppt/slides/slide13.xml><?xml version="1.0" encoding="utf-8"?>
+<p:sld xmlns:a="http://schemas.openxmlformats.org/drawingml/2006/main" xmlns:r="http://schemas.openxmlformats.org/officeDocument/2006/relationships" xmlns:p="http://schemas.openxmlformats.org/presentationml/2006/main">
+  <p:cSld>
+    <p:spTree>
+      <p:nvGrpSpPr>
+        <p:cNvPr id="1" name=""/>
+        <p:cNvGrpSpPr/>
+        <p:nvPr/>
+      </p:nvGrpSpPr>
+      <p:grpSpPr>
+        <a:xfrm>
+          <a:off x="0" y="0"/>
+          <a:ext cx="0" cy="0"/>
+          <a:chOff x="0" y="0"/>
+          <a:chExt cx="0" cy="0"/>
+        </a:xfrm>
+      </p:grpSpPr>
+      <p:sp>
+        <p:nvSpPr>
+          <p:cNvPr id="2" name="Title 1">
+            <a:extLst>
+              <a:ext uri="{FF2B5EF4-FFF2-40B4-BE49-F238E27FC236}">
+                <a16:creationId xmlns:a16="http://schemas.microsoft.com/office/drawing/2014/main" id="{CE947ECA-C54A-841D-6CCB-E4090AE5F919}"/>
+              </a:ext>
+            </a:extLst>
+          </p:cNvPr>
+          <p:cNvSpPr>
+            <a:spLocks noGrp="1"/>
+          </p:cNvSpPr>
+          <p:nvPr>
+            <p:ph type="title"/>
+          </p:nvPr>
+        </p:nvSpPr>
+        <p:spPr/>
+        <p:txBody>
+          <a:bodyPr/>
+          <a:lstStyle/>
+          <a:p>
+            <a:r>
+              <a:rPr lang="en-US" dirty="0"/>
+              <a:t>Backend Demo</a:t>
+            </a:r>
+          </a:p>
+        </p:txBody>
+      </p:sp>
+      <p:sp>
+        <p:nvSpPr>
+          <p:cNvPr id="3" name="Text Placeholder 2">
+            <a:extLst>
+              <a:ext uri="{FF2B5EF4-FFF2-40B4-BE49-F238E27FC236}">
+                <a16:creationId xmlns:a16="http://schemas.microsoft.com/office/drawing/2014/main" id="{D931CBFE-ED6D-C138-84C6-D36DECDEA170}"/>
+              </a:ext>
+            </a:extLst>
+          </p:cNvPr>
+          <p:cNvSpPr>
+            <a:spLocks noGrp="1"/>
+          </p:cNvSpPr>
+          <p:nvPr>
+            <p:ph type="body" idx="1"/>
+          </p:nvPr>
+        </p:nvSpPr>
+        <p:spPr/>
+        <p:txBody>
+          <a:bodyPr/>
+          <a:lstStyle/>
+          <a:p>
+            <a:endParaRPr lang="en-US" dirty="0"/>
+          </a:p>
+        </p:txBody>
+      </p:sp>
+      <p:sp>
+        <p:nvSpPr>
+          <p:cNvPr id="4" name="Slide Number Placeholder 3">
+            <a:extLst>
+              <a:ext uri="{FF2B5EF4-FFF2-40B4-BE49-F238E27FC236}">
+                <a16:creationId xmlns:a16="http://schemas.microsoft.com/office/drawing/2014/main" id="{4C37C45D-B0CA-E4A8-0F69-C942577D78A3}"/>
+              </a:ext>
+            </a:extLst>
+          </p:cNvPr>
+          <p:cNvSpPr>
+            <a:spLocks noGrp="1"/>
+          </p:cNvSpPr>
+          <p:nvPr>
+            <p:ph type="sldNum" idx="12"/>
+          </p:nvPr>
+        </p:nvSpPr>
+        <p:spPr/>
+        <p:txBody>
+          <a:bodyPr/>
+          <a:lstStyle/>
+          <a:p>
+            <a:pPr marL="0" lvl="0" indent="0" algn="r" rtl="0">
+              <a:spcBef>
+                <a:spcPts val="0"/>
+              </a:spcBef>
+              <a:spcAft>
+                <a:spcPts val="0"/>
+              </a:spcAft>
+              <a:buNone/>
+            </a:pPr>
+            <a:fld id="{00000000-1234-1234-1234-123412341234}" type="slidenum">
+              <a:rPr lang="en-US" smtClean="0"/>
+              <a:t>12</a:t>
+            </a:fld>
+            <a:endParaRPr lang="en-US"/>
+          </a:p>
+        </p:txBody>
+      </p:sp>
+      <p:pic>
+        <p:nvPicPr>
+          <p:cNvPr id="6" name="Picture 5" descr="Text&#10;&#10;Description automatically generated">
+            <a:extLst>
+              <a:ext uri="{FF2B5EF4-FFF2-40B4-BE49-F238E27FC236}">
+                <a16:creationId xmlns:a16="http://schemas.microsoft.com/office/drawing/2014/main" id="{8906CF6C-F1DB-72E7-E9AF-CBE246B47B9C}"/>
+              </a:ext>
+            </a:extLst>
+          </p:cNvPr>
+          <p:cNvPicPr>
+            <a:picLocks noChangeAspect="1"/>
+          </p:cNvPicPr>
+          <p:nvPr/>
+        </p:nvPicPr>
+        <p:blipFill>
+          <a:blip r:embed="rId2"/>
+          <a:stretch>
+            <a:fillRect/>
+          </a:stretch>
+        </p:blipFill>
+        <p:spPr>
+          <a:xfrm>
+            <a:off x="380008" y="1736521"/>
+            <a:ext cx="8383981" cy="3363985"/>
+          </a:xfrm>
+          <a:prstGeom prst="rect">
+            <a:avLst/>
+          </a:prstGeom>
+        </p:spPr>
+      </p:pic>
+    </p:spTree>
+    <p:extLst>
+      <p:ext uri="{BB962C8B-B14F-4D97-AF65-F5344CB8AC3E}">
+        <p14:creationId xmlns:p14="http://schemas.microsoft.com/office/powerpoint/2010/main" val="4262191273"/>
+      </p:ext>
+    </p:extLst>
+  </p:cSld>
+  <p:clrMapOvr>
+    <a:masterClrMapping/>
+  </p:clrMapOvr>
+</p:sld>
+</file>
+
+<file path=ppt/slides/slide14.xml><?xml version="1.0" encoding="utf-8"?>
+<p:sld xmlns:a="http://schemas.openxmlformats.org/drawingml/2006/main" xmlns:r="http://schemas.openxmlformats.org/officeDocument/2006/relationships" xmlns:p="http://schemas.openxmlformats.org/presentationml/2006/main">
+  <p:cSld>
+    <p:spTree>
+      <p:nvGrpSpPr>
+        <p:cNvPr id="1" name=""/>
+        <p:cNvGrpSpPr/>
+        <p:nvPr/>
+      </p:nvGrpSpPr>
+      <p:grpSpPr>
+        <a:xfrm>
+          <a:off x="0" y="0"/>
+          <a:ext cx="0" cy="0"/>
+          <a:chOff x="0" y="0"/>
+          <a:chExt cx="0" cy="0"/>
+        </a:xfrm>
+      </p:grpSpPr>
+      <p:sp>
+        <p:nvSpPr>
+          <p:cNvPr id="2" name="Title 1">
+            <a:extLst>
+              <a:ext uri="{FF2B5EF4-FFF2-40B4-BE49-F238E27FC236}">
+                <a16:creationId xmlns:a16="http://schemas.microsoft.com/office/drawing/2014/main" id="{2963A71D-E461-C7EC-8B45-3F3A37A4BD3A}"/>
+              </a:ext>
+            </a:extLst>
+          </p:cNvPr>
+          <p:cNvSpPr>
+            <a:spLocks noGrp="1"/>
+          </p:cNvSpPr>
+          <p:nvPr>
+            <p:ph type="title"/>
+          </p:nvPr>
+        </p:nvSpPr>
+        <p:spPr/>
+        <p:txBody>
+          <a:bodyPr/>
+          <a:lstStyle/>
+          <a:p>
+            <a:r>
+              <a:rPr lang="en-US" dirty="0"/>
+              <a:t>Backend Demo</a:t>
+            </a:r>
+          </a:p>
+        </p:txBody>
+      </p:sp>
+      <p:sp>
+        <p:nvSpPr>
+          <p:cNvPr id="3" name="Text Placeholder 2">
+            <a:extLst>
+              <a:ext uri="{FF2B5EF4-FFF2-40B4-BE49-F238E27FC236}">
+                <a16:creationId xmlns:a16="http://schemas.microsoft.com/office/drawing/2014/main" id="{8D38C555-2BB1-8E49-4822-F08797DB66F5}"/>
+              </a:ext>
+            </a:extLst>
+          </p:cNvPr>
+          <p:cNvSpPr>
+            <a:spLocks noGrp="1"/>
+          </p:cNvSpPr>
+          <p:nvPr>
+            <p:ph type="body" idx="1"/>
+          </p:nvPr>
+        </p:nvSpPr>
+        <p:spPr/>
+        <p:txBody>
+          <a:bodyPr/>
+          <a:lstStyle/>
+          <a:p>
+            <a:endParaRPr lang="en-US"/>
+          </a:p>
+        </p:txBody>
+      </p:sp>
+      <p:sp>
+        <p:nvSpPr>
+          <p:cNvPr id="4" name="Slide Number Placeholder 3">
+            <a:extLst>
+              <a:ext uri="{FF2B5EF4-FFF2-40B4-BE49-F238E27FC236}">
+                <a16:creationId xmlns:a16="http://schemas.microsoft.com/office/drawing/2014/main" id="{AA705342-B019-4736-B76D-17EDB2A68EDD}"/>
+              </a:ext>
+            </a:extLst>
+          </p:cNvPr>
+          <p:cNvSpPr>
+            <a:spLocks noGrp="1"/>
+          </p:cNvSpPr>
+          <p:nvPr>
+            <p:ph type="sldNum" idx="12"/>
+          </p:nvPr>
+        </p:nvSpPr>
+        <p:spPr/>
+        <p:txBody>
+          <a:bodyPr/>
+          <a:lstStyle/>
+          <a:p>
+            <a:pPr marL="0" lvl="0" indent="0" algn="r" rtl="0">
+              <a:spcBef>
+                <a:spcPts val="0"/>
+              </a:spcBef>
+              <a:spcAft>
+                <a:spcPts val="0"/>
+              </a:spcAft>
+              <a:buNone/>
+            </a:pPr>
+            <a:fld id="{00000000-1234-1234-1234-123412341234}" type="slidenum">
+              <a:rPr lang="en-US" smtClean="0"/>
+              <a:t>13</a:t>
+            </a:fld>
+            <a:endParaRPr lang="en-US"/>
+          </a:p>
+        </p:txBody>
+      </p:sp>
+      <p:pic>
+        <p:nvPicPr>
+          <p:cNvPr id="6" name="Picture 5" descr="Text&#10;&#10;Description automatically generated">
+            <a:extLst>
+              <a:ext uri="{FF2B5EF4-FFF2-40B4-BE49-F238E27FC236}">
+                <a16:creationId xmlns:a16="http://schemas.microsoft.com/office/drawing/2014/main" id="{7DAF25EF-AE4A-E194-BDD3-2E421FE51482}"/>
+              </a:ext>
+            </a:extLst>
+          </p:cNvPr>
+          <p:cNvPicPr>
+            <a:picLocks noChangeAspect="1"/>
+          </p:cNvPicPr>
+          <p:nvPr/>
+        </p:nvPicPr>
+        <p:blipFill>
+          <a:blip r:embed="rId2"/>
+          <a:stretch>
+            <a:fillRect/>
+          </a:stretch>
+        </p:blipFill>
+        <p:spPr>
+          <a:xfrm>
+            <a:off x="486561" y="1719742"/>
+            <a:ext cx="8187656" cy="3951215"/>
+          </a:xfrm>
+          <a:prstGeom prst="rect">
+            <a:avLst/>
+          </a:prstGeom>
+        </p:spPr>
+      </p:pic>
+    </p:spTree>
+    <p:extLst>
+      <p:ext uri="{BB962C8B-B14F-4D97-AF65-F5344CB8AC3E}">
+        <p14:creationId xmlns:p14="http://schemas.microsoft.com/office/powerpoint/2010/main" val="2914928159"/>
+      </p:ext>
+    </p:extLst>
+  </p:cSld>
+  <p:clrMapOvr>
+    <a:masterClrMapping/>
+  </p:clrMapOvr>
+</p:sld>
+</file>
+
+<file path=ppt/slides/slide15.xml><?xml version="1.0" encoding="utf-8"?>
+<p:sld xmlns:a="http://schemas.openxmlformats.org/drawingml/2006/main" xmlns:r="http://schemas.openxmlformats.org/officeDocument/2006/relationships" xmlns:p="http://schemas.openxmlformats.org/presentationml/2006/main">
+  <p:cSld>
+    <p:spTree>
+      <p:nvGrpSpPr>
+        <p:cNvPr id="1" name=""/>
+        <p:cNvGrpSpPr/>
+        <p:nvPr/>
+      </p:nvGrpSpPr>
+      <p:grpSpPr>
+        <a:xfrm>
+          <a:off x="0" y="0"/>
+          <a:ext cx="0" cy="0"/>
+          <a:chOff x="0" y="0"/>
+          <a:chExt cx="0" cy="0"/>
+        </a:xfrm>
+      </p:grpSpPr>
+      <p:sp>
+        <p:nvSpPr>
+          <p:cNvPr id="2" name="Title 1">
+            <a:extLst>
+              <a:ext uri="{FF2B5EF4-FFF2-40B4-BE49-F238E27FC236}">
+                <a16:creationId xmlns:a16="http://schemas.microsoft.com/office/drawing/2014/main" id="{5F6CDCF4-6D1C-06E2-ACFD-DBB7D8ED04FC}"/>
+              </a:ext>
+            </a:extLst>
+          </p:cNvPr>
+          <p:cNvSpPr>
+            <a:spLocks noGrp="1"/>
+          </p:cNvSpPr>
+          <p:nvPr>
+            <p:ph type="title"/>
+          </p:nvPr>
+        </p:nvSpPr>
+        <p:spPr/>
+        <p:txBody>
+          <a:bodyPr/>
+          <a:lstStyle/>
+          <a:p>
+            <a:r>
+              <a:rPr lang="en-US" dirty="0"/>
+              <a:t>Backend Demo</a:t>
+            </a:r>
+          </a:p>
+        </p:txBody>
+      </p:sp>
+      <p:sp>
+        <p:nvSpPr>
+          <p:cNvPr id="3" name="Text Placeholder 2">
+            <a:extLst>
+              <a:ext uri="{FF2B5EF4-FFF2-40B4-BE49-F238E27FC236}">
+                <a16:creationId xmlns:a16="http://schemas.microsoft.com/office/drawing/2014/main" id="{C02384A4-36F8-5190-1ED3-78DA76E19B7A}"/>
+              </a:ext>
+            </a:extLst>
+          </p:cNvPr>
+          <p:cNvSpPr>
+            <a:spLocks noGrp="1"/>
+          </p:cNvSpPr>
+          <p:nvPr>
+            <p:ph type="body" idx="1"/>
+          </p:nvPr>
+        </p:nvSpPr>
+        <p:spPr/>
+        <p:txBody>
+          <a:bodyPr/>
+          <a:lstStyle/>
+          <a:p>
+            <a:endParaRPr lang="en-US" dirty="0"/>
+          </a:p>
+        </p:txBody>
+      </p:sp>
+      <p:sp>
+        <p:nvSpPr>
+          <p:cNvPr id="4" name="Slide Number Placeholder 3">
+            <a:extLst>
+              <a:ext uri="{FF2B5EF4-FFF2-40B4-BE49-F238E27FC236}">
+                <a16:creationId xmlns:a16="http://schemas.microsoft.com/office/drawing/2014/main" id="{2E917A51-996A-C8A8-5ABC-6AEBA45E5930}"/>
+              </a:ext>
+            </a:extLst>
+          </p:cNvPr>
+          <p:cNvSpPr>
+            <a:spLocks noGrp="1"/>
+          </p:cNvSpPr>
+          <p:nvPr>
+            <p:ph type="sldNum" idx="12"/>
+          </p:nvPr>
+        </p:nvSpPr>
+        <p:spPr/>
+        <p:txBody>
+          <a:bodyPr/>
+          <a:lstStyle/>
+          <a:p>
+            <a:pPr marL="0" lvl="0" indent="0" algn="r" rtl="0">
+              <a:spcBef>
+                <a:spcPts val="0"/>
+              </a:spcBef>
+              <a:spcAft>
+                <a:spcPts val="0"/>
+              </a:spcAft>
+              <a:buNone/>
+            </a:pPr>
+            <a:fld id="{00000000-1234-1234-1234-123412341234}" type="slidenum">
+              <a:rPr lang="en-US" smtClean="0"/>
+              <a:t>14</a:t>
+            </a:fld>
+            <a:endParaRPr lang="en-US"/>
+          </a:p>
+        </p:txBody>
+      </p:sp>
+      <p:pic>
+        <p:nvPicPr>
+          <p:cNvPr id="6" name="Picture 5" descr="Text&#10;&#10;Description automatically generated">
+            <a:extLst>
+              <a:ext uri="{FF2B5EF4-FFF2-40B4-BE49-F238E27FC236}">
+                <a16:creationId xmlns:a16="http://schemas.microsoft.com/office/drawing/2014/main" id="{50252345-D9C4-8998-A275-0AB487055C02}"/>
+              </a:ext>
+            </a:extLst>
+          </p:cNvPr>
+          <p:cNvPicPr>
+            <a:picLocks noChangeAspect="1"/>
+          </p:cNvPicPr>
+          <p:nvPr/>
+        </p:nvPicPr>
+        <p:blipFill>
+          <a:blip r:embed="rId2"/>
+          <a:stretch>
+            <a:fillRect/>
+          </a:stretch>
+        </p:blipFill>
+        <p:spPr>
+          <a:xfrm>
+            <a:off x="380011" y="1481446"/>
+            <a:ext cx="4191990" cy="4525963"/>
+          </a:xfrm>
+          <a:prstGeom prst="rect">
+            <a:avLst/>
+          </a:prstGeom>
+        </p:spPr>
+      </p:pic>
+      <p:pic>
+        <p:nvPicPr>
+          <p:cNvPr id="8" name="Picture 7" descr="Text&#10;&#10;Description automatically generated">
+            <a:extLst>
+              <a:ext uri="{FF2B5EF4-FFF2-40B4-BE49-F238E27FC236}">
+                <a16:creationId xmlns:a16="http://schemas.microsoft.com/office/drawing/2014/main" id="{9646570C-7452-25E2-7B5E-BB3CE4CB2587}"/>
+              </a:ext>
+            </a:extLst>
+          </p:cNvPr>
+          <p:cNvPicPr>
+            <a:picLocks noChangeAspect="1"/>
+          </p:cNvPicPr>
+          <p:nvPr/>
+        </p:nvPicPr>
+        <p:blipFill>
+          <a:blip r:embed="rId3"/>
+          <a:stretch>
+            <a:fillRect/>
+          </a:stretch>
+        </p:blipFill>
+        <p:spPr>
+          <a:xfrm>
+            <a:off x="4572001" y="1481447"/>
+            <a:ext cx="4191990" cy="4525962"/>
+          </a:xfrm>
+          <a:prstGeom prst="rect">
+            <a:avLst/>
+          </a:prstGeom>
+        </p:spPr>
+      </p:pic>
+    </p:spTree>
+    <p:extLst>
+      <p:ext uri="{BB962C8B-B14F-4D97-AF65-F5344CB8AC3E}">
+        <p14:creationId xmlns:p14="http://schemas.microsoft.com/office/powerpoint/2010/main" val="2085324064"/>
+      </p:ext>
+    </p:extLst>
+  </p:cSld>
+  <p:clrMapOvr>
+    <a:masterClrMapping/>
+  </p:clrMapOvr>
+</p:sld>
+</file>
+
+<file path=ppt/slides/slide16.xml><?xml version="1.0" encoding="utf-8"?>
+<p:sld xmlns:a="http://schemas.openxmlformats.org/drawingml/2006/main" xmlns:r="http://schemas.openxmlformats.org/officeDocument/2006/relationships" xmlns:p="http://schemas.openxmlformats.org/presentationml/2006/main">
+  <p:cSld>
+    <p:spTree>
+      <p:nvGrpSpPr>
+        <p:cNvPr id="1" name=""/>
+        <p:cNvGrpSpPr/>
+        <p:nvPr/>
+      </p:nvGrpSpPr>
+      <p:grpSpPr>
+        <a:xfrm>
+          <a:off x="0" y="0"/>
+          <a:ext cx="0" cy="0"/>
+          <a:chOff x="0" y="0"/>
+          <a:chExt cx="0" cy="0"/>
+        </a:xfrm>
+      </p:grpSpPr>
+      <p:sp>
+        <p:nvSpPr>
+          <p:cNvPr id="2" name="Title 1">
+            <a:extLst>
+              <a:ext uri="{FF2B5EF4-FFF2-40B4-BE49-F238E27FC236}">
+                <a16:creationId xmlns:a16="http://schemas.microsoft.com/office/drawing/2014/main" id="{17721EF8-FA2A-8204-F23E-77FC60F746C4}"/>
+              </a:ext>
+            </a:extLst>
+          </p:cNvPr>
+          <p:cNvSpPr>
+            <a:spLocks noGrp="1"/>
+          </p:cNvSpPr>
+          <p:nvPr>
+            <p:ph type="title"/>
+          </p:nvPr>
+        </p:nvSpPr>
+        <p:spPr/>
+        <p:txBody>
+          <a:bodyPr/>
+          <a:lstStyle/>
+          <a:p>
+            <a:r>
+              <a:rPr lang="en-US" dirty="0"/>
+              <a:t>Backend Demo</a:t>
+            </a:r>
+          </a:p>
+        </p:txBody>
+      </p:sp>
+      <p:sp>
+        <p:nvSpPr>
+          <p:cNvPr id="3" name="Text Placeholder 2">
+            <a:extLst>
+              <a:ext uri="{FF2B5EF4-FFF2-40B4-BE49-F238E27FC236}">
+                <a16:creationId xmlns:a16="http://schemas.microsoft.com/office/drawing/2014/main" id="{30FD9273-885F-0801-804A-F14F3C132ABF}"/>
+              </a:ext>
+            </a:extLst>
+          </p:cNvPr>
+          <p:cNvSpPr>
+            <a:spLocks noGrp="1"/>
+          </p:cNvSpPr>
+          <p:nvPr>
+            <p:ph type="body" idx="1"/>
+          </p:nvPr>
+        </p:nvSpPr>
+        <p:spPr/>
+        <p:txBody>
+          <a:bodyPr/>
+          <a:lstStyle/>
+          <a:p>
+            <a:endParaRPr lang="en-US" dirty="0"/>
+          </a:p>
+        </p:txBody>
+      </p:sp>
+      <p:sp>
+        <p:nvSpPr>
+          <p:cNvPr id="4" name="Slide Number Placeholder 3">
+            <a:extLst>
+              <a:ext uri="{FF2B5EF4-FFF2-40B4-BE49-F238E27FC236}">
+                <a16:creationId xmlns:a16="http://schemas.microsoft.com/office/drawing/2014/main" id="{69CA499E-94A9-6532-5B92-9FB06D91B55A}"/>
+              </a:ext>
+            </a:extLst>
+          </p:cNvPr>
+          <p:cNvSpPr>
+            <a:spLocks noGrp="1"/>
+          </p:cNvSpPr>
+          <p:nvPr>
+            <p:ph type="sldNum" idx="12"/>
+          </p:nvPr>
+        </p:nvSpPr>
+        <p:spPr/>
+        <p:txBody>
+          <a:bodyPr/>
+          <a:lstStyle/>
+          <a:p>
+            <a:pPr marL="0" lvl="0" indent="0" algn="r" rtl="0">
+              <a:spcBef>
+                <a:spcPts val="0"/>
+              </a:spcBef>
+              <a:spcAft>
+                <a:spcPts val="0"/>
+              </a:spcAft>
+              <a:buNone/>
+            </a:pPr>
+            <a:fld id="{00000000-1234-1234-1234-123412341234}" type="slidenum">
+              <a:rPr lang="en-US" smtClean="0"/>
+              <a:t>15</a:t>
+            </a:fld>
+            <a:endParaRPr lang="en-US"/>
+          </a:p>
+        </p:txBody>
+      </p:sp>
+      <p:pic>
+        <p:nvPicPr>
+          <p:cNvPr id="6" name="Picture 5" descr="Text&#10;&#10;Description automatically generated">
+            <a:extLst>
+              <a:ext uri="{FF2B5EF4-FFF2-40B4-BE49-F238E27FC236}">
+                <a16:creationId xmlns:a16="http://schemas.microsoft.com/office/drawing/2014/main" id="{893D0C29-AE0A-A5D4-9A76-ABBFBB450517}"/>
+              </a:ext>
+            </a:extLst>
+          </p:cNvPr>
+          <p:cNvPicPr>
+            <a:picLocks noChangeAspect="1"/>
+          </p:cNvPicPr>
+          <p:nvPr/>
+        </p:nvPicPr>
+        <p:blipFill>
+          <a:blip r:embed="rId2"/>
+          <a:stretch>
+            <a:fillRect/>
+          </a:stretch>
+        </p:blipFill>
+        <p:spPr>
+          <a:xfrm>
+            <a:off x="1258349" y="2508308"/>
+            <a:ext cx="6459523" cy="2323751"/>
+          </a:xfrm>
+          <a:prstGeom prst="rect">
+            <a:avLst/>
+          </a:prstGeom>
+        </p:spPr>
+      </p:pic>
+    </p:spTree>
+    <p:extLst>
+      <p:ext uri="{BB962C8B-B14F-4D97-AF65-F5344CB8AC3E}">
+        <p14:creationId xmlns:p14="http://schemas.microsoft.com/office/powerpoint/2010/main" val="3853852499"/>
       </p:ext>
     </p:extLst>
   </p:cSld>
